--- a/6조 최종 PPT.pptx
+++ b/6조 최종 PPT.pptx
@@ -8,7 +8,7 @@
     <p:sldMasterId id="2147483660" r:id="rId4"/>
   </p:sldMasterIdLst>
   <p:notesMasterIdLst>
-    <p:notesMasterId r:id="rId21"/>
+    <p:notesMasterId r:id="rId23"/>
   </p:notesMasterIdLst>
   <p:sldIdLst>
     <p:sldId id="258" r:id="rId5"/>
@@ -19,38 +19,40 @@
     <p:sldId id="275" r:id="rId10"/>
     <p:sldId id="276" r:id="rId11"/>
     <p:sldId id="274" r:id="rId12"/>
-    <p:sldId id="262" r:id="rId13"/>
-    <p:sldId id="263" r:id="rId14"/>
-    <p:sldId id="264" r:id="rId15"/>
-    <p:sldId id="265" r:id="rId16"/>
-    <p:sldId id="268" r:id="rId17"/>
-    <p:sldId id="269" r:id="rId18"/>
-    <p:sldId id="266" r:id="rId19"/>
-    <p:sldId id="267" r:id="rId20"/>
+    <p:sldId id="277" r:id="rId13"/>
+    <p:sldId id="262" r:id="rId14"/>
+    <p:sldId id="278" r:id="rId15"/>
+    <p:sldId id="263" r:id="rId16"/>
+    <p:sldId id="264" r:id="rId17"/>
+    <p:sldId id="265" r:id="rId18"/>
+    <p:sldId id="268" r:id="rId19"/>
+    <p:sldId id="269" r:id="rId20"/>
+    <p:sldId id="266" r:id="rId21"/>
+    <p:sldId id="267" r:id="rId22"/>
   </p:sldIdLst>
   <p:sldSz cx="12192000" cy="6858000"/>
   <p:notesSz cx="6858000" cy="9144000"/>
   <p:embeddedFontLst>
     <p:embeddedFont>
       <p:font typeface="나눔고딕 ExtraBold" panose="020D0904000000000000" pitchFamily="50" charset="-127"/>
-      <p:bold r:id="rId22"/>
+      <p:bold r:id="rId24"/>
     </p:embeddedFont>
     <p:embeddedFont>
       <p:font typeface="나눔스퀘어" panose="020B0600000101010101" pitchFamily="50" charset="-127"/>
-      <p:regular r:id="rId23"/>
+      <p:regular r:id="rId25"/>
     </p:embeddedFont>
     <p:embeddedFont>
       <p:font typeface="나눔스퀘어 Bold" panose="020B0600000101010101" pitchFamily="50" charset="-127"/>
-      <p:bold r:id="rId24"/>
+      <p:bold r:id="rId26"/>
     </p:embeddedFont>
     <p:embeddedFont>
       <p:font typeface="나눔스퀘어 ExtraBold" panose="020B0600000101010101" pitchFamily="50" charset="-127"/>
-      <p:bold r:id="rId25"/>
+      <p:bold r:id="rId27"/>
     </p:embeddedFont>
     <p:embeddedFont>
       <p:font typeface="맑은 고딕" panose="020B0503020000020004" pitchFamily="50" charset="-127"/>
-      <p:regular r:id="rId26"/>
-      <p:bold r:id="rId27"/>
+      <p:regular r:id="rId28"/>
+      <p:bold r:id="rId29"/>
     </p:embeddedFont>
   </p:embeddedFontLst>
   <p:defaultTextStyle>
@@ -1333,10 +1335,7 @@
           </c:tx>
           <c:spPr>
             <a:solidFill>
-              <a:schemeClr val="accent5">
-                <a:lumMod val="60000"/>
-                <a:lumOff val="40000"/>
-              </a:schemeClr>
+              <a:schemeClr val="accent5"/>
             </a:solidFill>
             <a:ln>
               <a:noFill/>
@@ -1665,6 +1664,1188 @@
 </c:chartSpace>
 </file>
 
+<file path=ppt/charts/chart4.xml><?xml version="1.0" encoding="utf-8"?>
+<c:chartSpace xmlns:c="http://schemas.openxmlformats.org/drawingml/2006/chart" xmlns:a="http://schemas.openxmlformats.org/drawingml/2006/main" xmlns:r="http://schemas.openxmlformats.org/officeDocument/2006/relationships" xmlns:c16r2="http://schemas.microsoft.com/office/drawing/2015/06/chart">
+  <c:date1904 val="0"/>
+  <c:lang val="ko-KR"/>
+  <c:roundedCorners val="0"/>
+  <mc:AlternateContent xmlns:mc="http://schemas.openxmlformats.org/markup-compatibility/2006">
+    <mc:Choice xmlns:c14="http://schemas.microsoft.com/office/drawing/2007/8/2/chart" Requires="c14">
+      <c14:style val="102"/>
+    </mc:Choice>
+    <mc:Fallback>
+      <c:style val="2"/>
+    </mc:Fallback>
+  </mc:AlternateContent>
+  <c:chart>
+    <c:title>
+      <c:tx>
+        <c:rich>
+          <a:bodyPr rot="0" spcFirstLastPara="1" vertOverflow="ellipsis" vert="horz" wrap="square" anchor="ctr" anchorCtr="1"/>
+          <a:lstStyle/>
+          <a:p>
+            <a:pPr>
+              <a:defRPr sz="1800" b="1" i="0" u="none" strike="noStrike" kern="1200" baseline="0">
+                <a:solidFill>
+                  <a:schemeClr val="dk1">
+                    <a:lumMod val="75000"/>
+                    <a:lumOff val="25000"/>
+                  </a:schemeClr>
+                </a:solidFill>
+                <a:latin typeface="+mn-lt"/>
+                <a:ea typeface="+mn-ea"/>
+                <a:cs typeface="+mn-cs"/>
+              </a:defRPr>
+            </a:pPr>
+            <a:r>
+              <a:rPr lang="ko-KR" altLang="en-US"/>
+              <a:t>내국인 관광목적</a:t>
+            </a:r>
+            <a:endParaRPr lang="ko-KR"/>
+          </a:p>
+        </c:rich>
+      </c:tx>
+      <c:overlay val="0"/>
+      <c:spPr>
+        <a:noFill/>
+        <a:ln>
+          <a:noFill/>
+        </a:ln>
+        <a:effectLst/>
+      </c:spPr>
+      <c:txPr>
+        <a:bodyPr rot="0" spcFirstLastPara="1" vertOverflow="ellipsis" vert="horz" wrap="square" anchor="ctr" anchorCtr="1"/>
+        <a:lstStyle/>
+        <a:p>
+          <a:pPr>
+            <a:defRPr sz="1800" b="1" i="0" u="none" strike="noStrike" kern="1200" baseline="0">
+              <a:solidFill>
+                <a:schemeClr val="dk1">
+                  <a:lumMod val="75000"/>
+                  <a:lumOff val="25000"/>
+                </a:schemeClr>
+              </a:solidFill>
+              <a:latin typeface="+mn-lt"/>
+              <a:ea typeface="+mn-ea"/>
+              <a:cs typeface="+mn-cs"/>
+            </a:defRPr>
+          </a:pPr>
+          <a:endParaRPr lang="ko-KR"/>
+        </a:p>
+      </c:txPr>
+    </c:title>
+    <c:autoTitleDeleted val="0"/>
+    <c:plotArea>
+      <c:layout/>
+      <c:pieChart>
+        <c:varyColors val="1"/>
+        <c:ser>
+          <c:idx val="0"/>
+          <c:order val="0"/>
+          <c:dPt>
+            <c:idx val="0"/>
+            <c:bubble3D val="0"/>
+            <c:spPr>
+              <a:solidFill>
+                <a:srgbClr val="0066CC"/>
+              </a:solidFill>
+              <a:ln>
+                <a:noFill/>
+              </a:ln>
+              <a:effectLst>
+                <a:outerShdw blurRad="254000" sx="102000" sy="102000" algn="ctr" rotWithShape="0">
+                  <a:prstClr val="black">
+                    <a:alpha val="20000"/>
+                  </a:prstClr>
+                </a:outerShdw>
+              </a:effectLst>
+            </c:spPr>
+            <c:extLst>
+              <c:ext xmlns:c16="http://schemas.microsoft.com/office/drawing/2014/chart" uri="{C3380CC4-5D6E-409C-BE32-E72D297353CC}">
+                <c16:uniqueId val="{00000001-AF4B-4114-8F55-194950434339}"/>
+              </c:ext>
+            </c:extLst>
+          </c:dPt>
+          <c:dPt>
+            <c:idx val="1"/>
+            <c:bubble3D val="0"/>
+            <c:spPr>
+              <a:solidFill>
+                <a:schemeClr val="accent2"/>
+              </a:solidFill>
+              <a:ln>
+                <a:noFill/>
+              </a:ln>
+              <a:effectLst>
+                <a:outerShdw blurRad="254000" sx="102000" sy="102000" algn="ctr" rotWithShape="0">
+                  <a:prstClr val="black">
+                    <a:alpha val="20000"/>
+                  </a:prstClr>
+                </a:outerShdw>
+              </a:effectLst>
+            </c:spPr>
+            <c:extLst>
+              <c:ext xmlns:c16="http://schemas.microsoft.com/office/drawing/2014/chart" uri="{C3380CC4-5D6E-409C-BE32-E72D297353CC}">
+                <c16:uniqueId val="{00000003-AF4B-4114-8F55-194950434339}"/>
+              </c:ext>
+            </c:extLst>
+          </c:dPt>
+          <c:dPt>
+            <c:idx val="2"/>
+            <c:bubble3D val="0"/>
+            <c:spPr>
+              <a:solidFill>
+                <a:schemeClr val="accent3"/>
+              </a:solidFill>
+              <a:ln>
+                <a:noFill/>
+              </a:ln>
+              <a:effectLst>
+                <a:outerShdw blurRad="254000" sx="102000" sy="102000" algn="ctr" rotWithShape="0">
+                  <a:prstClr val="black">
+                    <a:alpha val="20000"/>
+                  </a:prstClr>
+                </a:outerShdw>
+              </a:effectLst>
+            </c:spPr>
+            <c:extLst>
+              <c:ext xmlns:c16="http://schemas.microsoft.com/office/drawing/2014/chart" uri="{C3380CC4-5D6E-409C-BE32-E72D297353CC}">
+                <c16:uniqueId val="{00000005-AF4B-4114-8F55-194950434339}"/>
+              </c:ext>
+            </c:extLst>
+          </c:dPt>
+          <c:dPt>
+            <c:idx val="3"/>
+            <c:bubble3D val="0"/>
+            <c:spPr>
+              <a:solidFill>
+                <a:schemeClr val="accent4"/>
+              </a:solidFill>
+              <a:ln>
+                <a:noFill/>
+              </a:ln>
+              <a:effectLst>
+                <a:outerShdw blurRad="254000" sx="102000" sy="102000" algn="ctr" rotWithShape="0">
+                  <a:prstClr val="black">
+                    <a:alpha val="20000"/>
+                  </a:prstClr>
+                </a:outerShdw>
+              </a:effectLst>
+            </c:spPr>
+            <c:extLst>
+              <c:ext xmlns:c16="http://schemas.microsoft.com/office/drawing/2014/chart" uri="{C3380CC4-5D6E-409C-BE32-E72D297353CC}">
+                <c16:uniqueId val="{00000007-AF4B-4114-8F55-194950434339}"/>
+              </c:ext>
+            </c:extLst>
+          </c:dPt>
+          <c:dPt>
+            <c:idx val="4"/>
+            <c:bubble3D val="0"/>
+            <c:spPr>
+              <a:solidFill>
+                <a:schemeClr val="accent5"/>
+              </a:solidFill>
+              <a:ln>
+                <a:noFill/>
+              </a:ln>
+              <a:effectLst>
+                <a:outerShdw blurRad="254000" sx="102000" sy="102000" algn="ctr" rotWithShape="0">
+                  <a:prstClr val="black">
+                    <a:alpha val="20000"/>
+                  </a:prstClr>
+                </a:outerShdw>
+              </a:effectLst>
+            </c:spPr>
+            <c:extLst>
+              <c:ext xmlns:c16="http://schemas.microsoft.com/office/drawing/2014/chart" uri="{C3380CC4-5D6E-409C-BE32-E72D297353CC}">
+                <c16:uniqueId val="{00000009-AF4B-4114-8F55-194950434339}"/>
+              </c:ext>
+            </c:extLst>
+          </c:dPt>
+          <c:dPt>
+            <c:idx val="5"/>
+            <c:bubble3D val="0"/>
+            <c:spPr>
+              <a:solidFill>
+                <a:schemeClr val="accent6"/>
+              </a:solidFill>
+              <a:ln>
+                <a:noFill/>
+              </a:ln>
+              <a:effectLst>
+                <a:outerShdw blurRad="254000" sx="102000" sy="102000" algn="ctr" rotWithShape="0">
+                  <a:prstClr val="black">
+                    <a:alpha val="20000"/>
+                  </a:prstClr>
+                </a:outerShdw>
+              </a:effectLst>
+            </c:spPr>
+            <c:extLst>
+              <c:ext xmlns:c16="http://schemas.microsoft.com/office/drawing/2014/chart" uri="{C3380CC4-5D6E-409C-BE32-E72D297353CC}">
+                <c16:uniqueId val="{0000000B-AF4B-4114-8F55-194950434339}"/>
+              </c:ext>
+            </c:extLst>
+          </c:dPt>
+          <c:dPt>
+            <c:idx val="6"/>
+            <c:bubble3D val="0"/>
+            <c:spPr>
+              <a:solidFill>
+                <a:schemeClr val="accent1">
+                  <a:lumMod val="60000"/>
+                </a:schemeClr>
+              </a:solidFill>
+              <a:ln>
+                <a:noFill/>
+              </a:ln>
+              <a:effectLst>
+                <a:outerShdw blurRad="254000" sx="102000" sy="102000" algn="ctr" rotWithShape="0">
+                  <a:prstClr val="black">
+                    <a:alpha val="20000"/>
+                  </a:prstClr>
+                </a:outerShdw>
+              </a:effectLst>
+            </c:spPr>
+            <c:extLst>
+              <c:ext xmlns:c16="http://schemas.microsoft.com/office/drawing/2014/chart" uri="{C3380CC4-5D6E-409C-BE32-E72D297353CC}">
+                <c16:uniqueId val="{0000000D-AF4B-4114-8F55-194950434339}"/>
+              </c:ext>
+            </c:extLst>
+          </c:dPt>
+          <c:dPt>
+            <c:idx val="7"/>
+            <c:bubble3D val="0"/>
+            <c:spPr>
+              <a:solidFill>
+                <a:schemeClr val="accent2">
+                  <a:lumMod val="60000"/>
+                </a:schemeClr>
+              </a:solidFill>
+              <a:ln>
+                <a:noFill/>
+              </a:ln>
+              <a:effectLst>
+                <a:outerShdw blurRad="254000" sx="102000" sy="102000" algn="ctr" rotWithShape="0">
+                  <a:prstClr val="black">
+                    <a:alpha val="20000"/>
+                  </a:prstClr>
+                </a:outerShdw>
+              </a:effectLst>
+            </c:spPr>
+            <c:extLst>
+              <c:ext xmlns:c16="http://schemas.microsoft.com/office/drawing/2014/chart" uri="{C3380CC4-5D6E-409C-BE32-E72D297353CC}">
+                <c16:uniqueId val="{0000000F-AF4B-4114-8F55-194950434339}"/>
+              </c:ext>
+            </c:extLst>
+          </c:dPt>
+          <c:dPt>
+            <c:idx val="8"/>
+            <c:bubble3D val="0"/>
+            <c:spPr>
+              <a:solidFill>
+                <a:schemeClr val="accent3">
+                  <a:lumMod val="60000"/>
+                </a:schemeClr>
+              </a:solidFill>
+              <a:ln>
+                <a:noFill/>
+              </a:ln>
+              <a:effectLst>
+                <a:outerShdw blurRad="254000" sx="102000" sy="102000" algn="ctr" rotWithShape="0">
+                  <a:prstClr val="black">
+                    <a:alpha val="20000"/>
+                  </a:prstClr>
+                </a:outerShdw>
+              </a:effectLst>
+            </c:spPr>
+            <c:extLst>
+              <c:ext xmlns:c16="http://schemas.microsoft.com/office/drawing/2014/chart" uri="{C3380CC4-5D6E-409C-BE32-E72D297353CC}">
+                <c16:uniqueId val="{00000011-AF4B-4114-8F55-194950434339}"/>
+              </c:ext>
+            </c:extLst>
+          </c:dPt>
+          <c:dPt>
+            <c:idx val="9"/>
+            <c:bubble3D val="0"/>
+            <c:spPr>
+              <a:solidFill>
+                <a:schemeClr val="accent4">
+                  <a:lumMod val="60000"/>
+                </a:schemeClr>
+              </a:solidFill>
+              <a:ln>
+                <a:noFill/>
+              </a:ln>
+              <a:effectLst>
+                <a:outerShdw blurRad="254000" sx="102000" sy="102000" algn="ctr" rotWithShape="0">
+                  <a:prstClr val="black">
+                    <a:alpha val="20000"/>
+                  </a:prstClr>
+                </a:outerShdw>
+              </a:effectLst>
+            </c:spPr>
+            <c:extLst>
+              <c:ext xmlns:c16="http://schemas.microsoft.com/office/drawing/2014/chart" uri="{C3380CC4-5D6E-409C-BE32-E72D297353CC}">
+                <c16:uniqueId val="{00000013-AF4B-4114-8F55-194950434339}"/>
+              </c:ext>
+            </c:extLst>
+          </c:dPt>
+          <c:dLbls>
+            <c:spPr>
+              <a:pattFill prst="pct75">
+                <a:fgClr>
+                  <a:schemeClr val="dk1">
+                    <a:lumMod val="75000"/>
+                    <a:lumOff val="25000"/>
+                  </a:schemeClr>
+                </a:fgClr>
+                <a:bgClr>
+                  <a:schemeClr val="dk1">
+                    <a:lumMod val="65000"/>
+                    <a:lumOff val="35000"/>
+                  </a:schemeClr>
+                </a:bgClr>
+              </a:pattFill>
+              <a:ln>
+                <a:noFill/>
+              </a:ln>
+              <a:effectLst>
+                <a:outerShdw blurRad="50800" dist="38100" dir="2700000" algn="tl" rotWithShape="0">
+                  <a:prstClr val="black">
+                    <a:alpha val="40000"/>
+                  </a:prstClr>
+                </a:outerShdw>
+              </a:effectLst>
+            </c:spPr>
+            <c:txPr>
+              <a:bodyPr rot="0" spcFirstLastPara="1" vertOverflow="ellipsis" vert="horz" wrap="square" lIns="38100" tIns="19050" rIns="38100" bIns="19050" anchor="ctr" anchorCtr="1">
+                <a:spAutoFit/>
+              </a:bodyPr>
+              <a:lstStyle/>
+              <a:p>
+                <a:pPr>
+                  <a:defRPr sz="1000" b="1" i="0" u="none" strike="noStrike" kern="1200" baseline="0">
+                    <a:solidFill>
+                      <a:schemeClr val="lt1"/>
+                    </a:solidFill>
+                    <a:latin typeface="+mn-lt"/>
+                    <a:ea typeface="+mn-ea"/>
+                    <a:cs typeface="+mn-cs"/>
+                  </a:defRPr>
+                </a:pPr>
+                <a:endParaRPr lang="ko-KR"/>
+              </a:p>
+            </c:txPr>
+            <c:dLblPos val="ctr"/>
+            <c:showLegendKey val="0"/>
+            <c:showVal val="0"/>
+            <c:showCatName val="0"/>
+            <c:showSerName val="0"/>
+            <c:showPercent val="1"/>
+            <c:showBubbleSize val="0"/>
+            <c:showLeaderLines val="1"/>
+            <c:leaderLines>
+              <c:spPr>
+                <a:ln w="9525">
+                  <a:solidFill>
+                    <a:schemeClr val="dk1">
+                      <a:lumMod val="50000"/>
+                      <a:lumOff val="50000"/>
+                    </a:schemeClr>
+                  </a:solidFill>
+                </a:ln>
+                <a:effectLst/>
+              </c:spPr>
+            </c:leaderLines>
+            <c:extLst>
+              <c:ext xmlns:c15="http://schemas.microsoft.com/office/drawing/2012/chart" uri="{CE6537A1-D6FC-4f65-9D91-7224C49458BB}"/>
+            </c:extLst>
+          </c:dLbls>
+          <c:cat>
+            <c:strRef>
+              <c:f>'2018 여행목적 국적별'!$B$1:$K$1</c:f>
+              <c:strCache>
+                <c:ptCount val="10"/>
+                <c:pt idx="0">
+                  <c:v>여가.위락.휴식</c:v>
+                </c:pt>
+                <c:pt idx="1">
+                  <c:v>신혼여행</c:v>
+                </c:pt>
+                <c:pt idx="2">
+                  <c:v>사업.산업시찰활동</c:v>
+                </c:pt>
+                <c:pt idx="3">
+                  <c:v>학술.세미나활동</c:v>
+                </c:pt>
+                <c:pt idx="4">
+                  <c:v>직장인센티브여행</c:v>
+                </c:pt>
+                <c:pt idx="5">
+                  <c:v>친구.친지방문</c:v>
+                </c:pt>
+                <c:pt idx="6">
+                  <c:v>뷰티.의료관광</c:v>
+                </c:pt>
+                <c:pt idx="7">
+                  <c:v>종교.순례</c:v>
+                </c:pt>
+                <c:pt idx="8">
+                  <c:v>쇼핑</c:v>
+                </c:pt>
+                <c:pt idx="9">
+                  <c:v>기타</c:v>
+                </c:pt>
+              </c:strCache>
+            </c:strRef>
+          </c:cat>
+          <c:val>
+            <c:numRef>
+              <c:f>'2018 여행목적 국적별'!$B$2:$K$2</c:f>
+              <c:numCache>
+                <c:formatCode>General</c:formatCode>
+                <c:ptCount val="10"/>
+                <c:pt idx="0">
+                  <c:v>89.8</c:v>
+                </c:pt>
+                <c:pt idx="1">
+                  <c:v>0.3</c:v>
+                </c:pt>
+                <c:pt idx="2">
+                  <c:v>0.4</c:v>
+                </c:pt>
+                <c:pt idx="3">
+                  <c:v>4.2</c:v>
+                </c:pt>
+                <c:pt idx="4">
+                  <c:v>1.9</c:v>
+                </c:pt>
+                <c:pt idx="5">
+                  <c:v>0.1</c:v>
+                </c:pt>
+                <c:pt idx="6">
+                  <c:v>0.5</c:v>
+                </c:pt>
+                <c:pt idx="7">
+                  <c:v>1.8</c:v>
+                </c:pt>
+                <c:pt idx="8">
+                  <c:v>0</c:v>
+                </c:pt>
+                <c:pt idx="9">
+                  <c:v>0.9</c:v>
+                </c:pt>
+              </c:numCache>
+            </c:numRef>
+          </c:val>
+          <c:extLst>
+            <c:ext xmlns:c16="http://schemas.microsoft.com/office/drawing/2014/chart" uri="{C3380CC4-5D6E-409C-BE32-E72D297353CC}">
+              <c16:uniqueId val="{00000014-AF4B-4114-8F55-194950434339}"/>
+            </c:ext>
+          </c:extLst>
+        </c:ser>
+        <c:dLbls>
+          <c:dLblPos val="ctr"/>
+          <c:showLegendKey val="0"/>
+          <c:showVal val="0"/>
+          <c:showCatName val="0"/>
+          <c:showSerName val="0"/>
+          <c:showPercent val="1"/>
+          <c:showBubbleSize val="0"/>
+          <c:showLeaderLines val="1"/>
+        </c:dLbls>
+        <c:firstSliceAng val="0"/>
+      </c:pieChart>
+      <c:spPr>
+        <a:noFill/>
+        <a:ln>
+          <a:noFill/>
+        </a:ln>
+        <a:effectLst/>
+      </c:spPr>
+    </c:plotArea>
+    <c:legend>
+      <c:legendPos val="r"/>
+      <c:overlay val="0"/>
+      <c:spPr>
+        <a:solidFill>
+          <a:schemeClr val="lt1">
+            <a:lumMod val="95000"/>
+            <a:alpha val="39000"/>
+          </a:schemeClr>
+        </a:solidFill>
+        <a:ln>
+          <a:noFill/>
+        </a:ln>
+        <a:effectLst/>
+      </c:spPr>
+      <c:txPr>
+        <a:bodyPr rot="0" spcFirstLastPara="1" vertOverflow="ellipsis" vert="horz" wrap="square" anchor="ctr" anchorCtr="1"/>
+        <a:lstStyle/>
+        <a:p>
+          <a:pPr>
+            <a:defRPr sz="900" b="0" i="0" u="none" strike="noStrike" kern="1200" baseline="0">
+              <a:solidFill>
+                <a:schemeClr val="dk1">
+                  <a:lumMod val="75000"/>
+                  <a:lumOff val="25000"/>
+                </a:schemeClr>
+              </a:solidFill>
+              <a:latin typeface="+mn-lt"/>
+              <a:ea typeface="+mn-ea"/>
+              <a:cs typeface="+mn-cs"/>
+            </a:defRPr>
+          </a:pPr>
+          <a:endParaRPr lang="ko-KR"/>
+        </a:p>
+      </c:txPr>
+    </c:legend>
+    <c:plotVisOnly val="1"/>
+    <c:dispBlanksAs val="gap"/>
+    <c:showDLblsOverMax val="0"/>
+  </c:chart>
+  <c:spPr>
+    <a:gradFill flip="none" rotWithShape="1">
+      <a:gsLst>
+        <a:gs pos="0">
+          <a:schemeClr val="lt1"/>
+        </a:gs>
+        <a:gs pos="39000">
+          <a:schemeClr val="lt1"/>
+        </a:gs>
+        <a:gs pos="100000">
+          <a:schemeClr val="lt1">
+            <a:lumMod val="75000"/>
+          </a:schemeClr>
+        </a:gs>
+      </a:gsLst>
+      <a:path path="circle">
+        <a:fillToRect l="50000" t="-80000" r="50000" b="180000"/>
+      </a:path>
+      <a:tileRect/>
+    </a:gradFill>
+    <a:ln w="9525" cap="flat" cmpd="sng" algn="ctr">
+      <a:solidFill>
+        <a:schemeClr val="dk1">
+          <a:lumMod val="25000"/>
+          <a:lumOff val="75000"/>
+        </a:schemeClr>
+      </a:solidFill>
+      <a:round/>
+    </a:ln>
+    <a:effectLst/>
+  </c:spPr>
+  <c:txPr>
+    <a:bodyPr/>
+    <a:lstStyle/>
+    <a:p>
+      <a:pPr>
+        <a:defRPr/>
+      </a:pPr>
+      <a:endParaRPr lang="ko-KR"/>
+    </a:p>
+  </c:txPr>
+  <c:externalData r:id="rId3">
+    <c:autoUpdate val="0"/>
+  </c:externalData>
+</c:chartSpace>
+</file>
+
+<file path=ppt/charts/chart5.xml><?xml version="1.0" encoding="utf-8"?>
+<c:chartSpace xmlns:c="http://schemas.openxmlformats.org/drawingml/2006/chart" xmlns:a="http://schemas.openxmlformats.org/drawingml/2006/main" xmlns:r="http://schemas.openxmlformats.org/officeDocument/2006/relationships" xmlns:c16r2="http://schemas.microsoft.com/office/drawing/2015/06/chart">
+  <c:date1904 val="0"/>
+  <c:lang val="ko-KR"/>
+  <c:roundedCorners val="0"/>
+  <mc:AlternateContent xmlns:mc="http://schemas.openxmlformats.org/markup-compatibility/2006">
+    <mc:Choice xmlns:c14="http://schemas.microsoft.com/office/drawing/2007/8/2/chart" Requires="c14">
+      <c14:style val="102"/>
+    </mc:Choice>
+    <mc:Fallback>
+      <c:style val="2"/>
+    </mc:Fallback>
+  </mc:AlternateContent>
+  <c:chart>
+    <c:title>
+      <c:tx>
+        <c:rich>
+          <a:bodyPr rot="0" spcFirstLastPara="1" vertOverflow="ellipsis" vert="horz" wrap="square" anchor="ctr" anchorCtr="1"/>
+          <a:lstStyle/>
+          <a:p>
+            <a:pPr>
+              <a:defRPr sz="1800" b="1" i="0" u="none" strike="noStrike" kern="1200" baseline="0">
+                <a:solidFill>
+                  <a:schemeClr val="dk1">
+                    <a:lumMod val="75000"/>
+                    <a:lumOff val="25000"/>
+                  </a:schemeClr>
+                </a:solidFill>
+                <a:latin typeface="+mn-lt"/>
+                <a:ea typeface="+mn-ea"/>
+                <a:cs typeface="+mn-cs"/>
+              </a:defRPr>
+            </a:pPr>
+            <a:r>
+              <a:rPr lang="ko-KR" altLang="en-US"/>
+              <a:t>외국인 관광목적</a:t>
+            </a:r>
+            <a:endParaRPr lang="ko-KR"/>
+          </a:p>
+        </c:rich>
+      </c:tx>
+      <c:layout>
+        <c:manualLayout>
+          <c:xMode val="edge"/>
+          <c:yMode val="edge"/>
+          <c:x val="0.28047920109135138"/>
+          <c:y val="4.3664396138904667E-2"/>
+        </c:manualLayout>
+      </c:layout>
+      <c:overlay val="0"/>
+      <c:spPr>
+        <a:noFill/>
+        <a:ln>
+          <a:noFill/>
+        </a:ln>
+        <a:effectLst/>
+      </c:spPr>
+      <c:txPr>
+        <a:bodyPr rot="0" spcFirstLastPara="1" vertOverflow="ellipsis" vert="horz" wrap="square" anchor="ctr" anchorCtr="1"/>
+        <a:lstStyle/>
+        <a:p>
+          <a:pPr>
+            <a:defRPr sz="1800" b="1" i="0" u="none" strike="noStrike" kern="1200" baseline="0">
+              <a:solidFill>
+                <a:schemeClr val="dk1">
+                  <a:lumMod val="75000"/>
+                  <a:lumOff val="25000"/>
+                </a:schemeClr>
+              </a:solidFill>
+              <a:latin typeface="+mn-lt"/>
+              <a:ea typeface="+mn-ea"/>
+              <a:cs typeface="+mn-cs"/>
+            </a:defRPr>
+          </a:pPr>
+          <a:endParaRPr lang="ko-KR"/>
+        </a:p>
+      </c:txPr>
+    </c:title>
+    <c:autoTitleDeleted val="0"/>
+    <c:plotArea>
+      <c:layout/>
+      <c:pieChart>
+        <c:varyColors val="1"/>
+        <c:ser>
+          <c:idx val="0"/>
+          <c:order val="0"/>
+          <c:dPt>
+            <c:idx val="0"/>
+            <c:bubble3D val="0"/>
+            <c:spPr>
+              <a:solidFill>
+                <a:schemeClr val="accent1"/>
+              </a:solidFill>
+              <a:ln>
+                <a:noFill/>
+              </a:ln>
+              <a:effectLst>
+                <a:outerShdw blurRad="254000" sx="102000" sy="102000" algn="ctr" rotWithShape="0">
+                  <a:prstClr val="black">
+                    <a:alpha val="20000"/>
+                  </a:prstClr>
+                </a:outerShdw>
+              </a:effectLst>
+            </c:spPr>
+            <c:extLst>
+              <c:ext xmlns:c16="http://schemas.microsoft.com/office/drawing/2014/chart" uri="{C3380CC4-5D6E-409C-BE32-E72D297353CC}">
+                <c16:uniqueId val="{00000001-C025-427C-AD23-4EA1943E26A8}"/>
+              </c:ext>
+            </c:extLst>
+          </c:dPt>
+          <c:dPt>
+            <c:idx val="1"/>
+            <c:bubble3D val="0"/>
+            <c:spPr>
+              <a:solidFill>
+                <a:schemeClr val="accent2"/>
+              </a:solidFill>
+              <a:ln>
+                <a:noFill/>
+              </a:ln>
+              <a:effectLst>
+                <a:outerShdw blurRad="254000" sx="102000" sy="102000" algn="ctr" rotWithShape="0">
+                  <a:prstClr val="black">
+                    <a:alpha val="20000"/>
+                  </a:prstClr>
+                </a:outerShdw>
+              </a:effectLst>
+            </c:spPr>
+            <c:extLst>
+              <c:ext xmlns:c16="http://schemas.microsoft.com/office/drawing/2014/chart" uri="{C3380CC4-5D6E-409C-BE32-E72D297353CC}">
+                <c16:uniqueId val="{00000003-C025-427C-AD23-4EA1943E26A8}"/>
+              </c:ext>
+            </c:extLst>
+          </c:dPt>
+          <c:dPt>
+            <c:idx val="2"/>
+            <c:bubble3D val="0"/>
+            <c:spPr>
+              <a:solidFill>
+                <a:schemeClr val="accent3"/>
+              </a:solidFill>
+              <a:ln>
+                <a:noFill/>
+              </a:ln>
+              <a:effectLst>
+                <a:outerShdw blurRad="254000" sx="102000" sy="102000" algn="ctr" rotWithShape="0">
+                  <a:prstClr val="black">
+                    <a:alpha val="20000"/>
+                  </a:prstClr>
+                </a:outerShdw>
+              </a:effectLst>
+            </c:spPr>
+            <c:extLst>
+              <c:ext xmlns:c16="http://schemas.microsoft.com/office/drawing/2014/chart" uri="{C3380CC4-5D6E-409C-BE32-E72D297353CC}">
+                <c16:uniqueId val="{00000005-C025-427C-AD23-4EA1943E26A8}"/>
+              </c:ext>
+            </c:extLst>
+          </c:dPt>
+          <c:dPt>
+            <c:idx val="3"/>
+            <c:bubble3D val="0"/>
+            <c:spPr>
+              <a:solidFill>
+                <a:schemeClr val="accent4"/>
+              </a:solidFill>
+              <a:ln>
+                <a:noFill/>
+              </a:ln>
+              <a:effectLst>
+                <a:outerShdw blurRad="254000" sx="102000" sy="102000" algn="ctr" rotWithShape="0">
+                  <a:prstClr val="black">
+                    <a:alpha val="20000"/>
+                  </a:prstClr>
+                </a:outerShdw>
+              </a:effectLst>
+            </c:spPr>
+            <c:extLst>
+              <c:ext xmlns:c16="http://schemas.microsoft.com/office/drawing/2014/chart" uri="{C3380CC4-5D6E-409C-BE32-E72D297353CC}">
+                <c16:uniqueId val="{00000007-C025-427C-AD23-4EA1943E26A8}"/>
+              </c:ext>
+            </c:extLst>
+          </c:dPt>
+          <c:dPt>
+            <c:idx val="4"/>
+            <c:bubble3D val="0"/>
+            <c:spPr>
+              <a:solidFill>
+                <a:schemeClr val="accent5"/>
+              </a:solidFill>
+              <a:ln>
+                <a:noFill/>
+              </a:ln>
+              <a:effectLst>
+                <a:outerShdw blurRad="254000" sx="102000" sy="102000" algn="ctr" rotWithShape="0">
+                  <a:prstClr val="black">
+                    <a:alpha val="20000"/>
+                  </a:prstClr>
+                </a:outerShdw>
+              </a:effectLst>
+            </c:spPr>
+            <c:extLst>
+              <c:ext xmlns:c16="http://schemas.microsoft.com/office/drawing/2014/chart" uri="{C3380CC4-5D6E-409C-BE32-E72D297353CC}">
+                <c16:uniqueId val="{00000009-C025-427C-AD23-4EA1943E26A8}"/>
+              </c:ext>
+            </c:extLst>
+          </c:dPt>
+          <c:dPt>
+            <c:idx val="5"/>
+            <c:bubble3D val="0"/>
+            <c:spPr>
+              <a:solidFill>
+                <a:schemeClr val="accent6"/>
+              </a:solidFill>
+              <a:ln>
+                <a:noFill/>
+              </a:ln>
+              <a:effectLst>
+                <a:outerShdw blurRad="254000" sx="102000" sy="102000" algn="ctr" rotWithShape="0">
+                  <a:prstClr val="black">
+                    <a:alpha val="20000"/>
+                  </a:prstClr>
+                </a:outerShdw>
+              </a:effectLst>
+            </c:spPr>
+            <c:extLst>
+              <c:ext xmlns:c16="http://schemas.microsoft.com/office/drawing/2014/chart" uri="{C3380CC4-5D6E-409C-BE32-E72D297353CC}">
+                <c16:uniqueId val="{0000000B-C025-427C-AD23-4EA1943E26A8}"/>
+              </c:ext>
+            </c:extLst>
+          </c:dPt>
+          <c:dPt>
+            <c:idx val="6"/>
+            <c:bubble3D val="0"/>
+            <c:spPr>
+              <a:solidFill>
+                <a:schemeClr val="accent1">
+                  <a:lumMod val="60000"/>
+                </a:schemeClr>
+              </a:solidFill>
+              <a:ln>
+                <a:noFill/>
+              </a:ln>
+              <a:effectLst>
+                <a:outerShdw blurRad="254000" sx="102000" sy="102000" algn="ctr" rotWithShape="0">
+                  <a:prstClr val="black">
+                    <a:alpha val="20000"/>
+                  </a:prstClr>
+                </a:outerShdw>
+              </a:effectLst>
+            </c:spPr>
+            <c:extLst>
+              <c:ext xmlns:c16="http://schemas.microsoft.com/office/drawing/2014/chart" uri="{C3380CC4-5D6E-409C-BE32-E72D297353CC}">
+                <c16:uniqueId val="{0000000D-C025-427C-AD23-4EA1943E26A8}"/>
+              </c:ext>
+            </c:extLst>
+          </c:dPt>
+          <c:dPt>
+            <c:idx val="7"/>
+            <c:bubble3D val="0"/>
+            <c:spPr>
+              <a:solidFill>
+                <a:schemeClr val="accent2">
+                  <a:lumMod val="60000"/>
+                </a:schemeClr>
+              </a:solidFill>
+              <a:ln>
+                <a:noFill/>
+              </a:ln>
+              <a:effectLst>
+                <a:outerShdw blurRad="254000" sx="102000" sy="102000" algn="ctr" rotWithShape="0">
+                  <a:prstClr val="black">
+                    <a:alpha val="20000"/>
+                  </a:prstClr>
+                </a:outerShdw>
+              </a:effectLst>
+            </c:spPr>
+            <c:extLst>
+              <c:ext xmlns:c16="http://schemas.microsoft.com/office/drawing/2014/chart" uri="{C3380CC4-5D6E-409C-BE32-E72D297353CC}">
+                <c16:uniqueId val="{0000000F-C025-427C-AD23-4EA1943E26A8}"/>
+              </c:ext>
+            </c:extLst>
+          </c:dPt>
+          <c:dPt>
+            <c:idx val="8"/>
+            <c:bubble3D val="0"/>
+            <c:spPr>
+              <a:solidFill>
+                <a:schemeClr val="accent3">
+                  <a:lumMod val="60000"/>
+                </a:schemeClr>
+              </a:solidFill>
+              <a:ln>
+                <a:noFill/>
+              </a:ln>
+              <a:effectLst>
+                <a:outerShdw blurRad="254000" sx="102000" sy="102000" algn="ctr" rotWithShape="0">
+                  <a:prstClr val="black">
+                    <a:alpha val="20000"/>
+                  </a:prstClr>
+                </a:outerShdw>
+              </a:effectLst>
+            </c:spPr>
+            <c:extLst>
+              <c:ext xmlns:c16="http://schemas.microsoft.com/office/drawing/2014/chart" uri="{C3380CC4-5D6E-409C-BE32-E72D297353CC}">
+                <c16:uniqueId val="{00000011-C025-427C-AD23-4EA1943E26A8}"/>
+              </c:ext>
+            </c:extLst>
+          </c:dPt>
+          <c:dPt>
+            <c:idx val="9"/>
+            <c:bubble3D val="0"/>
+            <c:spPr>
+              <a:solidFill>
+                <a:schemeClr val="accent4">
+                  <a:lumMod val="60000"/>
+                </a:schemeClr>
+              </a:solidFill>
+              <a:ln>
+                <a:noFill/>
+              </a:ln>
+              <a:effectLst>
+                <a:outerShdw blurRad="254000" sx="102000" sy="102000" algn="ctr" rotWithShape="0">
+                  <a:prstClr val="black">
+                    <a:alpha val="20000"/>
+                  </a:prstClr>
+                </a:outerShdw>
+              </a:effectLst>
+            </c:spPr>
+            <c:extLst>
+              <c:ext xmlns:c16="http://schemas.microsoft.com/office/drawing/2014/chart" uri="{C3380CC4-5D6E-409C-BE32-E72D297353CC}">
+                <c16:uniqueId val="{00000013-C025-427C-AD23-4EA1943E26A8}"/>
+              </c:ext>
+            </c:extLst>
+          </c:dPt>
+          <c:dLbls>
+            <c:spPr>
+              <a:pattFill prst="pct75">
+                <a:fgClr>
+                  <a:schemeClr val="dk1">
+                    <a:lumMod val="75000"/>
+                    <a:lumOff val="25000"/>
+                  </a:schemeClr>
+                </a:fgClr>
+                <a:bgClr>
+                  <a:schemeClr val="dk1">
+                    <a:lumMod val="65000"/>
+                    <a:lumOff val="35000"/>
+                  </a:schemeClr>
+                </a:bgClr>
+              </a:pattFill>
+              <a:ln>
+                <a:noFill/>
+              </a:ln>
+              <a:effectLst>
+                <a:outerShdw blurRad="50800" dist="38100" dir="2700000" algn="tl" rotWithShape="0">
+                  <a:prstClr val="black">
+                    <a:alpha val="40000"/>
+                  </a:prstClr>
+                </a:outerShdw>
+              </a:effectLst>
+            </c:spPr>
+            <c:txPr>
+              <a:bodyPr rot="0" spcFirstLastPara="1" vertOverflow="ellipsis" vert="horz" wrap="square" lIns="38100" tIns="19050" rIns="38100" bIns="19050" anchor="ctr" anchorCtr="1">
+                <a:spAutoFit/>
+              </a:bodyPr>
+              <a:lstStyle/>
+              <a:p>
+                <a:pPr>
+                  <a:defRPr sz="1000" b="1" i="0" u="none" strike="noStrike" kern="1200" baseline="0">
+                    <a:solidFill>
+                      <a:schemeClr val="lt1"/>
+                    </a:solidFill>
+                    <a:latin typeface="+mn-lt"/>
+                    <a:ea typeface="+mn-ea"/>
+                    <a:cs typeface="+mn-cs"/>
+                  </a:defRPr>
+                </a:pPr>
+                <a:endParaRPr lang="ko-KR"/>
+              </a:p>
+            </c:txPr>
+            <c:dLblPos val="ctr"/>
+            <c:showLegendKey val="0"/>
+            <c:showVal val="0"/>
+            <c:showCatName val="0"/>
+            <c:showSerName val="0"/>
+            <c:showPercent val="1"/>
+            <c:showBubbleSize val="0"/>
+            <c:showLeaderLines val="1"/>
+            <c:leaderLines>
+              <c:spPr>
+                <a:ln w="9525">
+                  <a:solidFill>
+                    <a:schemeClr val="dk1">
+                      <a:lumMod val="50000"/>
+                      <a:lumOff val="50000"/>
+                    </a:schemeClr>
+                  </a:solidFill>
+                </a:ln>
+                <a:effectLst/>
+              </c:spPr>
+            </c:leaderLines>
+            <c:extLst>
+              <c:ext xmlns:c15="http://schemas.microsoft.com/office/drawing/2012/chart" uri="{CE6537A1-D6FC-4f65-9D91-7224C49458BB}"/>
+            </c:extLst>
+          </c:dLbls>
+          <c:cat>
+            <c:strRef>
+              <c:f>'2018 여행목적 국적별'!$B$9:$K$9</c:f>
+              <c:strCache>
+                <c:ptCount val="10"/>
+                <c:pt idx="0">
+                  <c:v>여가.위락.휴식</c:v>
+                </c:pt>
+                <c:pt idx="1">
+                  <c:v>신혼여행</c:v>
+                </c:pt>
+                <c:pt idx="2">
+                  <c:v>사업.산업시찰활동</c:v>
+                </c:pt>
+                <c:pt idx="3">
+                  <c:v>학술.세미나활동</c:v>
+                </c:pt>
+                <c:pt idx="4">
+                  <c:v>직장인센티브여행</c:v>
+                </c:pt>
+                <c:pt idx="5">
+                  <c:v>친구.친지방문</c:v>
+                </c:pt>
+                <c:pt idx="6">
+                  <c:v>뷰티.의료관광</c:v>
+                </c:pt>
+                <c:pt idx="7">
+                  <c:v>종교.순례</c:v>
+                </c:pt>
+                <c:pt idx="8">
+                  <c:v>쇼핑</c:v>
+                </c:pt>
+                <c:pt idx="9">
+                  <c:v>기타</c:v>
+                </c:pt>
+              </c:strCache>
+            </c:strRef>
+          </c:cat>
+          <c:val>
+            <c:numRef>
+              <c:f>'2018 여행목적 국적별'!$B$10:$K$10</c:f>
+              <c:numCache>
+                <c:formatCode>0.00</c:formatCode>
+                <c:ptCount val="10"/>
+                <c:pt idx="0">
+                  <c:v>86.833333333333329</c:v>
+                </c:pt>
+                <c:pt idx="1">
+                  <c:v>1.666666666666667</c:v>
+                </c:pt>
+                <c:pt idx="2">
+                  <c:v>0.70000000000000007</c:v>
+                </c:pt>
+                <c:pt idx="3">
+                  <c:v>2.2999999999999994</c:v>
+                </c:pt>
+                <c:pt idx="4">
+                  <c:v>1.3</c:v>
+                </c:pt>
+                <c:pt idx="5">
+                  <c:v>1.8666666666666665</c:v>
+                </c:pt>
+                <c:pt idx="6">
+                  <c:v>0.6</c:v>
+                </c:pt>
+                <c:pt idx="7">
+                  <c:v>0.3</c:v>
+                </c:pt>
+                <c:pt idx="8">
+                  <c:v>3.1833333333333336</c:v>
+                </c:pt>
+                <c:pt idx="9">
+                  <c:v>1.25</c:v>
+                </c:pt>
+              </c:numCache>
+            </c:numRef>
+          </c:val>
+          <c:extLst>
+            <c:ext xmlns:c16="http://schemas.microsoft.com/office/drawing/2014/chart" uri="{C3380CC4-5D6E-409C-BE32-E72D297353CC}">
+              <c16:uniqueId val="{00000014-C025-427C-AD23-4EA1943E26A8}"/>
+            </c:ext>
+          </c:extLst>
+        </c:ser>
+        <c:dLbls>
+          <c:dLblPos val="ctr"/>
+          <c:showLegendKey val="0"/>
+          <c:showVal val="0"/>
+          <c:showCatName val="0"/>
+          <c:showSerName val="0"/>
+          <c:showPercent val="1"/>
+          <c:showBubbleSize val="0"/>
+          <c:showLeaderLines val="1"/>
+        </c:dLbls>
+        <c:firstSliceAng val="0"/>
+      </c:pieChart>
+      <c:spPr>
+        <a:noFill/>
+        <a:ln>
+          <a:noFill/>
+        </a:ln>
+        <a:effectLst/>
+      </c:spPr>
+    </c:plotArea>
+    <c:legend>
+      <c:legendPos val="r"/>
+      <c:overlay val="0"/>
+      <c:spPr>
+        <a:solidFill>
+          <a:schemeClr val="lt1">
+            <a:lumMod val="95000"/>
+            <a:alpha val="39000"/>
+          </a:schemeClr>
+        </a:solidFill>
+        <a:ln>
+          <a:noFill/>
+        </a:ln>
+        <a:effectLst/>
+      </c:spPr>
+      <c:txPr>
+        <a:bodyPr rot="0" spcFirstLastPara="1" vertOverflow="ellipsis" vert="horz" wrap="square" anchor="ctr" anchorCtr="1"/>
+        <a:lstStyle/>
+        <a:p>
+          <a:pPr>
+            <a:defRPr sz="900" b="0" i="0" u="none" strike="noStrike" kern="1200" baseline="0">
+              <a:solidFill>
+                <a:schemeClr val="dk1">
+                  <a:lumMod val="75000"/>
+                  <a:lumOff val="25000"/>
+                </a:schemeClr>
+              </a:solidFill>
+              <a:latin typeface="+mn-lt"/>
+              <a:ea typeface="+mn-ea"/>
+              <a:cs typeface="+mn-cs"/>
+            </a:defRPr>
+          </a:pPr>
+          <a:endParaRPr lang="ko-KR"/>
+        </a:p>
+      </c:txPr>
+    </c:legend>
+    <c:plotVisOnly val="1"/>
+    <c:dispBlanksAs val="gap"/>
+    <c:showDLblsOverMax val="0"/>
+  </c:chart>
+  <c:spPr>
+    <a:gradFill flip="none" rotWithShape="1">
+      <a:gsLst>
+        <a:gs pos="0">
+          <a:schemeClr val="lt1"/>
+        </a:gs>
+        <a:gs pos="39000">
+          <a:schemeClr val="lt1"/>
+        </a:gs>
+        <a:gs pos="100000">
+          <a:schemeClr val="lt1">
+            <a:lumMod val="75000"/>
+          </a:schemeClr>
+        </a:gs>
+      </a:gsLst>
+      <a:path path="circle">
+        <a:fillToRect l="50000" t="-80000" r="50000" b="180000"/>
+      </a:path>
+      <a:tileRect/>
+    </a:gradFill>
+    <a:ln w="9525" cap="flat" cmpd="sng" algn="ctr">
+      <a:solidFill>
+        <a:schemeClr val="dk1">
+          <a:lumMod val="25000"/>
+          <a:lumOff val="75000"/>
+        </a:schemeClr>
+      </a:solidFill>
+      <a:round/>
+    </a:ln>
+    <a:effectLst/>
+  </c:spPr>
+  <c:txPr>
+    <a:bodyPr/>
+    <a:lstStyle/>
+    <a:p>
+      <a:pPr>
+        <a:defRPr/>
+      </a:pPr>
+      <a:endParaRPr lang="ko-KR"/>
+    </a:p>
+  </c:txPr>
+  <c:externalData r:id="rId3">
+    <c:autoUpdate val="0"/>
+  </c:externalData>
+</c:chartSpace>
+</file>
+
 <file path=ppt/charts/colors1.xml><?xml version="1.0" encoding="utf-8"?>
 <cs:colorStyle xmlns:cs="http://schemas.microsoft.com/office/drawing/2012/chartStyle" xmlns:a="http://schemas.openxmlformats.org/drawingml/2006/main" meth="cycle" id="10">
   <a:schemeClr val="accent1"/>
@@ -1746,6 +2927,86 @@
 </file>
 
 <file path=ppt/charts/colors3.xml><?xml version="1.0" encoding="utf-8"?>
+<cs:colorStyle xmlns:cs="http://schemas.microsoft.com/office/drawing/2012/chartStyle" xmlns:a="http://schemas.openxmlformats.org/drawingml/2006/main" meth="cycle" id="10">
+  <a:schemeClr val="accent1"/>
+  <a:schemeClr val="accent2"/>
+  <a:schemeClr val="accent3"/>
+  <a:schemeClr val="accent4"/>
+  <a:schemeClr val="accent5"/>
+  <a:schemeClr val="accent6"/>
+  <cs:variation/>
+  <cs:variation>
+    <a:lumMod val="60000"/>
+  </cs:variation>
+  <cs:variation>
+    <a:lumMod val="80000"/>
+    <a:lumOff val="20000"/>
+  </cs:variation>
+  <cs:variation>
+    <a:lumMod val="80000"/>
+  </cs:variation>
+  <cs:variation>
+    <a:lumMod val="60000"/>
+    <a:lumOff val="40000"/>
+  </cs:variation>
+  <cs:variation>
+    <a:lumMod val="50000"/>
+  </cs:variation>
+  <cs:variation>
+    <a:lumMod val="70000"/>
+    <a:lumOff val="30000"/>
+  </cs:variation>
+  <cs:variation>
+    <a:lumMod val="70000"/>
+  </cs:variation>
+  <cs:variation>
+    <a:lumMod val="50000"/>
+    <a:lumOff val="50000"/>
+  </cs:variation>
+</cs:colorStyle>
+</file>
+
+<file path=ppt/charts/colors4.xml><?xml version="1.0" encoding="utf-8"?>
+<cs:colorStyle xmlns:cs="http://schemas.microsoft.com/office/drawing/2012/chartStyle" xmlns:a="http://schemas.openxmlformats.org/drawingml/2006/main" meth="cycle" id="10">
+  <a:schemeClr val="accent1"/>
+  <a:schemeClr val="accent2"/>
+  <a:schemeClr val="accent3"/>
+  <a:schemeClr val="accent4"/>
+  <a:schemeClr val="accent5"/>
+  <a:schemeClr val="accent6"/>
+  <cs:variation/>
+  <cs:variation>
+    <a:lumMod val="60000"/>
+  </cs:variation>
+  <cs:variation>
+    <a:lumMod val="80000"/>
+    <a:lumOff val="20000"/>
+  </cs:variation>
+  <cs:variation>
+    <a:lumMod val="80000"/>
+  </cs:variation>
+  <cs:variation>
+    <a:lumMod val="60000"/>
+    <a:lumOff val="40000"/>
+  </cs:variation>
+  <cs:variation>
+    <a:lumMod val="50000"/>
+  </cs:variation>
+  <cs:variation>
+    <a:lumMod val="70000"/>
+    <a:lumOff val="30000"/>
+  </cs:variation>
+  <cs:variation>
+    <a:lumMod val="70000"/>
+  </cs:variation>
+  <cs:variation>
+    <a:lumMod val="50000"/>
+    <a:lumOff val="50000"/>
+  </cs:variation>
+</cs:colorStyle>
+</file>
+
+<file path=ppt/charts/colors5.xml><?xml version="1.0" encoding="utf-8"?>
 <cs:colorStyle xmlns:cs="http://schemas.microsoft.com/office/drawing/2012/chartStyle" xmlns:a="http://schemas.openxmlformats.org/drawingml/2006/main" meth="cycle" id="10">
   <a:schemeClr val="accent1"/>
   <a:schemeClr val="accent2"/>
@@ -3276,6 +4537,1208 @@
         <a:lumOff val="35000"/>
       </a:schemeClr>
     </cs:fontRef>
+    <cs:defRPr sz="900" kern="1200"/>
+  </cs:valueAxis>
+  <cs:wall>
+    <cs:lnRef idx="0"/>
+    <cs:fillRef idx="0"/>
+    <cs:effectRef idx="0"/>
+    <cs:fontRef idx="minor">
+      <a:schemeClr val="dk1"/>
+    </cs:fontRef>
+  </cs:wall>
+</cs:chartStyle>
+</file>
+
+<file path=ppt/charts/style4.xml><?xml version="1.0" encoding="utf-8"?>
+<cs:chartStyle xmlns:cs="http://schemas.microsoft.com/office/drawing/2012/chartStyle" xmlns:a="http://schemas.openxmlformats.org/drawingml/2006/main" id="253">
+  <cs:axisTitle>
+    <cs:lnRef idx="0"/>
+    <cs:fillRef idx="0"/>
+    <cs:effectRef idx="0"/>
+    <cs:fontRef idx="minor">
+      <a:schemeClr val="dk1">
+        <a:lumMod val="75000"/>
+        <a:lumOff val="25000"/>
+      </a:schemeClr>
+    </cs:fontRef>
+    <cs:defRPr sz="900" b="1" kern="1200"/>
+  </cs:axisTitle>
+  <cs:categoryAxis>
+    <cs:lnRef idx="0"/>
+    <cs:fillRef idx="0"/>
+    <cs:effectRef idx="0"/>
+    <cs:fontRef idx="minor">
+      <a:schemeClr val="dk1">
+        <a:lumMod val="75000"/>
+        <a:lumOff val="25000"/>
+      </a:schemeClr>
+    </cs:fontRef>
+    <cs:spPr>
+      <a:ln w="19050" cap="flat" cmpd="sng" algn="ctr">
+        <a:solidFill>
+          <a:schemeClr val="dk1">
+            <a:lumMod val="75000"/>
+            <a:lumOff val="25000"/>
+          </a:schemeClr>
+        </a:solidFill>
+        <a:round/>
+      </a:ln>
+    </cs:spPr>
+    <cs:defRPr sz="900" kern="1200" cap="all" baseline="0"/>
+  </cs:categoryAxis>
+  <cs:chartArea>
+    <cs:lnRef idx="0"/>
+    <cs:fillRef idx="0"/>
+    <cs:effectRef idx="0"/>
+    <cs:fontRef idx="minor">
+      <a:schemeClr val="dk1"/>
+    </cs:fontRef>
+    <cs:spPr>
+      <a:gradFill flip="none" rotWithShape="1">
+        <a:gsLst>
+          <a:gs pos="0">
+            <a:schemeClr val="lt1"/>
+          </a:gs>
+          <a:gs pos="39000">
+            <a:schemeClr val="lt1"/>
+          </a:gs>
+          <a:gs pos="100000">
+            <a:schemeClr val="lt1">
+              <a:lumMod val="75000"/>
+            </a:schemeClr>
+          </a:gs>
+        </a:gsLst>
+        <a:path path="circle">
+          <a:fillToRect l="50000" t="-80000" r="50000" b="180000"/>
+        </a:path>
+        <a:tileRect/>
+      </a:gradFill>
+      <a:ln w="9525" cap="flat" cmpd="sng" algn="ctr">
+        <a:solidFill>
+          <a:schemeClr val="dk1">
+            <a:lumMod val="25000"/>
+            <a:lumOff val="75000"/>
+          </a:schemeClr>
+        </a:solidFill>
+        <a:round/>
+      </a:ln>
+    </cs:spPr>
+    <cs:defRPr sz="900" kern="1200"/>
+  </cs:chartArea>
+  <cs:dataLabel>
+    <cs:lnRef idx="0"/>
+    <cs:fillRef idx="0"/>
+    <cs:effectRef idx="0"/>
+    <cs:fontRef idx="minor">
+      <a:schemeClr val="lt1"/>
+    </cs:fontRef>
+    <cs:spPr>
+      <a:pattFill prst="pct75">
+        <a:fgClr>
+          <a:schemeClr val="dk1">
+            <a:lumMod val="75000"/>
+            <a:lumOff val="25000"/>
+          </a:schemeClr>
+        </a:fgClr>
+        <a:bgClr>
+          <a:schemeClr val="dk1">
+            <a:lumMod val="65000"/>
+            <a:lumOff val="35000"/>
+          </a:schemeClr>
+        </a:bgClr>
+      </a:pattFill>
+      <a:effectLst>
+        <a:outerShdw blurRad="50800" dist="38100" dir="2700000" algn="tl" rotWithShape="0">
+          <a:prstClr val="black">
+            <a:alpha val="40000"/>
+          </a:prstClr>
+        </a:outerShdw>
+      </a:effectLst>
+    </cs:spPr>
+    <cs:defRPr sz="1000" b="1" i="0" u="none" strike="noStrike" kern="1200" baseline="0"/>
+  </cs:dataLabel>
+  <cs:dataLabelCallout>
+    <cs:lnRef idx="0"/>
+    <cs:fillRef idx="0"/>
+    <cs:effectRef idx="0"/>
+    <cs:fontRef idx="minor">
+      <a:schemeClr val="lt1"/>
+    </cs:fontRef>
+    <cs:spPr>
+      <a:pattFill prst="pct75">
+        <a:fgClr>
+          <a:schemeClr val="dk1">
+            <a:lumMod val="75000"/>
+            <a:lumOff val="25000"/>
+          </a:schemeClr>
+        </a:fgClr>
+        <a:bgClr>
+          <a:schemeClr val="dk1">
+            <a:lumMod val="65000"/>
+            <a:lumOff val="35000"/>
+          </a:schemeClr>
+        </a:bgClr>
+      </a:pattFill>
+      <a:effectLst>
+        <a:outerShdw blurRad="50800" dist="38100" dir="2700000" algn="tl" rotWithShape="0">
+          <a:prstClr val="black">
+            <a:alpha val="40000"/>
+          </a:prstClr>
+        </a:outerShdw>
+      </a:effectLst>
+    </cs:spPr>
+    <cs:defRPr sz="1000" b="1" i="0" u="none" strike="noStrike" kern="1200" baseline="0"/>
+    <cs:bodyPr rot="0" spcFirstLastPara="1" vertOverflow="clip" horzOverflow="clip" vert="horz" wrap="square" lIns="36576" tIns="18288" rIns="36576" bIns="18288" anchor="ctr" anchorCtr="1">
+      <a:spAutoFit/>
+    </cs:bodyPr>
+  </cs:dataLabelCallout>
+  <cs:dataPoint>
+    <cs:lnRef idx="0"/>
+    <cs:fillRef idx="0">
+      <cs:styleClr val="auto"/>
+    </cs:fillRef>
+    <cs:effectRef idx="0"/>
+    <cs:fontRef idx="minor">
+      <a:schemeClr val="dk1"/>
+    </cs:fontRef>
+    <cs:spPr>
+      <a:solidFill>
+        <a:schemeClr val="phClr"/>
+      </a:solidFill>
+      <a:effectLst>
+        <a:outerShdw blurRad="254000" sx="102000" sy="102000" algn="ctr" rotWithShape="0">
+          <a:prstClr val="black">
+            <a:alpha val="20000"/>
+          </a:prstClr>
+        </a:outerShdw>
+      </a:effectLst>
+    </cs:spPr>
+  </cs:dataPoint>
+  <cs:dataPoint3D>
+    <cs:lnRef idx="0"/>
+    <cs:fillRef idx="0">
+      <cs:styleClr val="auto"/>
+    </cs:fillRef>
+    <cs:effectRef idx="0"/>
+    <cs:fontRef idx="minor">
+      <a:schemeClr val="dk1"/>
+    </cs:fontRef>
+    <cs:spPr>
+      <a:solidFill>
+        <a:schemeClr val="phClr"/>
+      </a:solidFill>
+      <a:effectLst>
+        <a:outerShdw blurRad="254000" sx="102000" sy="102000" algn="ctr" rotWithShape="0">
+          <a:prstClr val="black">
+            <a:alpha val="20000"/>
+          </a:prstClr>
+        </a:outerShdw>
+      </a:effectLst>
+    </cs:spPr>
+  </cs:dataPoint3D>
+  <cs:dataPointLine>
+    <cs:lnRef idx="0">
+      <cs:styleClr val="auto"/>
+    </cs:lnRef>
+    <cs:fillRef idx="0"/>
+    <cs:effectRef idx="0"/>
+    <cs:fontRef idx="minor">
+      <a:schemeClr val="dk1"/>
+    </cs:fontRef>
+    <cs:spPr>
+      <a:ln w="31750" cap="rnd">
+        <a:solidFill>
+          <a:schemeClr val="phClr">
+            <a:alpha val="85000"/>
+          </a:schemeClr>
+        </a:solidFill>
+        <a:round/>
+      </a:ln>
+    </cs:spPr>
+  </cs:dataPointLine>
+  <cs:dataPointMarker>
+    <cs:lnRef idx="0"/>
+    <cs:fillRef idx="0">
+      <cs:styleClr val="auto"/>
+    </cs:fillRef>
+    <cs:effectRef idx="0"/>
+    <cs:fontRef idx="minor">
+      <a:schemeClr val="dk1"/>
+    </cs:fontRef>
+    <cs:spPr>
+      <a:solidFill>
+        <a:schemeClr val="phClr">
+          <a:alpha val="85000"/>
+        </a:schemeClr>
+      </a:solidFill>
+    </cs:spPr>
+  </cs:dataPointMarker>
+  <cs:dataPointMarkerLayout symbol="circle" size="6"/>
+  <cs:dataPointWireframe>
+    <cs:lnRef idx="0">
+      <cs:styleClr val="auto"/>
+    </cs:lnRef>
+    <cs:fillRef idx="0"/>
+    <cs:effectRef idx="0"/>
+    <cs:fontRef idx="minor">
+      <a:schemeClr val="dk1"/>
+    </cs:fontRef>
+    <cs:spPr>
+      <a:ln w="9525" cap="rnd">
+        <a:solidFill>
+          <a:schemeClr val="phClr"/>
+        </a:solidFill>
+        <a:round/>
+      </a:ln>
+    </cs:spPr>
+  </cs:dataPointWireframe>
+  <cs:dataTable>
+    <cs:lnRef idx="0"/>
+    <cs:fillRef idx="0"/>
+    <cs:effectRef idx="0"/>
+    <cs:fontRef idx="minor">
+      <a:schemeClr val="dk1">
+        <a:lumMod val="75000"/>
+        <a:lumOff val="25000"/>
+      </a:schemeClr>
+    </cs:fontRef>
+    <cs:spPr>
+      <a:ln w="9525">
+        <a:solidFill>
+          <a:schemeClr val="dk1">
+            <a:lumMod val="35000"/>
+            <a:lumOff val="65000"/>
+          </a:schemeClr>
+        </a:solidFill>
+      </a:ln>
+    </cs:spPr>
+    <cs:defRPr sz="900" kern="1200"/>
+  </cs:dataTable>
+  <cs:downBar>
+    <cs:lnRef idx="0"/>
+    <cs:fillRef idx="0"/>
+    <cs:effectRef idx="0"/>
+    <cs:fontRef idx="minor">
+      <a:schemeClr val="dk1"/>
+    </cs:fontRef>
+    <cs:spPr>
+      <a:solidFill>
+        <a:schemeClr val="dk1">
+          <a:lumMod val="50000"/>
+          <a:lumOff val="50000"/>
+        </a:schemeClr>
+      </a:solidFill>
+      <a:ln w="9525">
+        <a:solidFill>
+          <a:schemeClr val="dk1">
+            <a:lumMod val="65000"/>
+            <a:lumOff val="35000"/>
+          </a:schemeClr>
+        </a:solidFill>
+      </a:ln>
+    </cs:spPr>
+  </cs:downBar>
+  <cs:dropLine>
+    <cs:lnRef idx="0"/>
+    <cs:fillRef idx="0"/>
+    <cs:effectRef idx="0"/>
+    <cs:fontRef idx="minor">
+      <a:schemeClr val="dk1"/>
+    </cs:fontRef>
+    <cs:spPr>
+      <a:ln w="9525">
+        <a:solidFill>
+          <a:schemeClr val="dk1">
+            <a:lumMod val="35000"/>
+            <a:lumOff val="65000"/>
+          </a:schemeClr>
+        </a:solidFill>
+        <a:prstDash val="dash"/>
+      </a:ln>
+    </cs:spPr>
+  </cs:dropLine>
+  <cs:errorBar>
+    <cs:lnRef idx="0"/>
+    <cs:fillRef idx="0"/>
+    <cs:effectRef idx="0"/>
+    <cs:fontRef idx="minor">
+      <a:schemeClr val="dk1"/>
+    </cs:fontRef>
+    <cs:spPr>
+      <a:ln w="9525">
+        <a:solidFill>
+          <a:schemeClr val="dk1">
+            <a:lumMod val="65000"/>
+            <a:lumOff val="35000"/>
+          </a:schemeClr>
+        </a:solidFill>
+        <a:round/>
+      </a:ln>
+    </cs:spPr>
+  </cs:errorBar>
+  <cs:floor>
+    <cs:lnRef idx="0"/>
+    <cs:fillRef idx="0"/>
+    <cs:effectRef idx="0"/>
+    <cs:fontRef idx="minor">
+      <a:schemeClr val="dk1"/>
+    </cs:fontRef>
+  </cs:floor>
+  <cs:gridlineMajor>
+    <cs:lnRef idx="0"/>
+    <cs:fillRef idx="0"/>
+    <cs:effectRef idx="0"/>
+    <cs:fontRef idx="minor">
+      <a:schemeClr val="dk1"/>
+    </cs:fontRef>
+    <cs:spPr>
+      <a:ln w="9525" cap="flat" cmpd="sng" algn="ctr">
+        <a:gradFill>
+          <a:gsLst>
+            <a:gs pos="100000">
+              <a:schemeClr val="dk1">
+                <a:lumMod val="95000"/>
+                <a:lumOff val="5000"/>
+                <a:alpha val="42000"/>
+              </a:schemeClr>
+            </a:gs>
+            <a:gs pos="0">
+              <a:schemeClr val="lt1">
+                <a:lumMod val="75000"/>
+                <a:alpha val="36000"/>
+              </a:schemeClr>
+            </a:gs>
+          </a:gsLst>
+          <a:lin ang="5400000" scaled="0"/>
+        </a:gradFill>
+        <a:round/>
+      </a:ln>
+    </cs:spPr>
+  </cs:gridlineMajor>
+  <cs:gridlineMinor>
+    <cs:lnRef idx="0"/>
+    <cs:fillRef idx="0"/>
+    <cs:effectRef idx="0"/>
+    <cs:fontRef idx="minor">
+      <a:schemeClr val="dk1"/>
+    </cs:fontRef>
+    <cs:spPr>
+      <a:ln>
+        <a:gradFill>
+          <a:gsLst>
+            <a:gs pos="100000">
+              <a:schemeClr val="dk1">
+                <a:lumMod val="95000"/>
+                <a:lumOff val="5000"/>
+                <a:alpha val="42000"/>
+              </a:schemeClr>
+            </a:gs>
+            <a:gs pos="0">
+              <a:schemeClr val="lt1">
+                <a:lumMod val="75000"/>
+                <a:alpha val="36000"/>
+              </a:schemeClr>
+            </a:gs>
+          </a:gsLst>
+          <a:lin ang="5400000" scaled="0"/>
+        </a:gradFill>
+      </a:ln>
+    </cs:spPr>
+  </cs:gridlineMinor>
+  <cs:hiLoLine>
+    <cs:lnRef idx="0"/>
+    <cs:fillRef idx="0"/>
+    <cs:effectRef idx="0"/>
+    <cs:fontRef idx="minor">
+      <a:schemeClr val="dk1"/>
+    </cs:fontRef>
+    <cs:spPr>
+      <a:ln w="9525">
+        <a:solidFill>
+          <a:schemeClr val="dk1">
+            <a:lumMod val="35000"/>
+            <a:lumOff val="65000"/>
+          </a:schemeClr>
+        </a:solidFill>
+        <a:prstDash val="dash"/>
+      </a:ln>
+    </cs:spPr>
+  </cs:hiLoLine>
+  <cs:leaderLine>
+    <cs:lnRef idx="0"/>
+    <cs:fillRef idx="0"/>
+    <cs:effectRef idx="0"/>
+    <cs:fontRef idx="minor">
+      <a:schemeClr val="dk1"/>
+    </cs:fontRef>
+    <cs:spPr>
+      <a:ln w="9525">
+        <a:solidFill>
+          <a:schemeClr val="dk1">
+            <a:lumMod val="50000"/>
+            <a:lumOff val="50000"/>
+          </a:schemeClr>
+        </a:solidFill>
+      </a:ln>
+    </cs:spPr>
+  </cs:leaderLine>
+  <cs:legend>
+    <cs:lnRef idx="0"/>
+    <cs:fillRef idx="0"/>
+    <cs:effectRef idx="0"/>
+    <cs:fontRef idx="minor">
+      <a:schemeClr val="dk1">
+        <a:lumMod val="75000"/>
+        <a:lumOff val="25000"/>
+      </a:schemeClr>
+    </cs:fontRef>
+    <cs:spPr>
+      <a:solidFill>
+        <a:schemeClr val="lt1">
+          <a:lumMod val="95000"/>
+          <a:alpha val="39000"/>
+        </a:schemeClr>
+      </a:solidFill>
+    </cs:spPr>
+    <cs:defRPr sz="900" kern="1200"/>
+  </cs:legend>
+  <cs:plotArea>
+    <cs:lnRef idx="0"/>
+    <cs:fillRef idx="0"/>
+    <cs:effectRef idx="0"/>
+    <cs:fontRef idx="minor">
+      <a:schemeClr val="dk1"/>
+    </cs:fontRef>
+  </cs:plotArea>
+  <cs:plotArea3D>
+    <cs:lnRef idx="0"/>
+    <cs:fillRef idx="0"/>
+    <cs:effectRef idx="0"/>
+    <cs:fontRef idx="minor">
+      <a:schemeClr val="dk1"/>
+    </cs:fontRef>
+  </cs:plotArea3D>
+  <cs:seriesAxis>
+    <cs:lnRef idx="0"/>
+    <cs:fillRef idx="0"/>
+    <cs:effectRef idx="0"/>
+    <cs:fontRef idx="minor">
+      <a:schemeClr val="dk1">
+        <a:lumMod val="75000"/>
+        <a:lumOff val="25000"/>
+      </a:schemeClr>
+    </cs:fontRef>
+    <cs:spPr>
+      <a:ln w="31750" cap="flat" cmpd="sng" algn="ctr">
+        <a:solidFill>
+          <a:schemeClr val="dk1">
+            <a:lumMod val="75000"/>
+            <a:lumOff val="25000"/>
+          </a:schemeClr>
+        </a:solidFill>
+        <a:round/>
+      </a:ln>
+    </cs:spPr>
+    <cs:defRPr sz="900" kern="1200"/>
+  </cs:seriesAxis>
+  <cs:seriesLine>
+    <cs:lnRef idx="0"/>
+    <cs:fillRef idx="0"/>
+    <cs:effectRef idx="0"/>
+    <cs:fontRef idx="minor">
+      <a:schemeClr val="dk1"/>
+    </cs:fontRef>
+    <cs:spPr>
+      <a:ln w="9525">
+        <a:solidFill>
+          <a:schemeClr val="dk1">
+            <a:lumMod val="50000"/>
+            <a:lumOff val="50000"/>
+          </a:schemeClr>
+        </a:solidFill>
+        <a:round/>
+      </a:ln>
+    </cs:spPr>
+  </cs:seriesLine>
+  <cs:title>
+    <cs:lnRef idx="0"/>
+    <cs:fillRef idx="0"/>
+    <cs:effectRef idx="0"/>
+    <cs:fontRef idx="minor">
+      <a:schemeClr val="dk1">
+        <a:lumMod val="75000"/>
+        <a:lumOff val="25000"/>
+      </a:schemeClr>
+    </cs:fontRef>
+    <cs:defRPr sz="1800" b="1" kern="1200" baseline="0"/>
+  </cs:title>
+  <cs:trendline>
+    <cs:lnRef idx="0">
+      <cs:styleClr val="auto"/>
+    </cs:lnRef>
+    <cs:fillRef idx="0"/>
+    <cs:effectRef idx="0"/>
+    <cs:fontRef idx="minor">
+      <a:schemeClr val="dk1"/>
+    </cs:fontRef>
+    <cs:spPr>
+      <a:ln w="19050" cap="rnd">
+        <a:solidFill>
+          <a:schemeClr val="phClr"/>
+        </a:solidFill>
+      </a:ln>
+    </cs:spPr>
+  </cs:trendline>
+  <cs:trendlineLabel>
+    <cs:lnRef idx="0"/>
+    <cs:fillRef idx="0"/>
+    <cs:effectRef idx="0"/>
+    <cs:fontRef idx="minor">
+      <a:schemeClr val="dk1">
+        <a:lumMod val="75000"/>
+        <a:lumOff val="25000"/>
+      </a:schemeClr>
+    </cs:fontRef>
+    <cs:defRPr sz="900" kern="1200"/>
+  </cs:trendlineLabel>
+  <cs:upBar>
+    <cs:lnRef idx="0"/>
+    <cs:fillRef idx="0"/>
+    <cs:effectRef idx="0"/>
+    <cs:fontRef idx="minor">
+      <a:schemeClr val="dk1"/>
+    </cs:fontRef>
+    <cs:spPr>
+      <a:solidFill>
+        <a:schemeClr val="lt1"/>
+      </a:solidFill>
+      <a:ln w="9525">
+        <a:solidFill>
+          <a:schemeClr val="dk1">
+            <a:lumMod val="65000"/>
+            <a:lumOff val="35000"/>
+          </a:schemeClr>
+        </a:solidFill>
+      </a:ln>
+    </cs:spPr>
+  </cs:upBar>
+  <cs:valueAxis>
+    <cs:lnRef idx="0"/>
+    <cs:fillRef idx="0"/>
+    <cs:effectRef idx="0"/>
+    <cs:fontRef idx="minor">
+      <a:schemeClr val="dk1">
+        <a:lumMod val="75000"/>
+        <a:lumOff val="25000"/>
+      </a:schemeClr>
+    </cs:fontRef>
+    <cs:spPr>
+      <a:ln>
+        <a:noFill/>
+      </a:ln>
+    </cs:spPr>
+    <cs:defRPr sz="900" kern="1200"/>
+  </cs:valueAxis>
+  <cs:wall>
+    <cs:lnRef idx="0"/>
+    <cs:fillRef idx="0"/>
+    <cs:effectRef idx="0"/>
+    <cs:fontRef idx="minor">
+      <a:schemeClr val="dk1"/>
+    </cs:fontRef>
+  </cs:wall>
+</cs:chartStyle>
+</file>
+
+<file path=ppt/charts/style5.xml><?xml version="1.0" encoding="utf-8"?>
+<cs:chartStyle xmlns:cs="http://schemas.microsoft.com/office/drawing/2012/chartStyle" xmlns:a="http://schemas.openxmlformats.org/drawingml/2006/main" id="253">
+  <cs:axisTitle>
+    <cs:lnRef idx="0"/>
+    <cs:fillRef idx="0"/>
+    <cs:effectRef idx="0"/>
+    <cs:fontRef idx="minor">
+      <a:schemeClr val="dk1">
+        <a:lumMod val="75000"/>
+        <a:lumOff val="25000"/>
+      </a:schemeClr>
+    </cs:fontRef>
+    <cs:defRPr sz="900" b="1" kern="1200"/>
+  </cs:axisTitle>
+  <cs:categoryAxis>
+    <cs:lnRef idx="0"/>
+    <cs:fillRef idx="0"/>
+    <cs:effectRef idx="0"/>
+    <cs:fontRef idx="minor">
+      <a:schemeClr val="dk1">
+        <a:lumMod val="75000"/>
+        <a:lumOff val="25000"/>
+      </a:schemeClr>
+    </cs:fontRef>
+    <cs:spPr>
+      <a:ln w="19050" cap="flat" cmpd="sng" algn="ctr">
+        <a:solidFill>
+          <a:schemeClr val="dk1">
+            <a:lumMod val="75000"/>
+            <a:lumOff val="25000"/>
+          </a:schemeClr>
+        </a:solidFill>
+        <a:round/>
+      </a:ln>
+    </cs:spPr>
+    <cs:defRPr sz="900" kern="1200" cap="all" baseline="0"/>
+  </cs:categoryAxis>
+  <cs:chartArea>
+    <cs:lnRef idx="0"/>
+    <cs:fillRef idx="0"/>
+    <cs:effectRef idx="0"/>
+    <cs:fontRef idx="minor">
+      <a:schemeClr val="dk1"/>
+    </cs:fontRef>
+    <cs:spPr>
+      <a:gradFill flip="none" rotWithShape="1">
+        <a:gsLst>
+          <a:gs pos="0">
+            <a:schemeClr val="lt1"/>
+          </a:gs>
+          <a:gs pos="39000">
+            <a:schemeClr val="lt1"/>
+          </a:gs>
+          <a:gs pos="100000">
+            <a:schemeClr val="lt1">
+              <a:lumMod val="75000"/>
+            </a:schemeClr>
+          </a:gs>
+        </a:gsLst>
+        <a:path path="circle">
+          <a:fillToRect l="50000" t="-80000" r="50000" b="180000"/>
+        </a:path>
+        <a:tileRect/>
+      </a:gradFill>
+      <a:ln w="9525" cap="flat" cmpd="sng" algn="ctr">
+        <a:solidFill>
+          <a:schemeClr val="dk1">
+            <a:lumMod val="25000"/>
+            <a:lumOff val="75000"/>
+          </a:schemeClr>
+        </a:solidFill>
+        <a:round/>
+      </a:ln>
+    </cs:spPr>
+    <cs:defRPr sz="900" kern="1200"/>
+  </cs:chartArea>
+  <cs:dataLabel>
+    <cs:lnRef idx="0"/>
+    <cs:fillRef idx="0"/>
+    <cs:effectRef idx="0"/>
+    <cs:fontRef idx="minor">
+      <a:schemeClr val="lt1"/>
+    </cs:fontRef>
+    <cs:spPr>
+      <a:pattFill prst="pct75">
+        <a:fgClr>
+          <a:schemeClr val="dk1">
+            <a:lumMod val="75000"/>
+            <a:lumOff val="25000"/>
+          </a:schemeClr>
+        </a:fgClr>
+        <a:bgClr>
+          <a:schemeClr val="dk1">
+            <a:lumMod val="65000"/>
+            <a:lumOff val="35000"/>
+          </a:schemeClr>
+        </a:bgClr>
+      </a:pattFill>
+      <a:effectLst>
+        <a:outerShdw blurRad="50800" dist="38100" dir="2700000" algn="tl" rotWithShape="0">
+          <a:prstClr val="black">
+            <a:alpha val="40000"/>
+          </a:prstClr>
+        </a:outerShdw>
+      </a:effectLst>
+    </cs:spPr>
+    <cs:defRPr sz="1000" b="1" i="0" u="none" strike="noStrike" kern="1200" baseline="0"/>
+  </cs:dataLabel>
+  <cs:dataLabelCallout>
+    <cs:lnRef idx="0"/>
+    <cs:fillRef idx="0"/>
+    <cs:effectRef idx="0"/>
+    <cs:fontRef idx="minor">
+      <a:schemeClr val="lt1"/>
+    </cs:fontRef>
+    <cs:spPr>
+      <a:pattFill prst="pct75">
+        <a:fgClr>
+          <a:schemeClr val="dk1">
+            <a:lumMod val="75000"/>
+            <a:lumOff val="25000"/>
+          </a:schemeClr>
+        </a:fgClr>
+        <a:bgClr>
+          <a:schemeClr val="dk1">
+            <a:lumMod val="65000"/>
+            <a:lumOff val="35000"/>
+          </a:schemeClr>
+        </a:bgClr>
+      </a:pattFill>
+      <a:effectLst>
+        <a:outerShdw blurRad="50800" dist="38100" dir="2700000" algn="tl" rotWithShape="0">
+          <a:prstClr val="black">
+            <a:alpha val="40000"/>
+          </a:prstClr>
+        </a:outerShdw>
+      </a:effectLst>
+    </cs:spPr>
+    <cs:defRPr sz="1000" b="1" i="0" u="none" strike="noStrike" kern="1200" baseline="0"/>
+    <cs:bodyPr rot="0" spcFirstLastPara="1" vertOverflow="clip" horzOverflow="clip" vert="horz" wrap="square" lIns="36576" tIns="18288" rIns="36576" bIns="18288" anchor="ctr" anchorCtr="1">
+      <a:spAutoFit/>
+    </cs:bodyPr>
+  </cs:dataLabelCallout>
+  <cs:dataPoint>
+    <cs:lnRef idx="0"/>
+    <cs:fillRef idx="0">
+      <cs:styleClr val="auto"/>
+    </cs:fillRef>
+    <cs:effectRef idx="0"/>
+    <cs:fontRef idx="minor">
+      <a:schemeClr val="dk1"/>
+    </cs:fontRef>
+    <cs:spPr>
+      <a:solidFill>
+        <a:schemeClr val="phClr"/>
+      </a:solidFill>
+      <a:effectLst>
+        <a:outerShdw blurRad="254000" sx="102000" sy="102000" algn="ctr" rotWithShape="0">
+          <a:prstClr val="black">
+            <a:alpha val="20000"/>
+          </a:prstClr>
+        </a:outerShdw>
+      </a:effectLst>
+    </cs:spPr>
+  </cs:dataPoint>
+  <cs:dataPoint3D>
+    <cs:lnRef idx="0"/>
+    <cs:fillRef idx="0">
+      <cs:styleClr val="auto"/>
+    </cs:fillRef>
+    <cs:effectRef idx="0"/>
+    <cs:fontRef idx="minor">
+      <a:schemeClr val="dk1"/>
+    </cs:fontRef>
+    <cs:spPr>
+      <a:solidFill>
+        <a:schemeClr val="phClr"/>
+      </a:solidFill>
+      <a:effectLst>
+        <a:outerShdw blurRad="254000" sx="102000" sy="102000" algn="ctr" rotWithShape="0">
+          <a:prstClr val="black">
+            <a:alpha val="20000"/>
+          </a:prstClr>
+        </a:outerShdw>
+      </a:effectLst>
+    </cs:spPr>
+  </cs:dataPoint3D>
+  <cs:dataPointLine>
+    <cs:lnRef idx="0">
+      <cs:styleClr val="auto"/>
+    </cs:lnRef>
+    <cs:fillRef idx="0"/>
+    <cs:effectRef idx="0"/>
+    <cs:fontRef idx="minor">
+      <a:schemeClr val="dk1"/>
+    </cs:fontRef>
+    <cs:spPr>
+      <a:ln w="31750" cap="rnd">
+        <a:solidFill>
+          <a:schemeClr val="phClr">
+            <a:alpha val="85000"/>
+          </a:schemeClr>
+        </a:solidFill>
+        <a:round/>
+      </a:ln>
+    </cs:spPr>
+  </cs:dataPointLine>
+  <cs:dataPointMarker>
+    <cs:lnRef idx="0"/>
+    <cs:fillRef idx="0">
+      <cs:styleClr val="auto"/>
+    </cs:fillRef>
+    <cs:effectRef idx="0"/>
+    <cs:fontRef idx="minor">
+      <a:schemeClr val="dk1"/>
+    </cs:fontRef>
+    <cs:spPr>
+      <a:solidFill>
+        <a:schemeClr val="phClr">
+          <a:alpha val="85000"/>
+        </a:schemeClr>
+      </a:solidFill>
+    </cs:spPr>
+  </cs:dataPointMarker>
+  <cs:dataPointMarkerLayout symbol="circle" size="6"/>
+  <cs:dataPointWireframe>
+    <cs:lnRef idx="0">
+      <cs:styleClr val="auto"/>
+    </cs:lnRef>
+    <cs:fillRef idx="0"/>
+    <cs:effectRef idx="0"/>
+    <cs:fontRef idx="minor">
+      <a:schemeClr val="dk1"/>
+    </cs:fontRef>
+    <cs:spPr>
+      <a:ln w="9525" cap="rnd">
+        <a:solidFill>
+          <a:schemeClr val="phClr"/>
+        </a:solidFill>
+        <a:round/>
+      </a:ln>
+    </cs:spPr>
+  </cs:dataPointWireframe>
+  <cs:dataTable>
+    <cs:lnRef idx="0"/>
+    <cs:fillRef idx="0"/>
+    <cs:effectRef idx="0"/>
+    <cs:fontRef idx="minor">
+      <a:schemeClr val="dk1">
+        <a:lumMod val="75000"/>
+        <a:lumOff val="25000"/>
+      </a:schemeClr>
+    </cs:fontRef>
+    <cs:spPr>
+      <a:ln w="9525">
+        <a:solidFill>
+          <a:schemeClr val="dk1">
+            <a:lumMod val="35000"/>
+            <a:lumOff val="65000"/>
+          </a:schemeClr>
+        </a:solidFill>
+      </a:ln>
+    </cs:spPr>
+    <cs:defRPr sz="900" kern="1200"/>
+  </cs:dataTable>
+  <cs:downBar>
+    <cs:lnRef idx="0"/>
+    <cs:fillRef idx="0"/>
+    <cs:effectRef idx="0"/>
+    <cs:fontRef idx="minor">
+      <a:schemeClr val="dk1"/>
+    </cs:fontRef>
+    <cs:spPr>
+      <a:solidFill>
+        <a:schemeClr val="dk1">
+          <a:lumMod val="50000"/>
+          <a:lumOff val="50000"/>
+        </a:schemeClr>
+      </a:solidFill>
+      <a:ln w="9525">
+        <a:solidFill>
+          <a:schemeClr val="dk1">
+            <a:lumMod val="65000"/>
+            <a:lumOff val="35000"/>
+          </a:schemeClr>
+        </a:solidFill>
+      </a:ln>
+    </cs:spPr>
+  </cs:downBar>
+  <cs:dropLine>
+    <cs:lnRef idx="0"/>
+    <cs:fillRef idx="0"/>
+    <cs:effectRef idx="0"/>
+    <cs:fontRef idx="minor">
+      <a:schemeClr val="dk1"/>
+    </cs:fontRef>
+    <cs:spPr>
+      <a:ln w="9525">
+        <a:solidFill>
+          <a:schemeClr val="dk1">
+            <a:lumMod val="35000"/>
+            <a:lumOff val="65000"/>
+          </a:schemeClr>
+        </a:solidFill>
+        <a:prstDash val="dash"/>
+      </a:ln>
+    </cs:spPr>
+  </cs:dropLine>
+  <cs:errorBar>
+    <cs:lnRef idx="0"/>
+    <cs:fillRef idx="0"/>
+    <cs:effectRef idx="0"/>
+    <cs:fontRef idx="minor">
+      <a:schemeClr val="dk1"/>
+    </cs:fontRef>
+    <cs:spPr>
+      <a:ln w="9525">
+        <a:solidFill>
+          <a:schemeClr val="dk1">
+            <a:lumMod val="65000"/>
+            <a:lumOff val="35000"/>
+          </a:schemeClr>
+        </a:solidFill>
+        <a:round/>
+      </a:ln>
+    </cs:spPr>
+  </cs:errorBar>
+  <cs:floor>
+    <cs:lnRef idx="0"/>
+    <cs:fillRef idx="0"/>
+    <cs:effectRef idx="0"/>
+    <cs:fontRef idx="minor">
+      <a:schemeClr val="dk1"/>
+    </cs:fontRef>
+  </cs:floor>
+  <cs:gridlineMajor>
+    <cs:lnRef idx="0"/>
+    <cs:fillRef idx="0"/>
+    <cs:effectRef idx="0"/>
+    <cs:fontRef idx="minor">
+      <a:schemeClr val="dk1"/>
+    </cs:fontRef>
+    <cs:spPr>
+      <a:ln w="9525" cap="flat" cmpd="sng" algn="ctr">
+        <a:gradFill>
+          <a:gsLst>
+            <a:gs pos="100000">
+              <a:schemeClr val="dk1">
+                <a:lumMod val="95000"/>
+                <a:lumOff val="5000"/>
+                <a:alpha val="42000"/>
+              </a:schemeClr>
+            </a:gs>
+            <a:gs pos="0">
+              <a:schemeClr val="lt1">
+                <a:lumMod val="75000"/>
+                <a:alpha val="36000"/>
+              </a:schemeClr>
+            </a:gs>
+          </a:gsLst>
+          <a:lin ang="5400000" scaled="0"/>
+        </a:gradFill>
+        <a:round/>
+      </a:ln>
+    </cs:spPr>
+  </cs:gridlineMajor>
+  <cs:gridlineMinor>
+    <cs:lnRef idx="0"/>
+    <cs:fillRef idx="0"/>
+    <cs:effectRef idx="0"/>
+    <cs:fontRef idx="minor">
+      <a:schemeClr val="dk1"/>
+    </cs:fontRef>
+    <cs:spPr>
+      <a:ln>
+        <a:gradFill>
+          <a:gsLst>
+            <a:gs pos="100000">
+              <a:schemeClr val="dk1">
+                <a:lumMod val="95000"/>
+                <a:lumOff val="5000"/>
+                <a:alpha val="42000"/>
+              </a:schemeClr>
+            </a:gs>
+            <a:gs pos="0">
+              <a:schemeClr val="lt1">
+                <a:lumMod val="75000"/>
+                <a:alpha val="36000"/>
+              </a:schemeClr>
+            </a:gs>
+          </a:gsLst>
+          <a:lin ang="5400000" scaled="0"/>
+        </a:gradFill>
+      </a:ln>
+    </cs:spPr>
+  </cs:gridlineMinor>
+  <cs:hiLoLine>
+    <cs:lnRef idx="0"/>
+    <cs:fillRef idx="0"/>
+    <cs:effectRef idx="0"/>
+    <cs:fontRef idx="minor">
+      <a:schemeClr val="dk1"/>
+    </cs:fontRef>
+    <cs:spPr>
+      <a:ln w="9525">
+        <a:solidFill>
+          <a:schemeClr val="dk1">
+            <a:lumMod val="35000"/>
+            <a:lumOff val="65000"/>
+          </a:schemeClr>
+        </a:solidFill>
+        <a:prstDash val="dash"/>
+      </a:ln>
+    </cs:spPr>
+  </cs:hiLoLine>
+  <cs:leaderLine>
+    <cs:lnRef idx="0"/>
+    <cs:fillRef idx="0"/>
+    <cs:effectRef idx="0"/>
+    <cs:fontRef idx="minor">
+      <a:schemeClr val="dk1"/>
+    </cs:fontRef>
+    <cs:spPr>
+      <a:ln w="9525">
+        <a:solidFill>
+          <a:schemeClr val="dk1">
+            <a:lumMod val="50000"/>
+            <a:lumOff val="50000"/>
+          </a:schemeClr>
+        </a:solidFill>
+      </a:ln>
+    </cs:spPr>
+  </cs:leaderLine>
+  <cs:legend>
+    <cs:lnRef idx="0"/>
+    <cs:fillRef idx="0"/>
+    <cs:effectRef idx="0"/>
+    <cs:fontRef idx="minor">
+      <a:schemeClr val="dk1">
+        <a:lumMod val="75000"/>
+        <a:lumOff val="25000"/>
+      </a:schemeClr>
+    </cs:fontRef>
+    <cs:spPr>
+      <a:solidFill>
+        <a:schemeClr val="lt1">
+          <a:lumMod val="95000"/>
+          <a:alpha val="39000"/>
+        </a:schemeClr>
+      </a:solidFill>
+    </cs:spPr>
+    <cs:defRPr sz="900" kern="1200"/>
+  </cs:legend>
+  <cs:plotArea>
+    <cs:lnRef idx="0"/>
+    <cs:fillRef idx="0"/>
+    <cs:effectRef idx="0"/>
+    <cs:fontRef idx="minor">
+      <a:schemeClr val="dk1"/>
+    </cs:fontRef>
+  </cs:plotArea>
+  <cs:plotArea3D>
+    <cs:lnRef idx="0"/>
+    <cs:fillRef idx="0"/>
+    <cs:effectRef idx="0"/>
+    <cs:fontRef idx="minor">
+      <a:schemeClr val="dk1"/>
+    </cs:fontRef>
+  </cs:plotArea3D>
+  <cs:seriesAxis>
+    <cs:lnRef idx="0"/>
+    <cs:fillRef idx="0"/>
+    <cs:effectRef idx="0"/>
+    <cs:fontRef idx="minor">
+      <a:schemeClr val="dk1">
+        <a:lumMod val="75000"/>
+        <a:lumOff val="25000"/>
+      </a:schemeClr>
+    </cs:fontRef>
+    <cs:spPr>
+      <a:ln w="31750" cap="flat" cmpd="sng" algn="ctr">
+        <a:solidFill>
+          <a:schemeClr val="dk1">
+            <a:lumMod val="75000"/>
+            <a:lumOff val="25000"/>
+          </a:schemeClr>
+        </a:solidFill>
+        <a:round/>
+      </a:ln>
+    </cs:spPr>
+    <cs:defRPr sz="900" kern="1200"/>
+  </cs:seriesAxis>
+  <cs:seriesLine>
+    <cs:lnRef idx="0"/>
+    <cs:fillRef idx="0"/>
+    <cs:effectRef idx="0"/>
+    <cs:fontRef idx="minor">
+      <a:schemeClr val="dk1"/>
+    </cs:fontRef>
+    <cs:spPr>
+      <a:ln w="9525">
+        <a:solidFill>
+          <a:schemeClr val="dk1">
+            <a:lumMod val="50000"/>
+            <a:lumOff val="50000"/>
+          </a:schemeClr>
+        </a:solidFill>
+        <a:round/>
+      </a:ln>
+    </cs:spPr>
+  </cs:seriesLine>
+  <cs:title>
+    <cs:lnRef idx="0"/>
+    <cs:fillRef idx="0"/>
+    <cs:effectRef idx="0"/>
+    <cs:fontRef idx="minor">
+      <a:schemeClr val="dk1">
+        <a:lumMod val="75000"/>
+        <a:lumOff val="25000"/>
+      </a:schemeClr>
+    </cs:fontRef>
+    <cs:defRPr sz="1800" b="1" kern="1200" baseline="0"/>
+  </cs:title>
+  <cs:trendline>
+    <cs:lnRef idx="0">
+      <cs:styleClr val="auto"/>
+    </cs:lnRef>
+    <cs:fillRef idx="0"/>
+    <cs:effectRef idx="0"/>
+    <cs:fontRef idx="minor">
+      <a:schemeClr val="dk1"/>
+    </cs:fontRef>
+    <cs:spPr>
+      <a:ln w="19050" cap="rnd">
+        <a:solidFill>
+          <a:schemeClr val="phClr"/>
+        </a:solidFill>
+      </a:ln>
+    </cs:spPr>
+  </cs:trendline>
+  <cs:trendlineLabel>
+    <cs:lnRef idx="0"/>
+    <cs:fillRef idx="0"/>
+    <cs:effectRef idx="0"/>
+    <cs:fontRef idx="minor">
+      <a:schemeClr val="dk1">
+        <a:lumMod val="75000"/>
+        <a:lumOff val="25000"/>
+      </a:schemeClr>
+    </cs:fontRef>
+    <cs:defRPr sz="900" kern="1200"/>
+  </cs:trendlineLabel>
+  <cs:upBar>
+    <cs:lnRef idx="0"/>
+    <cs:fillRef idx="0"/>
+    <cs:effectRef idx="0"/>
+    <cs:fontRef idx="minor">
+      <a:schemeClr val="dk1"/>
+    </cs:fontRef>
+    <cs:spPr>
+      <a:solidFill>
+        <a:schemeClr val="lt1"/>
+      </a:solidFill>
+      <a:ln w="9525">
+        <a:solidFill>
+          <a:schemeClr val="dk1">
+            <a:lumMod val="65000"/>
+            <a:lumOff val="35000"/>
+          </a:schemeClr>
+        </a:solidFill>
+      </a:ln>
+    </cs:spPr>
+  </cs:upBar>
+  <cs:valueAxis>
+    <cs:lnRef idx="0"/>
+    <cs:fillRef idx="0"/>
+    <cs:effectRef idx="0"/>
+    <cs:fontRef idx="minor">
+      <a:schemeClr val="dk1">
+        <a:lumMod val="75000"/>
+        <a:lumOff val="25000"/>
+      </a:schemeClr>
+    </cs:fontRef>
+    <cs:spPr>
+      <a:ln>
+        <a:noFill/>
+      </a:ln>
+    </cs:spPr>
     <cs:defRPr sz="900" kern="1200"/>
   </cs:valueAxis>
   <cs:wall>
@@ -5626,6 +8089,1618 @@
       </p:grpSpPr>
       <p:sp>
         <p:nvSpPr>
+          <p:cNvPr id="15" name="TextBox 14"/>
+          <p:cNvSpPr txBox="1"/>
+          <p:nvPr/>
+        </p:nvSpPr>
+        <p:spPr>
+          <a:xfrm>
+            <a:off x="10781242" y="76824"/>
+            <a:ext cx="1335622" cy="323165"/>
+          </a:xfrm>
+          <a:prstGeom prst="rect">
+            <a:avLst/>
+          </a:prstGeom>
+          <a:noFill/>
+        </p:spPr>
+        <p:txBody>
+          <a:bodyPr wrap="none" rtlCol="0">
+            <a:spAutoFit/>
+          </a:bodyPr>
+          <a:lstStyle/>
+          <a:p>
+            <a:pPr algn="ctr"/>
+            <a:r>
+              <a:rPr lang="en-US" altLang="ko-KR" sz="900" b="1" dirty="0">
+                <a:ln w="22225">
+                  <a:noFill/>
+                </a:ln>
+                <a:solidFill>
+                  <a:schemeClr val="bg1"/>
+                </a:solidFill>
+                <a:effectLst>
+                  <a:glow rad="88900">
+                    <a:srgbClr val="E3781F">
+                      <a:alpha val="7000"/>
+                    </a:srgbClr>
+                  </a:glow>
+                </a:effectLst>
+                <a:latin typeface="나눔스퀘어" panose="020B0600000101010101" pitchFamily="50" charset="-127"/>
+                <a:ea typeface="나눔스퀘어" panose="020B0600000101010101" pitchFamily="50" charset="-127"/>
+              </a:rPr>
+              <a:t>Power Point Template</a:t>
+            </a:r>
+          </a:p>
+          <a:p>
+            <a:pPr algn="ctr"/>
+            <a:r>
+              <a:rPr lang="en-US" altLang="ko-KR" sz="600" dirty="0" err="1">
+                <a:ln w="22225">
+                  <a:noFill/>
+                </a:ln>
+                <a:solidFill>
+                  <a:schemeClr val="bg1"/>
+                </a:solidFill>
+                <a:effectLst>
+                  <a:glow rad="88900">
+                    <a:srgbClr val="E3781F">
+                      <a:alpha val="7000"/>
+                    </a:srgbClr>
+                  </a:glow>
+                </a:effectLst>
+                <a:latin typeface="나눔스퀘어" panose="020B0600000101010101" pitchFamily="50" charset="-127"/>
+                <a:ea typeface="나눔스퀘어" panose="020B0600000101010101" pitchFamily="50" charset="-127"/>
+              </a:rPr>
+              <a:t>Ponybuhagom</a:t>
+            </a:r>
+            <a:endParaRPr lang="en-US" altLang="ko-KR" sz="600" dirty="0">
+              <a:ln w="22225">
+                <a:noFill/>
+              </a:ln>
+              <a:solidFill>
+                <a:schemeClr val="bg1"/>
+              </a:solidFill>
+              <a:effectLst>
+                <a:glow rad="88900">
+                  <a:srgbClr val="E3781F">
+                    <a:alpha val="7000"/>
+                  </a:srgbClr>
+                </a:glow>
+              </a:effectLst>
+              <a:latin typeface="나눔스퀘어" panose="020B0600000101010101" pitchFamily="50" charset="-127"/>
+              <a:ea typeface="나눔스퀘어" panose="020B0600000101010101" pitchFamily="50" charset="-127"/>
+            </a:endParaRPr>
+          </a:p>
+        </p:txBody>
+      </p:sp>
+      <p:sp>
+        <p:nvSpPr>
+          <p:cNvPr id="16" name="TextBox 15"/>
+          <p:cNvSpPr txBox="1"/>
+          <p:nvPr/>
+        </p:nvSpPr>
+        <p:spPr>
+          <a:xfrm>
+            <a:off x="725407" y="229970"/>
+            <a:ext cx="968535" cy="461665"/>
+          </a:xfrm>
+          <a:prstGeom prst="rect">
+            <a:avLst/>
+          </a:prstGeom>
+          <a:noFill/>
+        </p:spPr>
+        <p:txBody>
+          <a:bodyPr wrap="none" rtlCol="0">
+            <a:spAutoFit/>
+          </a:bodyPr>
+          <a:lstStyle/>
+          <a:p>
+            <a:pPr algn="ctr"/>
+            <a:r>
+              <a:rPr lang="ko-KR" altLang="en-US" sz="2400" spc="-150" dirty="0">
+                <a:solidFill>
+                  <a:srgbClr val="FFFFFF"/>
+                </a:solidFill>
+                <a:latin typeface="나눔스퀘어 Bold" panose="020B0600000101010101" pitchFamily="50" charset="-127"/>
+                <a:ea typeface="나눔스퀘어 Bold" panose="020B0600000101010101" pitchFamily="50" charset="-127"/>
+              </a:rPr>
+              <a:t>문제점</a:t>
+            </a:r>
+          </a:p>
+        </p:txBody>
+      </p:sp>
+      <p:cxnSp>
+        <p:nvCxnSpPr>
+          <p:cNvPr id="9" name="직선 연결선 8"/>
+          <p:cNvCxnSpPr/>
+          <p:nvPr/>
+        </p:nvCxnSpPr>
+        <p:spPr>
+          <a:xfrm>
+            <a:off x="10983413" y="6731183"/>
+            <a:ext cx="364528" cy="0"/>
+          </a:xfrm>
+          <a:prstGeom prst="line">
+            <a:avLst/>
+          </a:prstGeom>
+          <a:ln w="19050" cap="rnd">
+            <a:solidFill>
+              <a:schemeClr val="tx1"/>
+            </a:solidFill>
+          </a:ln>
+        </p:spPr>
+        <p:style>
+          <a:lnRef idx="1">
+            <a:schemeClr val="accent1"/>
+          </a:lnRef>
+          <a:fillRef idx="0">
+            <a:schemeClr val="accent1"/>
+          </a:fillRef>
+          <a:effectRef idx="0">
+            <a:schemeClr val="accent1"/>
+          </a:effectRef>
+          <a:fontRef idx="minor">
+            <a:schemeClr val="tx1"/>
+          </a:fontRef>
+        </p:style>
+      </p:cxnSp>
+      <p:cxnSp>
+        <p:nvCxnSpPr>
+          <p:cNvPr id="10" name="직선 연결선 9"/>
+          <p:cNvCxnSpPr/>
+          <p:nvPr/>
+        </p:nvCxnSpPr>
+        <p:spPr>
+          <a:xfrm>
+            <a:off x="11342766" y="6731183"/>
+            <a:ext cx="364528" cy="0"/>
+          </a:xfrm>
+          <a:prstGeom prst="line">
+            <a:avLst/>
+          </a:prstGeom>
+          <a:ln w="19050" cap="rnd">
+            <a:solidFill>
+              <a:schemeClr val="tx1"/>
+            </a:solidFill>
+          </a:ln>
+        </p:spPr>
+        <p:style>
+          <a:lnRef idx="1">
+            <a:schemeClr val="accent1"/>
+          </a:lnRef>
+          <a:fillRef idx="0">
+            <a:schemeClr val="accent1"/>
+          </a:fillRef>
+          <a:effectRef idx="0">
+            <a:schemeClr val="accent1"/>
+          </a:effectRef>
+          <a:fontRef idx="minor">
+            <a:schemeClr val="tx1"/>
+          </a:fontRef>
+        </p:style>
+      </p:cxnSp>
+      <p:cxnSp>
+        <p:nvCxnSpPr>
+          <p:cNvPr id="11" name="직선 연결선 10"/>
+          <p:cNvCxnSpPr/>
+          <p:nvPr/>
+        </p:nvCxnSpPr>
+        <p:spPr>
+          <a:xfrm>
+            <a:off x="11707294" y="6731183"/>
+            <a:ext cx="364528" cy="0"/>
+          </a:xfrm>
+          <a:prstGeom prst="line">
+            <a:avLst/>
+          </a:prstGeom>
+          <a:ln w="19050" cap="rnd">
+            <a:solidFill>
+              <a:schemeClr val="tx1"/>
+            </a:solidFill>
+          </a:ln>
+        </p:spPr>
+        <p:style>
+          <a:lnRef idx="1">
+            <a:schemeClr val="accent1"/>
+          </a:lnRef>
+          <a:fillRef idx="0">
+            <a:schemeClr val="accent1"/>
+          </a:fillRef>
+          <a:effectRef idx="0">
+            <a:schemeClr val="accent1"/>
+          </a:effectRef>
+          <a:fontRef idx="minor">
+            <a:schemeClr val="tx1"/>
+          </a:fontRef>
+        </p:style>
+      </p:cxnSp>
+      <p:cxnSp>
+        <p:nvCxnSpPr>
+          <p:cNvPr id="12" name="직선 연결선 11"/>
+          <p:cNvCxnSpPr/>
+          <p:nvPr/>
+        </p:nvCxnSpPr>
+        <p:spPr>
+          <a:xfrm>
+            <a:off x="10255493" y="6731183"/>
+            <a:ext cx="364528" cy="0"/>
+          </a:xfrm>
+          <a:prstGeom prst="line">
+            <a:avLst/>
+          </a:prstGeom>
+          <a:ln w="19050" cap="rnd">
+            <a:solidFill>
+              <a:schemeClr val="tx1"/>
+            </a:solidFill>
+          </a:ln>
+        </p:spPr>
+        <p:style>
+          <a:lnRef idx="1">
+            <a:schemeClr val="accent1"/>
+          </a:lnRef>
+          <a:fillRef idx="0">
+            <a:schemeClr val="accent1"/>
+          </a:fillRef>
+          <a:effectRef idx="0">
+            <a:schemeClr val="accent1"/>
+          </a:effectRef>
+          <a:fontRef idx="minor">
+            <a:schemeClr val="tx1"/>
+          </a:fontRef>
+        </p:style>
+      </p:cxnSp>
+      <p:cxnSp>
+        <p:nvCxnSpPr>
+          <p:cNvPr id="8" name="직선 연결선 7"/>
+          <p:cNvCxnSpPr/>
+          <p:nvPr/>
+        </p:nvCxnSpPr>
+        <p:spPr>
+          <a:xfrm>
+            <a:off x="10618885" y="6731183"/>
+            <a:ext cx="364528" cy="0"/>
+          </a:xfrm>
+          <a:prstGeom prst="line">
+            <a:avLst/>
+          </a:prstGeom>
+          <a:ln w="19050" cap="rnd">
+            <a:solidFill>
+              <a:srgbClr val="94C3BB"/>
+            </a:solidFill>
+          </a:ln>
+        </p:spPr>
+        <p:style>
+          <a:lnRef idx="1">
+            <a:schemeClr val="accent1"/>
+          </a:lnRef>
+          <a:fillRef idx="0">
+            <a:schemeClr val="accent1"/>
+          </a:fillRef>
+          <a:effectRef idx="0">
+            <a:schemeClr val="accent1"/>
+          </a:effectRef>
+          <a:fontRef idx="minor">
+            <a:schemeClr val="tx1"/>
+          </a:fontRef>
+        </p:style>
+      </p:cxnSp>
+      <p:pic>
+        <p:nvPicPr>
+          <p:cNvPr id="3" name="그림 2">
+            <a:extLst>
+              <a:ext uri="{FF2B5EF4-FFF2-40B4-BE49-F238E27FC236}">
+                <a16:creationId xmlns:a16="http://schemas.microsoft.com/office/drawing/2014/main" id="{C3A4ECCE-7DD2-455E-A9F3-303471C329D1}"/>
+              </a:ext>
+            </a:extLst>
+          </p:cNvPr>
+          <p:cNvPicPr>
+            <a:picLocks noChangeAspect="1"/>
+          </p:cNvPicPr>
+          <p:nvPr/>
+        </p:nvPicPr>
+        <p:blipFill>
+          <a:blip r:embed="rId2">
+            <a:extLst>
+              <a:ext uri="{28A0092B-C50C-407E-A947-70E740481C1C}">
+                <a14:useLocalDpi xmlns:a14="http://schemas.microsoft.com/office/drawing/2010/main" val="0"/>
+              </a:ext>
+            </a:extLst>
+          </a:blip>
+          <a:stretch>
+            <a:fillRect/>
+          </a:stretch>
+        </p:blipFill>
+        <p:spPr>
+          <a:xfrm>
+            <a:off x="786157" y="1688064"/>
+            <a:ext cx="3859491" cy="3744912"/>
+          </a:xfrm>
+          <a:prstGeom prst="rect">
+            <a:avLst/>
+          </a:prstGeom>
+        </p:spPr>
+      </p:pic>
+      <p:cxnSp>
+        <p:nvCxnSpPr>
+          <p:cNvPr id="14" name="직선 연결선 13">
+            <a:extLst>
+              <a:ext uri="{FF2B5EF4-FFF2-40B4-BE49-F238E27FC236}">
+                <a16:creationId xmlns:a16="http://schemas.microsoft.com/office/drawing/2014/main" id="{CDBA58CC-5206-4862-A8A5-AFBF4D36D410}"/>
+              </a:ext>
+            </a:extLst>
+          </p:cNvPr>
+          <p:cNvCxnSpPr>
+            <a:cxnSpLocks/>
+          </p:cNvCxnSpPr>
+          <p:nvPr/>
+        </p:nvCxnSpPr>
+        <p:spPr>
+          <a:xfrm>
+            <a:off x="1555825" y="1418441"/>
+            <a:ext cx="2618378" cy="0"/>
+          </a:xfrm>
+          <a:prstGeom prst="line">
+            <a:avLst/>
+          </a:prstGeom>
+          <a:ln>
+            <a:solidFill>
+              <a:schemeClr val="bg1">
+                <a:lumMod val="50000"/>
+              </a:schemeClr>
+            </a:solidFill>
+          </a:ln>
+        </p:spPr>
+        <p:style>
+          <a:lnRef idx="1">
+            <a:schemeClr val="accent1"/>
+          </a:lnRef>
+          <a:fillRef idx="0">
+            <a:schemeClr val="accent1"/>
+          </a:fillRef>
+          <a:effectRef idx="0">
+            <a:schemeClr val="accent1"/>
+          </a:effectRef>
+          <a:fontRef idx="minor">
+            <a:schemeClr val="tx1"/>
+          </a:fontRef>
+        </p:style>
+      </p:cxnSp>
+      <p:sp>
+        <p:nvSpPr>
+          <p:cNvPr id="17" name="TextBox 16">
+            <a:extLst>
+              <a:ext uri="{FF2B5EF4-FFF2-40B4-BE49-F238E27FC236}">
+                <a16:creationId xmlns:a16="http://schemas.microsoft.com/office/drawing/2014/main" id="{E33A1F15-E523-453C-B72E-8AB049320E3D}"/>
+              </a:ext>
+            </a:extLst>
+          </p:cNvPr>
+          <p:cNvSpPr txBox="1"/>
+          <p:nvPr/>
+        </p:nvSpPr>
+        <p:spPr>
+          <a:xfrm>
+            <a:off x="768935" y="928240"/>
+            <a:ext cx="614271" cy="461665"/>
+          </a:xfrm>
+          <a:prstGeom prst="rect">
+            <a:avLst/>
+          </a:prstGeom>
+          <a:noFill/>
+        </p:spPr>
+        <p:txBody>
+          <a:bodyPr wrap="none" rtlCol="0">
+            <a:spAutoFit/>
+          </a:bodyPr>
+          <a:lstStyle/>
+          <a:p>
+            <a:pPr algn="ctr"/>
+            <a:r>
+              <a:rPr lang="en-US" altLang="ko-KR" sz="2400" spc="-150" dirty="0">
+                <a:solidFill>
+                  <a:srgbClr val="00002F"/>
+                </a:solidFill>
+                <a:latin typeface="나눔스퀘어 ExtraBold" panose="020B0600000101010101" pitchFamily="50" charset="-127"/>
+                <a:ea typeface="나눔스퀘어 ExtraBold" panose="020B0600000101010101" pitchFamily="50" charset="-127"/>
+              </a:rPr>
+              <a:t>02.</a:t>
+            </a:r>
+            <a:endParaRPr lang="ko-KR" altLang="en-US" sz="2400" spc="-150" dirty="0">
+              <a:solidFill>
+                <a:srgbClr val="00002F"/>
+              </a:solidFill>
+              <a:latin typeface="나눔스퀘어 ExtraBold" panose="020B0600000101010101" pitchFamily="50" charset="-127"/>
+              <a:ea typeface="나눔스퀘어 ExtraBold" panose="020B0600000101010101" pitchFamily="50" charset="-127"/>
+            </a:endParaRPr>
+          </a:p>
+        </p:txBody>
+      </p:sp>
+      <p:sp>
+        <p:nvSpPr>
+          <p:cNvPr id="18" name="TextBox 17">
+            <a:extLst>
+              <a:ext uri="{FF2B5EF4-FFF2-40B4-BE49-F238E27FC236}">
+                <a16:creationId xmlns:a16="http://schemas.microsoft.com/office/drawing/2014/main" id="{D726AD37-7902-4CD2-A08E-4810282F7635}"/>
+              </a:ext>
+            </a:extLst>
+          </p:cNvPr>
+          <p:cNvSpPr txBox="1"/>
+          <p:nvPr/>
+        </p:nvSpPr>
+        <p:spPr>
+          <a:xfrm>
+            <a:off x="1457681" y="866684"/>
+            <a:ext cx="2039341" cy="584775"/>
+          </a:xfrm>
+          <a:prstGeom prst="rect">
+            <a:avLst/>
+          </a:prstGeom>
+          <a:noFill/>
+        </p:spPr>
+        <p:txBody>
+          <a:bodyPr wrap="none" rtlCol="0">
+            <a:spAutoFit/>
+          </a:bodyPr>
+          <a:lstStyle/>
+          <a:p>
+            <a:pPr algn="ctr"/>
+            <a:r>
+              <a:rPr lang="ko-KR" altLang="en-US" sz="3200" spc="-150">
+                <a:solidFill>
+                  <a:srgbClr val="00002F"/>
+                </a:solidFill>
+                <a:latin typeface="나눔스퀘어 ExtraBold" panose="020B0600000101010101" pitchFamily="50" charset="-127"/>
+                <a:ea typeface="나눔스퀘어 ExtraBold" panose="020B0600000101010101" pitchFamily="50" charset="-127"/>
+              </a:rPr>
+              <a:t>문제점 정의</a:t>
+            </a:r>
+            <a:endParaRPr lang="ko-KR" altLang="en-US" sz="3200" spc="-150" dirty="0">
+              <a:solidFill>
+                <a:srgbClr val="00002F"/>
+              </a:solidFill>
+              <a:latin typeface="나눔스퀘어 ExtraBold" panose="020B0600000101010101" pitchFamily="50" charset="-127"/>
+              <a:ea typeface="나눔스퀘어 ExtraBold" panose="020B0600000101010101" pitchFamily="50" charset="-127"/>
+            </a:endParaRPr>
+          </a:p>
+        </p:txBody>
+      </p:sp>
+    </p:spTree>
+    <p:extLst>
+      <p:ext uri="{BB962C8B-B14F-4D97-AF65-F5344CB8AC3E}">
+        <p14:creationId xmlns:p14="http://schemas.microsoft.com/office/powerpoint/2010/main" val="1859044437"/>
+      </p:ext>
+    </p:extLst>
+  </p:cSld>
+  <p:clrMapOvr>
+    <a:masterClrMapping/>
+  </p:clrMapOvr>
+</p:sld>
+</file>
+
+<file path=ppt/slides/slide11.xml><?xml version="1.0" encoding="utf-8"?>
+<p:sld xmlns:a="http://schemas.openxmlformats.org/drawingml/2006/main" xmlns:r="http://schemas.openxmlformats.org/officeDocument/2006/relationships" xmlns:p="http://schemas.openxmlformats.org/presentationml/2006/main">
+  <p:cSld>
+    <p:spTree>
+      <p:nvGrpSpPr>
+        <p:cNvPr id="1" name=""/>
+        <p:cNvGrpSpPr/>
+        <p:nvPr/>
+      </p:nvGrpSpPr>
+      <p:grpSpPr>
+        <a:xfrm>
+          <a:off x="0" y="0"/>
+          <a:ext cx="0" cy="0"/>
+          <a:chOff x="0" y="0"/>
+          <a:chExt cx="0" cy="0"/>
+        </a:xfrm>
+      </p:grpSpPr>
+      <p:sp>
+        <p:nvSpPr>
+          <p:cNvPr id="15" name="TextBox 14"/>
+          <p:cNvSpPr txBox="1"/>
+          <p:nvPr/>
+        </p:nvSpPr>
+        <p:spPr>
+          <a:xfrm>
+            <a:off x="10781242" y="76824"/>
+            <a:ext cx="1335622" cy="323165"/>
+          </a:xfrm>
+          <a:prstGeom prst="rect">
+            <a:avLst/>
+          </a:prstGeom>
+          <a:noFill/>
+        </p:spPr>
+        <p:txBody>
+          <a:bodyPr wrap="none" rtlCol="0">
+            <a:spAutoFit/>
+          </a:bodyPr>
+          <a:lstStyle/>
+          <a:p>
+            <a:pPr algn="ctr"/>
+            <a:r>
+              <a:rPr lang="en-US" altLang="ko-KR" sz="900" b="1" dirty="0">
+                <a:ln w="22225">
+                  <a:noFill/>
+                </a:ln>
+                <a:solidFill>
+                  <a:schemeClr val="bg1"/>
+                </a:solidFill>
+                <a:effectLst>
+                  <a:glow rad="88900">
+                    <a:srgbClr val="E3781F">
+                      <a:alpha val="7000"/>
+                    </a:srgbClr>
+                  </a:glow>
+                </a:effectLst>
+                <a:latin typeface="나눔스퀘어" panose="020B0600000101010101" pitchFamily="50" charset="-127"/>
+                <a:ea typeface="나눔스퀘어" panose="020B0600000101010101" pitchFamily="50" charset="-127"/>
+              </a:rPr>
+              <a:t>Power Point Template</a:t>
+            </a:r>
+          </a:p>
+          <a:p>
+            <a:pPr algn="ctr"/>
+            <a:r>
+              <a:rPr lang="en-US" altLang="ko-KR" sz="600" dirty="0" err="1">
+                <a:ln w="22225">
+                  <a:noFill/>
+                </a:ln>
+                <a:solidFill>
+                  <a:schemeClr val="bg1"/>
+                </a:solidFill>
+                <a:effectLst>
+                  <a:glow rad="88900">
+                    <a:srgbClr val="E3781F">
+                      <a:alpha val="7000"/>
+                    </a:srgbClr>
+                  </a:glow>
+                </a:effectLst>
+                <a:latin typeface="나눔스퀘어" panose="020B0600000101010101" pitchFamily="50" charset="-127"/>
+                <a:ea typeface="나눔스퀘어" panose="020B0600000101010101" pitchFamily="50" charset="-127"/>
+              </a:rPr>
+              <a:t>Ponybuhagom</a:t>
+            </a:r>
+            <a:endParaRPr lang="en-US" altLang="ko-KR" sz="600" dirty="0">
+              <a:ln w="22225">
+                <a:noFill/>
+              </a:ln>
+              <a:solidFill>
+                <a:schemeClr val="bg1"/>
+              </a:solidFill>
+              <a:effectLst>
+                <a:glow rad="88900">
+                  <a:srgbClr val="E3781F">
+                    <a:alpha val="7000"/>
+                  </a:srgbClr>
+                </a:glow>
+              </a:effectLst>
+              <a:latin typeface="나눔스퀘어" panose="020B0600000101010101" pitchFamily="50" charset="-127"/>
+              <a:ea typeface="나눔스퀘어" panose="020B0600000101010101" pitchFamily="50" charset="-127"/>
+            </a:endParaRPr>
+          </a:p>
+        </p:txBody>
+      </p:sp>
+      <p:cxnSp>
+        <p:nvCxnSpPr>
+          <p:cNvPr id="14" name="직선 연결선 13">
+            <a:extLst>
+              <a:ext uri="{FF2B5EF4-FFF2-40B4-BE49-F238E27FC236}">
+                <a16:creationId xmlns:a16="http://schemas.microsoft.com/office/drawing/2014/main" id="{0704E78B-2380-445A-8EF8-94792E0C50BC}"/>
+              </a:ext>
+            </a:extLst>
+          </p:cNvPr>
+          <p:cNvCxnSpPr>
+            <a:cxnSpLocks/>
+          </p:cNvCxnSpPr>
+          <p:nvPr/>
+        </p:nvCxnSpPr>
+        <p:spPr>
+          <a:xfrm>
+            <a:off x="1555825" y="1418441"/>
+            <a:ext cx="2618378" cy="0"/>
+          </a:xfrm>
+          <a:prstGeom prst="line">
+            <a:avLst/>
+          </a:prstGeom>
+          <a:ln>
+            <a:solidFill>
+              <a:schemeClr val="bg1">
+                <a:lumMod val="50000"/>
+              </a:schemeClr>
+            </a:solidFill>
+          </a:ln>
+        </p:spPr>
+        <p:style>
+          <a:lnRef idx="1">
+            <a:schemeClr val="accent1"/>
+          </a:lnRef>
+          <a:fillRef idx="0">
+            <a:schemeClr val="accent1"/>
+          </a:fillRef>
+          <a:effectRef idx="0">
+            <a:schemeClr val="accent1"/>
+          </a:effectRef>
+          <a:fontRef idx="minor">
+            <a:schemeClr val="tx1"/>
+          </a:fontRef>
+        </p:style>
+      </p:cxnSp>
+      <p:sp>
+        <p:nvSpPr>
+          <p:cNvPr id="8" name="TextBox 7">
+            <a:extLst>
+              <a:ext uri="{FF2B5EF4-FFF2-40B4-BE49-F238E27FC236}">
+                <a16:creationId xmlns:a16="http://schemas.microsoft.com/office/drawing/2014/main" id="{9973DE4A-B611-4A18-B056-8623E5BF145F}"/>
+              </a:ext>
+            </a:extLst>
+          </p:cNvPr>
+          <p:cNvSpPr txBox="1"/>
+          <p:nvPr/>
+        </p:nvSpPr>
+        <p:spPr>
+          <a:xfrm>
+            <a:off x="6281407" y="4682191"/>
+            <a:ext cx="5274196" cy="2308324"/>
+          </a:xfrm>
+          <a:prstGeom prst="rect">
+            <a:avLst/>
+          </a:prstGeom>
+          <a:noFill/>
+        </p:spPr>
+        <p:txBody>
+          <a:bodyPr wrap="square" rtlCol="0">
+            <a:spAutoFit/>
+          </a:bodyPr>
+          <a:lstStyle/>
+          <a:p>
+            <a:pPr algn="ctr"/>
+            <a:r>
+              <a:rPr lang="en-US" altLang="ko-KR" sz="2400" spc="-150" dirty="0">
+                <a:solidFill>
+                  <a:srgbClr val="8DBABD"/>
+                </a:solidFill>
+                <a:latin typeface="나눔스퀘어 Bold" panose="020B0600000101010101" pitchFamily="50" charset="-127"/>
+                <a:ea typeface="나눔스퀘어 Bold" panose="020B0600000101010101" pitchFamily="50" charset="-127"/>
+              </a:rPr>
+              <a:t>1</a:t>
+            </a:r>
+            <a:r>
+              <a:rPr lang="ko-KR" altLang="en-US" sz="2400" spc="-150" dirty="0">
+                <a:solidFill>
+                  <a:srgbClr val="8DBABD"/>
+                </a:solidFill>
+                <a:latin typeface="나눔스퀘어 Bold" panose="020B0600000101010101" pitchFamily="50" charset="-127"/>
+                <a:ea typeface="나눔스퀘어 Bold" panose="020B0600000101010101" pitchFamily="50" charset="-127"/>
+              </a:rPr>
+              <a:t>인당 식비에 관한 표입니다</a:t>
+            </a:r>
+            <a:r>
+              <a:rPr lang="en-US" altLang="ko-KR" sz="2400" spc="-150" dirty="0">
+                <a:solidFill>
+                  <a:srgbClr val="8DBABD"/>
+                </a:solidFill>
+                <a:latin typeface="나눔스퀘어 Bold" panose="020B0600000101010101" pitchFamily="50" charset="-127"/>
+                <a:ea typeface="나눔스퀘어 Bold" panose="020B0600000101010101" pitchFamily="50" charset="-127"/>
+              </a:rPr>
+              <a:t>.</a:t>
+            </a:r>
+          </a:p>
+          <a:p>
+            <a:pPr algn="ctr"/>
+            <a:r>
+              <a:rPr lang="ko-KR" altLang="en-US" sz="2400" spc="-150" dirty="0">
+                <a:solidFill>
+                  <a:srgbClr val="8DBABD"/>
+                </a:solidFill>
+                <a:latin typeface="나눔스퀘어 Bold" panose="020B0600000101010101" pitchFamily="50" charset="-127"/>
+                <a:ea typeface="나눔스퀘어 Bold" panose="020B0600000101010101" pitchFamily="50" charset="-127"/>
+              </a:rPr>
+              <a:t>이것으로 알 수 있는 것은 </a:t>
+            </a:r>
+            <a:r>
+              <a:rPr lang="en-US" altLang="ko-KR" sz="2400" b="1" spc="-150" dirty="0">
+                <a:solidFill>
+                  <a:srgbClr val="FF0000"/>
+                </a:solidFill>
+                <a:latin typeface="나눔스퀘어 Bold" panose="020B0600000101010101" pitchFamily="50" charset="-127"/>
+                <a:ea typeface="나눔스퀘어 Bold" panose="020B0600000101010101" pitchFamily="50" charset="-127"/>
+              </a:rPr>
+              <a:t>50%</a:t>
+            </a:r>
+            <a:r>
+              <a:rPr lang="ko-KR" altLang="en-US" sz="2400" spc="-150" dirty="0">
+                <a:solidFill>
+                  <a:srgbClr val="8DBABD"/>
+                </a:solidFill>
+                <a:latin typeface="나눔스퀘어 Bold" panose="020B0600000101010101" pitchFamily="50" charset="-127"/>
+                <a:ea typeface="나눔스퀘어 Bold" panose="020B0600000101010101" pitchFamily="50" charset="-127"/>
+              </a:rPr>
+              <a:t>씩 증가하며</a:t>
+            </a:r>
+            <a:endParaRPr lang="en-US" altLang="ko-KR" sz="2400" spc="-150" dirty="0">
+              <a:solidFill>
+                <a:srgbClr val="8DBABD"/>
+              </a:solidFill>
+              <a:latin typeface="나눔스퀘어 Bold" panose="020B0600000101010101" pitchFamily="50" charset="-127"/>
+              <a:ea typeface="나눔스퀘어 Bold" panose="020B0600000101010101" pitchFamily="50" charset="-127"/>
+            </a:endParaRPr>
+          </a:p>
+          <a:p>
+            <a:pPr algn="ctr"/>
+            <a:r>
+              <a:rPr lang="en-US" altLang="ko-KR" sz="2400" spc="-150" dirty="0">
+                <a:solidFill>
+                  <a:srgbClr val="FF0000"/>
+                </a:solidFill>
+                <a:latin typeface="나눔스퀘어 Bold" panose="020B0600000101010101" pitchFamily="50" charset="-127"/>
+                <a:ea typeface="나눔스퀘어 Bold" panose="020B0600000101010101" pitchFamily="50" charset="-127"/>
+              </a:rPr>
+              <a:t>7</a:t>
+            </a:r>
+            <a:r>
+              <a:rPr lang="ko-KR" altLang="en-US" sz="2400" spc="-150" dirty="0">
+                <a:solidFill>
+                  <a:srgbClr val="FF0000"/>
+                </a:solidFill>
+                <a:latin typeface="나눔스퀘어 Bold" panose="020B0600000101010101" pitchFamily="50" charset="-127"/>
+                <a:ea typeface="나눔스퀘어 Bold" panose="020B0600000101010101" pitchFamily="50" charset="-127"/>
+              </a:rPr>
+              <a:t>만</a:t>
+            </a:r>
+            <a:r>
+              <a:rPr lang="en-US" altLang="ko-KR" sz="2400" spc="-150" dirty="0">
+                <a:solidFill>
+                  <a:srgbClr val="FF0000"/>
+                </a:solidFill>
+                <a:latin typeface="나눔스퀘어 Bold" panose="020B0600000101010101" pitchFamily="50" charset="-127"/>
+                <a:ea typeface="나눔스퀘어 Bold" panose="020B0600000101010101" pitchFamily="50" charset="-127"/>
+              </a:rPr>
+              <a:t>2</a:t>
+            </a:r>
+            <a:r>
+              <a:rPr lang="ko-KR" altLang="en-US" sz="2400" spc="-150" dirty="0">
+                <a:solidFill>
+                  <a:srgbClr val="FF0000"/>
+                </a:solidFill>
+                <a:latin typeface="나눔스퀘어 Bold" panose="020B0600000101010101" pitchFamily="50" charset="-127"/>
+                <a:ea typeface="나눔스퀘어 Bold" panose="020B0600000101010101" pitchFamily="50" charset="-127"/>
+              </a:rPr>
+              <a:t>천원 </a:t>
+            </a:r>
+            <a:r>
+              <a:rPr lang="ko-KR" altLang="en-US" sz="2400" spc="-150" dirty="0">
+                <a:solidFill>
+                  <a:srgbClr val="8DBABD"/>
+                </a:solidFill>
+                <a:latin typeface="나눔스퀘어 Bold" panose="020B0600000101010101" pitchFamily="50" charset="-127"/>
+                <a:ea typeface="나눔스퀘어 Bold" panose="020B0600000101010101" pitchFamily="50" charset="-127"/>
+              </a:rPr>
+              <a:t>씩 증가하고 있습니다</a:t>
+            </a:r>
+            <a:r>
+              <a:rPr lang="en-US" altLang="ko-KR" sz="2400" spc="-150" dirty="0">
+                <a:solidFill>
+                  <a:srgbClr val="8DBABD"/>
+                </a:solidFill>
+                <a:latin typeface="나눔스퀘어 Bold" panose="020B0600000101010101" pitchFamily="50" charset="-127"/>
+                <a:ea typeface="나눔스퀘어 Bold" panose="020B0600000101010101" pitchFamily="50" charset="-127"/>
+              </a:rPr>
+              <a:t>.</a:t>
+            </a:r>
+          </a:p>
+          <a:p>
+            <a:pPr algn="ctr"/>
+            <a:r>
+              <a:rPr lang="ko-KR" altLang="en-US" sz="2400" spc="-150" dirty="0">
+                <a:solidFill>
+                  <a:srgbClr val="8DBABD"/>
+                </a:solidFill>
+                <a:latin typeface="나눔스퀘어 Bold" panose="020B0600000101010101" pitchFamily="50" charset="-127"/>
+                <a:ea typeface="나눔스퀘어 Bold" panose="020B0600000101010101" pitchFamily="50" charset="-127"/>
+              </a:rPr>
+              <a:t>이로써 </a:t>
+            </a:r>
+            <a:r>
+              <a:rPr lang="ko-KR" altLang="en-US" sz="2400" b="1" spc="-150" dirty="0">
+                <a:solidFill>
+                  <a:srgbClr val="FF0000"/>
+                </a:solidFill>
+                <a:latin typeface="나눔스퀘어 Bold" panose="020B0600000101010101" pitchFamily="50" charset="-127"/>
+                <a:ea typeface="나눔스퀘어 Bold" panose="020B0600000101010101" pitchFamily="50" charset="-127"/>
+              </a:rPr>
+              <a:t>물가</a:t>
+            </a:r>
+            <a:r>
+              <a:rPr lang="ko-KR" altLang="en-US" sz="2400" spc="-150" dirty="0">
+                <a:solidFill>
+                  <a:srgbClr val="8DBABD"/>
+                </a:solidFill>
+                <a:latin typeface="나눔스퀘어 Bold" panose="020B0600000101010101" pitchFamily="50" charset="-127"/>
+                <a:ea typeface="나눔스퀘어 Bold" panose="020B0600000101010101" pitchFamily="50" charset="-127"/>
+              </a:rPr>
+              <a:t>가 비싸서 오래 머무르는 것은</a:t>
+            </a:r>
+            <a:endParaRPr lang="en-US" altLang="ko-KR" sz="2400" spc="-150" dirty="0">
+              <a:solidFill>
+                <a:srgbClr val="8DBABD"/>
+              </a:solidFill>
+              <a:latin typeface="나눔스퀘어 Bold" panose="020B0600000101010101" pitchFamily="50" charset="-127"/>
+              <a:ea typeface="나눔스퀘어 Bold" panose="020B0600000101010101" pitchFamily="50" charset="-127"/>
+            </a:endParaRPr>
+          </a:p>
+          <a:p>
+            <a:pPr algn="ctr"/>
+            <a:r>
+              <a:rPr lang="ko-KR" altLang="en-US" sz="2400" spc="-150" dirty="0">
+                <a:solidFill>
+                  <a:srgbClr val="8DBABD"/>
+                </a:solidFill>
+                <a:latin typeface="나눔스퀘어 Bold" panose="020B0600000101010101" pitchFamily="50" charset="-127"/>
+                <a:ea typeface="나눔스퀘어 Bold" panose="020B0600000101010101" pitchFamily="50" charset="-127"/>
+              </a:rPr>
+              <a:t>힘들 것이라고 판단했습니다</a:t>
+            </a:r>
+            <a:r>
+              <a:rPr lang="en-US" altLang="ko-KR" sz="2400" spc="-150" dirty="0">
+                <a:solidFill>
+                  <a:srgbClr val="8DBABD"/>
+                </a:solidFill>
+                <a:latin typeface="나눔스퀘어 Bold" panose="020B0600000101010101" pitchFamily="50" charset="-127"/>
+                <a:ea typeface="나눔스퀘어 Bold" panose="020B0600000101010101" pitchFamily="50" charset="-127"/>
+              </a:rPr>
+              <a:t>.</a:t>
+            </a:r>
+          </a:p>
+          <a:p>
+            <a:pPr algn="ctr"/>
+            <a:endParaRPr lang="en-US" altLang="ko-KR" sz="2400" spc="-150" dirty="0">
+              <a:solidFill>
+                <a:srgbClr val="8DBABD"/>
+              </a:solidFill>
+              <a:latin typeface="나눔스퀘어 Bold" panose="020B0600000101010101" pitchFamily="50" charset="-127"/>
+              <a:ea typeface="나눔스퀘어 Bold" panose="020B0600000101010101" pitchFamily="50" charset="-127"/>
+            </a:endParaRPr>
+          </a:p>
+        </p:txBody>
+      </p:sp>
+      <p:pic>
+        <p:nvPicPr>
+          <p:cNvPr id="4" name="그림 3">
+            <a:extLst>
+              <a:ext uri="{FF2B5EF4-FFF2-40B4-BE49-F238E27FC236}">
+                <a16:creationId xmlns:a16="http://schemas.microsoft.com/office/drawing/2014/main" id="{782AA19C-771A-42A5-82AE-7CE3AEE7DF85}"/>
+              </a:ext>
+            </a:extLst>
+          </p:cNvPr>
+          <p:cNvPicPr>
+            <a:picLocks noChangeAspect="1"/>
+          </p:cNvPicPr>
+          <p:nvPr/>
+        </p:nvPicPr>
+        <p:blipFill>
+          <a:blip r:embed="rId2">
+            <a:extLst>
+              <a:ext uri="{28A0092B-C50C-407E-A947-70E740481C1C}">
+                <a14:useLocalDpi xmlns:a14="http://schemas.microsoft.com/office/drawing/2010/main" val="0"/>
+              </a:ext>
+            </a:extLst>
+          </a:blip>
+          <a:stretch>
+            <a:fillRect/>
+          </a:stretch>
+        </p:blipFill>
+        <p:spPr>
+          <a:xfrm>
+            <a:off x="297054" y="1880630"/>
+            <a:ext cx="5113146" cy="3542588"/>
+          </a:xfrm>
+          <a:prstGeom prst="rect">
+            <a:avLst/>
+          </a:prstGeom>
+        </p:spPr>
+      </p:pic>
+      <p:cxnSp>
+        <p:nvCxnSpPr>
+          <p:cNvPr id="6" name="직선 화살표 연결선 5">
+            <a:extLst>
+              <a:ext uri="{FF2B5EF4-FFF2-40B4-BE49-F238E27FC236}">
+                <a16:creationId xmlns:a16="http://schemas.microsoft.com/office/drawing/2014/main" id="{331AD144-7569-4EE6-9F22-7946B3B83291}"/>
+              </a:ext>
+            </a:extLst>
+          </p:cNvPr>
+          <p:cNvCxnSpPr>
+            <a:cxnSpLocks/>
+          </p:cNvCxnSpPr>
+          <p:nvPr/>
+        </p:nvCxnSpPr>
+        <p:spPr>
+          <a:xfrm flipV="1">
+            <a:off x="1747837" y="3429000"/>
+            <a:ext cx="1452563" cy="876300"/>
+          </a:xfrm>
+          <a:prstGeom prst="straightConnector1">
+            <a:avLst/>
+          </a:prstGeom>
+          <a:ln>
+            <a:tailEnd type="triangle"/>
+          </a:ln>
+        </p:spPr>
+        <p:style>
+          <a:lnRef idx="1">
+            <a:schemeClr val="accent1"/>
+          </a:lnRef>
+          <a:fillRef idx="0">
+            <a:schemeClr val="accent1"/>
+          </a:fillRef>
+          <a:effectRef idx="0">
+            <a:schemeClr val="accent1"/>
+          </a:effectRef>
+          <a:fontRef idx="minor">
+            <a:schemeClr val="tx1"/>
+          </a:fontRef>
+        </p:style>
+      </p:cxnSp>
+      <p:cxnSp>
+        <p:nvCxnSpPr>
+          <p:cNvPr id="19" name="직선 화살표 연결선 18">
+            <a:extLst>
+              <a:ext uri="{FF2B5EF4-FFF2-40B4-BE49-F238E27FC236}">
+                <a16:creationId xmlns:a16="http://schemas.microsoft.com/office/drawing/2014/main" id="{E1BB7F47-A522-4B2D-B888-C7C47C635DDC}"/>
+              </a:ext>
+            </a:extLst>
+          </p:cNvPr>
+          <p:cNvCxnSpPr>
+            <a:cxnSpLocks/>
+          </p:cNvCxnSpPr>
+          <p:nvPr/>
+        </p:nvCxnSpPr>
+        <p:spPr>
+          <a:xfrm flipV="1">
+            <a:off x="3142080" y="2607437"/>
+            <a:ext cx="1379120" cy="876504"/>
+          </a:xfrm>
+          <a:prstGeom prst="straightConnector1">
+            <a:avLst/>
+          </a:prstGeom>
+          <a:ln>
+            <a:tailEnd type="triangle"/>
+          </a:ln>
+        </p:spPr>
+        <p:style>
+          <a:lnRef idx="1">
+            <a:schemeClr val="accent1"/>
+          </a:lnRef>
+          <a:fillRef idx="0">
+            <a:schemeClr val="accent1"/>
+          </a:fillRef>
+          <a:effectRef idx="0">
+            <a:schemeClr val="accent1"/>
+          </a:effectRef>
+          <a:fontRef idx="minor">
+            <a:schemeClr val="tx1"/>
+          </a:fontRef>
+        </p:style>
+      </p:cxnSp>
+      <p:sp>
+        <p:nvSpPr>
+          <p:cNvPr id="11" name="TextBox 10">
+            <a:extLst>
+              <a:ext uri="{FF2B5EF4-FFF2-40B4-BE49-F238E27FC236}">
+                <a16:creationId xmlns:a16="http://schemas.microsoft.com/office/drawing/2014/main" id="{E4158715-B73F-47FB-B11B-68BF448D798D}"/>
+              </a:ext>
+            </a:extLst>
+          </p:cNvPr>
+          <p:cNvSpPr txBox="1"/>
+          <p:nvPr/>
+        </p:nvSpPr>
+        <p:spPr>
+          <a:xfrm>
+            <a:off x="1786211" y="3682484"/>
+            <a:ext cx="687907" cy="369332"/>
+          </a:xfrm>
+          <a:prstGeom prst="rect">
+            <a:avLst/>
+          </a:prstGeom>
+          <a:noFill/>
+        </p:spPr>
+        <p:txBody>
+          <a:bodyPr wrap="square" rtlCol="0">
+            <a:spAutoFit/>
+          </a:bodyPr>
+          <a:lstStyle/>
+          <a:p>
+            <a:r>
+              <a:rPr lang="en-US" altLang="ko-KR" dirty="0"/>
+              <a:t>36%</a:t>
+            </a:r>
+            <a:endParaRPr lang="ko-KR" altLang="en-US" dirty="0"/>
+          </a:p>
+        </p:txBody>
+      </p:sp>
+      <p:sp>
+        <p:nvSpPr>
+          <p:cNvPr id="20" name="TextBox 19">
+            <a:extLst>
+              <a:ext uri="{FF2B5EF4-FFF2-40B4-BE49-F238E27FC236}">
+                <a16:creationId xmlns:a16="http://schemas.microsoft.com/office/drawing/2014/main" id="{FA64B704-E47F-4751-BA27-4417C04837D7}"/>
+              </a:ext>
+            </a:extLst>
+          </p:cNvPr>
+          <p:cNvSpPr txBox="1"/>
+          <p:nvPr/>
+        </p:nvSpPr>
+        <p:spPr>
+          <a:xfrm>
+            <a:off x="3306127" y="2743072"/>
+            <a:ext cx="687907" cy="369332"/>
+          </a:xfrm>
+          <a:prstGeom prst="rect">
+            <a:avLst/>
+          </a:prstGeom>
+          <a:noFill/>
+        </p:spPr>
+        <p:txBody>
+          <a:bodyPr wrap="square" rtlCol="0">
+            <a:spAutoFit/>
+          </a:bodyPr>
+          <a:lstStyle/>
+          <a:p>
+            <a:r>
+              <a:rPr lang="en-US" altLang="ko-KR" dirty="0"/>
+              <a:t>36%</a:t>
+            </a:r>
+            <a:endParaRPr lang="ko-KR" altLang="en-US" dirty="0"/>
+          </a:p>
+        </p:txBody>
+      </p:sp>
+      <p:sp>
+        <p:nvSpPr>
+          <p:cNvPr id="21" name="TextBox 20">
+            <a:extLst>
+              <a:ext uri="{FF2B5EF4-FFF2-40B4-BE49-F238E27FC236}">
+                <a16:creationId xmlns:a16="http://schemas.microsoft.com/office/drawing/2014/main" id="{8A1C54C2-7EB5-4762-87CD-5D0FC409BE76}"/>
+              </a:ext>
+            </a:extLst>
+          </p:cNvPr>
+          <p:cNvSpPr txBox="1"/>
+          <p:nvPr/>
+        </p:nvSpPr>
+        <p:spPr>
+          <a:xfrm>
+            <a:off x="478220" y="5483137"/>
+            <a:ext cx="5274196" cy="1200329"/>
+          </a:xfrm>
+          <a:prstGeom prst="rect">
+            <a:avLst/>
+          </a:prstGeom>
+          <a:noFill/>
+        </p:spPr>
+        <p:txBody>
+          <a:bodyPr wrap="square" rtlCol="0">
+            <a:spAutoFit/>
+          </a:bodyPr>
+          <a:lstStyle/>
+          <a:p>
+            <a:pPr algn="ctr"/>
+            <a:r>
+              <a:rPr lang="en-US" altLang="ko-KR" sz="2400" spc="-150" dirty="0">
+                <a:solidFill>
+                  <a:srgbClr val="8DBABD"/>
+                </a:solidFill>
+                <a:latin typeface="나눔스퀘어 Bold" panose="020B0600000101010101" pitchFamily="50" charset="-127"/>
+                <a:ea typeface="나눔스퀘어 Bold" panose="020B0600000101010101" pitchFamily="50" charset="-127"/>
+              </a:rPr>
+              <a:t>1</a:t>
+            </a:r>
+            <a:r>
+              <a:rPr lang="ko-KR" altLang="en-US" sz="2400" spc="-150" dirty="0">
+                <a:solidFill>
+                  <a:srgbClr val="8DBABD"/>
+                </a:solidFill>
+                <a:latin typeface="나눔스퀘어 Bold" panose="020B0600000101010101" pitchFamily="50" charset="-127"/>
+                <a:ea typeface="나눔스퀘어 Bold" panose="020B0600000101010101" pitchFamily="50" charset="-127"/>
+              </a:rPr>
+              <a:t>인당 여행경비를 나타난 표입니다</a:t>
+            </a:r>
+            <a:r>
+              <a:rPr lang="en-US" altLang="ko-KR" sz="2400" spc="-150" dirty="0">
+                <a:solidFill>
+                  <a:srgbClr val="8DBABD"/>
+                </a:solidFill>
+                <a:latin typeface="나눔스퀘어 Bold" panose="020B0600000101010101" pitchFamily="50" charset="-127"/>
+                <a:ea typeface="나눔스퀘어 Bold" panose="020B0600000101010101" pitchFamily="50" charset="-127"/>
+              </a:rPr>
+              <a:t>.</a:t>
+            </a:r>
+          </a:p>
+          <a:p>
+            <a:pPr algn="ctr"/>
+            <a:r>
+              <a:rPr lang="en-US" altLang="ko-KR" sz="2400" spc="-150" dirty="0">
+                <a:solidFill>
+                  <a:srgbClr val="8DBABD"/>
+                </a:solidFill>
+                <a:latin typeface="나눔스퀘어 Bold" panose="020B0600000101010101" pitchFamily="50" charset="-127"/>
+                <a:ea typeface="나눔스퀘어 Bold" panose="020B0600000101010101" pitchFamily="50" charset="-127"/>
+              </a:rPr>
+              <a:t>1</a:t>
+            </a:r>
+            <a:r>
+              <a:rPr lang="ko-KR" altLang="en-US" sz="2400" spc="-150" dirty="0">
+                <a:solidFill>
+                  <a:srgbClr val="8DBABD"/>
+                </a:solidFill>
+                <a:latin typeface="나눔스퀘어 Bold" panose="020B0600000101010101" pitchFamily="50" charset="-127"/>
+                <a:ea typeface="나눔스퀘어 Bold" panose="020B0600000101010101" pitchFamily="50" charset="-127"/>
+              </a:rPr>
+              <a:t>박이 늘어 날때마다 </a:t>
+            </a:r>
+            <a:r>
+              <a:rPr lang="en-US" altLang="ko-KR" sz="2400" spc="-150" dirty="0">
+                <a:solidFill>
+                  <a:schemeClr val="accent2">
+                    <a:lumMod val="75000"/>
+                  </a:schemeClr>
+                </a:solidFill>
+                <a:latin typeface="나눔스퀘어 Bold" panose="020B0600000101010101" pitchFamily="50" charset="-127"/>
+                <a:ea typeface="나눔스퀘어 Bold" panose="020B0600000101010101" pitchFamily="50" charset="-127"/>
+              </a:rPr>
+              <a:t>36%</a:t>
+            </a:r>
+            <a:r>
+              <a:rPr lang="ko-KR" altLang="en-US" sz="2400" spc="-150" dirty="0">
+                <a:solidFill>
+                  <a:srgbClr val="8DBABD"/>
+                </a:solidFill>
+                <a:latin typeface="나눔스퀘어 Bold" panose="020B0600000101010101" pitchFamily="50" charset="-127"/>
+                <a:ea typeface="나눔스퀘어 Bold" panose="020B0600000101010101" pitchFamily="50" charset="-127"/>
+              </a:rPr>
+              <a:t>씩 증가하며</a:t>
+            </a:r>
+            <a:endParaRPr lang="en-US" altLang="ko-KR" sz="2400" spc="-150" dirty="0">
+              <a:solidFill>
+                <a:srgbClr val="8DBABD"/>
+              </a:solidFill>
+              <a:latin typeface="나눔스퀘어 Bold" panose="020B0600000101010101" pitchFamily="50" charset="-127"/>
+              <a:ea typeface="나눔스퀘어 Bold" panose="020B0600000101010101" pitchFamily="50" charset="-127"/>
+            </a:endParaRPr>
+          </a:p>
+          <a:p>
+            <a:pPr algn="ctr"/>
+            <a:r>
+              <a:rPr lang="ko-KR" altLang="en-US" sz="2400" spc="-150" dirty="0">
+                <a:solidFill>
+                  <a:srgbClr val="8DBABD"/>
+                </a:solidFill>
+                <a:latin typeface="나눔스퀘어 Bold" panose="020B0600000101010101" pitchFamily="50" charset="-127"/>
+                <a:ea typeface="나눔스퀘어 Bold" panose="020B0600000101010101" pitchFamily="50" charset="-127"/>
+              </a:rPr>
+              <a:t> </a:t>
+            </a:r>
+            <a:r>
+              <a:rPr lang="en-US" altLang="ko-KR" sz="2400" spc="-150" dirty="0">
+                <a:solidFill>
+                  <a:schemeClr val="accent2">
+                    <a:lumMod val="75000"/>
+                  </a:schemeClr>
+                </a:solidFill>
+                <a:latin typeface="나눔스퀘어 Bold" panose="020B0600000101010101" pitchFamily="50" charset="-127"/>
+                <a:ea typeface="나눔스퀘어 Bold" panose="020B0600000101010101" pitchFamily="50" charset="-127"/>
+              </a:rPr>
+              <a:t>16</a:t>
+            </a:r>
+            <a:r>
+              <a:rPr lang="ko-KR" altLang="en-US" sz="2400" spc="-150" dirty="0">
+                <a:solidFill>
+                  <a:schemeClr val="accent2">
+                    <a:lumMod val="75000"/>
+                  </a:schemeClr>
+                </a:solidFill>
+                <a:latin typeface="나눔스퀘어 Bold" panose="020B0600000101010101" pitchFamily="50" charset="-127"/>
+                <a:ea typeface="나눔스퀘어 Bold" panose="020B0600000101010101" pitchFamily="50" charset="-127"/>
+              </a:rPr>
+              <a:t>만원 </a:t>
+            </a:r>
+            <a:r>
+              <a:rPr lang="ko-KR" altLang="en-US" sz="2400" spc="-150" dirty="0">
+                <a:solidFill>
+                  <a:srgbClr val="8DBABD"/>
+                </a:solidFill>
+                <a:latin typeface="나눔스퀘어 Bold" panose="020B0600000101010101" pitchFamily="50" charset="-127"/>
+                <a:ea typeface="나눔스퀘어 Bold" panose="020B0600000101010101" pitchFamily="50" charset="-127"/>
+              </a:rPr>
+              <a:t>씩 증가 하는 것 을 알 수 있습니다</a:t>
+            </a:r>
+            <a:r>
+              <a:rPr lang="en-US" altLang="ko-KR" sz="2400" spc="-150" dirty="0">
+                <a:solidFill>
+                  <a:srgbClr val="8DBABD"/>
+                </a:solidFill>
+                <a:latin typeface="나눔스퀘어 Bold" panose="020B0600000101010101" pitchFamily="50" charset="-127"/>
+                <a:ea typeface="나눔스퀘어 Bold" panose="020B0600000101010101" pitchFamily="50" charset="-127"/>
+              </a:rPr>
+              <a:t>.</a:t>
+            </a:r>
+          </a:p>
+        </p:txBody>
+      </p:sp>
+      <p:pic>
+        <p:nvPicPr>
+          <p:cNvPr id="3" name="그림 2">
+            <a:extLst>
+              <a:ext uri="{FF2B5EF4-FFF2-40B4-BE49-F238E27FC236}">
+                <a16:creationId xmlns:a16="http://schemas.microsoft.com/office/drawing/2014/main" id="{31A8DA45-FD2A-4CCC-971F-C86458EAA835}"/>
+              </a:ext>
+            </a:extLst>
+          </p:cNvPr>
+          <p:cNvPicPr>
+            <a:picLocks noChangeAspect="1"/>
+          </p:cNvPicPr>
+          <p:nvPr/>
+        </p:nvPicPr>
+        <p:blipFill>
+          <a:blip r:embed="rId3">
+            <a:extLst>
+              <a:ext uri="{28A0092B-C50C-407E-A947-70E740481C1C}">
+                <a14:useLocalDpi xmlns:a14="http://schemas.microsoft.com/office/drawing/2010/main" val="0"/>
+              </a:ext>
+            </a:extLst>
+          </a:blip>
+          <a:stretch>
+            <a:fillRect/>
+          </a:stretch>
+        </p:blipFill>
+        <p:spPr>
+          <a:xfrm>
+            <a:off x="6107769" y="1140309"/>
+            <a:ext cx="5113145" cy="3541882"/>
+          </a:xfrm>
+          <a:prstGeom prst="rect">
+            <a:avLst/>
+          </a:prstGeom>
+        </p:spPr>
+      </p:pic>
+      <p:cxnSp>
+        <p:nvCxnSpPr>
+          <p:cNvPr id="23" name="직선 화살표 연결선 22">
+            <a:extLst>
+              <a:ext uri="{FF2B5EF4-FFF2-40B4-BE49-F238E27FC236}">
+                <a16:creationId xmlns:a16="http://schemas.microsoft.com/office/drawing/2014/main" id="{42297C2C-B95E-4943-85D4-C331AC339194}"/>
+              </a:ext>
+            </a:extLst>
+          </p:cNvPr>
+          <p:cNvCxnSpPr>
+            <a:cxnSpLocks/>
+          </p:cNvCxnSpPr>
+          <p:nvPr/>
+        </p:nvCxnSpPr>
+        <p:spPr>
+          <a:xfrm flipV="1">
+            <a:off x="7514866" y="2658237"/>
+            <a:ext cx="1379120" cy="876504"/>
+          </a:xfrm>
+          <a:prstGeom prst="straightConnector1">
+            <a:avLst/>
+          </a:prstGeom>
+          <a:ln>
+            <a:tailEnd type="triangle"/>
+          </a:ln>
+        </p:spPr>
+        <p:style>
+          <a:lnRef idx="1">
+            <a:schemeClr val="accent1"/>
+          </a:lnRef>
+          <a:fillRef idx="0">
+            <a:schemeClr val="accent1"/>
+          </a:fillRef>
+          <a:effectRef idx="0">
+            <a:schemeClr val="accent1"/>
+          </a:effectRef>
+          <a:fontRef idx="minor">
+            <a:schemeClr val="tx1"/>
+          </a:fontRef>
+        </p:style>
+      </p:cxnSp>
+      <p:cxnSp>
+        <p:nvCxnSpPr>
+          <p:cNvPr id="24" name="직선 화살표 연결선 23">
+            <a:extLst>
+              <a:ext uri="{FF2B5EF4-FFF2-40B4-BE49-F238E27FC236}">
+                <a16:creationId xmlns:a16="http://schemas.microsoft.com/office/drawing/2014/main" id="{E3185322-6C2D-4C09-96F6-21EA598F8DDD}"/>
+              </a:ext>
+            </a:extLst>
+          </p:cNvPr>
+          <p:cNvCxnSpPr>
+            <a:cxnSpLocks/>
+          </p:cNvCxnSpPr>
+          <p:nvPr/>
+        </p:nvCxnSpPr>
+        <p:spPr>
+          <a:xfrm flipV="1">
+            <a:off x="8893986" y="1849825"/>
+            <a:ext cx="1407097" cy="811412"/>
+          </a:xfrm>
+          <a:prstGeom prst="straightConnector1">
+            <a:avLst/>
+          </a:prstGeom>
+          <a:ln>
+            <a:tailEnd type="triangle"/>
+          </a:ln>
+        </p:spPr>
+        <p:style>
+          <a:lnRef idx="1">
+            <a:schemeClr val="accent1"/>
+          </a:lnRef>
+          <a:fillRef idx="0">
+            <a:schemeClr val="accent1"/>
+          </a:fillRef>
+          <a:effectRef idx="0">
+            <a:schemeClr val="accent1"/>
+          </a:effectRef>
+          <a:fontRef idx="minor">
+            <a:schemeClr val="tx1"/>
+          </a:fontRef>
+        </p:style>
+      </p:cxnSp>
+      <p:sp>
+        <p:nvSpPr>
+          <p:cNvPr id="25" name="TextBox 24">
+            <a:extLst>
+              <a:ext uri="{FF2B5EF4-FFF2-40B4-BE49-F238E27FC236}">
+                <a16:creationId xmlns:a16="http://schemas.microsoft.com/office/drawing/2014/main" id="{FD26CEFD-5953-49B5-963F-80831CED80B0}"/>
+              </a:ext>
+            </a:extLst>
+          </p:cNvPr>
+          <p:cNvSpPr txBox="1"/>
+          <p:nvPr/>
+        </p:nvSpPr>
+        <p:spPr>
+          <a:xfrm>
+            <a:off x="7678859" y="2658237"/>
+            <a:ext cx="687907" cy="369332"/>
+          </a:xfrm>
+          <a:prstGeom prst="rect">
+            <a:avLst/>
+          </a:prstGeom>
+          <a:noFill/>
+        </p:spPr>
+        <p:txBody>
+          <a:bodyPr wrap="square" rtlCol="0">
+            <a:spAutoFit/>
+          </a:bodyPr>
+          <a:lstStyle/>
+          <a:p>
+            <a:r>
+              <a:rPr lang="en-US" altLang="ko-KR" b="1" dirty="0">
+                <a:solidFill>
+                  <a:srgbClr val="FF0000"/>
+                </a:solidFill>
+              </a:rPr>
+              <a:t>50%</a:t>
+            </a:r>
+            <a:endParaRPr lang="ko-KR" altLang="en-US" b="1" dirty="0">
+              <a:solidFill>
+                <a:srgbClr val="FF0000"/>
+              </a:solidFill>
+            </a:endParaRPr>
+          </a:p>
+        </p:txBody>
+      </p:sp>
+      <p:sp>
+        <p:nvSpPr>
+          <p:cNvPr id="26" name="TextBox 25">
+            <a:extLst>
+              <a:ext uri="{FF2B5EF4-FFF2-40B4-BE49-F238E27FC236}">
+                <a16:creationId xmlns:a16="http://schemas.microsoft.com/office/drawing/2014/main" id="{D0BBD165-FE3E-4931-AF4F-303D2E2C5715}"/>
+              </a:ext>
+            </a:extLst>
+          </p:cNvPr>
+          <p:cNvSpPr txBox="1"/>
+          <p:nvPr/>
+        </p:nvSpPr>
+        <p:spPr>
+          <a:xfrm>
+            <a:off x="8918505" y="1982964"/>
+            <a:ext cx="687907" cy="369332"/>
+          </a:xfrm>
+          <a:prstGeom prst="rect">
+            <a:avLst/>
+          </a:prstGeom>
+          <a:noFill/>
+        </p:spPr>
+        <p:txBody>
+          <a:bodyPr wrap="square" rtlCol="0">
+            <a:spAutoFit/>
+          </a:bodyPr>
+          <a:lstStyle/>
+          <a:p>
+            <a:r>
+              <a:rPr lang="en-US" altLang="ko-KR" b="1" dirty="0">
+                <a:solidFill>
+                  <a:srgbClr val="FF0000"/>
+                </a:solidFill>
+              </a:rPr>
+              <a:t>50%</a:t>
+            </a:r>
+            <a:endParaRPr lang="ko-KR" altLang="en-US" b="1" dirty="0">
+              <a:solidFill>
+                <a:srgbClr val="FF0000"/>
+              </a:solidFill>
+            </a:endParaRPr>
+          </a:p>
+        </p:txBody>
+      </p:sp>
+      <p:sp>
+        <p:nvSpPr>
+          <p:cNvPr id="29" name="TextBox 28">
+            <a:extLst>
+              <a:ext uri="{FF2B5EF4-FFF2-40B4-BE49-F238E27FC236}">
+                <a16:creationId xmlns:a16="http://schemas.microsoft.com/office/drawing/2014/main" id="{1AF8E1F9-0FCF-4FAC-8DAB-8E59644CD444}"/>
+              </a:ext>
+            </a:extLst>
+          </p:cNvPr>
+          <p:cNvSpPr txBox="1"/>
+          <p:nvPr/>
+        </p:nvSpPr>
+        <p:spPr>
+          <a:xfrm>
+            <a:off x="725407" y="229970"/>
+            <a:ext cx="968535" cy="461665"/>
+          </a:xfrm>
+          <a:prstGeom prst="rect">
+            <a:avLst/>
+          </a:prstGeom>
+          <a:noFill/>
+        </p:spPr>
+        <p:txBody>
+          <a:bodyPr wrap="none" rtlCol="0">
+            <a:spAutoFit/>
+          </a:bodyPr>
+          <a:lstStyle/>
+          <a:p>
+            <a:pPr algn="ctr"/>
+            <a:r>
+              <a:rPr lang="ko-KR" altLang="en-US" sz="2400" spc="-150" dirty="0">
+                <a:solidFill>
+                  <a:srgbClr val="FFFFFF"/>
+                </a:solidFill>
+                <a:latin typeface="나눔스퀘어 Bold" panose="020B0600000101010101" pitchFamily="50" charset="-127"/>
+                <a:ea typeface="나눔스퀘어 Bold" panose="020B0600000101010101" pitchFamily="50" charset="-127"/>
+              </a:rPr>
+              <a:t>문제점</a:t>
+            </a:r>
+          </a:p>
+        </p:txBody>
+      </p:sp>
+      <p:sp>
+        <p:nvSpPr>
+          <p:cNvPr id="30" name="TextBox 29">
+            <a:extLst>
+              <a:ext uri="{FF2B5EF4-FFF2-40B4-BE49-F238E27FC236}">
+                <a16:creationId xmlns:a16="http://schemas.microsoft.com/office/drawing/2014/main" id="{3213785C-AF65-4E39-BBB3-EE6B41AB9CE4}"/>
+              </a:ext>
+            </a:extLst>
+          </p:cNvPr>
+          <p:cNvSpPr txBox="1"/>
+          <p:nvPr/>
+        </p:nvSpPr>
+        <p:spPr>
+          <a:xfrm>
+            <a:off x="768935" y="928240"/>
+            <a:ext cx="614271" cy="461665"/>
+          </a:xfrm>
+          <a:prstGeom prst="rect">
+            <a:avLst/>
+          </a:prstGeom>
+          <a:noFill/>
+        </p:spPr>
+        <p:txBody>
+          <a:bodyPr wrap="none" rtlCol="0">
+            <a:spAutoFit/>
+          </a:bodyPr>
+          <a:lstStyle/>
+          <a:p>
+            <a:pPr algn="ctr"/>
+            <a:r>
+              <a:rPr lang="en-US" altLang="ko-KR" sz="2400" spc="-150" dirty="0">
+                <a:solidFill>
+                  <a:srgbClr val="00002F"/>
+                </a:solidFill>
+                <a:latin typeface="나눔스퀘어 ExtraBold" panose="020B0600000101010101" pitchFamily="50" charset="-127"/>
+                <a:ea typeface="나눔스퀘어 ExtraBold" panose="020B0600000101010101" pitchFamily="50" charset="-127"/>
+              </a:rPr>
+              <a:t>02.</a:t>
+            </a:r>
+            <a:endParaRPr lang="ko-KR" altLang="en-US" sz="2400" spc="-150" dirty="0">
+              <a:solidFill>
+                <a:srgbClr val="00002F"/>
+              </a:solidFill>
+              <a:latin typeface="나눔스퀘어 ExtraBold" panose="020B0600000101010101" pitchFamily="50" charset="-127"/>
+              <a:ea typeface="나눔스퀘어 ExtraBold" panose="020B0600000101010101" pitchFamily="50" charset="-127"/>
+            </a:endParaRPr>
+          </a:p>
+        </p:txBody>
+      </p:sp>
+      <p:sp>
+        <p:nvSpPr>
+          <p:cNvPr id="31" name="TextBox 30">
+            <a:extLst>
+              <a:ext uri="{FF2B5EF4-FFF2-40B4-BE49-F238E27FC236}">
+                <a16:creationId xmlns:a16="http://schemas.microsoft.com/office/drawing/2014/main" id="{323BE4AF-9A6D-4F78-9FD4-AD1A8463242C}"/>
+              </a:ext>
+            </a:extLst>
+          </p:cNvPr>
+          <p:cNvSpPr txBox="1"/>
+          <p:nvPr/>
+        </p:nvSpPr>
+        <p:spPr>
+          <a:xfrm>
+            <a:off x="1457681" y="866684"/>
+            <a:ext cx="2039341" cy="584775"/>
+          </a:xfrm>
+          <a:prstGeom prst="rect">
+            <a:avLst/>
+          </a:prstGeom>
+          <a:noFill/>
+        </p:spPr>
+        <p:txBody>
+          <a:bodyPr wrap="none" rtlCol="0">
+            <a:spAutoFit/>
+          </a:bodyPr>
+          <a:lstStyle/>
+          <a:p>
+            <a:pPr algn="ctr"/>
+            <a:r>
+              <a:rPr lang="ko-KR" altLang="en-US" sz="3200" spc="-150">
+                <a:solidFill>
+                  <a:srgbClr val="00002F"/>
+                </a:solidFill>
+                <a:latin typeface="나눔스퀘어 ExtraBold" panose="020B0600000101010101" pitchFamily="50" charset="-127"/>
+                <a:ea typeface="나눔스퀘어 ExtraBold" panose="020B0600000101010101" pitchFamily="50" charset="-127"/>
+              </a:rPr>
+              <a:t>문제점 정의</a:t>
+            </a:r>
+            <a:endParaRPr lang="ko-KR" altLang="en-US" sz="3200" spc="-150" dirty="0">
+              <a:solidFill>
+                <a:srgbClr val="00002F"/>
+              </a:solidFill>
+              <a:latin typeface="나눔스퀘어 ExtraBold" panose="020B0600000101010101" pitchFamily="50" charset="-127"/>
+              <a:ea typeface="나눔스퀘어 ExtraBold" panose="020B0600000101010101" pitchFamily="50" charset="-127"/>
+            </a:endParaRPr>
+          </a:p>
+        </p:txBody>
+      </p:sp>
+    </p:spTree>
+    <p:extLst>
+      <p:ext uri="{BB962C8B-B14F-4D97-AF65-F5344CB8AC3E}">
+        <p14:creationId xmlns:p14="http://schemas.microsoft.com/office/powerpoint/2010/main" val="171883911"/>
+      </p:ext>
+    </p:extLst>
+  </p:cSld>
+  <p:clrMapOvr>
+    <a:masterClrMapping/>
+  </p:clrMapOvr>
+</p:sld>
+</file>
+
+<file path=ppt/slides/slide12.xml><?xml version="1.0" encoding="utf-8"?>
+<p:sld xmlns:a="http://schemas.openxmlformats.org/drawingml/2006/main" xmlns:r="http://schemas.openxmlformats.org/officeDocument/2006/relationships" xmlns:p="http://schemas.openxmlformats.org/presentationml/2006/main">
+  <p:cSld>
+    <p:spTree>
+      <p:nvGrpSpPr>
+        <p:cNvPr id="1" name=""/>
+        <p:cNvGrpSpPr/>
+        <p:nvPr/>
+      </p:nvGrpSpPr>
+      <p:grpSpPr>
+        <a:xfrm>
+          <a:off x="0" y="0"/>
+          <a:ext cx="0" cy="0"/>
+          <a:chOff x="0" y="0"/>
+          <a:chExt cx="0" cy="0"/>
+        </a:xfrm>
+      </p:grpSpPr>
+      <p:sp>
+        <p:nvSpPr>
           <p:cNvPr id="13" name="TextBox 12"/>
           <p:cNvSpPr txBox="1"/>
           <p:nvPr/>
@@ -6053,7 +10128,7 @@
 </p:sld>
 </file>
 
-<file path=ppt/slides/slide11.xml><?xml version="1.0" encoding="utf-8"?>
+<file path=ppt/slides/slide13.xml><?xml version="1.0" encoding="utf-8"?>
 <p:sld xmlns:a="http://schemas.openxmlformats.org/drawingml/2006/main" xmlns:r="http://schemas.openxmlformats.org/officeDocument/2006/relationships" xmlns:p="http://schemas.openxmlformats.org/presentationml/2006/main">
   <p:cSld>
     <p:spTree>
@@ -6499,7 +10574,7 @@
 </p:sld>
 </file>
 
-<file path=ppt/slides/slide12.xml><?xml version="1.0" encoding="utf-8"?>
+<file path=ppt/slides/slide14.xml><?xml version="1.0" encoding="utf-8"?>
 <p:sld xmlns:a="http://schemas.openxmlformats.org/drawingml/2006/main" xmlns:r="http://schemas.openxmlformats.org/officeDocument/2006/relationships" xmlns:p="http://schemas.openxmlformats.org/presentationml/2006/main">
   <p:cSld>
     <p:spTree>
@@ -6866,7 +10941,7 @@
 </p:sld>
 </file>
 
-<file path=ppt/slides/slide13.xml><?xml version="1.0" encoding="utf-8"?>
+<file path=ppt/slides/slide15.xml><?xml version="1.0" encoding="utf-8"?>
 <p:sld xmlns:a="http://schemas.openxmlformats.org/drawingml/2006/main" xmlns:r="http://schemas.openxmlformats.org/officeDocument/2006/relationships" xmlns:p="http://schemas.openxmlformats.org/presentationml/2006/main">
   <p:cSld>
     <p:spTree>
@@ -7183,7 +11258,7 @@
 </p:sld>
 </file>
 
-<file path=ppt/slides/slide14.xml><?xml version="1.0" encoding="utf-8"?>
+<file path=ppt/slides/slide16.xml><?xml version="1.0" encoding="utf-8"?>
 <p:sld xmlns:a="http://schemas.openxmlformats.org/drawingml/2006/main" xmlns:r="http://schemas.openxmlformats.org/officeDocument/2006/relationships" xmlns:p="http://schemas.openxmlformats.org/presentationml/2006/main">
   <p:cSld>
     <p:spTree>
@@ -7504,7 +11579,7 @@
 </p:sld>
 </file>
 
-<file path=ppt/slides/slide15.xml><?xml version="1.0" encoding="utf-8"?>
+<file path=ppt/slides/slide17.xml><?xml version="1.0" encoding="utf-8"?>
 <p:sld xmlns:a="http://schemas.openxmlformats.org/drawingml/2006/main" xmlns:r="http://schemas.openxmlformats.org/officeDocument/2006/relationships" xmlns:p="http://schemas.openxmlformats.org/presentationml/2006/main">
   <p:cSld>
     <p:bg>
@@ -7605,7 +11680,7 @@
 </p:sld>
 </file>
 
-<file path=ppt/slides/slide16.xml><?xml version="1.0" encoding="utf-8"?>
+<file path=ppt/slides/slide18.xml><?xml version="1.0" encoding="utf-8"?>
 <p:sld xmlns:a="http://schemas.openxmlformats.org/drawingml/2006/main" xmlns:r="http://schemas.openxmlformats.org/officeDocument/2006/relationships" xmlns:p="http://schemas.openxmlformats.org/presentationml/2006/main">
   <p:cSld>
     <p:bg>
@@ -8074,7 +12149,7 @@
 </file>
 
 <file path=ppt/slides/slide3.xml><?xml version="1.0" encoding="utf-8"?>
-<p:sld xmlns:a="http://schemas.openxmlformats.org/drawingml/2006/main" xmlns:r="http://schemas.openxmlformats.org/officeDocument/2006/relationships" xmlns:p="http://schemas.openxmlformats.org/presentationml/2006/main">
+<p:sld xmlns:a="http://schemas.openxmlformats.org/drawingml/2006/main" xmlns:r="http://schemas.openxmlformats.org/officeDocument/2006/relationships" xmlns:p="http://schemas.openxmlformats.org/presentationml/2006/main" show="0">
   <p:cSld>
     <p:spTree>
       <p:nvGrpSpPr>
@@ -8761,7 +12836,7 @@
 </file>
 
 <file path=ppt/slides/slide4.xml><?xml version="1.0" encoding="utf-8"?>
-<p:sld xmlns:a="http://schemas.openxmlformats.org/drawingml/2006/main" xmlns:r="http://schemas.openxmlformats.org/officeDocument/2006/relationships" xmlns:p="http://schemas.openxmlformats.org/presentationml/2006/main">
+<p:sld xmlns:a="http://schemas.openxmlformats.org/drawingml/2006/main" xmlns:r="http://schemas.openxmlformats.org/officeDocument/2006/relationships" xmlns:p="http://schemas.openxmlformats.org/presentationml/2006/main" show="0">
   <p:cSld>
     <p:spTree>
       <p:nvGrpSpPr>
@@ -9577,7 +13652,7 @@
 </file>
 
 <file path=ppt/slides/slide5.xml><?xml version="1.0" encoding="utf-8"?>
-<p:sld xmlns:a="http://schemas.openxmlformats.org/drawingml/2006/main" xmlns:r="http://schemas.openxmlformats.org/officeDocument/2006/relationships" xmlns:p="http://schemas.openxmlformats.org/presentationml/2006/main">
+<p:sld xmlns:a="http://schemas.openxmlformats.org/drawingml/2006/main" xmlns:r="http://schemas.openxmlformats.org/officeDocument/2006/relationships" xmlns:p="http://schemas.openxmlformats.org/presentationml/2006/main" show="0">
   <p:cSld>
     <p:spTree>
       <p:nvGrpSpPr>
@@ -10621,8 +14696,8 @@
         </p:nvSpPr>
         <p:spPr>
           <a:xfrm>
-            <a:off x="1341998" y="866686"/>
-            <a:ext cx="3047629" cy="584775"/>
+            <a:off x="1455814" y="863755"/>
+            <a:ext cx="5123518" cy="584775"/>
           </a:xfrm>
           <a:prstGeom prst="rect">
             <a:avLst/>
@@ -10644,7 +14719,7 @@
                 <a:latin typeface="나눔스퀘어 ExtraBold" panose="020B0600000101010101" pitchFamily="50" charset="-127"/>
                 <a:ea typeface="나눔스퀘어 ExtraBold" panose="020B0600000101010101" pitchFamily="50" charset="-127"/>
               </a:rPr>
-              <a:t>제주도 관광객수</a:t>
+              <a:t>내국인 관광객 체류기간 및 목적</a:t>
             </a:r>
           </a:p>
         </p:txBody>
@@ -10698,48 +14773,6 @@
           </a:p>
         </p:txBody>
       </p:sp>
-      <p:sp>
-        <p:nvSpPr>
-          <p:cNvPr id="22" name="TextBox 21">
-            <a:extLst>
-              <a:ext uri="{FF2B5EF4-FFF2-40B4-BE49-F238E27FC236}">
-                <a16:creationId xmlns:a16="http://schemas.microsoft.com/office/drawing/2014/main" id="{3DBBA70B-FC6A-4978-ABAF-7F7CF741AEA8}"/>
-              </a:ext>
-            </a:extLst>
-          </p:cNvPr>
-          <p:cNvSpPr txBox="1"/>
-          <p:nvPr/>
-        </p:nvSpPr>
-        <p:spPr>
-          <a:xfrm>
-            <a:off x="1555825" y="1418441"/>
-            <a:ext cx="2169184" cy="369332"/>
-          </a:xfrm>
-          <a:prstGeom prst="rect">
-            <a:avLst/>
-          </a:prstGeom>
-          <a:noFill/>
-        </p:spPr>
-        <p:txBody>
-          <a:bodyPr wrap="none" rtlCol="0">
-            <a:spAutoFit/>
-          </a:bodyPr>
-          <a:lstStyle/>
-          <a:p>
-            <a:pPr algn="ctr"/>
-            <a:r>
-              <a:rPr lang="ko-KR" altLang="en-US" spc="-150" dirty="0">
-                <a:solidFill>
-                  <a:srgbClr val="00002F"/>
-                </a:solidFill>
-                <a:latin typeface="나눔스퀘어 ExtraBold" panose="020B0600000101010101" pitchFamily="50" charset="-127"/>
-                <a:ea typeface="나눔스퀘어 ExtraBold" panose="020B0600000101010101" pitchFamily="50" charset="-127"/>
-              </a:rPr>
-              <a:t>내국인 관광객 체류기간</a:t>
-            </a:r>
-          </a:p>
-        </p:txBody>
-      </p:sp>
       <p:graphicFrame>
         <p:nvGraphicFramePr>
           <p:cNvPr id="19" name="차트 18">
@@ -10755,7 +14788,7 @@
           <p:nvPr>
             <p:extLst>
               <p:ext uri="{D42A27DB-BD31-4B8C-83A1-F6EECF244321}">
-                <p14:modId xmlns:p14="http://schemas.microsoft.com/office/powerpoint/2010/main" val="3621659818"/>
+                <p14:modId xmlns:p14="http://schemas.microsoft.com/office/powerpoint/2010/main" val="3397135650"/>
               </p:ext>
             </p:extLst>
           </p:nvPr>
@@ -10784,7 +14817,7 @@
         </p:nvSpPr>
         <p:spPr>
           <a:xfrm>
-            <a:off x="6348249" y="2050071"/>
+            <a:off x="125249" y="5439559"/>
             <a:ext cx="5274196" cy="1200329"/>
           </a:xfrm>
           <a:prstGeom prst="rect">
@@ -10968,6 +15001,108 @@
                 <a:ea typeface="나눔스퀘어 Bold" panose="020B0600000101010101" pitchFamily="50" charset="-127"/>
               </a:rPr>
               <a:t>. </a:t>
+            </a:r>
+          </a:p>
+        </p:txBody>
+      </p:sp>
+      <p:graphicFrame>
+        <p:nvGraphicFramePr>
+          <p:cNvPr id="10" name="차트 9">
+            <a:extLst>
+              <a:ext uri="{FF2B5EF4-FFF2-40B4-BE49-F238E27FC236}">
+                <a16:creationId xmlns:a16="http://schemas.microsoft.com/office/drawing/2014/main" id="{B8829686-F11B-4222-9BAD-13C51A9BBAA5}"/>
+              </a:ext>
+            </a:extLst>
+          </p:cNvPr>
+          <p:cNvGraphicFramePr>
+            <a:graphicFrameLocks/>
+          </p:cNvGraphicFramePr>
+          <p:nvPr>
+            <p:extLst>
+              <p:ext uri="{D42A27DB-BD31-4B8C-83A1-F6EECF244321}">
+                <p14:modId xmlns:p14="http://schemas.microsoft.com/office/powerpoint/2010/main" val="1651183801"/>
+              </p:ext>
+            </p:extLst>
+          </p:nvPr>
+        </p:nvGraphicFramePr>
+        <p:xfrm>
+          <a:off x="6348249" y="2057400"/>
+          <a:ext cx="5074816" cy="3295548"/>
+        </p:xfrm>
+        <a:graphic>
+          <a:graphicData uri="http://schemas.openxmlformats.org/drawingml/2006/chart">
+            <c:chart xmlns:c="http://schemas.openxmlformats.org/drawingml/2006/chart" xmlns:r="http://schemas.openxmlformats.org/officeDocument/2006/relationships" r:id="rId3"/>
+          </a:graphicData>
+        </a:graphic>
+      </p:graphicFrame>
+      <p:sp>
+        <p:nvSpPr>
+          <p:cNvPr id="11" name="TextBox 10">
+            <a:extLst>
+              <a:ext uri="{FF2B5EF4-FFF2-40B4-BE49-F238E27FC236}">
+                <a16:creationId xmlns:a16="http://schemas.microsoft.com/office/drawing/2014/main" id="{BAE6B931-AEF1-4E43-AF2D-71D0ACEA6E3D}"/>
+              </a:ext>
+            </a:extLst>
+          </p:cNvPr>
+          <p:cNvSpPr txBox="1"/>
+          <p:nvPr/>
+        </p:nvSpPr>
+        <p:spPr>
+          <a:xfrm>
+            <a:off x="6348249" y="5439559"/>
+            <a:ext cx="5274196" cy="1200329"/>
+          </a:xfrm>
+          <a:prstGeom prst="rect">
+            <a:avLst/>
+          </a:prstGeom>
+          <a:noFill/>
+        </p:spPr>
+        <p:txBody>
+          <a:bodyPr wrap="square" rtlCol="0">
+            <a:spAutoFit/>
+          </a:bodyPr>
+          <a:lstStyle/>
+          <a:p>
+            <a:pPr algn="ctr"/>
+            <a:r>
+              <a:rPr lang="ko-KR" altLang="en-US" sz="2400" spc="-150" dirty="0">
+                <a:solidFill>
+                  <a:srgbClr val="8DBABD"/>
+                </a:solidFill>
+                <a:latin typeface="나눔스퀘어 Bold" panose="020B0600000101010101" pitchFamily="50" charset="-127"/>
+                <a:ea typeface="나눔스퀘어 Bold" panose="020B0600000101010101" pitchFamily="50" charset="-127"/>
+              </a:rPr>
+              <a:t>내국인들은 휴식의 목적으로 제주도를 찾는 경우가 많았으며 그 다음순위가 세미나를 </a:t>
+            </a:r>
+            <a:endParaRPr lang="en-US" altLang="ko-KR" sz="2400" spc="-150" dirty="0">
+              <a:solidFill>
+                <a:srgbClr val="8DBABD"/>
+              </a:solidFill>
+              <a:latin typeface="나눔스퀘어 Bold" panose="020B0600000101010101" pitchFamily="50" charset="-127"/>
+              <a:ea typeface="나눔스퀘어 Bold" panose="020B0600000101010101" pitchFamily="50" charset="-127"/>
+            </a:endParaRPr>
+          </a:p>
+          <a:p>
+            <a:pPr algn="ctr"/>
+            <a:r>
+              <a:rPr lang="ko-KR" altLang="en-US" sz="2400" spc="-150" dirty="0">
+                <a:solidFill>
+                  <a:srgbClr val="8DBABD"/>
+                </a:solidFill>
+                <a:latin typeface="나눔스퀘어 Bold" panose="020B0600000101010101" pitchFamily="50" charset="-127"/>
+                <a:ea typeface="나눔스퀘어 Bold" panose="020B0600000101010101" pitchFamily="50" charset="-127"/>
+              </a:rPr>
+              <a:t>목적으로 방문하는 것으로 확인했습니다</a:t>
+            </a:r>
+            <a:r>
+              <a:rPr lang="en-US" altLang="ko-KR" sz="2400" spc="-150" dirty="0">
+                <a:solidFill>
+                  <a:srgbClr val="8DBABD"/>
+                </a:solidFill>
+                <a:latin typeface="나눔스퀘어 Bold" panose="020B0600000101010101" pitchFamily="50" charset="-127"/>
+                <a:ea typeface="나눔스퀘어 Bold" panose="020B0600000101010101" pitchFamily="50" charset="-127"/>
+              </a:rPr>
+              <a:t>.</a:t>
             </a:r>
           </a:p>
         </p:txBody>
@@ -10986,6 +15121,584 @@
 </file>
 
 <file path=ppt/slides/slide7.xml><?xml version="1.0" encoding="utf-8"?>
+<p:sld xmlns:a="http://schemas.openxmlformats.org/drawingml/2006/main" xmlns:r="http://schemas.openxmlformats.org/officeDocument/2006/relationships" xmlns:p="http://schemas.openxmlformats.org/presentationml/2006/main">
+  <p:cSld>
+    <p:spTree>
+      <p:nvGrpSpPr>
+        <p:cNvPr id="1" name=""/>
+        <p:cNvGrpSpPr/>
+        <p:nvPr/>
+      </p:nvGrpSpPr>
+      <p:grpSpPr>
+        <a:xfrm>
+          <a:off x="0" y="0"/>
+          <a:ext cx="0" cy="0"/>
+          <a:chOff x="0" y="0"/>
+          <a:chExt cx="0" cy="0"/>
+        </a:xfrm>
+      </p:grpSpPr>
+      <p:sp>
+        <p:nvSpPr>
+          <p:cNvPr id="15" name="TextBox 14"/>
+          <p:cNvSpPr txBox="1"/>
+          <p:nvPr/>
+        </p:nvSpPr>
+        <p:spPr>
+          <a:xfrm>
+            <a:off x="10781242" y="76824"/>
+            <a:ext cx="1335622" cy="323165"/>
+          </a:xfrm>
+          <a:prstGeom prst="rect">
+            <a:avLst/>
+          </a:prstGeom>
+          <a:noFill/>
+        </p:spPr>
+        <p:txBody>
+          <a:bodyPr wrap="none" rtlCol="0">
+            <a:spAutoFit/>
+          </a:bodyPr>
+          <a:lstStyle/>
+          <a:p>
+            <a:pPr algn="ctr"/>
+            <a:r>
+              <a:rPr lang="en-US" altLang="ko-KR" sz="900" b="1" dirty="0">
+                <a:ln w="22225">
+                  <a:noFill/>
+                </a:ln>
+                <a:solidFill>
+                  <a:schemeClr val="bg1"/>
+                </a:solidFill>
+                <a:effectLst>
+                  <a:glow rad="88900">
+                    <a:srgbClr val="E3781F">
+                      <a:alpha val="7000"/>
+                    </a:srgbClr>
+                  </a:glow>
+                </a:effectLst>
+                <a:latin typeface="나눔스퀘어" panose="020B0600000101010101" pitchFamily="50" charset="-127"/>
+                <a:ea typeface="나눔스퀘어" panose="020B0600000101010101" pitchFamily="50" charset="-127"/>
+              </a:rPr>
+              <a:t>Power Point Template</a:t>
+            </a:r>
+          </a:p>
+          <a:p>
+            <a:pPr algn="ctr"/>
+            <a:r>
+              <a:rPr lang="en-US" altLang="ko-KR" sz="600" dirty="0" err="1">
+                <a:ln w="22225">
+                  <a:noFill/>
+                </a:ln>
+                <a:solidFill>
+                  <a:schemeClr val="bg1"/>
+                </a:solidFill>
+                <a:effectLst>
+                  <a:glow rad="88900">
+                    <a:srgbClr val="E3781F">
+                      <a:alpha val="7000"/>
+                    </a:srgbClr>
+                  </a:glow>
+                </a:effectLst>
+                <a:latin typeface="나눔스퀘어" panose="020B0600000101010101" pitchFamily="50" charset="-127"/>
+                <a:ea typeface="나눔스퀘어" panose="020B0600000101010101" pitchFamily="50" charset="-127"/>
+              </a:rPr>
+              <a:t>Ponybuhagom</a:t>
+            </a:r>
+            <a:endParaRPr lang="en-US" altLang="ko-KR" sz="600" dirty="0">
+              <a:ln w="22225">
+                <a:noFill/>
+              </a:ln>
+              <a:solidFill>
+                <a:schemeClr val="bg1"/>
+              </a:solidFill>
+              <a:effectLst>
+                <a:glow rad="88900">
+                  <a:srgbClr val="E3781F">
+                    <a:alpha val="7000"/>
+                  </a:srgbClr>
+                </a:glow>
+              </a:effectLst>
+              <a:latin typeface="나눔스퀘어" panose="020B0600000101010101" pitchFamily="50" charset="-127"/>
+              <a:ea typeface="나눔스퀘어" panose="020B0600000101010101" pitchFamily="50" charset="-127"/>
+            </a:endParaRPr>
+          </a:p>
+        </p:txBody>
+      </p:sp>
+      <p:sp>
+        <p:nvSpPr>
+          <p:cNvPr id="16" name="TextBox 15"/>
+          <p:cNvSpPr txBox="1"/>
+          <p:nvPr/>
+        </p:nvSpPr>
+        <p:spPr>
+          <a:xfrm>
+            <a:off x="594763" y="229970"/>
+            <a:ext cx="1229825" cy="461665"/>
+          </a:xfrm>
+          <a:prstGeom prst="rect">
+            <a:avLst/>
+          </a:prstGeom>
+          <a:noFill/>
+        </p:spPr>
+        <p:txBody>
+          <a:bodyPr wrap="none" rtlCol="0">
+            <a:spAutoFit/>
+          </a:bodyPr>
+          <a:lstStyle/>
+          <a:p>
+            <a:pPr algn="ctr"/>
+            <a:r>
+              <a:rPr lang="ko-KR" altLang="en-US" sz="2400" spc="-150" dirty="0">
+                <a:solidFill>
+                  <a:srgbClr val="FFFFFF"/>
+                </a:solidFill>
+                <a:latin typeface="나눔스퀘어 Bold" panose="020B0600000101010101" pitchFamily="50" charset="-127"/>
+                <a:ea typeface="나눔스퀘어 Bold" panose="020B0600000101010101" pitchFamily="50" charset="-127"/>
+              </a:rPr>
+              <a:t>현황분석</a:t>
+            </a:r>
+          </a:p>
+        </p:txBody>
+      </p:sp>
+      <p:cxnSp>
+        <p:nvCxnSpPr>
+          <p:cNvPr id="14" name="직선 연결선 13">
+            <a:extLst>
+              <a:ext uri="{FF2B5EF4-FFF2-40B4-BE49-F238E27FC236}">
+                <a16:creationId xmlns:a16="http://schemas.microsoft.com/office/drawing/2014/main" id="{0704E78B-2380-445A-8EF8-94792E0C50BC}"/>
+              </a:ext>
+            </a:extLst>
+          </p:cNvPr>
+          <p:cNvCxnSpPr>
+            <a:cxnSpLocks/>
+          </p:cNvCxnSpPr>
+          <p:nvPr/>
+        </p:nvCxnSpPr>
+        <p:spPr>
+          <a:xfrm>
+            <a:off x="1555825" y="1418441"/>
+            <a:ext cx="2618378" cy="0"/>
+          </a:xfrm>
+          <a:prstGeom prst="line">
+            <a:avLst/>
+          </a:prstGeom>
+          <a:ln>
+            <a:solidFill>
+              <a:schemeClr val="bg1">
+                <a:lumMod val="50000"/>
+              </a:schemeClr>
+            </a:solidFill>
+          </a:ln>
+        </p:spPr>
+        <p:style>
+          <a:lnRef idx="1">
+            <a:schemeClr val="accent1"/>
+          </a:lnRef>
+          <a:fillRef idx="0">
+            <a:schemeClr val="accent1"/>
+          </a:fillRef>
+          <a:effectRef idx="0">
+            <a:schemeClr val="accent1"/>
+          </a:effectRef>
+          <a:fontRef idx="minor">
+            <a:schemeClr val="tx1"/>
+          </a:fontRef>
+        </p:style>
+      </p:cxnSp>
+      <p:sp>
+        <p:nvSpPr>
+          <p:cNvPr id="18" name="TextBox 17">
+            <a:extLst>
+              <a:ext uri="{FF2B5EF4-FFF2-40B4-BE49-F238E27FC236}">
+                <a16:creationId xmlns:a16="http://schemas.microsoft.com/office/drawing/2014/main" id="{AA0FFD16-5CEC-450F-8669-6F31DAFDD403}"/>
+              </a:ext>
+            </a:extLst>
+          </p:cNvPr>
+          <p:cNvSpPr txBox="1"/>
+          <p:nvPr/>
+        </p:nvSpPr>
+        <p:spPr>
+          <a:xfrm>
+            <a:off x="768935" y="928240"/>
+            <a:ext cx="614271" cy="461665"/>
+          </a:xfrm>
+          <a:prstGeom prst="rect">
+            <a:avLst/>
+          </a:prstGeom>
+          <a:noFill/>
+        </p:spPr>
+        <p:txBody>
+          <a:bodyPr wrap="none" rtlCol="0">
+            <a:spAutoFit/>
+          </a:bodyPr>
+          <a:lstStyle/>
+          <a:p>
+            <a:pPr algn="ctr"/>
+            <a:r>
+              <a:rPr lang="en-US" altLang="ko-KR" sz="2400" spc="-150" dirty="0">
+                <a:solidFill>
+                  <a:srgbClr val="00002F"/>
+                </a:solidFill>
+                <a:latin typeface="나눔스퀘어 ExtraBold" panose="020B0600000101010101" pitchFamily="50" charset="-127"/>
+                <a:ea typeface="나눔스퀘어 ExtraBold" panose="020B0600000101010101" pitchFamily="50" charset="-127"/>
+              </a:rPr>
+              <a:t>01.</a:t>
+            </a:r>
+            <a:endParaRPr lang="ko-KR" altLang="en-US" sz="2400" spc="-150" dirty="0">
+              <a:solidFill>
+                <a:srgbClr val="00002F"/>
+              </a:solidFill>
+              <a:latin typeface="나눔스퀘어 ExtraBold" panose="020B0600000101010101" pitchFamily="50" charset="-127"/>
+              <a:ea typeface="나눔스퀘어 ExtraBold" panose="020B0600000101010101" pitchFamily="50" charset="-127"/>
+            </a:endParaRPr>
+          </a:p>
+        </p:txBody>
+      </p:sp>
+      <p:pic>
+        <p:nvPicPr>
+          <p:cNvPr id="5" name="그림 4">
+            <a:extLst>
+              <a:ext uri="{FF2B5EF4-FFF2-40B4-BE49-F238E27FC236}">
+                <a16:creationId xmlns:a16="http://schemas.microsoft.com/office/drawing/2014/main" id="{E374BB39-6095-4468-9D5D-19A26BDB602E}"/>
+              </a:ext>
+            </a:extLst>
+          </p:cNvPr>
+          <p:cNvPicPr>
+            <a:picLocks noChangeAspect="1"/>
+          </p:cNvPicPr>
+          <p:nvPr/>
+        </p:nvPicPr>
+        <p:blipFill>
+          <a:blip r:embed="rId2">
+            <a:extLst>
+              <a:ext uri="{28A0092B-C50C-407E-A947-70E740481C1C}">
+                <a14:useLocalDpi xmlns:a14="http://schemas.microsoft.com/office/drawing/2010/main" val="0"/>
+              </a:ext>
+            </a:extLst>
+          </a:blip>
+          <a:stretch>
+            <a:fillRect/>
+          </a:stretch>
+        </p:blipFill>
+        <p:spPr>
+          <a:xfrm>
+            <a:off x="594764" y="2003217"/>
+            <a:ext cx="5274196" cy="3199404"/>
+          </a:xfrm>
+          <a:prstGeom prst="rect">
+            <a:avLst/>
+          </a:prstGeom>
+        </p:spPr>
+      </p:pic>
+      <p:sp>
+        <p:nvSpPr>
+          <p:cNvPr id="12" name="TextBox 11">
+            <a:extLst>
+              <a:ext uri="{FF2B5EF4-FFF2-40B4-BE49-F238E27FC236}">
+                <a16:creationId xmlns:a16="http://schemas.microsoft.com/office/drawing/2014/main" id="{4B30E8AC-250E-45C3-83AC-C3D0BDF335AD}"/>
+              </a:ext>
+            </a:extLst>
+          </p:cNvPr>
+          <p:cNvSpPr txBox="1"/>
+          <p:nvPr/>
+        </p:nvSpPr>
+        <p:spPr>
+          <a:xfrm>
+            <a:off x="594763" y="5422024"/>
+            <a:ext cx="5274196" cy="830997"/>
+          </a:xfrm>
+          <a:prstGeom prst="rect">
+            <a:avLst/>
+          </a:prstGeom>
+          <a:noFill/>
+        </p:spPr>
+        <p:txBody>
+          <a:bodyPr wrap="square" rtlCol="0">
+            <a:spAutoFit/>
+          </a:bodyPr>
+          <a:lstStyle/>
+          <a:p>
+            <a:pPr algn="ctr"/>
+            <a:r>
+              <a:rPr lang="ko-KR" altLang="en-US" sz="2400" spc="-150" dirty="0">
+                <a:solidFill>
+                  <a:srgbClr val="8DBABD"/>
+                </a:solidFill>
+                <a:latin typeface="나눔스퀘어 Bold" panose="020B0600000101010101" pitchFamily="50" charset="-127"/>
+                <a:ea typeface="나눔스퀘어 Bold" panose="020B0600000101010101" pitchFamily="50" charset="-127"/>
+              </a:rPr>
+              <a:t>외국인들은 대체로 </a:t>
+            </a:r>
+            <a:r>
+              <a:rPr lang="en-US" altLang="ko-KR" sz="2400" spc="-150" dirty="0">
+                <a:solidFill>
+                  <a:srgbClr val="8DBABD"/>
+                </a:solidFill>
+                <a:latin typeface="나눔스퀘어 Bold" panose="020B0600000101010101" pitchFamily="50" charset="-127"/>
+                <a:ea typeface="나눔스퀘어 Bold" panose="020B0600000101010101" pitchFamily="50" charset="-127"/>
+              </a:rPr>
+              <a:t>3</a:t>
+            </a:r>
+            <a:r>
+              <a:rPr lang="ko-KR" altLang="en-US" sz="2400" spc="-150" dirty="0">
+                <a:solidFill>
+                  <a:srgbClr val="8DBABD"/>
+                </a:solidFill>
+                <a:latin typeface="나눔스퀘어 Bold" panose="020B0600000101010101" pitchFamily="50" charset="-127"/>
+                <a:ea typeface="나눔스퀘어 Bold" panose="020B0600000101010101" pitchFamily="50" charset="-127"/>
+              </a:rPr>
+              <a:t>박</a:t>
+            </a:r>
+            <a:r>
+              <a:rPr lang="en-US" altLang="ko-KR" sz="2400" spc="-150" dirty="0">
+                <a:solidFill>
+                  <a:srgbClr val="8DBABD"/>
+                </a:solidFill>
+                <a:latin typeface="나눔스퀘어 Bold" panose="020B0600000101010101" pitchFamily="50" charset="-127"/>
+                <a:ea typeface="나눔스퀘어 Bold" panose="020B0600000101010101" pitchFamily="50" charset="-127"/>
+              </a:rPr>
+              <a:t>4</a:t>
+            </a:r>
+            <a:r>
+              <a:rPr lang="ko-KR" altLang="en-US" sz="2400" spc="-150" dirty="0">
+                <a:solidFill>
+                  <a:srgbClr val="8DBABD"/>
+                </a:solidFill>
+                <a:latin typeface="나눔스퀘어 Bold" panose="020B0600000101010101" pitchFamily="50" charset="-127"/>
+                <a:ea typeface="나눔스퀘어 Bold" panose="020B0600000101010101" pitchFamily="50" charset="-127"/>
+              </a:rPr>
+              <a:t>일</a:t>
+            </a:r>
+            <a:r>
+              <a:rPr lang="en-US" altLang="ko-KR" sz="2400" spc="-150" dirty="0">
+                <a:solidFill>
+                  <a:srgbClr val="8DBABD"/>
+                </a:solidFill>
+                <a:latin typeface="나눔스퀘어 Bold" panose="020B0600000101010101" pitchFamily="50" charset="-127"/>
+                <a:ea typeface="나눔스퀘어 Bold" panose="020B0600000101010101" pitchFamily="50" charset="-127"/>
+              </a:rPr>
+              <a:t>, 4</a:t>
+            </a:r>
+            <a:r>
+              <a:rPr lang="ko-KR" altLang="en-US" sz="2400" spc="-150" dirty="0">
+                <a:solidFill>
+                  <a:srgbClr val="8DBABD"/>
+                </a:solidFill>
+                <a:latin typeface="나눔스퀘어 Bold" panose="020B0600000101010101" pitchFamily="50" charset="-127"/>
+                <a:ea typeface="나눔스퀘어 Bold" panose="020B0600000101010101" pitchFamily="50" charset="-127"/>
+              </a:rPr>
+              <a:t>박</a:t>
+            </a:r>
+            <a:r>
+              <a:rPr lang="en-US" altLang="ko-KR" sz="2400" spc="-150" dirty="0">
+                <a:solidFill>
+                  <a:srgbClr val="8DBABD"/>
+                </a:solidFill>
+                <a:latin typeface="나눔스퀘어 Bold" panose="020B0600000101010101" pitchFamily="50" charset="-127"/>
+                <a:ea typeface="나눔스퀘어 Bold" panose="020B0600000101010101" pitchFamily="50" charset="-127"/>
+              </a:rPr>
+              <a:t>5</a:t>
+            </a:r>
+            <a:r>
+              <a:rPr lang="ko-KR" altLang="en-US" sz="2400" spc="-150" dirty="0">
+                <a:solidFill>
+                  <a:srgbClr val="8DBABD"/>
+                </a:solidFill>
+                <a:latin typeface="나눔스퀘어 Bold" panose="020B0600000101010101" pitchFamily="50" charset="-127"/>
+                <a:ea typeface="나눔스퀘어 Bold" panose="020B0600000101010101" pitchFamily="50" charset="-127"/>
+              </a:rPr>
+              <a:t>일 </a:t>
+            </a:r>
+            <a:endParaRPr lang="en-US" altLang="ko-KR" sz="2400" spc="-150" dirty="0">
+              <a:solidFill>
+                <a:srgbClr val="8DBABD"/>
+              </a:solidFill>
+              <a:latin typeface="나눔스퀘어 Bold" panose="020B0600000101010101" pitchFamily="50" charset="-127"/>
+              <a:ea typeface="나눔스퀘어 Bold" panose="020B0600000101010101" pitchFamily="50" charset="-127"/>
+            </a:endParaRPr>
+          </a:p>
+          <a:p>
+            <a:pPr algn="ctr"/>
+            <a:r>
+              <a:rPr lang="ko-KR" altLang="en-US" sz="2400" spc="-150" dirty="0">
+                <a:solidFill>
+                  <a:srgbClr val="8DBABD"/>
+                </a:solidFill>
+                <a:latin typeface="나눔스퀘어 Bold" panose="020B0600000101010101" pitchFamily="50" charset="-127"/>
+                <a:ea typeface="나눔스퀘어 Bold" panose="020B0600000101010101" pitchFamily="50" charset="-127"/>
+              </a:rPr>
+              <a:t>여행일정을 짜는 것으로 확인했습니다</a:t>
+            </a:r>
+            <a:r>
+              <a:rPr lang="en-US" altLang="ko-KR" sz="2400" spc="-150" dirty="0">
+                <a:solidFill>
+                  <a:srgbClr val="8DBABD"/>
+                </a:solidFill>
+                <a:latin typeface="나눔스퀘어 Bold" panose="020B0600000101010101" pitchFamily="50" charset="-127"/>
+                <a:ea typeface="나눔스퀘어 Bold" panose="020B0600000101010101" pitchFamily="50" charset="-127"/>
+              </a:rPr>
+              <a:t>.</a:t>
+            </a:r>
+          </a:p>
+        </p:txBody>
+      </p:sp>
+      <p:graphicFrame>
+        <p:nvGraphicFramePr>
+          <p:cNvPr id="11" name="차트 10">
+            <a:extLst>
+              <a:ext uri="{FF2B5EF4-FFF2-40B4-BE49-F238E27FC236}">
+                <a16:creationId xmlns:a16="http://schemas.microsoft.com/office/drawing/2014/main" id="{6D2FD7A2-A738-4AEE-A62C-41778E24A10B}"/>
+              </a:ext>
+            </a:extLst>
+          </p:cNvPr>
+          <p:cNvGraphicFramePr>
+            <a:graphicFrameLocks/>
+          </p:cNvGraphicFramePr>
+          <p:nvPr>
+            <p:extLst>
+              <p:ext uri="{D42A27DB-BD31-4B8C-83A1-F6EECF244321}">
+                <p14:modId xmlns:p14="http://schemas.microsoft.com/office/powerpoint/2010/main" val="567622359"/>
+              </p:ext>
+            </p:extLst>
+          </p:nvPr>
+        </p:nvGraphicFramePr>
+        <p:xfrm>
+          <a:off x="6323042" y="2003217"/>
+          <a:ext cx="5274195" cy="3199403"/>
+        </p:xfrm>
+        <a:graphic>
+          <a:graphicData uri="http://schemas.openxmlformats.org/drawingml/2006/chart">
+            <c:chart xmlns:c="http://schemas.openxmlformats.org/drawingml/2006/chart" xmlns:r="http://schemas.openxmlformats.org/officeDocument/2006/relationships" r:id="rId3"/>
+          </a:graphicData>
+        </a:graphic>
+      </p:graphicFrame>
+      <p:sp>
+        <p:nvSpPr>
+          <p:cNvPr id="13" name="TextBox 12">
+            <a:extLst>
+              <a:ext uri="{FF2B5EF4-FFF2-40B4-BE49-F238E27FC236}">
+                <a16:creationId xmlns:a16="http://schemas.microsoft.com/office/drawing/2014/main" id="{66943A0F-C279-4608-8FDE-8C35127B63E9}"/>
+              </a:ext>
+            </a:extLst>
+          </p:cNvPr>
+          <p:cNvSpPr txBox="1"/>
+          <p:nvPr/>
+        </p:nvSpPr>
+        <p:spPr>
+          <a:xfrm>
+            <a:off x="6096000" y="5422024"/>
+            <a:ext cx="5274196" cy="830997"/>
+          </a:xfrm>
+          <a:prstGeom prst="rect">
+            <a:avLst/>
+          </a:prstGeom>
+          <a:noFill/>
+        </p:spPr>
+        <p:txBody>
+          <a:bodyPr wrap="square" rtlCol="0">
+            <a:spAutoFit/>
+          </a:bodyPr>
+          <a:lstStyle/>
+          <a:p>
+            <a:pPr algn="ctr"/>
+            <a:r>
+              <a:rPr lang="ko-KR" altLang="en-US" sz="2400" spc="-150" dirty="0">
+                <a:solidFill>
+                  <a:srgbClr val="8DBABD"/>
+                </a:solidFill>
+                <a:latin typeface="나눔스퀘어 Bold" panose="020B0600000101010101" pitchFamily="50" charset="-127"/>
+                <a:ea typeface="나눔스퀘어 Bold" panose="020B0600000101010101" pitchFamily="50" charset="-127"/>
+              </a:rPr>
+              <a:t>관광 목적으로는 내국인과 마찬가지로 </a:t>
+            </a:r>
+            <a:endParaRPr lang="en-US" altLang="ko-KR" sz="2400" spc="-150" dirty="0">
+              <a:solidFill>
+                <a:srgbClr val="8DBABD"/>
+              </a:solidFill>
+              <a:latin typeface="나눔스퀘어 Bold" panose="020B0600000101010101" pitchFamily="50" charset="-127"/>
+              <a:ea typeface="나눔스퀘어 Bold" panose="020B0600000101010101" pitchFamily="50" charset="-127"/>
+            </a:endParaRPr>
+          </a:p>
+          <a:p>
+            <a:pPr algn="ctr"/>
+            <a:r>
+              <a:rPr lang="ko-KR" altLang="en-US" sz="2400" spc="-150" dirty="0">
+                <a:solidFill>
+                  <a:srgbClr val="8DBABD"/>
+                </a:solidFill>
+                <a:latin typeface="나눔스퀘어 Bold" panose="020B0600000101010101" pitchFamily="50" charset="-127"/>
+                <a:ea typeface="나눔스퀘어 Bold" panose="020B0600000101010101" pitchFamily="50" charset="-127"/>
+              </a:rPr>
+              <a:t>휴식을 목적으로 찾는 경우가 많았습니다</a:t>
+            </a:r>
+            <a:r>
+              <a:rPr lang="en-US" altLang="ko-KR" sz="2400" spc="-150" dirty="0">
+                <a:solidFill>
+                  <a:srgbClr val="8DBABD"/>
+                </a:solidFill>
+                <a:latin typeface="나눔스퀘어 Bold" panose="020B0600000101010101" pitchFamily="50" charset="-127"/>
+                <a:ea typeface="나눔스퀘어 Bold" panose="020B0600000101010101" pitchFamily="50" charset="-127"/>
+              </a:rPr>
+              <a:t>.</a:t>
+            </a:r>
+          </a:p>
+        </p:txBody>
+      </p:sp>
+      <p:sp>
+        <p:nvSpPr>
+          <p:cNvPr id="20" name="TextBox 19">
+            <a:extLst>
+              <a:ext uri="{FF2B5EF4-FFF2-40B4-BE49-F238E27FC236}">
+                <a16:creationId xmlns:a16="http://schemas.microsoft.com/office/drawing/2014/main" id="{B0EF5EB9-0DFE-4765-B855-91F3364DA93C}"/>
+              </a:ext>
+            </a:extLst>
+          </p:cNvPr>
+          <p:cNvSpPr txBox="1"/>
+          <p:nvPr/>
+        </p:nvSpPr>
+        <p:spPr>
+          <a:xfrm>
+            <a:off x="1455815" y="863755"/>
+            <a:ext cx="5123517" cy="584775"/>
+          </a:xfrm>
+          <a:prstGeom prst="rect">
+            <a:avLst/>
+          </a:prstGeom>
+          <a:noFill/>
+        </p:spPr>
+        <p:txBody>
+          <a:bodyPr wrap="none" rtlCol="0">
+            <a:spAutoFit/>
+          </a:bodyPr>
+          <a:lstStyle/>
+          <a:p>
+            <a:pPr algn="ctr"/>
+            <a:r>
+              <a:rPr lang="ko-KR" altLang="en-US" sz="3200" spc="-150" dirty="0">
+                <a:solidFill>
+                  <a:srgbClr val="00002F"/>
+                </a:solidFill>
+                <a:latin typeface="나눔스퀘어 ExtraBold" panose="020B0600000101010101" pitchFamily="50" charset="-127"/>
+                <a:ea typeface="나눔스퀘어 ExtraBold" panose="020B0600000101010101" pitchFamily="50" charset="-127"/>
+              </a:rPr>
+              <a:t>외국인 관광객 체류기간 및 목적</a:t>
+            </a:r>
+          </a:p>
+        </p:txBody>
+      </p:sp>
+    </p:spTree>
+    <p:extLst>
+      <p:ext uri="{BB962C8B-B14F-4D97-AF65-F5344CB8AC3E}">
+        <p14:creationId xmlns:p14="http://schemas.microsoft.com/office/powerpoint/2010/main" val="2592564486"/>
+      </p:ext>
+    </p:extLst>
+  </p:cSld>
+  <p:clrMapOvr>
+    <a:masterClrMapping/>
+  </p:clrMapOvr>
+</p:sld>
+</file>
+
+<file path=ppt/slides/slide8.xml><?xml version="1.0" encoding="utf-8"?>
 <p:sld xmlns:a="http://schemas.openxmlformats.org/drawingml/2006/main" xmlns:r="http://schemas.openxmlformats.org/officeDocument/2006/relationships" xmlns:p="http://schemas.openxmlformats.org/presentationml/2006/main">
   <p:cSld>
     <p:spTree>
@@ -11183,8 +15896,8 @@
         </p:nvSpPr>
         <p:spPr>
           <a:xfrm>
-            <a:off x="1341998" y="866686"/>
-            <a:ext cx="3047629" cy="584775"/>
+            <a:off x="1383206" y="866684"/>
+            <a:ext cx="3071675" cy="584775"/>
           </a:xfrm>
           <a:prstGeom prst="rect">
             <a:avLst/>
@@ -11206,7 +15919,27 @@
                 <a:latin typeface="나눔스퀘어 ExtraBold" panose="020B0600000101010101" pitchFamily="50" charset="-127"/>
                 <a:ea typeface="나눔스퀘어 ExtraBold" panose="020B0600000101010101" pitchFamily="50" charset="-127"/>
               </a:rPr>
-              <a:t>제주도 관광객수</a:t>
+              <a:t>현황 정리 </a:t>
+            </a:r>
+            <a:r>
+              <a:rPr lang="en-US" altLang="ko-KR" sz="3200" spc="-150" dirty="0">
+                <a:solidFill>
+                  <a:srgbClr val="00002F"/>
+                </a:solidFill>
+                <a:latin typeface="나눔스퀘어 ExtraBold" panose="020B0600000101010101" pitchFamily="50" charset="-127"/>
+                <a:ea typeface="나눔스퀘어 ExtraBold" panose="020B0600000101010101" pitchFamily="50" charset="-127"/>
+              </a:rPr>
+              <a:t>- </a:t>
+            </a:r>
+            <a:r>
+              <a:rPr lang="ko-KR" altLang="en-US" sz="3200" spc="-150" dirty="0">
+                <a:solidFill>
+                  <a:srgbClr val="00002F"/>
+                </a:solidFill>
+                <a:latin typeface="나눔스퀘어 ExtraBold" panose="020B0600000101010101" pitchFamily="50" charset="-127"/>
+                <a:ea typeface="나눔스퀘어 ExtraBold" panose="020B0600000101010101" pitchFamily="50" charset="-127"/>
+              </a:rPr>
+              <a:t>의문점</a:t>
             </a:r>
           </a:p>
         </p:txBody>
@@ -11262,10 +15995,10 @@
       </p:sp>
       <p:sp>
         <p:nvSpPr>
-          <p:cNvPr id="22" name="TextBox 21">
+          <p:cNvPr id="8" name="TextBox 7">
             <a:extLst>
               <a:ext uri="{FF2B5EF4-FFF2-40B4-BE49-F238E27FC236}">
-                <a16:creationId xmlns:a16="http://schemas.microsoft.com/office/drawing/2014/main" id="{3DBBA70B-FC6A-4978-ABAF-7F7CF741AEA8}"/>
+                <a16:creationId xmlns:a16="http://schemas.microsoft.com/office/drawing/2014/main" id="{9973DE4A-B611-4A18-B056-8623E5BF145F}"/>
               </a:ext>
             </a:extLst>
           </p:cNvPr>
@@ -11274,8 +16007,8 @@
         </p:nvSpPr>
         <p:spPr>
           <a:xfrm>
-            <a:off x="1555825" y="1418441"/>
-            <a:ext cx="2169184" cy="369332"/>
+            <a:off x="5799146" y="2137010"/>
+            <a:ext cx="5274196" cy="1569660"/>
           </a:xfrm>
           <a:prstGeom prst="rect">
             <a:avLst/>
@@ -11283,31 +16016,191 @@
           <a:noFill/>
         </p:spPr>
         <p:txBody>
-          <a:bodyPr wrap="none" rtlCol="0">
+          <a:bodyPr wrap="square" rtlCol="0">
             <a:spAutoFit/>
           </a:bodyPr>
           <a:lstStyle/>
           <a:p>
             <a:pPr algn="ctr"/>
             <a:r>
-              <a:rPr lang="ko-KR" altLang="en-US" spc="-150" dirty="0">
-                <a:solidFill>
-                  <a:srgbClr val="00002F"/>
-                </a:solidFill>
-                <a:latin typeface="나눔스퀘어 ExtraBold" panose="020B0600000101010101" pitchFamily="50" charset="-127"/>
-                <a:ea typeface="나눔스퀘어 ExtraBold" panose="020B0600000101010101" pitchFamily="50" charset="-127"/>
-              </a:rPr>
-              <a:t>외국인 관광객 체류기간</a:t>
+              <a:rPr lang="ko-KR" altLang="en-US" sz="2400" spc="-150" dirty="0">
+                <a:solidFill>
+                  <a:srgbClr val="8DBABD"/>
+                </a:solidFill>
+                <a:latin typeface="나눔스퀘어 Bold" panose="020B0600000101010101" pitchFamily="50" charset="-127"/>
+                <a:ea typeface="나눔스퀘어 Bold" panose="020B0600000101010101" pitchFamily="50" charset="-127"/>
+              </a:rPr>
+              <a:t>여기서의 의문점은 내</a:t>
+            </a:r>
+            <a:r>
+              <a:rPr lang="en-US" altLang="ko-KR" sz="2400" spc="-150" dirty="0">
+                <a:solidFill>
+                  <a:srgbClr val="8DBABD"/>
+                </a:solidFill>
+                <a:latin typeface="나눔스퀘어 Bold" panose="020B0600000101010101" pitchFamily="50" charset="-127"/>
+                <a:ea typeface="나눔스퀘어 Bold" panose="020B0600000101010101" pitchFamily="50" charset="-127"/>
+              </a:rPr>
+              <a:t>,</a:t>
+            </a:r>
+            <a:r>
+              <a:rPr lang="ko-KR" altLang="en-US" sz="2400" spc="-150" dirty="0">
+                <a:solidFill>
+                  <a:srgbClr val="8DBABD"/>
+                </a:solidFill>
+                <a:latin typeface="나눔스퀘어 Bold" panose="020B0600000101010101" pitchFamily="50" charset="-127"/>
+                <a:ea typeface="나눔스퀘어 Bold" panose="020B0600000101010101" pitchFamily="50" charset="-127"/>
+              </a:rPr>
+              <a:t>외국인들이 휴식을</a:t>
+            </a:r>
+            <a:endParaRPr lang="en-US" altLang="ko-KR" sz="2400" spc="-150" dirty="0">
+              <a:solidFill>
+                <a:srgbClr val="8DBABD"/>
+              </a:solidFill>
+              <a:latin typeface="나눔스퀘어 Bold" panose="020B0600000101010101" pitchFamily="50" charset="-127"/>
+              <a:ea typeface="나눔스퀘어 Bold" panose="020B0600000101010101" pitchFamily="50" charset="-127"/>
+            </a:endParaRPr>
+          </a:p>
+          <a:p>
+            <a:pPr algn="ctr"/>
+            <a:r>
+              <a:rPr lang="ko-KR" altLang="en-US" sz="2400" spc="-150" dirty="0">
+                <a:solidFill>
+                  <a:srgbClr val="8DBABD"/>
+                </a:solidFill>
+                <a:latin typeface="나눔스퀘어 Bold" panose="020B0600000101010101" pitchFamily="50" charset="-127"/>
+                <a:ea typeface="나눔스퀘어 Bold" panose="020B0600000101010101" pitchFamily="50" charset="-127"/>
+              </a:rPr>
+              <a:t>목적으로 찾아왔지만 겨우 </a:t>
+            </a:r>
+            <a:endParaRPr lang="en-US" altLang="ko-KR" sz="2400" spc="-150" dirty="0">
+              <a:solidFill>
+                <a:srgbClr val="8DBABD"/>
+              </a:solidFill>
+              <a:latin typeface="나눔스퀘어 Bold" panose="020B0600000101010101" pitchFamily="50" charset="-127"/>
+              <a:ea typeface="나눔스퀘어 Bold" panose="020B0600000101010101" pitchFamily="50" charset="-127"/>
+            </a:endParaRPr>
+          </a:p>
+          <a:p>
+            <a:pPr algn="ctr"/>
+            <a:r>
+              <a:rPr lang="en-US" altLang="ko-KR" sz="2400" spc="-150" dirty="0">
+                <a:solidFill>
+                  <a:srgbClr val="8DBABD"/>
+                </a:solidFill>
+                <a:latin typeface="나눔스퀘어 Bold" panose="020B0600000101010101" pitchFamily="50" charset="-127"/>
+                <a:ea typeface="나눔스퀘어 Bold" panose="020B0600000101010101" pitchFamily="50" charset="-127"/>
+              </a:rPr>
+              <a:t>2</a:t>
+            </a:r>
+            <a:r>
+              <a:rPr lang="ko-KR" altLang="en-US" sz="2400" spc="-150" dirty="0">
+                <a:solidFill>
+                  <a:srgbClr val="8DBABD"/>
+                </a:solidFill>
+                <a:latin typeface="나눔스퀘어 Bold" panose="020B0600000101010101" pitchFamily="50" charset="-127"/>
+                <a:ea typeface="나눔스퀘어 Bold" panose="020B0600000101010101" pitchFamily="50" charset="-127"/>
+              </a:rPr>
+              <a:t>박</a:t>
+            </a:r>
+            <a:r>
+              <a:rPr lang="en-US" altLang="ko-KR" sz="2400" spc="-150" dirty="0">
+                <a:solidFill>
+                  <a:srgbClr val="8DBABD"/>
+                </a:solidFill>
+                <a:latin typeface="나눔스퀘어 Bold" panose="020B0600000101010101" pitchFamily="50" charset="-127"/>
+                <a:ea typeface="나눔스퀘어 Bold" panose="020B0600000101010101" pitchFamily="50" charset="-127"/>
+              </a:rPr>
+              <a:t>3</a:t>
+            </a:r>
+            <a:r>
+              <a:rPr lang="ko-KR" altLang="en-US" sz="2400" spc="-150" dirty="0">
+                <a:solidFill>
+                  <a:srgbClr val="8DBABD"/>
+                </a:solidFill>
+                <a:latin typeface="나눔스퀘어 Bold" panose="020B0600000101010101" pitchFamily="50" charset="-127"/>
+                <a:ea typeface="나눔스퀘어 Bold" panose="020B0600000101010101" pitchFamily="50" charset="-127"/>
+              </a:rPr>
+              <a:t>일이나</a:t>
+            </a:r>
+            <a:r>
+              <a:rPr lang="en-US" altLang="ko-KR" sz="2400" spc="-150" dirty="0">
+                <a:solidFill>
+                  <a:srgbClr val="8DBABD"/>
+                </a:solidFill>
+                <a:latin typeface="나눔스퀘어 Bold" panose="020B0600000101010101" pitchFamily="50" charset="-127"/>
+                <a:ea typeface="나눔스퀘어 Bold" panose="020B0600000101010101" pitchFamily="50" charset="-127"/>
+              </a:rPr>
+              <a:t> 3</a:t>
+            </a:r>
+            <a:r>
+              <a:rPr lang="ko-KR" altLang="en-US" sz="2400" spc="-150" dirty="0">
+                <a:solidFill>
+                  <a:srgbClr val="8DBABD"/>
+                </a:solidFill>
+                <a:latin typeface="나눔스퀘어 Bold" panose="020B0600000101010101" pitchFamily="50" charset="-127"/>
+                <a:ea typeface="나눔스퀘어 Bold" panose="020B0600000101010101" pitchFamily="50" charset="-127"/>
+              </a:rPr>
+              <a:t>박</a:t>
+            </a:r>
+            <a:r>
+              <a:rPr lang="en-US" altLang="ko-KR" sz="2400" spc="-150" dirty="0">
+                <a:solidFill>
+                  <a:srgbClr val="8DBABD"/>
+                </a:solidFill>
+                <a:latin typeface="나눔스퀘어 Bold" panose="020B0600000101010101" pitchFamily="50" charset="-127"/>
+                <a:ea typeface="나눔스퀘어 Bold" panose="020B0600000101010101" pitchFamily="50" charset="-127"/>
+              </a:rPr>
+              <a:t>4</a:t>
+            </a:r>
+            <a:r>
+              <a:rPr lang="ko-KR" altLang="en-US" sz="2400" spc="-150" dirty="0">
+                <a:solidFill>
+                  <a:srgbClr val="8DBABD"/>
+                </a:solidFill>
+                <a:latin typeface="나눔스퀘어 Bold" panose="020B0600000101010101" pitchFamily="50" charset="-127"/>
+                <a:ea typeface="나눔스퀘어 Bold" panose="020B0600000101010101" pitchFamily="50" charset="-127"/>
+              </a:rPr>
+              <a:t>일만 지내는 이유에 대해서</a:t>
+            </a:r>
+            <a:endParaRPr lang="en-US" altLang="ko-KR" sz="2400" spc="-150" dirty="0">
+              <a:solidFill>
+                <a:srgbClr val="8DBABD"/>
+              </a:solidFill>
+              <a:latin typeface="나눔스퀘어 Bold" panose="020B0600000101010101" pitchFamily="50" charset="-127"/>
+              <a:ea typeface="나눔스퀘어 Bold" panose="020B0600000101010101" pitchFamily="50" charset="-127"/>
+            </a:endParaRPr>
+          </a:p>
+          <a:p>
+            <a:pPr algn="ctr"/>
+            <a:r>
+              <a:rPr lang="ko-KR" altLang="en-US" sz="2400" spc="-150" dirty="0">
+                <a:solidFill>
+                  <a:srgbClr val="8DBABD"/>
+                </a:solidFill>
+                <a:latin typeface="나눔스퀘어 Bold" panose="020B0600000101010101" pitchFamily="50" charset="-127"/>
+                <a:ea typeface="나눔스퀘어 Bold" panose="020B0600000101010101" pitchFamily="50" charset="-127"/>
+              </a:rPr>
+              <a:t>분석을 해야 했습니다</a:t>
+            </a:r>
+            <a:r>
+              <a:rPr lang="en-US" altLang="ko-KR" sz="2400" spc="-150" dirty="0">
+                <a:solidFill>
+                  <a:srgbClr val="8DBABD"/>
+                </a:solidFill>
+                <a:latin typeface="나눔스퀘어 Bold" panose="020B0600000101010101" pitchFamily="50" charset="-127"/>
+                <a:ea typeface="나눔스퀘어 Bold" panose="020B0600000101010101" pitchFamily="50" charset="-127"/>
+              </a:rPr>
+              <a:t>.</a:t>
             </a:r>
           </a:p>
         </p:txBody>
       </p:sp>
       <p:pic>
         <p:nvPicPr>
-          <p:cNvPr id="5" name="그림 4">
+          <p:cNvPr id="3" name="그림 2">
             <a:extLst>
               <a:ext uri="{FF2B5EF4-FFF2-40B4-BE49-F238E27FC236}">
-                <a16:creationId xmlns:a16="http://schemas.microsoft.com/office/drawing/2014/main" id="{E374BB39-6095-4468-9D5D-19A26BDB602E}"/>
+                <a16:creationId xmlns:a16="http://schemas.microsoft.com/office/drawing/2014/main" id="{2650210A-E7DC-4761-8AB7-B82AB71970CA}"/>
               </a:ext>
             </a:extLst>
           </p:cNvPr>
@@ -11330,170 +16223,18 @@
         </p:blipFill>
         <p:spPr>
           <a:xfrm>
-            <a:off x="594763" y="2003217"/>
-            <a:ext cx="5442677" cy="3199404"/>
+            <a:off x="1209675" y="2135055"/>
+            <a:ext cx="4092170" cy="3304504"/>
           </a:xfrm>
           <a:prstGeom prst="rect">
             <a:avLst/>
           </a:prstGeom>
         </p:spPr>
       </p:pic>
-      <p:sp>
-        <p:nvSpPr>
-          <p:cNvPr id="12" name="TextBox 11">
-            <a:extLst>
-              <a:ext uri="{FF2B5EF4-FFF2-40B4-BE49-F238E27FC236}">
-                <a16:creationId xmlns:a16="http://schemas.microsoft.com/office/drawing/2014/main" id="{4B30E8AC-250E-45C3-83AC-C3D0BDF335AD}"/>
-              </a:ext>
-            </a:extLst>
-          </p:cNvPr>
-          <p:cNvSpPr txBox="1"/>
-          <p:nvPr/>
-        </p:nvSpPr>
-        <p:spPr>
-          <a:xfrm>
-            <a:off x="6423818" y="2050071"/>
-            <a:ext cx="5274196" cy="830997"/>
-          </a:xfrm>
-          <a:prstGeom prst="rect">
-            <a:avLst/>
-          </a:prstGeom>
-          <a:noFill/>
-        </p:spPr>
-        <p:txBody>
-          <a:bodyPr wrap="square" rtlCol="0">
-            <a:spAutoFit/>
-          </a:bodyPr>
-          <a:lstStyle/>
-          <a:p>
-            <a:pPr algn="ctr"/>
-            <a:r>
-              <a:rPr lang="ko-KR" altLang="en-US" sz="2400" spc="-150" dirty="0">
-                <a:solidFill>
-                  <a:srgbClr val="8DBABD"/>
-                </a:solidFill>
-                <a:latin typeface="나눔스퀘어 Bold" panose="020B0600000101010101" pitchFamily="50" charset="-127"/>
-                <a:ea typeface="나눔스퀘어 Bold" panose="020B0600000101010101" pitchFamily="50" charset="-127"/>
-              </a:rPr>
-              <a:t>외국인들은 대체로 </a:t>
-            </a:r>
-            <a:r>
-              <a:rPr lang="en-US" altLang="ko-KR" sz="2400" spc="-150" dirty="0">
-                <a:solidFill>
-                  <a:srgbClr val="8DBABD"/>
-                </a:solidFill>
-                <a:latin typeface="나눔스퀘어 Bold" panose="020B0600000101010101" pitchFamily="50" charset="-127"/>
-                <a:ea typeface="나눔스퀘어 Bold" panose="020B0600000101010101" pitchFamily="50" charset="-127"/>
-              </a:rPr>
-              <a:t>3</a:t>
-            </a:r>
-            <a:r>
-              <a:rPr lang="ko-KR" altLang="en-US" sz="2400" spc="-150" dirty="0">
-                <a:solidFill>
-                  <a:srgbClr val="8DBABD"/>
-                </a:solidFill>
-                <a:latin typeface="나눔스퀘어 Bold" panose="020B0600000101010101" pitchFamily="50" charset="-127"/>
-                <a:ea typeface="나눔스퀘어 Bold" panose="020B0600000101010101" pitchFamily="50" charset="-127"/>
-              </a:rPr>
-              <a:t>박</a:t>
-            </a:r>
-            <a:r>
-              <a:rPr lang="en-US" altLang="ko-KR" sz="2400" spc="-150" dirty="0">
-                <a:solidFill>
-                  <a:srgbClr val="8DBABD"/>
-                </a:solidFill>
-                <a:latin typeface="나눔스퀘어 Bold" panose="020B0600000101010101" pitchFamily="50" charset="-127"/>
-                <a:ea typeface="나눔스퀘어 Bold" panose="020B0600000101010101" pitchFamily="50" charset="-127"/>
-              </a:rPr>
-              <a:t>4</a:t>
-            </a:r>
-            <a:r>
-              <a:rPr lang="ko-KR" altLang="en-US" sz="2400" spc="-150" dirty="0">
-                <a:solidFill>
-                  <a:srgbClr val="8DBABD"/>
-                </a:solidFill>
-                <a:latin typeface="나눔스퀘어 Bold" panose="020B0600000101010101" pitchFamily="50" charset="-127"/>
-                <a:ea typeface="나눔스퀘어 Bold" panose="020B0600000101010101" pitchFamily="50" charset="-127"/>
-              </a:rPr>
-              <a:t>일</a:t>
-            </a:r>
-            <a:r>
-              <a:rPr lang="en-US" altLang="ko-KR" sz="2400" spc="-150" dirty="0">
-                <a:solidFill>
-                  <a:srgbClr val="8DBABD"/>
-                </a:solidFill>
-                <a:latin typeface="나눔스퀘어 Bold" panose="020B0600000101010101" pitchFamily="50" charset="-127"/>
-                <a:ea typeface="나눔스퀘어 Bold" panose="020B0600000101010101" pitchFamily="50" charset="-127"/>
-              </a:rPr>
-              <a:t>, 4</a:t>
-            </a:r>
-            <a:r>
-              <a:rPr lang="ko-KR" altLang="en-US" sz="2400" spc="-150" dirty="0">
-                <a:solidFill>
-                  <a:srgbClr val="8DBABD"/>
-                </a:solidFill>
-                <a:latin typeface="나눔스퀘어 Bold" panose="020B0600000101010101" pitchFamily="50" charset="-127"/>
-                <a:ea typeface="나눔스퀘어 Bold" panose="020B0600000101010101" pitchFamily="50" charset="-127"/>
-              </a:rPr>
-              <a:t>박</a:t>
-            </a:r>
-            <a:r>
-              <a:rPr lang="en-US" altLang="ko-KR" sz="2400" spc="-150" dirty="0">
-                <a:solidFill>
-                  <a:srgbClr val="8DBABD"/>
-                </a:solidFill>
-                <a:latin typeface="나눔스퀘어 Bold" panose="020B0600000101010101" pitchFamily="50" charset="-127"/>
-                <a:ea typeface="나눔스퀘어 Bold" panose="020B0600000101010101" pitchFamily="50" charset="-127"/>
-              </a:rPr>
-              <a:t>5</a:t>
-            </a:r>
-            <a:r>
-              <a:rPr lang="ko-KR" altLang="en-US" sz="2400" spc="-150" dirty="0">
-                <a:solidFill>
-                  <a:srgbClr val="8DBABD"/>
-                </a:solidFill>
-                <a:latin typeface="나눔스퀘어 Bold" panose="020B0600000101010101" pitchFamily="50" charset="-127"/>
-                <a:ea typeface="나눔스퀘어 Bold" panose="020B0600000101010101" pitchFamily="50" charset="-127"/>
-              </a:rPr>
-              <a:t>일 </a:t>
-            </a:r>
-            <a:endParaRPr lang="en-US" altLang="ko-KR" sz="2400" spc="-150" dirty="0">
-              <a:solidFill>
-                <a:srgbClr val="8DBABD"/>
-              </a:solidFill>
-              <a:latin typeface="나눔스퀘어 Bold" panose="020B0600000101010101" pitchFamily="50" charset="-127"/>
-              <a:ea typeface="나눔스퀘어 Bold" panose="020B0600000101010101" pitchFamily="50" charset="-127"/>
-            </a:endParaRPr>
-          </a:p>
-          <a:p>
-            <a:pPr algn="ctr"/>
-            <a:r>
-              <a:rPr lang="ko-KR" altLang="en-US" sz="2400" spc="-150" dirty="0">
-                <a:solidFill>
-                  <a:srgbClr val="8DBABD"/>
-                </a:solidFill>
-                <a:latin typeface="나눔스퀘어 Bold" panose="020B0600000101010101" pitchFamily="50" charset="-127"/>
-                <a:ea typeface="나눔스퀘어 Bold" panose="020B0600000101010101" pitchFamily="50" charset="-127"/>
-              </a:rPr>
-              <a:t>여행일정을 짜는 것으로 확인했습니다</a:t>
-            </a:r>
-            <a:r>
-              <a:rPr lang="en-US" altLang="ko-KR" sz="2400" spc="-150" dirty="0">
-                <a:solidFill>
-                  <a:srgbClr val="8DBABD"/>
-                </a:solidFill>
-                <a:latin typeface="나눔스퀘어 Bold" panose="020B0600000101010101" pitchFamily="50" charset="-127"/>
-                <a:ea typeface="나눔스퀘어 Bold" panose="020B0600000101010101" pitchFamily="50" charset="-127"/>
-              </a:rPr>
-              <a:t>.</a:t>
-            </a:r>
-          </a:p>
-        </p:txBody>
-      </p:sp>
     </p:spTree>
     <p:extLst>
       <p:ext uri="{BB962C8B-B14F-4D97-AF65-F5344CB8AC3E}">
-        <p14:creationId xmlns:p14="http://schemas.microsoft.com/office/powerpoint/2010/main" val="2592564486"/>
+        <p14:creationId xmlns:p14="http://schemas.microsoft.com/office/powerpoint/2010/main" val="1725600509"/>
       </p:ext>
     </p:extLst>
   </p:cSld>
@@ -11503,8 +16244,8 @@
 </p:sld>
 </file>
 
-<file path=ppt/slides/slide8.xml><?xml version="1.0" encoding="utf-8"?>
-<p:sld xmlns:a="http://schemas.openxmlformats.org/drawingml/2006/main" xmlns:r="http://schemas.openxmlformats.org/officeDocument/2006/relationships" xmlns:p="http://schemas.openxmlformats.org/presentationml/2006/main">
+<file path=ppt/slides/slide9.xml><?xml version="1.0" encoding="utf-8"?>
+<p:sld xmlns:a="http://schemas.openxmlformats.org/drawingml/2006/main" xmlns:r="http://schemas.openxmlformats.org/officeDocument/2006/relationships" xmlns:p="http://schemas.openxmlformats.org/presentationml/2006/main" show="0">
   <p:cSld>
     <p:spTree>
       <p:nvGrpSpPr>
@@ -11689,48 +16430,6 @@
       </p:cxnSp>
       <p:sp>
         <p:nvSpPr>
-          <p:cNvPr id="17" name="TextBox 16">
-            <a:extLst>
-              <a:ext uri="{FF2B5EF4-FFF2-40B4-BE49-F238E27FC236}">
-                <a16:creationId xmlns:a16="http://schemas.microsoft.com/office/drawing/2014/main" id="{501D892C-4D63-43A4-87CB-985321B327D0}"/>
-              </a:ext>
-            </a:extLst>
-          </p:cNvPr>
-          <p:cNvSpPr txBox="1"/>
-          <p:nvPr/>
-        </p:nvSpPr>
-        <p:spPr>
-          <a:xfrm>
-            <a:off x="1341998" y="866686"/>
-            <a:ext cx="3047629" cy="584775"/>
-          </a:xfrm>
-          <a:prstGeom prst="rect">
-            <a:avLst/>
-          </a:prstGeom>
-          <a:noFill/>
-        </p:spPr>
-        <p:txBody>
-          <a:bodyPr wrap="none" rtlCol="0">
-            <a:spAutoFit/>
-          </a:bodyPr>
-          <a:lstStyle/>
-          <a:p>
-            <a:pPr algn="ctr"/>
-            <a:r>
-              <a:rPr lang="ko-KR" altLang="en-US" sz="3200" spc="-150" dirty="0">
-                <a:solidFill>
-                  <a:srgbClr val="00002F"/>
-                </a:solidFill>
-                <a:latin typeface="나눔스퀘어 ExtraBold" panose="020B0600000101010101" pitchFamily="50" charset="-127"/>
-                <a:ea typeface="나눔스퀘어 ExtraBold" panose="020B0600000101010101" pitchFamily="50" charset="-127"/>
-              </a:rPr>
-              <a:t>제주도 관광객수</a:t>
-            </a:r>
-          </a:p>
-        </p:txBody>
-      </p:sp>
-      <p:sp>
-        <p:nvSpPr>
           <p:cNvPr id="18" name="TextBox 17">
             <a:extLst>
               <a:ext uri="{FF2B5EF4-FFF2-40B4-BE49-F238E27FC236}">
@@ -11780,10 +16479,10 @@
       </p:sp>
       <p:sp>
         <p:nvSpPr>
-          <p:cNvPr id="22" name="TextBox 21">
+          <p:cNvPr id="8" name="TextBox 7">
             <a:extLst>
               <a:ext uri="{FF2B5EF4-FFF2-40B4-BE49-F238E27FC236}">
-                <a16:creationId xmlns:a16="http://schemas.microsoft.com/office/drawing/2014/main" id="{3DBBA70B-FC6A-4978-ABAF-7F7CF741AEA8}"/>
+                <a16:creationId xmlns:a16="http://schemas.microsoft.com/office/drawing/2014/main" id="{9973DE4A-B611-4A18-B056-8623E5BF145F}"/>
               </a:ext>
             </a:extLst>
           </p:cNvPr>
@@ -11792,8 +16491,8 @@
         </p:nvSpPr>
         <p:spPr>
           <a:xfrm>
-            <a:off x="1555825" y="1455589"/>
-            <a:ext cx="986168" cy="369332"/>
+            <a:off x="5507046" y="3981966"/>
+            <a:ext cx="5274196" cy="1200329"/>
           </a:xfrm>
           <a:prstGeom prst="rect">
             <a:avLst/>
@@ -11801,314 +16500,115 @@
           <a:noFill/>
         </p:spPr>
         <p:txBody>
-          <a:bodyPr wrap="none" rtlCol="0">
+          <a:bodyPr wrap="square" rtlCol="0">
             <a:spAutoFit/>
           </a:bodyPr>
           <a:lstStyle/>
           <a:p>
             <a:pPr algn="ctr"/>
             <a:r>
-              <a:rPr lang="ko-KR" altLang="en-US" spc="-150" dirty="0">
-                <a:solidFill>
-                  <a:srgbClr val="00002F"/>
-                </a:solidFill>
-                <a:latin typeface="나눔스퀘어 ExtraBold" panose="020B0600000101010101" pitchFamily="50" charset="-127"/>
-                <a:ea typeface="나눔스퀘어 ExtraBold" panose="020B0600000101010101" pitchFamily="50" charset="-127"/>
-              </a:rPr>
-              <a:t>현황 정리</a:t>
+              <a:rPr lang="ko-KR" altLang="en-US" sz="2400" spc="-150" dirty="0">
+                <a:solidFill>
+                  <a:srgbClr val="8DBABD"/>
+                </a:solidFill>
+                <a:latin typeface="나눔스퀘어 Bold" panose="020B0600000101010101" pitchFamily="50" charset="-127"/>
+                <a:ea typeface="나눔스퀘어 Bold" panose="020B0600000101010101" pitchFamily="50" charset="-127"/>
+              </a:rPr>
+              <a:t>이것으로 알 수 있는 것은 </a:t>
+            </a:r>
+            <a:endParaRPr lang="en-US" altLang="ko-KR" sz="2400" spc="-150" dirty="0">
+              <a:solidFill>
+                <a:srgbClr val="8DBABD"/>
+              </a:solidFill>
+              <a:latin typeface="나눔스퀘어 Bold" panose="020B0600000101010101" pitchFamily="50" charset="-127"/>
+              <a:ea typeface="나눔스퀘어 Bold" panose="020B0600000101010101" pitchFamily="50" charset="-127"/>
+            </a:endParaRPr>
+          </a:p>
+          <a:p>
+            <a:pPr algn="ctr"/>
+            <a:r>
+              <a:rPr lang="ko-KR" altLang="en-US" sz="2400" spc="-150" dirty="0">
+                <a:solidFill>
+                  <a:srgbClr val="8DBABD"/>
+                </a:solidFill>
+                <a:latin typeface="나눔스퀘어 Bold" panose="020B0600000101010101" pitchFamily="50" charset="-127"/>
+                <a:ea typeface="나눔스퀘어 Bold" panose="020B0600000101010101" pitchFamily="50" charset="-127"/>
+              </a:rPr>
+              <a:t>물가가 비싸서 오래 체류하기 힘든 면이 있을 것이라고 판단했습니다</a:t>
+            </a:r>
+            <a:r>
+              <a:rPr lang="en-US" altLang="ko-KR" sz="2400" spc="-150" dirty="0">
+                <a:solidFill>
+                  <a:srgbClr val="8DBABD"/>
+                </a:solidFill>
+                <a:latin typeface="나눔스퀘어 Bold" panose="020B0600000101010101" pitchFamily="50" charset="-127"/>
+                <a:ea typeface="나눔스퀘어 Bold" panose="020B0600000101010101" pitchFamily="50" charset="-127"/>
+              </a:rPr>
+              <a:t>.</a:t>
             </a:r>
           </a:p>
         </p:txBody>
       </p:sp>
-    </p:spTree>
-    <p:extLst>
-      <p:ext uri="{BB962C8B-B14F-4D97-AF65-F5344CB8AC3E}">
-        <p14:creationId xmlns:p14="http://schemas.microsoft.com/office/powerpoint/2010/main" val="1725600509"/>
-      </p:ext>
-    </p:extLst>
-  </p:cSld>
-  <p:clrMapOvr>
-    <a:masterClrMapping/>
-  </p:clrMapOvr>
-</p:sld>
-</file>
-
-<file path=ppt/slides/slide9.xml><?xml version="1.0" encoding="utf-8"?>
-<p:sld xmlns:a="http://schemas.openxmlformats.org/drawingml/2006/main" xmlns:r="http://schemas.openxmlformats.org/officeDocument/2006/relationships" xmlns:p="http://schemas.openxmlformats.org/presentationml/2006/main">
-  <p:cSld>
-    <p:spTree>
-      <p:nvGrpSpPr>
-        <p:cNvPr id="1" name=""/>
-        <p:cNvGrpSpPr/>
-        <p:nvPr/>
-      </p:nvGrpSpPr>
-      <p:grpSpPr>
-        <a:xfrm>
-          <a:off x="0" y="0"/>
-          <a:ext cx="0" cy="0"/>
-          <a:chOff x="0" y="0"/>
-          <a:chExt cx="0" cy="0"/>
-        </a:xfrm>
-      </p:grpSpPr>
-      <p:sp>
-        <p:nvSpPr>
-          <p:cNvPr id="13" name="TextBox 12"/>
-          <p:cNvSpPr txBox="1"/>
+      <p:pic>
+        <p:nvPicPr>
+          <p:cNvPr id="4" name="그림 3">
+            <a:extLst>
+              <a:ext uri="{FF2B5EF4-FFF2-40B4-BE49-F238E27FC236}">
+                <a16:creationId xmlns:a16="http://schemas.microsoft.com/office/drawing/2014/main" id="{782AA19C-771A-42A5-82AE-7CE3AEE7DF85}"/>
+              </a:ext>
+            </a:extLst>
+          </p:cNvPr>
+          <p:cNvPicPr>
+            <a:picLocks noChangeAspect="1"/>
+          </p:cNvPicPr>
           <p:nvPr/>
-        </p:nvSpPr>
+        </p:nvPicPr>
+        <p:blipFill>
+          <a:blip r:embed="rId2">
+            <a:extLst>
+              <a:ext uri="{28A0092B-C50C-407E-A947-70E740481C1C}">
+                <a14:useLocalDpi xmlns:a14="http://schemas.microsoft.com/office/drawing/2010/main" val="0"/>
+              </a:ext>
+            </a:extLst>
+          </a:blip>
+          <a:stretch>
+            <a:fillRect/>
+          </a:stretch>
+        </p:blipFill>
         <p:spPr>
           <a:xfrm>
-            <a:off x="955384" y="1425148"/>
-            <a:ext cx="1774845" cy="584775"/>
+            <a:off x="301988" y="2003216"/>
+            <a:ext cx="5205058" cy="4102102"/>
           </a:xfrm>
           <a:prstGeom prst="rect">
             <a:avLst/>
           </a:prstGeom>
-          <a:noFill/>
         </p:spPr>
-        <p:txBody>
-          <a:bodyPr wrap="none" rtlCol="0">
-            <a:spAutoFit/>
-          </a:bodyPr>
-          <a:lstStyle/>
-          <a:p>
-            <a:r>
-              <a:rPr lang="ko-KR" altLang="en-US" sz="1600" dirty="0">
-                <a:ln w="22225">
-                  <a:noFill/>
-                </a:ln>
-                <a:solidFill>
-                  <a:srgbClr val="30302A"/>
-                </a:solidFill>
-                <a:effectLst/>
-                <a:latin typeface="나눔스퀘어" panose="020B0600000101010101" pitchFamily="50" charset="-127"/>
-                <a:ea typeface="나눔스퀘어" panose="020B0600000101010101" pitchFamily="50" charset="-127"/>
-              </a:rPr>
-              <a:t>기본</a:t>
-            </a:r>
-            <a:r>
-              <a:rPr lang="en-US" altLang="ko-KR" sz="1600" dirty="0">
-                <a:ln w="22225">
-                  <a:noFill/>
-                </a:ln>
-                <a:solidFill>
-                  <a:srgbClr val="30302A"/>
-                </a:solidFill>
-                <a:effectLst/>
-                <a:latin typeface="나눔스퀘어" panose="020B0600000101010101" pitchFamily="50" charset="-127"/>
-                <a:ea typeface="나눔스퀘어" panose="020B0600000101010101" pitchFamily="50" charset="-127"/>
-              </a:rPr>
-              <a:t> </a:t>
-            </a:r>
-            <a:r>
-              <a:rPr lang="ko-KR" altLang="en-US" sz="1600" dirty="0">
-                <a:ln w="22225">
-                  <a:noFill/>
-                </a:ln>
-                <a:solidFill>
-                  <a:srgbClr val="30302A"/>
-                </a:solidFill>
-                <a:effectLst/>
-                <a:latin typeface="나눔스퀘어" panose="020B0600000101010101" pitchFamily="50" charset="-127"/>
-                <a:ea typeface="나눔스퀘어" panose="020B0600000101010101" pitchFamily="50" charset="-127"/>
-              </a:rPr>
-              <a:t>색상은 검은색</a:t>
-            </a:r>
-            <a:endParaRPr lang="en-US" altLang="ko-KR" sz="1600" dirty="0">
-              <a:ln w="22225">
-                <a:noFill/>
-              </a:ln>
-              <a:solidFill>
-                <a:srgbClr val="30302A"/>
-              </a:solidFill>
-              <a:effectLst/>
-              <a:latin typeface="나눔스퀘어" panose="020B0600000101010101" pitchFamily="50" charset="-127"/>
-              <a:ea typeface="나눔스퀘어" panose="020B0600000101010101" pitchFamily="50" charset="-127"/>
-            </a:endParaRPr>
-          </a:p>
-          <a:p>
-            <a:r>
-              <a:rPr lang="ko-KR" altLang="en-US" sz="1600" dirty="0">
-                <a:ln w="22225">
-                  <a:noFill/>
-                </a:ln>
-                <a:solidFill>
-                  <a:srgbClr val="94C3BB"/>
-                </a:solidFill>
-                <a:effectLst/>
-                <a:latin typeface="나눔스퀘어" panose="020B0600000101010101" pitchFamily="50" charset="-127"/>
-                <a:ea typeface="나눔스퀘어" panose="020B0600000101010101" pitchFamily="50" charset="-127"/>
-              </a:rPr>
-              <a:t>중요 색상은 </a:t>
-            </a:r>
-            <a:r>
-              <a:rPr lang="ko-KR" altLang="en-US" sz="1600" dirty="0" err="1">
-                <a:ln w="22225">
-                  <a:noFill/>
-                </a:ln>
-                <a:solidFill>
-                  <a:srgbClr val="94C3BB"/>
-                </a:solidFill>
-                <a:effectLst/>
-                <a:latin typeface="나눔스퀘어" panose="020B0600000101010101" pitchFamily="50" charset="-127"/>
-                <a:ea typeface="나눔스퀘어" panose="020B0600000101010101" pitchFamily="50" charset="-127"/>
-              </a:rPr>
-              <a:t>민트색</a:t>
-            </a:r>
-            <a:endParaRPr lang="en-US" altLang="ko-KR" sz="1600" dirty="0">
-              <a:ln w="22225">
-                <a:noFill/>
-              </a:ln>
-              <a:solidFill>
-                <a:srgbClr val="94C3BB"/>
-              </a:solidFill>
-              <a:effectLst/>
-              <a:latin typeface="나눔스퀘어" panose="020B0600000101010101" pitchFamily="50" charset="-127"/>
-              <a:ea typeface="나눔스퀘어" panose="020B0600000101010101" pitchFamily="50" charset="-127"/>
-            </a:endParaRPr>
-          </a:p>
-        </p:txBody>
-      </p:sp>
-      <p:sp>
-        <p:nvSpPr>
-          <p:cNvPr id="15" name="TextBox 14"/>
-          <p:cNvSpPr txBox="1"/>
-          <p:nvPr/>
-        </p:nvSpPr>
-        <p:spPr>
-          <a:xfrm>
-            <a:off x="10781242" y="76824"/>
-            <a:ext cx="1335622" cy="323165"/>
-          </a:xfrm>
-          <a:prstGeom prst="rect">
-            <a:avLst/>
-          </a:prstGeom>
-          <a:noFill/>
-        </p:spPr>
-        <p:txBody>
-          <a:bodyPr wrap="none" rtlCol="0">
-            <a:spAutoFit/>
-          </a:bodyPr>
-          <a:lstStyle/>
-          <a:p>
-            <a:pPr algn="ctr"/>
-            <a:r>
-              <a:rPr lang="en-US" altLang="ko-KR" sz="900" b="1" dirty="0">
-                <a:ln w="22225">
-                  <a:noFill/>
-                </a:ln>
-                <a:solidFill>
-                  <a:schemeClr val="bg1"/>
-                </a:solidFill>
-                <a:effectLst>
-                  <a:glow rad="88900">
-                    <a:srgbClr val="E3781F">
-                      <a:alpha val="7000"/>
-                    </a:srgbClr>
-                  </a:glow>
-                </a:effectLst>
-                <a:latin typeface="나눔스퀘어" panose="020B0600000101010101" pitchFamily="50" charset="-127"/>
-                <a:ea typeface="나눔스퀘어" panose="020B0600000101010101" pitchFamily="50" charset="-127"/>
-              </a:rPr>
-              <a:t>Power Point Template</a:t>
-            </a:r>
-          </a:p>
-          <a:p>
-            <a:pPr algn="ctr"/>
-            <a:r>
-              <a:rPr lang="en-US" altLang="ko-KR" sz="600" dirty="0" err="1">
-                <a:ln w="22225">
-                  <a:noFill/>
-                </a:ln>
-                <a:solidFill>
-                  <a:schemeClr val="bg1"/>
-                </a:solidFill>
-                <a:effectLst>
-                  <a:glow rad="88900">
-                    <a:srgbClr val="E3781F">
-                      <a:alpha val="7000"/>
-                    </a:srgbClr>
-                  </a:glow>
-                </a:effectLst>
-                <a:latin typeface="나눔스퀘어" panose="020B0600000101010101" pitchFamily="50" charset="-127"/>
-                <a:ea typeface="나눔스퀘어" panose="020B0600000101010101" pitchFamily="50" charset="-127"/>
-              </a:rPr>
-              <a:t>Ponybuhagom</a:t>
-            </a:r>
-            <a:endParaRPr lang="en-US" altLang="ko-KR" sz="600" dirty="0">
-              <a:ln w="22225">
-                <a:noFill/>
-              </a:ln>
-              <a:solidFill>
-                <a:schemeClr val="bg1"/>
-              </a:solidFill>
-              <a:effectLst>
-                <a:glow rad="88900">
-                  <a:srgbClr val="E3781F">
-                    <a:alpha val="7000"/>
-                  </a:srgbClr>
-                </a:glow>
-              </a:effectLst>
-              <a:latin typeface="나눔스퀘어" panose="020B0600000101010101" pitchFamily="50" charset="-127"/>
-              <a:ea typeface="나눔스퀘어" panose="020B0600000101010101" pitchFamily="50" charset="-127"/>
-            </a:endParaRPr>
-          </a:p>
-        </p:txBody>
-      </p:sp>
-      <p:sp>
-        <p:nvSpPr>
-          <p:cNvPr id="16" name="TextBox 15"/>
-          <p:cNvSpPr txBox="1"/>
-          <p:nvPr/>
-        </p:nvSpPr>
-        <p:spPr>
-          <a:xfrm>
-            <a:off x="725407" y="229970"/>
-            <a:ext cx="968535" cy="461665"/>
-          </a:xfrm>
-          <a:prstGeom prst="rect">
-            <a:avLst/>
-          </a:prstGeom>
-          <a:noFill/>
-        </p:spPr>
-        <p:txBody>
-          <a:bodyPr wrap="none" rtlCol="0">
-            <a:spAutoFit/>
-          </a:bodyPr>
-          <a:lstStyle/>
-          <a:p>
-            <a:pPr algn="ctr"/>
-            <a:r>
-              <a:rPr lang="ko-KR" altLang="en-US" sz="2400" spc="-150" dirty="0">
-                <a:solidFill>
-                  <a:srgbClr val="FFFFFF"/>
-                </a:solidFill>
-                <a:latin typeface="나눔스퀘어 Bold" panose="020B0600000101010101" pitchFamily="50" charset="-127"/>
-                <a:ea typeface="나눔스퀘어 Bold" panose="020B0600000101010101" pitchFamily="50" charset="-127"/>
-              </a:rPr>
-              <a:t>문제점</a:t>
-            </a:r>
-          </a:p>
-        </p:txBody>
-      </p:sp>
+      </p:pic>
       <p:cxnSp>
         <p:nvCxnSpPr>
-          <p:cNvPr id="9" name="직선 연결선 8"/>
-          <p:cNvCxnSpPr/>
+          <p:cNvPr id="6" name="직선 화살표 연결선 5">
+            <a:extLst>
+              <a:ext uri="{FF2B5EF4-FFF2-40B4-BE49-F238E27FC236}">
+                <a16:creationId xmlns:a16="http://schemas.microsoft.com/office/drawing/2014/main" id="{331AD144-7569-4EE6-9F22-7946B3B83291}"/>
+              </a:ext>
+            </a:extLst>
+          </p:cNvPr>
+          <p:cNvCxnSpPr>
+            <a:cxnSpLocks/>
+          </p:cNvCxnSpPr>
           <p:nvPr/>
         </p:nvCxnSpPr>
         <p:spPr>
-          <a:xfrm>
-            <a:off x="10983413" y="6731183"/>
-            <a:ext cx="364528" cy="0"/>
+          <a:xfrm flipV="1">
+            <a:off x="1824588" y="3797300"/>
+            <a:ext cx="1375812" cy="1016000"/>
           </a:xfrm>
-          <a:prstGeom prst="line">
+          <a:prstGeom prst="straightConnector1">
             <a:avLst/>
           </a:prstGeom>
-          <a:ln w="19050" cap="rnd">
-            <a:solidFill>
-              <a:schemeClr val="tx1"/>
-            </a:solidFill>
+          <a:ln>
+            <a:tailEnd type="triangle"/>
           </a:ln>
         </p:spPr>
         <p:style>
@@ -12128,22 +16628,28 @@
       </p:cxnSp>
       <p:cxnSp>
         <p:nvCxnSpPr>
-          <p:cNvPr id="10" name="직선 연결선 9"/>
-          <p:cNvCxnSpPr/>
+          <p:cNvPr id="19" name="직선 화살표 연결선 18">
+            <a:extLst>
+              <a:ext uri="{FF2B5EF4-FFF2-40B4-BE49-F238E27FC236}">
+                <a16:creationId xmlns:a16="http://schemas.microsoft.com/office/drawing/2014/main" id="{E1BB7F47-A522-4B2D-B888-C7C47C635DDC}"/>
+              </a:ext>
+            </a:extLst>
+          </p:cNvPr>
+          <p:cNvCxnSpPr>
+            <a:cxnSpLocks/>
+          </p:cNvCxnSpPr>
           <p:nvPr/>
         </p:nvCxnSpPr>
         <p:spPr>
-          <a:xfrm>
-            <a:off x="11342766" y="6731183"/>
-            <a:ext cx="364528" cy="0"/>
+          <a:xfrm flipV="1">
+            <a:off x="3200400" y="2763042"/>
+            <a:ext cx="1422400" cy="1034258"/>
           </a:xfrm>
-          <a:prstGeom prst="line">
+          <a:prstGeom prst="straightConnector1">
             <a:avLst/>
           </a:prstGeom>
-          <a:ln w="19050" cap="rnd">
-            <a:solidFill>
-              <a:schemeClr val="tx1"/>
-            </a:solidFill>
+          <a:ln>
+            <a:tailEnd type="triangle"/>
           </a:ln>
         </p:spPr>
         <p:style>
@@ -12161,115 +16667,299 @@
           </a:fontRef>
         </p:style>
       </p:cxnSp>
-      <p:cxnSp>
-        <p:nvCxnSpPr>
-          <p:cNvPr id="11" name="직선 연결선 10"/>
-          <p:cNvCxnSpPr/>
+      <p:sp>
+        <p:nvSpPr>
+          <p:cNvPr id="11" name="TextBox 10">
+            <a:extLst>
+              <a:ext uri="{FF2B5EF4-FFF2-40B4-BE49-F238E27FC236}">
+                <a16:creationId xmlns:a16="http://schemas.microsoft.com/office/drawing/2014/main" id="{E4158715-B73F-47FB-B11B-68BF448D798D}"/>
+              </a:ext>
+            </a:extLst>
+          </p:cNvPr>
+          <p:cNvSpPr txBox="1"/>
           <p:nvPr/>
-        </p:nvCxnSpPr>
+        </p:nvSpPr>
         <p:spPr>
           <a:xfrm>
-            <a:off x="11707294" y="6731183"/>
-            <a:ext cx="364528" cy="0"/>
+            <a:off x="1824588" y="3797300"/>
+            <a:ext cx="687907" cy="369332"/>
           </a:xfrm>
-          <a:prstGeom prst="line">
+          <a:prstGeom prst="rect">
             <a:avLst/>
           </a:prstGeom>
-          <a:ln w="19050" cap="rnd">
-            <a:solidFill>
-              <a:schemeClr val="tx1"/>
-            </a:solidFill>
-          </a:ln>
+          <a:noFill/>
         </p:spPr>
-        <p:style>
-          <a:lnRef idx="1">
-            <a:schemeClr val="accent1"/>
-          </a:lnRef>
-          <a:fillRef idx="0">
-            <a:schemeClr val="accent1"/>
-          </a:fillRef>
-          <a:effectRef idx="0">
-            <a:schemeClr val="accent1"/>
-          </a:effectRef>
-          <a:fontRef idx="minor">
-            <a:schemeClr val="tx1"/>
-          </a:fontRef>
-        </p:style>
-      </p:cxnSp>
-      <p:cxnSp>
-        <p:nvCxnSpPr>
-          <p:cNvPr id="12" name="직선 연결선 11"/>
-          <p:cNvCxnSpPr/>
+        <p:txBody>
+          <a:bodyPr wrap="square" rtlCol="0">
+            <a:spAutoFit/>
+          </a:bodyPr>
+          <a:lstStyle/>
+          <a:p>
+            <a:r>
+              <a:rPr lang="en-US" altLang="ko-KR" dirty="0"/>
+              <a:t>16%</a:t>
+            </a:r>
+            <a:endParaRPr lang="ko-KR" altLang="en-US" dirty="0"/>
+          </a:p>
+        </p:txBody>
+      </p:sp>
+      <p:sp>
+        <p:nvSpPr>
+          <p:cNvPr id="20" name="TextBox 19">
+            <a:extLst>
+              <a:ext uri="{FF2B5EF4-FFF2-40B4-BE49-F238E27FC236}">
+                <a16:creationId xmlns:a16="http://schemas.microsoft.com/office/drawing/2014/main" id="{FA64B704-E47F-4751-BA27-4417C04837D7}"/>
+              </a:ext>
+            </a:extLst>
+          </p:cNvPr>
+          <p:cNvSpPr txBox="1"/>
           <p:nvPr/>
-        </p:nvCxnSpPr>
+        </p:nvSpPr>
         <p:spPr>
           <a:xfrm>
-            <a:off x="10255493" y="6731183"/>
-            <a:ext cx="364528" cy="0"/>
+            <a:off x="3306127" y="2927738"/>
+            <a:ext cx="687907" cy="369332"/>
           </a:xfrm>
-          <a:prstGeom prst="line">
+          <a:prstGeom prst="rect">
             <a:avLst/>
           </a:prstGeom>
-          <a:ln w="19050" cap="rnd">
-            <a:solidFill>
-              <a:schemeClr val="tx1"/>
-            </a:solidFill>
-          </a:ln>
+          <a:noFill/>
         </p:spPr>
-        <p:style>
-          <a:lnRef idx="1">
-            <a:schemeClr val="accent1"/>
-          </a:lnRef>
-          <a:fillRef idx="0">
-            <a:schemeClr val="accent1"/>
-          </a:fillRef>
-          <a:effectRef idx="0">
-            <a:schemeClr val="accent1"/>
-          </a:effectRef>
-          <a:fontRef idx="minor">
-            <a:schemeClr val="tx1"/>
-          </a:fontRef>
-        </p:style>
-      </p:cxnSp>
-      <p:cxnSp>
-        <p:nvCxnSpPr>
-          <p:cNvPr id="8" name="직선 연결선 7"/>
-          <p:cNvCxnSpPr/>
+        <p:txBody>
+          <a:bodyPr wrap="square" rtlCol="0">
+            <a:spAutoFit/>
+          </a:bodyPr>
+          <a:lstStyle/>
+          <a:p>
+            <a:r>
+              <a:rPr lang="en-US" altLang="ko-KR" dirty="0"/>
+              <a:t>16%</a:t>
+            </a:r>
+            <a:endParaRPr lang="ko-KR" altLang="en-US" dirty="0"/>
+          </a:p>
+        </p:txBody>
+      </p:sp>
+      <p:sp>
+        <p:nvSpPr>
+          <p:cNvPr id="21" name="TextBox 20">
+            <a:extLst>
+              <a:ext uri="{FF2B5EF4-FFF2-40B4-BE49-F238E27FC236}">
+                <a16:creationId xmlns:a16="http://schemas.microsoft.com/office/drawing/2014/main" id="{8A1C54C2-7EB5-4762-87CD-5D0FC409BE76}"/>
+              </a:ext>
+            </a:extLst>
+          </p:cNvPr>
+          <p:cNvSpPr txBox="1"/>
           <p:nvPr/>
-        </p:nvCxnSpPr>
+        </p:nvSpPr>
         <p:spPr>
           <a:xfrm>
-            <a:off x="10618885" y="6731183"/>
-            <a:ext cx="364528" cy="0"/>
+            <a:off x="5507046" y="2162877"/>
+            <a:ext cx="5274196" cy="1200329"/>
           </a:xfrm>
-          <a:prstGeom prst="line">
+          <a:prstGeom prst="rect">
             <a:avLst/>
           </a:prstGeom>
-          <a:ln w="19050" cap="rnd">
-            <a:solidFill>
-              <a:srgbClr val="94C3BB"/>
-            </a:solidFill>
-          </a:ln>
+          <a:noFill/>
         </p:spPr>
-        <p:style>
-          <a:lnRef idx="1">
-            <a:schemeClr val="accent1"/>
-          </a:lnRef>
-          <a:fillRef idx="0">
-            <a:schemeClr val="accent1"/>
-          </a:fillRef>
-          <a:effectRef idx="0">
-            <a:schemeClr val="accent1"/>
-          </a:effectRef>
-          <a:fontRef idx="minor">
-            <a:schemeClr val="tx1"/>
-          </a:fontRef>
-        </p:style>
-      </p:cxnSp>
+        <p:txBody>
+          <a:bodyPr wrap="square" rtlCol="0">
+            <a:spAutoFit/>
+          </a:bodyPr>
+          <a:lstStyle/>
+          <a:p>
+            <a:pPr algn="ctr"/>
+            <a:r>
+              <a:rPr lang="en-US" altLang="ko-KR" sz="2400" spc="-150" dirty="0">
+                <a:solidFill>
+                  <a:srgbClr val="8DBABD"/>
+                </a:solidFill>
+                <a:latin typeface="나눔스퀘어 Bold" panose="020B0600000101010101" pitchFamily="50" charset="-127"/>
+                <a:ea typeface="나눔스퀘어 Bold" panose="020B0600000101010101" pitchFamily="50" charset="-127"/>
+              </a:rPr>
+              <a:t>1</a:t>
+            </a:r>
+            <a:r>
+              <a:rPr lang="ko-KR" altLang="en-US" sz="2400" spc="-150" dirty="0">
+                <a:solidFill>
+                  <a:srgbClr val="8DBABD"/>
+                </a:solidFill>
+                <a:latin typeface="나눔스퀘어 Bold" panose="020B0600000101010101" pitchFamily="50" charset="-127"/>
+                <a:ea typeface="나눔스퀘어 Bold" panose="020B0600000101010101" pitchFamily="50" charset="-127"/>
+              </a:rPr>
+              <a:t>인당 여행경비를 나타난 표입니다</a:t>
+            </a:r>
+            <a:r>
+              <a:rPr lang="en-US" altLang="ko-KR" sz="2400" spc="-150" dirty="0">
+                <a:solidFill>
+                  <a:srgbClr val="8DBABD"/>
+                </a:solidFill>
+                <a:latin typeface="나눔스퀘어 Bold" panose="020B0600000101010101" pitchFamily="50" charset="-127"/>
+                <a:ea typeface="나눔스퀘어 Bold" panose="020B0600000101010101" pitchFamily="50" charset="-127"/>
+              </a:rPr>
+              <a:t>.</a:t>
+            </a:r>
+          </a:p>
+          <a:p>
+            <a:pPr algn="ctr"/>
+            <a:r>
+              <a:rPr lang="en-US" altLang="ko-KR" sz="2400" spc="-150" dirty="0">
+                <a:solidFill>
+                  <a:srgbClr val="8DBABD"/>
+                </a:solidFill>
+                <a:latin typeface="나눔스퀘어 Bold" panose="020B0600000101010101" pitchFamily="50" charset="-127"/>
+                <a:ea typeface="나눔스퀘어 Bold" panose="020B0600000101010101" pitchFamily="50" charset="-127"/>
+              </a:rPr>
+              <a:t>1</a:t>
+            </a:r>
+            <a:r>
+              <a:rPr lang="ko-KR" altLang="en-US" sz="2400" spc="-150" dirty="0">
+                <a:solidFill>
+                  <a:srgbClr val="8DBABD"/>
+                </a:solidFill>
+                <a:latin typeface="나눔스퀘어 Bold" panose="020B0600000101010101" pitchFamily="50" charset="-127"/>
+                <a:ea typeface="나눔스퀘어 Bold" panose="020B0600000101010101" pitchFamily="50" charset="-127"/>
+              </a:rPr>
+              <a:t>박이 늘어 날때마다 </a:t>
+            </a:r>
+            <a:r>
+              <a:rPr lang="en-US" altLang="ko-KR" sz="2400" spc="-150" dirty="0">
+                <a:solidFill>
+                  <a:srgbClr val="8DBABD"/>
+                </a:solidFill>
+                <a:latin typeface="나눔스퀘어 Bold" panose="020B0600000101010101" pitchFamily="50" charset="-127"/>
+                <a:ea typeface="나눔스퀘어 Bold" panose="020B0600000101010101" pitchFamily="50" charset="-127"/>
+              </a:rPr>
+              <a:t>16%</a:t>
+            </a:r>
+            <a:r>
+              <a:rPr lang="ko-KR" altLang="en-US" sz="2400" spc="-150" dirty="0">
+                <a:solidFill>
+                  <a:srgbClr val="8DBABD"/>
+                </a:solidFill>
+                <a:latin typeface="나눔스퀘어 Bold" panose="020B0600000101010101" pitchFamily="50" charset="-127"/>
+                <a:ea typeface="나눔스퀘어 Bold" panose="020B0600000101010101" pitchFamily="50" charset="-127"/>
+              </a:rPr>
+              <a:t>씩 증가하며</a:t>
+            </a:r>
+            <a:endParaRPr lang="en-US" altLang="ko-KR" sz="2400" spc="-150" dirty="0">
+              <a:solidFill>
+                <a:srgbClr val="8DBABD"/>
+              </a:solidFill>
+              <a:latin typeface="나눔스퀘어 Bold" panose="020B0600000101010101" pitchFamily="50" charset="-127"/>
+              <a:ea typeface="나눔스퀘어 Bold" panose="020B0600000101010101" pitchFamily="50" charset="-127"/>
+            </a:endParaRPr>
+          </a:p>
+          <a:p>
+            <a:pPr algn="ctr"/>
+            <a:r>
+              <a:rPr lang="ko-KR" altLang="en-US" sz="2400" spc="-150" dirty="0">
+                <a:solidFill>
+                  <a:srgbClr val="8DBABD"/>
+                </a:solidFill>
+                <a:latin typeface="나눔스퀘어 Bold" panose="020B0600000101010101" pitchFamily="50" charset="-127"/>
+                <a:ea typeface="나눔스퀘어 Bold" panose="020B0600000101010101" pitchFamily="50" charset="-127"/>
+              </a:rPr>
+              <a:t> </a:t>
+            </a:r>
+            <a:r>
+              <a:rPr lang="en-US" altLang="ko-KR" sz="2400" spc="-150" dirty="0">
+                <a:solidFill>
+                  <a:srgbClr val="8DBABD"/>
+                </a:solidFill>
+                <a:latin typeface="나눔스퀘어 Bold" panose="020B0600000101010101" pitchFamily="50" charset="-127"/>
+                <a:ea typeface="나눔스퀘어 Bold" panose="020B0600000101010101" pitchFamily="50" charset="-127"/>
+              </a:rPr>
+              <a:t>16</a:t>
+            </a:r>
+            <a:r>
+              <a:rPr lang="ko-KR" altLang="en-US" sz="2400" spc="-150" dirty="0">
+                <a:solidFill>
+                  <a:srgbClr val="8DBABD"/>
+                </a:solidFill>
+                <a:latin typeface="나눔스퀘어 Bold" panose="020B0600000101010101" pitchFamily="50" charset="-127"/>
+                <a:ea typeface="나눔스퀘어 Bold" panose="020B0600000101010101" pitchFamily="50" charset="-127"/>
+              </a:rPr>
+              <a:t>만원 씩 증가 하는 것 을 알 수 있습니다</a:t>
+            </a:r>
+            <a:r>
+              <a:rPr lang="en-US" altLang="ko-KR" sz="2400" spc="-150" dirty="0">
+                <a:solidFill>
+                  <a:srgbClr val="8DBABD"/>
+                </a:solidFill>
+                <a:latin typeface="나눔스퀘어 Bold" panose="020B0600000101010101" pitchFamily="50" charset="-127"/>
+                <a:ea typeface="나눔스퀘어 Bold" panose="020B0600000101010101" pitchFamily="50" charset="-127"/>
+              </a:rPr>
+              <a:t>.</a:t>
+            </a:r>
+          </a:p>
+        </p:txBody>
+      </p:sp>
+      <p:sp>
+        <p:nvSpPr>
+          <p:cNvPr id="24" name="TextBox 23">
+            <a:extLst>
+              <a:ext uri="{FF2B5EF4-FFF2-40B4-BE49-F238E27FC236}">
+                <a16:creationId xmlns:a16="http://schemas.microsoft.com/office/drawing/2014/main" id="{955EC6B3-528F-4998-9E58-E4DC33D7DCD7}"/>
+              </a:ext>
+            </a:extLst>
+          </p:cNvPr>
+          <p:cNvSpPr txBox="1"/>
+          <p:nvPr/>
+        </p:nvSpPr>
+        <p:spPr>
+          <a:xfrm>
+            <a:off x="1383206" y="866684"/>
+            <a:ext cx="3071675" cy="584775"/>
+          </a:xfrm>
+          <a:prstGeom prst="rect">
+            <a:avLst/>
+          </a:prstGeom>
+          <a:noFill/>
+        </p:spPr>
+        <p:txBody>
+          <a:bodyPr wrap="none" rtlCol="0">
+            <a:spAutoFit/>
+          </a:bodyPr>
+          <a:lstStyle/>
+          <a:p>
+            <a:pPr algn="ctr"/>
+            <a:r>
+              <a:rPr lang="ko-KR" altLang="en-US" sz="3200" spc="-150" dirty="0">
+                <a:solidFill>
+                  <a:srgbClr val="00002F"/>
+                </a:solidFill>
+                <a:latin typeface="나눔스퀘어 ExtraBold" panose="020B0600000101010101" pitchFamily="50" charset="-127"/>
+                <a:ea typeface="나눔스퀘어 ExtraBold" panose="020B0600000101010101" pitchFamily="50" charset="-127"/>
+              </a:rPr>
+              <a:t>현황 정리 </a:t>
+            </a:r>
+            <a:r>
+              <a:rPr lang="en-US" altLang="ko-KR" sz="3200" spc="-150" dirty="0">
+                <a:solidFill>
+                  <a:srgbClr val="00002F"/>
+                </a:solidFill>
+                <a:latin typeface="나눔스퀘어 ExtraBold" panose="020B0600000101010101" pitchFamily="50" charset="-127"/>
+                <a:ea typeface="나눔스퀘어 ExtraBold" panose="020B0600000101010101" pitchFamily="50" charset="-127"/>
+              </a:rPr>
+              <a:t>- </a:t>
+            </a:r>
+            <a:r>
+              <a:rPr lang="ko-KR" altLang="en-US" sz="3200" spc="-150" dirty="0">
+                <a:solidFill>
+                  <a:srgbClr val="00002F"/>
+                </a:solidFill>
+                <a:latin typeface="나눔스퀘어 ExtraBold" panose="020B0600000101010101" pitchFamily="50" charset="-127"/>
+                <a:ea typeface="나눔스퀘어 ExtraBold" panose="020B0600000101010101" pitchFamily="50" charset="-127"/>
+              </a:rPr>
+              <a:t>의문점</a:t>
+            </a:r>
+          </a:p>
+        </p:txBody>
+      </p:sp>
     </p:spTree>
     <p:extLst>
       <p:ext uri="{BB962C8B-B14F-4D97-AF65-F5344CB8AC3E}">
-        <p14:creationId xmlns:p14="http://schemas.microsoft.com/office/powerpoint/2010/main" val="1859044437"/>
+        <p14:creationId xmlns:p14="http://schemas.microsoft.com/office/powerpoint/2010/main" val="945740302"/>
       </p:ext>
     </p:extLst>
   </p:cSld>

--- a/6조 최종 PPT.pptx
+++ b/6조 최종 PPT.pptx
@@ -1,6 +1,6 @@
 
 <file path=ppt/presentation.xml><?xml version="1.0" encoding="utf-8"?>
-<p:presentation xmlns:r="http://schemas.openxmlformats.org/officeDocument/2006/relationships" xmlns:c="http://schemas.openxmlformats.org/drawingml/2006/chart" xmlns:a="http://schemas.openxmlformats.org/drawingml/2006/main" xmlns:dgm="http://schemas.openxmlformats.org/drawingml/2006/diagram" xmlns:dsp="http://schemas.microsoft.com/office/drawing/2008/diagram" xmlns:p="http://schemas.openxmlformats.org/presentationml/2006/main" embedTrueTypeFonts="1" saveSubsetFonts="1">
+<p:presentation xmlns:a="http://schemas.openxmlformats.org/drawingml/2006/main" xmlns:r="http://schemas.openxmlformats.org/officeDocument/2006/relationships" xmlns:p="http://schemas.openxmlformats.org/presentationml/2006/main" embedTrueTypeFonts="1" saveSubsetFonts="1">
   <p:sldMasterIdLst>
     <p:sldMasterId id="2147483747" r:id="rId1"/>
     <p:sldMasterId id="2147483748" r:id="rId2"/>
@@ -8,34 +8,59 @@
     <p:sldMasterId id="2147483750" r:id="rId4"/>
   </p:sldMasterIdLst>
   <p:notesMasterIdLst>
-    <p:notesMasterId r:id="rId5"/>
+    <p:notesMasterId r:id="rId29"/>
   </p:notesMasterIdLst>
   <p:sldIdLst>
-    <p:sldId id="256" r:id="rId6"/>
-    <p:sldId id="257" r:id="rId7"/>
-    <p:sldId id="258" r:id="rId8"/>
-    <p:sldId id="259" r:id="rId9"/>
-    <p:sldId id="260" r:id="rId10"/>
-    <p:sldId id="261" r:id="rId11"/>
-    <p:sldId id="262" r:id="rId12"/>
-    <p:sldId id="263" r:id="rId13"/>
-    <p:sldId id="264" r:id="rId14"/>
-    <p:sldId id="265" r:id="rId15"/>
-    <p:sldId id="266" r:id="rId16"/>
-    <p:sldId id="267" r:id="rId17"/>
-    <p:sldId id="268" r:id="rId18"/>
-    <p:sldId id="269" r:id="rId19"/>
-    <p:sldId id="270" r:id="rId20"/>
-    <p:sldId id="271" r:id="rId21"/>
-    <p:sldId id="272" r:id="rId22"/>
-    <p:sldId id="273" r:id="rId23"/>
-    <p:sldId id="274" r:id="rId24"/>
-    <p:sldId id="275" r:id="rId25"/>
-    <p:sldId id="276" r:id="rId26"/>
-    <p:sldId id="277" r:id="rId27"/>
+    <p:sldId id="256" r:id="rId5"/>
+    <p:sldId id="257" r:id="rId6"/>
+    <p:sldId id="258" r:id="rId7"/>
+    <p:sldId id="259" r:id="rId8"/>
+    <p:sldId id="260" r:id="rId9"/>
+    <p:sldId id="261" r:id="rId10"/>
+    <p:sldId id="262" r:id="rId11"/>
+    <p:sldId id="263" r:id="rId12"/>
+    <p:sldId id="264" r:id="rId13"/>
+    <p:sldId id="265" r:id="rId14"/>
+    <p:sldId id="266" r:id="rId15"/>
+    <p:sldId id="267" r:id="rId16"/>
+    <p:sldId id="268" r:id="rId17"/>
+    <p:sldId id="269" r:id="rId18"/>
+    <p:sldId id="270" r:id="rId19"/>
+    <p:sldId id="271" r:id="rId20"/>
+    <p:sldId id="278" r:id="rId21"/>
+    <p:sldId id="279" r:id="rId22"/>
+    <p:sldId id="272" r:id="rId23"/>
+    <p:sldId id="273" r:id="rId24"/>
+    <p:sldId id="274" r:id="rId25"/>
+    <p:sldId id="275" r:id="rId26"/>
+    <p:sldId id="276" r:id="rId27"/>
+    <p:sldId id="277" r:id="rId28"/>
   </p:sldIdLst>
   <p:sldSz cx="12192000" cy="6858000"/>
   <p:notesSz cx="6858000" cy="9144000"/>
+  <p:embeddedFontLst>
+    <p:embeddedFont>
+      <p:font typeface="나눔고딕 ExtraBold" panose="020D0904000000000000" pitchFamily="50" charset="-127"/>
+      <p:bold r:id="rId30"/>
+    </p:embeddedFont>
+    <p:embeddedFont>
+      <p:font typeface="나눔스퀘어" panose="020B0600000101010101" pitchFamily="50" charset="-127"/>
+      <p:regular r:id="rId31"/>
+    </p:embeddedFont>
+    <p:embeddedFont>
+      <p:font typeface="나눔스퀘어 Bold" panose="020B0600000101010101" pitchFamily="50" charset="-127"/>
+      <p:bold r:id="rId32"/>
+    </p:embeddedFont>
+    <p:embeddedFont>
+      <p:font typeface="나눔스퀘어 ExtraBold" panose="020B0600000101010101" pitchFamily="50" charset="-127"/>
+      <p:bold r:id="rId33"/>
+    </p:embeddedFont>
+    <p:embeddedFont>
+      <p:font typeface="맑은 고딕" panose="020B0503020000020004" pitchFamily="50" charset="-127"/>
+      <p:regular r:id="rId34"/>
+      <p:bold r:id="rId35"/>
+    </p:embeddedFont>
+  </p:embeddedFontLst>
   <p:defaultTextStyle>
     <a:defPPr>
       <a:defRPr lang="ko-KR"/>
@@ -131,6 +156,11 @@
       </a:defRPr>
     </a:lvl9pPr>
   </p:defaultTextStyle>
+  <p:extLst>
+    <p:ext uri="{EFAFB233-063F-42B5-8137-9DF3F51BA10A}">
+      <p15:sldGuideLst xmlns:p15="http://schemas.microsoft.com/office/powerpoint/2012/main"/>
+    </p:ext>
+  </p:extLst>
 </p:presentation>
 </file>
 
@@ -1216,8 +1246,10 @@
 </file>
 
 <file path=ppt/charts/chart3.xml><?xml version="1.0" encoding="utf-8"?>
-<c:chartSpace xmlns:r="http://schemas.openxmlformats.org/officeDocument/2006/relationships" xmlns:a="http://schemas.openxmlformats.org/drawingml/2006/main" xmlns:c="http://schemas.openxmlformats.org/drawingml/2006/chart">
+<c:chartSpace xmlns:c="http://schemas.openxmlformats.org/drawingml/2006/chart" xmlns:a="http://schemas.openxmlformats.org/drawingml/2006/main" xmlns:r="http://schemas.openxmlformats.org/officeDocument/2006/relationships" xmlns:c16r2="http://schemas.microsoft.com/office/drawing/2015/06/chart">
   <c:date1904 val="0"/>
+  <c:lang val="ko-KR"/>
+  <c:roundedCorners val="0"/>
   <mc:AlternateContent xmlns:mc="http://schemas.openxmlformats.org/markup-compatibility/2006">
     <mc:Choice xmlns:c14="http://schemas.microsoft.com/office/drawing/2007/8/2/chart" Requires="c14">
       <c14:style val="102"/>
@@ -1226,12 +1258,12 @@
       <c:style val="2"/>
     </mc:Fallback>
   </mc:AlternateContent>
-  <c:roundedCorners val="0"/>
   <c:chart>
     <c:title>
       <c:tx>
         <c:rich>
           <a:bodyPr rot="0" vert="horz" wrap="none" lIns="0" tIns="0" rIns="0" bIns="0" anchor="ctr" anchorCtr="1"/>
+          <a:lstStyle/>
           <a:p>
             <a:pPr algn="l">
               <a:defRPr b="0" i="0" u="none">
@@ -1242,14 +1274,14 @@
                   </a:schemeClr>
                 </a:solidFill>
                 <a:effectLst/>
-                <a:latin typeface="+mn-lt" panose="0"/>
-                <a:ea typeface="+mn-ea" panose="0"/>
-                <a:cs typeface="+mn-ea" panose="0"/>
-                <a:sym typeface="+mn-ea" panose="0"/>
+                <a:latin typeface="+mn-lt" panose="00000000000000000000"/>
+                <a:ea typeface="+mn-ea" panose="00000000000000000000"/>
+                <a:cs typeface="+mn-ea" panose="00000000000000000000"/>
+                <a:sym typeface="+mn-ea" panose="00000000000000000000"/>
               </a:defRPr>
             </a:pPr>
             <a:r>
-              <a:rPr b="0" i="0" u="none">
+              <a:rPr lang="ko-KR" altLang="en-US" b="0" i="0" u="none">
                 <a:solidFill>
                   <a:schemeClr val="dk1">
                     <a:lumMod val="65000"/>
@@ -1257,18 +1289,17 @@
                   </a:schemeClr>
                 </a:solidFill>
                 <a:effectLst/>
-                <a:latin typeface="+mn-lt" panose="0"/>
-                <a:ea typeface="+mn-ea" panose="0"/>
-                <a:cs typeface="+mn-ea" panose="0"/>
-                <a:sym typeface="+mn-ea" panose="0"/>
+                <a:latin typeface="+mn-lt" panose="00000000000000000000"/>
+                <a:ea typeface="+mn-ea" panose="00000000000000000000"/>
+                <a:cs typeface="+mn-ea" panose="00000000000000000000"/>
+                <a:sym typeface="+mn-ea" panose="00000000000000000000"/>
               </a:rPr>
               <a:t>내국인 체류기간</a:t>
             </a:r>
-            <a:endParaRPr/>
+            <a:endParaRPr lang="ko-KR" altLang="en-US"/>
           </a:p>
         </c:rich>
       </c:tx>
-      <c:layout/>
       <c:overlay val="0"/>
       <c:spPr>
         <a:noFill/>
@@ -1285,7 +1316,7 @@
           <c:layoutTarget val="inner"/>
           <c:xMode val="edge"/>
           <c:yMode val="edge"/>
-          <c:x val="0.03055555559694767"/>
+          <c:x val="3.055555559694767E-2"/>
           <c:y val="0.23666666448116302"/>
           <c:w val="0.93209296464920044"/>
           <c:h val="0.51185989379882813"/>
@@ -1326,7 +1357,6 @@
           </c:spPr>
           <c:invertIfNegative val="0"/>
           <c:dLbls>
-            <c:delete val="0"/>
             <c:spPr>
               <a:noFill/>
               <a:ln w="9525">
@@ -1336,19 +1366,20 @@
             </c:spPr>
             <c:txPr>
               <a:bodyPr rot="0" vert="horz" wrap="none" lIns="0" tIns="0" rIns="0" bIns="0" anchor="ctr" anchorCtr="1"/>
+              <a:lstStyle/>
               <a:p>
                 <a:pPr algn="l">
                   <a:defRPr sz="1000" b="1" i="0" u="none">
                     <a:solidFill>
                       <a:srgbClr val="002060"/>
                     </a:solidFill>
-                    <a:latin typeface="+mn-lt" panose="0"/>
-                    <a:ea typeface="+mn-ea" panose="0"/>
-                    <a:cs typeface="+mn-ea" panose="0"/>
-                    <a:sym typeface="+mn-ea" panose="0"/>
+                    <a:latin typeface="+mn-lt" panose="00000000000000000000"/>
+                    <a:ea typeface="+mn-ea" panose="00000000000000000000"/>
+                    <a:cs typeface="+mn-ea" panose="00000000000000000000"/>
+                    <a:sym typeface="+mn-ea" panose="00000000000000000000"/>
                   </a:defRPr>
                 </a:pPr>
-                <a:endParaRPr/>
+                <a:endParaRPr lang="ko-KR"/>
               </a:p>
             </c:txPr>
             <c:dLblPos val="inEnd"/>
@@ -1359,6 +1390,16 @@
             <c:showPercent val="0"/>
             <c:showBubbleSize val="0"/>
             <c:showLeaderLines val="0"/>
+            <c:extLst>
+              <c:ext xmlns:c15="http://schemas.microsoft.com/office/drawing/2012/chart" uri="{CE6537A1-D6FC-4f65-9D91-7224C49458BB}">
+                <c15:spPr xmlns:c15="http://schemas.microsoft.com/office/drawing/2012/chart">
+                  <a:prstGeom prst="rect">
+                    <a:avLst/>
+                  </a:prstGeom>
+                </c15:spPr>
+                <c15:showLeaderLines val="0"/>
+              </c:ext>
+            </c:extLst>
           </c:dLbls>
           <c:cat>
             <c:strRef>
@@ -1443,20 +1484,21 @@
               </c:numCache>
             </c:numRef>
           </c:val>
+          <c:extLst>
+            <c:ext xmlns:c16="http://schemas.microsoft.com/office/drawing/2014/chart" uri="{C3380CC4-5D6E-409C-BE32-E72D297353CC}">
+              <c16:uniqueId val="{00000000-28F3-4DE3-A2F1-5F3D63753E0D}"/>
+            </c:ext>
+          </c:extLst>
         </c:ser>
         <c:dLbls>
-          <c:delete val="0"/>
-          <c:dLblPos val="inEnd"/>
           <c:showLegendKey val="0"/>
-          <c:showVal val="1"/>
+          <c:showVal val="0"/>
           <c:showCatName val="0"/>
           <c:showSerName val="0"/>
           <c:showPercent val="0"/>
           <c:showBubbleSize val="0"/>
-          <c:showLeaderLines val="0"/>
         </c:dLbls>
         <c:gapWidth val="41"/>
-        <c:overlap val="0"/>
         <c:axId val="365981280"/>
         <c:axId val="364595104"/>
       </c:barChart>
@@ -1465,9 +1507,8 @@
         <c:scaling>
           <c:orientation val="minMax"/>
         </c:scaling>
+        <c:delete val="0"/>
         <c:axPos val="b"/>
-        <c:crossAx val="364595104"/>
-        <c:delete val="0"/>
         <c:numFmt formatCode="General" sourceLinked="1"/>
         <c:majorTickMark val="none"/>
         <c:minorTickMark val="none"/>
@@ -1481,6 +1522,7 @@
         </c:spPr>
         <c:txPr>
           <a:bodyPr rot="0" vert="horz" wrap="none" lIns="0" tIns="0" rIns="0" bIns="0" anchor="ctr" anchorCtr="1"/>
+          <a:lstStyle/>
           <a:p>
             <a:pPr algn="l">
               <a:defRPr sz="900" b="0" i="0" u="none">
@@ -1491,15 +1533,16 @@
                   </a:schemeClr>
                 </a:solidFill>
                 <a:effectLst/>
-                <a:latin typeface="+mn-lt" panose="0"/>
-                <a:ea typeface="+mn-ea" panose="0"/>
-                <a:cs typeface="+mn-ea" panose="0"/>
-                <a:sym typeface="+mn-ea" panose="0"/>
+                <a:latin typeface="+mn-lt" panose="00000000000000000000"/>
+                <a:ea typeface="+mn-ea" panose="00000000000000000000"/>
+                <a:cs typeface="+mn-ea" panose="00000000000000000000"/>
+                <a:sym typeface="+mn-ea" panose="00000000000000000000"/>
               </a:defRPr>
             </a:pPr>
-            <a:endParaRPr/>
+            <a:endParaRPr lang="ko-KR"/>
           </a:p>
         </c:txPr>
+        <c:crossAx val="364595104"/>
         <c:crosses val="autoZero"/>
         <c:auto val="1"/>
         <c:lblAlgn val="ctr"/>
@@ -1512,13 +1555,13 @@
         <c:scaling>
           <c:orientation val="minMax"/>
         </c:scaling>
+        <c:delete val="1"/>
         <c:axPos val="l"/>
-        <c:crossAx val="365981280"/>
-        <c:delete val="1"/>
         <c:numFmt formatCode="General" sourceLinked="1"/>
         <c:majorTickMark val="none"/>
         <c:minorTickMark val="none"/>
         <c:tickLblPos val="nextTo"/>
+        <c:crossAx val="365981280"/>
         <c:crosses val="autoZero"/>
         <c:crossBetween val="between"/>
       </c:valAx>
@@ -1539,7 +1582,7 @@
           <c:x val="0.67931514978408813"/>
           <c:y val="0.55380761623382568"/>
           <c:w val="0.26235148310661316"/>
-          <c:h val="0.078125543892383575"/>
+          <c:h val="7.8125543892383575E-2"/>
         </c:manualLayout>
       </c:layout>
       <c:overlay val="0"/>
@@ -1552,6 +1595,7 @@
       </c:spPr>
       <c:txPr>
         <a:bodyPr rot="0" vert="horz" wrap="none" lIns="0" tIns="0" rIns="0" bIns="0" anchor="ctr" anchorCtr="1"/>
+        <a:lstStyle/>
         <a:p>
           <a:pPr algn="l">
             <a:defRPr sz="900" b="0" i="0" u="none">
@@ -1561,27 +1605,20 @@
                   <a:lumOff val="35000"/>
                 </a:schemeClr>
               </a:solidFill>
-              <a:latin typeface="+mn-lt" panose="0"/>
-              <a:ea typeface="+mn-ea" panose="0"/>
-              <a:cs typeface="+mn-ea" panose="0"/>
-              <a:sym typeface="+mn-ea" panose="0"/>
+              <a:latin typeface="+mn-lt" panose="00000000000000000000"/>
+              <a:ea typeface="+mn-ea" panose="00000000000000000000"/>
+              <a:cs typeface="+mn-ea" panose="00000000000000000000"/>
+              <a:sym typeface="+mn-ea" panose="00000000000000000000"/>
             </a:defRPr>
           </a:pPr>
-          <a:endParaRPr/>
+          <a:endParaRPr lang="ko-KR"/>
         </a:p>
       </c:txPr>
     </c:legend>
+    <c:plotVisOnly val="1"/>
     <c:dispBlanksAs val="gap"/>
+    <c:showDLblsOverMax val="1"/>
   </c:chart>
-  <c:txPr>
-    <a:bodyPr rot="0" vert="horz" wrap="none" lIns="0" tIns="0" rIns="0" bIns="0" anchor="ctr" anchorCtr="1"/>
-    <a:p>
-      <a:pPr algn="l">
-        <a:defRPr b="0" i="0" u="none"/>
-      </a:pPr>
-      <a:endParaRPr/>
-    </a:p>
-  </c:txPr>
   <c:spPr>
     <a:gradFill flip="none" rotWithShape="1">
       <a:gsLst>
@@ -1611,20 +1648,32 @@
     </a:ln>
     <a:effectLst/>
   </c:spPr>
+  <c:txPr>
+    <a:bodyPr rot="0" vert="horz" wrap="none" lIns="0" tIns="0" rIns="0" bIns="0" anchor="ctr" anchorCtr="1"/>
+    <a:lstStyle/>
+    <a:p>
+      <a:pPr algn="l">
+        <a:defRPr b="0" i="0" u="none"/>
+      </a:pPr>
+      <a:endParaRPr lang="ko-KR"/>
+    </a:p>
+  </c:txPr>
+  <c:externalData r:id="rId1">
+    <c:autoUpdate val="0"/>
+  </c:externalData>
   <c:extLst>
     <c:ext uri="CC8EB2C9-7E31-499d-B8F2-F6CE61031016">
       <ho:hncChartStyle xmlns:ho="http://schemas.haansoft.com/office/8.0" layoutIndex="-1" colorIndex="-1" styleIndex="-1"/>
     </c:ext>
   </c:extLst>
-  <c:externalData r:id="rId1">
-    <c:autoUpdate val="0"/>
-  </c:externalData>
 </c:chartSpace>
 </file>
 
 <file path=ppt/charts/chart4.xml><?xml version="1.0" encoding="utf-8"?>
-<c:chartSpace xmlns:r="http://schemas.openxmlformats.org/officeDocument/2006/relationships" xmlns:a="http://schemas.openxmlformats.org/drawingml/2006/main" xmlns:c="http://schemas.openxmlformats.org/drawingml/2006/chart">
+<c:chartSpace xmlns:c="http://schemas.openxmlformats.org/drawingml/2006/chart" xmlns:a="http://schemas.openxmlformats.org/drawingml/2006/main" xmlns:r="http://schemas.openxmlformats.org/officeDocument/2006/relationships" xmlns:c16r2="http://schemas.microsoft.com/office/drawing/2015/06/chart">
   <c:date1904 val="0"/>
+  <c:lang val="ko-KR"/>
+  <c:roundedCorners val="0"/>
   <mc:AlternateContent xmlns:mc="http://schemas.openxmlformats.org/markup-compatibility/2006">
     <mc:Choice xmlns:c14="http://schemas.microsoft.com/office/drawing/2007/8/2/chart" Requires="c14">
       <c14:style val="102"/>
@@ -1633,12 +1682,12 @@
       <c:style val="2"/>
     </mc:Fallback>
   </mc:AlternateContent>
-  <c:roundedCorners val="0"/>
   <c:chart>
     <c:title>
       <c:tx>
         <c:rich>
           <a:bodyPr rot="0" vert="horz" wrap="none" lIns="0" tIns="0" rIns="0" bIns="0" anchor="ctr" anchorCtr="1"/>
+          <a:lstStyle/>
           <a:p>
             <a:pPr algn="l">
               <a:defRPr sz="1800" b="1" i="0" u="none">
@@ -1648,32 +1697,31 @@
                     <a:lumOff val="25000"/>
                   </a:schemeClr>
                 </a:solidFill>
-                <a:latin typeface="+mn-lt" panose="0"/>
-                <a:ea typeface="+mn-ea" panose="0"/>
-                <a:cs typeface="+mn-ea" panose="0"/>
-                <a:sym typeface="+mn-ea" panose="0"/>
+                <a:latin typeface="+mn-lt" panose="00000000000000000000"/>
+                <a:ea typeface="+mn-ea" panose="00000000000000000000"/>
+                <a:cs typeface="+mn-ea" panose="00000000000000000000"/>
+                <a:sym typeface="+mn-ea" panose="00000000000000000000"/>
               </a:defRPr>
             </a:pPr>
             <a:r>
-              <a:rPr sz="1800" b="1" i="0" u="none">
+              <a:rPr lang="ko-KR" altLang="en-US" sz="1800" b="1" i="0" u="none">
                 <a:solidFill>
                   <a:schemeClr val="dk1">
                     <a:lumMod val="75000"/>
                     <a:lumOff val="25000"/>
                   </a:schemeClr>
                 </a:solidFill>
-                <a:latin typeface="+mn-lt" panose="0"/>
-                <a:ea typeface="+mn-ea" panose="0"/>
-                <a:cs typeface="+mn-ea" panose="0"/>
-                <a:sym typeface="+mn-ea" panose="0"/>
+                <a:latin typeface="+mn-lt" panose="00000000000000000000"/>
+                <a:ea typeface="+mn-ea" panose="00000000000000000000"/>
+                <a:cs typeface="+mn-ea" panose="00000000000000000000"/>
+                <a:sym typeface="+mn-ea" panose="00000000000000000000"/>
               </a:rPr>
               <a:t>내국인 관광목적</a:t>
             </a:r>
-            <a:endParaRPr/>
+            <a:endParaRPr lang="ko-KR" altLang="en-US"/>
           </a:p>
         </c:rich>
       </c:tx>
-      <c:layout/>
       <c:overlay val="0"/>
       <c:spPr>
         <a:noFill/>
@@ -1691,14 +1739,12 @@
         <c:ser>
           <c:idx val="0"/>
           <c:order val="0"/>
-          <c:explosion val="0"/>
           <c:dPt>
             <c:idx val="0"/>
-            <c:invertIfNegative val="0"/>
             <c:bubble3D val="0"/>
             <c:spPr>
               <a:solidFill>
-                <a:srgbClr val="0066cc"/>
+                <a:srgbClr val="0066CC"/>
               </a:solidFill>
               <a:ln>
                 <a:noFill/>
@@ -1711,10 +1757,14 @@
                 </a:outerShdw>
               </a:effectLst>
             </c:spPr>
+            <c:extLst>
+              <c:ext xmlns:c16="http://schemas.microsoft.com/office/drawing/2014/chart" uri="{C3380CC4-5D6E-409C-BE32-E72D297353CC}">
+                <c16:uniqueId val="{00000001-97BB-463E-8812-0E78232FF53E}"/>
+              </c:ext>
+            </c:extLst>
           </c:dPt>
           <c:dPt>
             <c:idx val="1"/>
-            <c:invertIfNegative val="0"/>
             <c:bubble3D val="0"/>
             <c:spPr>
               <a:solidFill>
@@ -1731,10 +1781,14 @@
                 </a:outerShdw>
               </a:effectLst>
             </c:spPr>
+            <c:extLst>
+              <c:ext xmlns:c16="http://schemas.microsoft.com/office/drawing/2014/chart" uri="{C3380CC4-5D6E-409C-BE32-E72D297353CC}">
+                <c16:uniqueId val="{00000003-97BB-463E-8812-0E78232FF53E}"/>
+              </c:ext>
+            </c:extLst>
           </c:dPt>
           <c:dPt>
             <c:idx val="2"/>
-            <c:invertIfNegative val="0"/>
             <c:bubble3D val="0"/>
             <c:spPr>
               <a:solidFill>
@@ -1751,10 +1805,14 @@
                 </a:outerShdw>
               </a:effectLst>
             </c:spPr>
+            <c:extLst>
+              <c:ext xmlns:c16="http://schemas.microsoft.com/office/drawing/2014/chart" uri="{C3380CC4-5D6E-409C-BE32-E72D297353CC}">
+                <c16:uniqueId val="{00000005-97BB-463E-8812-0E78232FF53E}"/>
+              </c:ext>
+            </c:extLst>
           </c:dPt>
           <c:dPt>
             <c:idx val="3"/>
-            <c:invertIfNegative val="0"/>
             <c:bubble3D val="0"/>
             <c:spPr>
               <a:solidFill>
@@ -1771,10 +1829,14 @@
                 </a:outerShdw>
               </a:effectLst>
             </c:spPr>
+            <c:extLst>
+              <c:ext xmlns:c16="http://schemas.microsoft.com/office/drawing/2014/chart" uri="{C3380CC4-5D6E-409C-BE32-E72D297353CC}">
+                <c16:uniqueId val="{00000007-97BB-463E-8812-0E78232FF53E}"/>
+              </c:ext>
+            </c:extLst>
           </c:dPt>
           <c:dPt>
             <c:idx val="4"/>
-            <c:invertIfNegative val="0"/>
             <c:bubble3D val="0"/>
             <c:spPr>
               <a:solidFill>
@@ -1791,10 +1853,14 @@
                 </a:outerShdw>
               </a:effectLst>
             </c:spPr>
+            <c:extLst>
+              <c:ext xmlns:c16="http://schemas.microsoft.com/office/drawing/2014/chart" uri="{C3380CC4-5D6E-409C-BE32-E72D297353CC}">
+                <c16:uniqueId val="{00000009-97BB-463E-8812-0E78232FF53E}"/>
+              </c:ext>
+            </c:extLst>
           </c:dPt>
           <c:dPt>
             <c:idx val="5"/>
-            <c:invertIfNegative val="0"/>
             <c:bubble3D val="0"/>
             <c:spPr>
               <a:solidFill>
@@ -1811,10 +1877,14 @@
                 </a:outerShdw>
               </a:effectLst>
             </c:spPr>
+            <c:extLst>
+              <c:ext xmlns:c16="http://schemas.microsoft.com/office/drawing/2014/chart" uri="{C3380CC4-5D6E-409C-BE32-E72D297353CC}">
+                <c16:uniqueId val="{0000000B-97BB-463E-8812-0E78232FF53E}"/>
+              </c:ext>
+            </c:extLst>
           </c:dPt>
           <c:dPt>
             <c:idx val="6"/>
-            <c:invertIfNegative val="0"/>
             <c:bubble3D val="0"/>
             <c:spPr>
               <a:solidFill>
@@ -1833,10 +1903,14 @@
                 </a:outerShdw>
               </a:effectLst>
             </c:spPr>
+            <c:extLst>
+              <c:ext xmlns:c16="http://schemas.microsoft.com/office/drawing/2014/chart" uri="{C3380CC4-5D6E-409C-BE32-E72D297353CC}">
+                <c16:uniqueId val="{0000000D-97BB-463E-8812-0E78232FF53E}"/>
+              </c:ext>
+            </c:extLst>
           </c:dPt>
           <c:dPt>
             <c:idx val="7"/>
-            <c:invertIfNegative val="0"/>
             <c:bubble3D val="0"/>
             <c:spPr>
               <a:solidFill>
@@ -1855,10 +1929,14 @@
                 </a:outerShdw>
               </a:effectLst>
             </c:spPr>
+            <c:extLst>
+              <c:ext xmlns:c16="http://schemas.microsoft.com/office/drawing/2014/chart" uri="{C3380CC4-5D6E-409C-BE32-E72D297353CC}">
+                <c16:uniqueId val="{0000000F-97BB-463E-8812-0E78232FF53E}"/>
+              </c:ext>
+            </c:extLst>
           </c:dPt>
           <c:dPt>
             <c:idx val="8"/>
-            <c:invertIfNegative val="0"/>
             <c:bubble3D val="0"/>
             <c:spPr>
               <a:solidFill>
@@ -1877,10 +1955,14 @@
                 </a:outerShdw>
               </a:effectLst>
             </c:spPr>
+            <c:extLst>
+              <c:ext xmlns:c16="http://schemas.microsoft.com/office/drawing/2014/chart" uri="{C3380CC4-5D6E-409C-BE32-E72D297353CC}">
+                <c16:uniqueId val="{00000011-97BB-463E-8812-0E78232FF53E}"/>
+              </c:ext>
+            </c:extLst>
           </c:dPt>
           <c:dPt>
             <c:idx val="9"/>
-            <c:invertIfNegative val="0"/>
             <c:bubble3D val="0"/>
             <c:spPr>
               <a:solidFill>
@@ -1899,9 +1981,13 @@
                 </a:outerShdw>
               </a:effectLst>
             </c:spPr>
+            <c:extLst>
+              <c:ext xmlns:c16="http://schemas.microsoft.com/office/drawing/2014/chart" uri="{C3380CC4-5D6E-409C-BE32-E72D297353CC}">
+                <c16:uniqueId val="{00000013-97BB-463E-8812-0E78232FF53E}"/>
+              </c:ext>
+            </c:extLst>
           </c:dPt>
           <c:dLbls>
-            <c:delete val="0"/>
             <c:spPr>
               <a:pattFill prst="pct75">
                 <a:fgClr>
@@ -1930,19 +2016,20 @@
             </c:spPr>
             <c:txPr>
               <a:bodyPr rot="0" vert="horz" wrap="none" lIns="0" tIns="0" rIns="0" bIns="0" anchor="ctr" anchorCtr="1"/>
+              <a:lstStyle/>
               <a:p>
                 <a:pPr algn="l">
                   <a:defRPr sz="1000" b="1" i="0" u="none">
                     <a:solidFill>
                       <a:schemeClr val="lt1"/>
                     </a:solidFill>
-                    <a:latin typeface="+mn-lt" panose="0"/>
-                    <a:ea typeface="+mn-ea" panose="0"/>
-                    <a:cs typeface="+mn-ea" panose="0"/>
-                    <a:sym typeface="+mn-ea" panose="0"/>
+                    <a:latin typeface="+mn-lt" panose="00000000000000000000"/>
+                    <a:ea typeface="+mn-ea" panose="00000000000000000000"/>
+                    <a:cs typeface="+mn-ea" panose="00000000000000000000"/>
+                    <a:sym typeface="+mn-ea" panose="00000000000000000000"/>
                   </a:defRPr>
                 </a:pPr>
-                <a:endParaRPr/>
+                <a:endParaRPr lang="ko-KR"/>
               </a:p>
             </c:txPr>
             <c:dLblPos val="ctr"/>
@@ -1952,6 +2039,7 @@
             <c:showSerName val="0"/>
             <c:showPercent val="1"/>
             <c:showBubbleSize val="0"/>
+            <c:showLeaderLines val="1"/>
             <c:leaderLines>
               <c:spPr>
                 <a:ln w="9525">
@@ -1965,6 +2053,15 @@
                 <a:effectLst/>
               </c:spPr>
             </c:leaderLines>
+            <c:extLst>
+              <c:ext xmlns:c15="http://schemas.microsoft.com/office/drawing/2012/chart" uri="{CE6537A1-D6FC-4f65-9D91-7224C49458BB}">
+                <c15:spPr xmlns:c15="http://schemas.microsoft.com/office/drawing/2012/chart">
+                  <a:prstGeom prst="rect">
+                    <a:avLst/>
+                  </a:prstGeom>
+                </c15:spPr>
+              </c:ext>
+            </c:extLst>
           </c:dLbls>
           <c:cat>
             <c:strRef>
@@ -2043,16 +2140,20 @@
               </c:numCache>
             </c:numRef>
           </c:val>
+          <c:extLst>
+            <c:ext xmlns:c16="http://schemas.microsoft.com/office/drawing/2014/chart" uri="{C3380CC4-5D6E-409C-BE32-E72D297353CC}">
+              <c16:uniqueId val="{00000014-97BB-463E-8812-0E78232FF53E}"/>
+            </c:ext>
+          </c:extLst>
         </c:ser>
         <c:dLbls>
-          <c:delete val="0"/>
-          <c:dLblPos val="ctr"/>
           <c:showLegendKey val="0"/>
           <c:showVal val="0"/>
           <c:showCatName val="0"/>
           <c:showSerName val="0"/>
-          <c:showPercent val="1"/>
+          <c:showPercent val="0"/>
           <c:showBubbleSize val="0"/>
+          <c:showLeaderLines val="1"/>
         </c:dLbls>
         <c:firstSliceAng val="0"/>
       </c:pieChart>
@@ -2066,7 +2167,6 @@
     </c:plotArea>
     <c:legend>
       <c:legendPos val="r"/>
-      <c:layout/>
       <c:overlay val="0"/>
       <c:spPr>
         <a:solidFill>
@@ -2082,6 +2182,7 @@
       </c:spPr>
       <c:txPr>
         <a:bodyPr rot="0" vert="horz" wrap="none" lIns="0" tIns="0" rIns="0" bIns="0" anchor="ctr" anchorCtr="1"/>
+        <a:lstStyle/>
         <a:p>
           <a:pPr algn="l">
             <a:defRPr sz="900" b="0" i="0" u="none">
@@ -2091,27 +2192,20 @@
                   <a:lumOff val="25000"/>
                 </a:schemeClr>
               </a:solidFill>
-              <a:latin typeface="+mn-lt" panose="0"/>
-              <a:ea typeface="+mn-ea" panose="0"/>
-              <a:cs typeface="+mn-ea" panose="0"/>
-              <a:sym typeface="+mn-ea" panose="0"/>
+              <a:latin typeface="+mn-lt" panose="00000000000000000000"/>
+              <a:ea typeface="+mn-ea" panose="00000000000000000000"/>
+              <a:cs typeface="+mn-ea" panose="00000000000000000000"/>
+              <a:sym typeface="+mn-ea" panose="00000000000000000000"/>
             </a:defRPr>
           </a:pPr>
-          <a:endParaRPr/>
+          <a:endParaRPr lang="ko-KR"/>
         </a:p>
       </c:txPr>
     </c:legend>
+    <c:plotVisOnly val="1"/>
     <c:dispBlanksAs val="gap"/>
+    <c:showDLblsOverMax val="1"/>
   </c:chart>
-  <c:txPr>
-    <a:bodyPr rot="0" vert="horz" wrap="none" lIns="0" tIns="0" rIns="0" bIns="0" anchor="ctr" anchorCtr="1"/>
-    <a:p>
-      <a:pPr algn="l">
-        <a:defRPr b="0" i="0" u="none"/>
-      </a:pPr>
-      <a:endParaRPr/>
-    </a:p>
-  </c:txPr>
   <c:spPr>
     <a:gradFill flip="none" rotWithShape="1">
       <a:gsLst>
@@ -2143,14 +2237,24 @@
     </a:ln>
     <a:effectLst/>
   </c:spPr>
+  <c:txPr>
+    <a:bodyPr rot="0" vert="horz" wrap="none" lIns="0" tIns="0" rIns="0" bIns="0" anchor="ctr" anchorCtr="1"/>
+    <a:lstStyle/>
+    <a:p>
+      <a:pPr algn="l">
+        <a:defRPr b="0" i="0" u="none"/>
+      </a:pPr>
+      <a:endParaRPr lang="ko-KR"/>
+    </a:p>
+  </c:txPr>
+  <c:externalData r:id="rId1">
+    <c:autoUpdate val="0"/>
+  </c:externalData>
   <c:extLst>
     <c:ext uri="CC8EB2C9-7E31-499d-B8F2-F6CE61031016">
       <ho:hncChartStyle xmlns:ho="http://schemas.haansoft.com/office/8.0" layoutIndex="-1" colorIndex="-1" styleIndex="-1"/>
     </c:ext>
   </c:extLst>
-  <c:externalData r:id="rId1">
-    <c:autoUpdate val="0"/>
-  </c:externalData>
 </c:chartSpace>
 </file>
 
@@ -4408,7 +4512,7 @@
 </file>
 
 <file path=ppt/notesMasters/notesMaster1.xml><?xml version="1.0" encoding="utf-8"?>
-<p:notesMaster xmlns:r="http://schemas.openxmlformats.org/officeDocument/2006/relationships" xmlns:c="http://schemas.openxmlformats.org/drawingml/2006/chart" xmlns:a="http://schemas.openxmlformats.org/drawingml/2006/main" xmlns:dgm="http://schemas.openxmlformats.org/drawingml/2006/diagram" xmlns:dsp="http://schemas.microsoft.com/office/drawing/2008/diagram" xmlns:p="http://schemas.openxmlformats.org/presentationml/2006/main">
+<p:notesMaster xmlns:a="http://schemas.openxmlformats.org/drawingml/2006/main" xmlns:r="http://schemas.openxmlformats.org/officeDocument/2006/relationships" xmlns:p="http://schemas.openxmlformats.org/presentationml/2006/main">
   <p:cSld>
     <p:bg>
       <p:bgRef idx="1001">
@@ -4436,7 +4540,7 @@
             <a:spLocks noGrp="1"/>
           </p:cNvSpPr>
           <p:nvPr>
-            <p:ph type="hdr" sz="quarter" idx="0"/>
+            <p:ph type="hdr" sz="quarter"/>
           </p:nvPr>
         </p:nvSpPr>
         <p:spPr>
@@ -4459,10 +4563,6 @@
             <a:pPr lvl="0">
               <a:defRPr/>
             </a:pPr>
-            <a:r>
-              <a:rPr lang="ko-KR" altLang="en-US"/>
-              <a:t/>
-            </a:r>
             <a:endParaRPr lang="ko-KR" altLang="en-US"/>
           </a:p>
         </p:txBody>
@@ -4502,7 +4602,7 @@
               <a:pPr lvl="0">
                 <a:defRPr/>
               </a:pPr>
-              <a:t>2019-12-19</a:t>
+              <a:t>2019-12-20</a:t>
             </a:fld>
             <a:endParaRPr lang="ko-KR" altLang="en-US"/>
           </a:p>
@@ -4574,7 +4674,6 @@
               <a:rPr lang="ko-KR" altLang="en-US"/>
               <a:t>마스터 텍스트 스타일 편집</a:t>
             </a:r>
-            <a:endParaRPr lang="ko-KR" altLang="en-US"/>
           </a:p>
           <a:p>
             <a:pPr lvl="1">
@@ -4584,7 +4683,6 @@
               <a:rPr lang="ko-KR" altLang="en-US"/>
               <a:t>둘째 수준</a:t>
             </a:r>
-            <a:endParaRPr lang="ko-KR" altLang="en-US"/>
           </a:p>
           <a:p>
             <a:pPr lvl="2">
@@ -4594,7 +4692,6 @@
               <a:rPr lang="ko-KR" altLang="en-US"/>
               <a:t>셋째 수준</a:t>
             </a:r>
-            <a:endParaRPr lang="ko-KR" altLang="en-US"/>
           </a:p>
           <a:p>
             <a:pPr lvl="3">
@@ -4604,7 +4701,6 @@
               <a:rPr lang="ko-KR" altLang="en-US"/>
               <a:t>넷째 수준</a:t>
             </a:r>
-            <a:endParaRPr lang="ko-KR" altLang="en-US"/>
           </a:p>
           <a:p>
             <a:pPr lvl="4">
@@ -4614,7 +4710,6 @@
               <a:rPr lang="ko-KR" altLang="en-US"/>
               <a:t>다섯째 수준</a:t>
             </a:r>
-            <a:endParaRPr lang="ko-KR" altLang="en-US"/>
           </a:p>
         </p:txBody>
       </p:sp>
@@ -4648,10 +4743,6 @@
             <a:pPr lvl="0">
               <a:defRPr/>
             </a:pPr>
-            <a:r>
-              <a:rPr lang="ko-KR" altLang="en-US"/>
-              <a:t/>
-            </a:r>
             <a:endParaRPr lang="ko-KR" altLang="en-US"/>
           </a:p>
         </p:txBody>
@@ -4797,7 +4888,7 @@
 </file>
 
 <file path=ppt/notesSlides/notesSlide1.xml><?xml version="1.0" encoding="utf-8"?>
-<p:notes xmlns:r="http://schemas.openxmlformats.org/officeDocument/2006/relationships" xmlns:c="http://schemas.openxmlformats.org/drawingml/2006/chart" xmlns:a="http://schemas.openxmlformats.org/drawingml/2006/main" xmlns:dgm="http://schemas.openxmlformats.org/drawingml/2006/diagram" xmlns:dsp="http://schemas.microsoft.com/office/drawing/2008/diagram" xmlns:p="http://schemas.openxmlformats.org/presentationml/2006/main">
+<p:notes xmlns:a="http://schemas.openxmlformats.org/drawingml/2006/main" xmlns:r="http://schemas.openxmlformats.org/officeDocument/2006/relationships" xmlns:p="http://schemas.openxmlformats.org/presentationml/2006/main">
   <p:cSld>
     <p:spTree>
       <p:nvGrpSpPr>
@@ -4820,7 +4911,7 @@
             <a:spLocks noGrp="1" noRot="1" noChangeAspect="1" noTextEdit="1"/>
           </p:cNvSpPr>
           <p:nvPr>
-            <p:ph type="sldImg" idx="0"/>
+            <p:ph type="sldImg"/>
           </p:nvPr>
         </p:nvSpPr>
         <p:spPr/>
@@ -4843,10 +4934,6 @@
             <a:pPr lvl="0">
               <a:defRPr/>
             </a:pPr>
-            <a:r>
-              <a:rPr lang="ko-KR" altLang="en-US"/>
-              <a:t/>
-            </a:r>
             <a:endParaRPr lang="ko-KR" altLang="en-US"/>
           </a:p>
         </p:txBody>
@@ -6774,7 +6861,7 @@
 </file>
 
 <file path=ppt/slides/slide10.xml><?xml version="1.0" encoding="utf-8"?>
-<p:sld xmlns:r="http://schemas.openxmlformats.org/officeDocument/2006/relationships" xmlns:c="http://schemas.openxmlformats.org/drawingml/2006/chart" xmlns:a="http://schemas.openxmlformats.org/drawingml/2006/main" xmlns:dgm="http://schemas.openxmlformats.org/drawingml/2006/diagram" xmlns:dsp="http://schemas.microsoft.com/office/drawing/2008/diagram" xmlns:p="http://schemas.openxmlformats.org/presentationml/2006/main">
+<p:sld xmlns:a="http://schemas.openxmlformats.org/drawingml/2006/main" xmlns:r="http://schemas.openxmlformats.org/officeDocument/2006/relationships" xmlns:p="http://schemas.openxmlformats.org/presentationml/2006/main">
   <p:cSld>
     <p:spTree>
       <p:nvGrpSpPr>
@@ -6822,7 +6909,7 @@
                 </a:solidFill>
                 <a:effectLst>
                   <a:glow rad="88900">
-                    <a:srgbClr val="e3781f">
+                    <a:srgbClr val="E3781F">
                       <a:alpha val="7000"/>
                     </a:srgbClr>
                   </a:glow>
@@ -6832,20 +6919,6 @@
               </a:rPr>
               <a:t>Power Point Template</a:t>
             </a:r>
-            <a:endParaRPr lang="en-US" altLang="ko-KR" sz="900" b="1">
-              <a:solidFill>
-                <a:schemeClr val="bg1"/>
-              </a:solidFill>
-              <a:effectLst>
-                <a:glow rad="88900">
-                  <a:srgbClr val="e3781f">
-                    <a:alpha val="7000"/>
-                  </a:srgbClr>
-                </a:glow>
-              </a:effectLst>
-              <a:latin typeface="나눔스퀘어"/>
-              <a:ea typeface="나눔스퀘어"/>
-            </a:endParaRPr>
           </a:p>
           <a:p>
             <a:pPr algn="ctr">
@@ -6858,7 +6931,7 @@
                 </a:solidFill>
                 <a:effectLst>
                   <a:glow rad="88900">
-                    <a:srgbClr val="e3781f">
+                    <a:srgbClr val="E3781F">
                       <a:alpha val="7000"/>
                     </a:srgbClr>
                   </a:glow>
@@ -6868,20 +6941,6 @@
               </a:rPr>
               <a:t>Ponybuhagom</a:t>
             </a:r>
-            <a:endParaRPr lang="en-US" altLang="ko-KR" sz="600">
-              <a:solidFill>
-                <a:schemeClr val="bg1"/>
-              </a:solidFill>
-              <a:effectLst>
-                <a:glow rad="88900">
-                  <a:srgbClr val="e3781f">
-                    <a:alpha val="7000"/>
-                  </a:srgbClr>
-                </a:glow>
-              </a:effectLst>
-              <a:latin typeface="나눔스퀘어"/>
-              <a:ea typeface="나눔스퀘어"/>
-            </a:endParaRPr>
           </a:p>
         </p:txBody>
       </p:sp>
@@ -6950,7 +7009,7 @@
             <a:r>
               <a:rPr lang="en-US" altLang="ko-KR" sz="2400" spc="-150">
                 <a:solidFill>
-                  <a:srgbClr val="8dbabd"/>
+                  <a:srgbClr val="8DBABD"/>
                 </a:solidFill>
                 <a:latin typeface="나눔스퀘어 Bold"/>
                 <a:ea typeface="나눔스퀘어 Bold"/>
@@ -6960,7 +7019,7 @@
             <a:r>
               <a:rPr lang="ko-KR" altLang="en-US" sz="2400" spc="-150">
                 <a:solidFill>
-                  <a:srgbClr val="8dbabd"/>
+                  <a:srgbClr val="8DBABD"/>
                 </a:solidFill>
                 <a:latin typeface="나눔스퀘어 Bold"/>
                 <a:ea typeface="나눔스퀘어 Bold"/>
@@ -6970,20 +7029,13 @@
             <a:r>
               <a:rPr lang="en-US" altLang="ko-KR" sz="2400" spc="-150">
                 <a:solidFill>
-                  <a:srgbClr val="8dbabd"/>
+                  <a:srgbClr val="8DBABD"/>
                 </a:solidFill>
                 <a:latin typeface="나눔스퀘어 Bold"/>
                 <a:ea typeface="나눔스퀘어 Bold"/>
               </a:rPr>
               <a:t>.</a:t>
             </a:r>
-            <a:endParaRPr lang="en-US" altLang="ko-KR" sz="2400" spc="-150">
-              <a:solidFill>
-                <a:srgbClr val="8dbabd"/>
-              </a:solidFill>
-              <a:latin typeface="나눔스퀘어 Bold"/>
-              <a:ea typeface="나눔스퀘어 Bold"/>
-            </a:endParaRPr>
           </a:p>
           <a:p>
             <a:pPr algn="ctr">
@@ -6992,7 +7044,7 @@
             <a:r>
               <a:rPr lang="ko-KR" altLang="en-US" sz="2400" spc="-150">
                 <a:solidFill>
-                  <a:srgbClr val="8dbabd"/>
+                  <a:srgbClr val="8DBABD"/>
                 </a:solidFill>
                 <a:latin typeface="나눔스퀘어 Bold"/>
                 <a:ea typeface="나눔스퀘어 Bold"/>
@@ -7002,7 +7054,7 @@
             <a:r>
               <a:rPr lang="en-US" altLang="ko-KR" sz="2400" b="1" spc="-150">
                 <a:solidFill>
-                  <a:srgbClr val="ff0000"/>
+                  <a:srgbClr val="FF0000"/>
                 </a:solidFill>
                 <a:latin typeface="나눔스퀘어 Bold"/>
                 <a:ea typeface="나눔스퀘어 Bold"/>
@@ -7012,20 +7064,13 @@
             <a:r>
               <a:rPr lang="ko-KR" altLang="en-US" sz="2400" spc="-150">
                 <a:solidFill>
-                  <a:srgbClr val="8dbabd"/>
+                  <a:srgbClr val="8DBABD"/>
                 </a:solidFill>
                 <a:latin typeface="나눔스퀘어 Bold"/>
                 <a:ea typeface="나눔스퀘어 Bold"/>
               </a:rPr>
               <a:t>씩 증가하며</a:t>
             </a:r>
-            <a:endParaRPr lang="ko-KR" altLang="en-US" sz="2400" spc="-150">
-              <a:solidFill>
-                <a:srgbClr val="8dbabd"/>
-              </a:solidFill>
-              <a:latin typeface="나눔스퀘어 Bold"/>
-              <a:ea typeface="나눔스퀘어 Bold"/>
-            </a:endParaRPr>
           </a:p>
           <a:p>
             <a:pPr algn="ctr">
@@ -7034,7 +7079,7 @@
             <a:r>
               <a:rPr lang="en-US" altLang="ko-KR" sz="2400" spc="-150">
                 <a:solidFill>
-                  <a:srgbClr val="ff0000"/>
+                  <a:srgbClr val="FF0000"/>
                 </a:solidFill>
                 <a:latin typeface="나눔스퀘어 Bold"/>
                 <a:ea typeface="나눔스퀘어 Bold"/>
@@ -7044,7 +7089,7 @@
             <a:r>
               <a:rPr lang="ko-KR" altLang="en-US" sz="2400" spc="-150">
                 <a:solidFill>
-                  <a:srgbClr val="ff0000"/>
+                  <a:srgbClr val="FF0000"/>
                 </a:solidFill>
                 <a:latin typeface="나눔스퀘어 Bold"/>
                 <a:ea typeface="나눔스퀘어 Bold"/>
@@ -7054,7 +7099,7 @@
             <a:r>
               <a:rPr lang="en-US" altLang="ko-KR" sz="2400" spc="-150">
                 <a:solidFill>
-                  <a:srgbClr val="ff0000"/>
+                  <a:srgbClr val="FF0000"/>
                 </a:solidFill>
                 <a:latin typeface="나눔스퀘어 Bold"/>
                 <a:ea typeface="나눔스퀘어 Bold"/>
@@ -7064,7 +7109,7 @@
             <a:r>
               <a:rPr lang="ko-KR" altLang="en-US" sz="2400" spc="-150">
                 <a:solidFill>
-                  <a:srgbClr val="ff0000"/>
+                  <a:srgbClr val="FF0000"/>
                 </a:solidFill>
                 <a:latin typeface="나눔스퀘어 Bold"/>
                 <a:ea typeface="나눔스퀘어 Bold"/>
@@ -7074,7 +7119,7 @@
             <a:r>
               <a:rPr lang="ko-KR" altLang="en-US" sz="2400" spc="-150">
                 <a:solidFill>
-                  <a:srgbClr val="8dbabd"/>
+                  <a:srgbClr val="8DBABD"/>
                 </a:solidFill>
                 <a:latin typeface="나눔스퀘어 Bold"/>
                 <a:ea typeface="나눔스퀘어 Bold"/>
@@ -7084,20 +7129,13 @@
             <a:r>
               <a:rPr lang="en-US" altLang="ko-KR" sz="2400" spc="-150">
                 <a:solidFill>
-                  <a:srgbClr val="8dbabd"/>
+                  <a:srgbClr val="8DBABD"/>
                 </a:solidFill>
                 <a:latin typeface="나눔스퀘어 Bold"/>
                 <a:ea typeface="나눔스퀘어 Bold"/>
               </a:rPr>
               <a:t>.</a:t>
             </a:r>
-            <a:endParaRPr lang="en-US" altLang="ko-KR" sz="2400" spc="-150">
-              <a:solidFill>
-                <a:srgbClr val="8dbabd"/>
-              </a:solidFill>
-              <a:latin typeface="나눔스퀘어 Bold"/>
-              <a:ea typeface="나눔스퀘어 Bold"/>
-            </a:endParaRPr>
           </a:p>
           <a:p>
             <a:pPr algn="ctr">
@@ -7106,7 +7144,7 @@
             <a:r>
               <a:rPr lang="ko-KR" altLang="en-US" sz="2400" spc="-150">
                 <a:solidFill>
-                  <a:srgbClr val="8dbabd"/>
+                  <a:srgbClr val="8DBABD"/>
                 </a:solidFill>
                 <a:latin typeface="나눔스퀘어 Bold"/>
                 <a:ea typeface="나눔스퀘어 Bold"/>
@@ -7116,7 +7154,7 @@
             <a:r>
               <a:rPr lang="ko-KR" altLang="en-US" sz="2400" b="1" spc="-150">
                 <a:solidFill>
-                  <a:srgbClr val="ff0000"/>
+                  <a:srgbClr val="FF0000"/>
                 </a:solidFill>
                 <a:latin typeface="나눔스퀘어 Bold"/>
                 <a:ea typeface="나눔스퀘어 Bold"/>
@@ -7126,20 +7164,13 @@
             <a:r>
               <a:rPr lang="ko-KR" altLang="en-US" sz="2400" spc="-150">
                 <a:solidFill>
-                  <a:srgbClr val="8dbabd"/>
+                  <a:srgbClr val="8DBABD"/>
                 </a:solidFill>
                 <a:latin typeface="나눔스퀘어 Bold"/>
                 <a:ea typeface="나눔스퀘어 Bold"/>
               </a:rPr>
               <a:t>가 비싸서 오래 머무르는 것은</a:t>
             </a:r>
-            <a:endParaRPr lang="ko-KR" altLang="en-US" sz="2400" spc="-150">
-              <a:solidFill>
-                <a:srgbClr val="8dbabd"/>
-              </a:solidFill>
-              <a:latin typeface="나눔스퀘어 Bold"/>
-              <a:ea typeface="나눔스퀘어 Bold"/>
-            </a:endParaRPr>
           </a:p>
           <a:p>
             <a:pPr algn="ctr">
@@ -7148,7 +7179,7 @@
             <a:r>
               <a:rPr lang="ko-KR" altLang="en-US" sz="2400" spc="-150">
                 <a:solidFill>
-                  <a:srgbClr val="8dbabd"/>
+                  <a:srgbClr val="8DBABD"/>
                 </a:solidFill>
                 <a:latin typeface="나눔스퀘어 Bold"/>
                 <a:ea typeface="나눔스퀘어 Bold"/>
@@ -7158,20 +7189,13 @@
             <a:r>
               <a:rPr lang="en-US" altLang="ko-KR" sz="2400" spc="-150">
                 <a:solidFill>
-                  <a:srgbClr val="8dbabd"/>
+                  <a:srgbClr val="8DBABD"/>
                 </a:solidFill>
                 <a:latin typeface="나눔스퀘어 Bold"/>
                 <a:ea typeface="나눔스퀘어 Bold"/>
               </a:rPr>
               <a:t>.</a:t>
             </a:r>
-            <a:endParaRPr lang="en-US" altLang="ko-KR" sz="2400" spc="-150">
-              <a:solidFill>
-                <a:srgbClr val="8dbabd"/>
-              </a:solidFill>
-              <a:latin typeface="나눔스퀘어 Bold"/>
-              <a:ea typeface="나눔스퀘어 Bold"/>
-            </a:endParaRPr>
           </a:p>
           <a:p>
             <a:pPr algn="ctr">
@@ -7179,7 +7203,7 @@
             </a:pPr>
             <a:endParaRPr lang="en-US" altLang="ko-KR" sz="2400" spc="-150">
               <a:solidFill>
-                <a:srgbClr val="8dbabd"/>
+                <a:srgbClr val="8DBABD"/>
               </a:solidFill>
               <a:latin typeface="나눔스퀘어 Bold"/>
               <a:ea typeface="나눔스퀘어 Bold"/>
@@ -7371,7 +7395,7 @@
             <a:r>
               <a:rPr lang="en-US" altLang="ko-KR" sz="2400" spc="-150">
                 <a:solidFill>
-                  <a:srgbClr val="8dbabd"/>
+                  <a:srgbClr val="8DBABD"/>
                 </a:solidFill>
                 <a:latin typeface="나눔스퀘어 Bold"/>
                 <a:ea typeface="나눔스퀘어 Bold"/>
@@ -7381,7 +7405,7 @@
             <a:r>
               <a:rPr lang="ko-KR" altLang="en-US" sz="2400" spc="-150">
                 <a:solidFill>
-                  <a:srgbClr val="8dbabd"/>
+                  <a:srgbClr val="8DBABD"/>
                 </a:solidFill>
                 <a:latin typeface="나눔스퀘어 Bold"/>
                 <a:ea typeface="나눔스퀘어 Bold"/>
@@ -7391,20 +7415,13 @@
             <a:r>
               <a:rPr lang="en-US" altLang="ko-KR" sz="2400" spc="-150">
                 <a:solidFill>
-                  <a:srgbClr val="8dbabd"/>
+                  <a:srgbClr val="8DBABD"/>
                 </a:solidFill>
                 <a:latin typeface="나눔스퀘어 Bold"/>
                 <a:ea typeface="나눔스퀘어 Bold"/>
               </a:rPr>
               <a:t>.</a:t>
             </a:r>
-            <a:endParaRPr lang="en-US" altLang="ko-KR" sz="2400" spc="-150">
-              <a:solidFill>
-                <a:srgbClr val="8dbabd"/>
-              </a:solidFill>
-              <a:latin typeface="나눔스퀘어 Bold"/>
-              <a:ea typeface="나눔스퀘어 Bold"/>
-            </a:endParaRPr>
           </a:p>
           <a:p>
             <a:pPr algn="ctr">
@@ -7413,7 +7430,7 @@
             <a:r>
               <a:rPr lang="en-US" altLang="ko-KR" sz="2400" spc="-150">
                 <a:solidFill>
-                  <a:srgbClr val="8dbabd"/>
+                  <a:srgbClr val="8DBABD"/>
                 </a:solidFill>
                 <a:latin typeface="나눔스퀘어 Bold"/>
                 <a:ea typeface="나눔스퀘어 Bold"/>
@@ -7423,7 +7440,7 @@
             <a:r>
               <a:rPr lang="ko-KR" altLang="en-US" sz="2400" spc="-150">
                 <a:solidFill>
-                  <a:srgbClr val="8dbabd"/>
+                  <a:srgbClr val="8DBABD"/>
                 </a:solidFill>
                 <a:latin typeface="나눔스퀘어 Bold"/>
                 <a:ea typeface="나눔스퀘어 Bold"/>
@@ -7445,20 +7462,13 @@
             <a:r>
               <a:rPr lang="ko-KR" altLang="en-US" sz="2400" spc="-150">
                 <a:solidFill>
-                  <a:srgbClr val="8dbabd"/>
+                  <a:srgbClr val="8DBABD"/>
                 </a:solidFill>
                 <a:latin typeface="나눔스퀘어 Bold"/>
                 <a:ea typeface="나눔스퀘어 Bold"/>
               </a:rPr>
               <a:t>씩 증가하며</a:t>
             </a:r>
-            <a:endParaRPr lang="ko-KR" altLang="en-US" sz="2400" spc="-150">
-              <a:solidFill>
-                <a:srgbClr val="8dbabd"/>
-              </a:solidFill>
-              <a:latin typeface="나눔스퀘어 Bold"/>
-              <a:ea typeface="나눔스퀘어 Bold"/>
-            </a:endParaRPr>
           </a:p>
           <a:p>
             <a:pPr algn="ctr">
@@ -7467,7 +7477,7 @@
             <a:r>
               <a:rPr lang="ko-KR" altLang="en-US" sz="2400" spc="-150">
                 <a:solidFill>
-                  <a:srgbClr val="8dbabd"/>
+                  <a:srgbClr val="8DBABD"/>
                 </a:solidFill>
                 <a:latin typeface="나눔스퀘어 Bold"/>
                 <a:ea typeface="나눔스퀘어 Bold"/>
@@ -7501,7 +7511,7 @@
             <a:r>
               <a:rPr lang="ko-KR" altLang="en-US" sz="2400" spc="-150">
                 <a:solidFill>
-                  <a:srgbClr val="8dbabd"/>
+                  <a:srgbClr val="8DBABD"/>
                 </a:solidFill>
                 <a:latin typeface="나눔스퀘어 Bold"/>
                 <a:ea typeface="나눔스퀘어 Bold"/>
@@ -7511,20 +7521,13 @@
             <a:r>
               <a:rPr lang="en-US" altLang="ko-KR" sz="2400" spc="-150">
                 <a:solidFill>
-                  <a:srgbClr val="8dbabd"/>
+                  <a:srgbClr val="8DBABD"/>
                 </a:solidFill>
                 <a:latin typeface="나눔스퀘어 Bold"/>
                 <a:ea typeface="나눔스퀘어 Bold"/>
               </a:rPr>
               <a:t>.</a:t>
             </a:r>
-            <a:endParaRPr lang="en-US" altLang="ko-KR" sz="2400" spc="-150">
-              <a:solidFill>
-                <a:srgbClr val="8dbabd"/>
-              </a:solidFill>
-              <a:latin typeface="나눔스퀘어 Bold"/>
-              <a:ea typeface="나눔스퀘어 Bold"/>
-            </a:endParaRPr>
           </a:p>
         </p:txBody>
       </p:sp>
@@ -7646,14 +7649,14 @@
             <a:r>
               <a:rPr lang="en-US" altLang="ko-KR" b="1">
                 <a:solidFill>
-                  <a:srgbClr val="ff0000"/>
+                  <a:srgbClr val="FF0000"/>
                 </a:solidFill>
               </a:rPr>
               <a:t>50%</a:t>
             </a:r>
             <a:endParaRPr lang="ko-KR" altLang="en-US" b="1">
               <a:solidFill>
-                <a:srgbClr val="ff0000"/>
+                <a:srgbClr val="FF0000"/>
               </a:solidFill>
             </a:endParaRPr>
           </a:p>
@@ -7687,14 +7690,14 @@
             <a:r>
               <a:rPr lang="en-US" altLang="ko-KR" b="1">
                 <a:solidFill>
-                  <a:srgbClr val="ff0000"/>
+                  <a:srgbClr val="FF0000"/>
                 </a:solidFill>
               </a:rPr>
               <a:t>50%</a:t>
             </a:r>
             <a:endParaRPr lang="ko-KR" altLang="en-US" b="1">
               <a:solidFill>
-                <a:srgbClr val="ff0000"/>
+                <a:srgbClr val="FF0000"/>
               </a:solidFill>
             </a:endParaRPr>
           </a:p>
@@ -7728,20 +7731,13 @@
             <a:r>
               <a:rPr lang="ko-KR" altLang="en-US" sz="2400" spc="-150">
                 <a:solidFill>
-                  <a:srgbClr val="ffffff"/>
+                  <a:srgbClr val="FFFFFF"/>
                 </a:solidFill>
                 <a:latin typeface="나눔스퀘어 Bold"/>
                 <a:ea typeface="나눔스퀘어 Bold"/>
               </a:rPr>
               <a:t>문제점</a:t>
             </a:r>
-            <a:endParaRPr lang="ko-KR" altLang="en-US" sz="2400" spc="-150">
-              <a:solidFill>
-                <a:srgbClr val="ffffff"/>
-              </a:solidFill>
-              <a:latin typeface="나눔스퀘어 Bold"/>
-              <a:ea typeface="나눔스퀘어 Bold"/>
-            </a:endParaRPr>
           </a:p>
         </p:txBody>
       </p:sp>
@@ -7773,7 +7769,7 @@
             <a:r>
               <a:rPr lang="en-US" altLang="ko-KR" sz="2400" spc="-150">
                 <a:solidFill>
-                  <a:srgbClr val="00002f"/>
+                  <a:srgbClr val="00002F"/>
                 </a:solidFill>
                 <a:latin typeface="나눔스퀘어 ExtraBold"/>
                 <a:ea typeface="나눔스퀘어 ExtraBold"/>
@@ -7782,7 +7778,7 @@
             </a:r>
             <a:endParaRPr lang="ko-KR" altLang="en-US" sz="2400" spc="-150">
               <a:solidFill>
-                <a:srgbClr val="00002f"/>
+                <a:srgbClr val="00002F"/>
               </a:solidFill>
               <a:latin typeface="나눔스퀘어 ExtraBold"/>
               <a:ea typeface="나눔스퀘어 ExtraBold"/>
@@ -7818,20 +7814,13 @@
             <a:r>
               <a:rPr lang="ko-KR" altLang="en-US" sz="3200" spc="-150">
                 <a:solidFill>
-                  <a:srgbClr val="00002f"/>
+                  <a:srgbClr val="00002F"/>
                 </a:solidFill>
                 <a:latin typeface="나눔스퀘어 ExtraBold"/>
                 <a:ea typeface="나눔스퀘어 ExtraBold"/>
               </a:rPr>
               <a:t>문제점 정의</a:t>
             </a:r>
-            <a:endParaRPr lang="ko-KR" altLang="en-US" sz="3200" spc="-150">
-              <a:solidFill>
-                <a:srgbClr val="00002f"/>
-              </a:solidFill>
-              <a:latin typeface="나눔스퀘어 ExtraBold"/>
-              <a:ea typeface="나눔스퀘어 ExtraBold"/>
-            </a:endParaRPr>
           </a:p>
         </p:txBody>
       </p:sp>
@@ -7840,11 +7829,11 @@
   <p:clrMapOvr>
     <a:masterClrMapping/>
   </p:clrMapOvr>
-  <mc:AlternateContent xmlns:mc="http://schemas.openxmlformats.org/markup-compatibility/2006">
-    <mc:Choice xmlns:p14="http://schemas.microsoft.com/office/powerpoint/2010/main" Requires="p14">
-      <p:transition xmlns:mc="http://schemas.openxmlformats.org/markup-compatibility/2006" xmlns:p14="http://schemas.microsoft.com/office/powerpoint/2010/main" mc:Ignorable="p14" p14:dur="500"/>
+  <mc:AlternateContent xmlns:mc="http://schemas.openxmlformats.org/markup-compatibility/2006" xmlns:p14="http://schemas.microsoft.com/office/powerpoint/2010/main">
+    <mc:Choice Requires="p14">
+      <p:transition/>
     </mc:Choice>
-    <mc:Fallback>
+    <mc:Fallback xmlns:dsp="http://schemas.microsoft.com/office/drawing/2008/diagram" xmlns:dgm="http://schemas.openxmlformats.org/drawingml/2006/diagram" xmlns:c="http://schemas.openxmlformats.org/drawingml/2006/chart" xmlns="">
       <p:transition/>
     </mc:Fallback>
   </mc:AlternateContent>
@@ -7852,7 +7841,7 @@
 </file>
 
 <file path=ppt/slides/slide11.xml><?xml version="1.0" encoding="utf-8"?>
-<p:sld xmlns:r="http://schemas.openxmlformats.org/officeDocument/2006/relationships" xmlns:c="http://schemas.openxmlformats.org/drawingml/2006/chart" xmlns:a="http://schemas.openxmlformats.org/drawingml/2006/main" xmlns:dgm="http://schemas.openxmlformats.org/drawingml/2006/diagram" xmlns:dsp="http://schemas.microsoft.com/office/drawing/2008/diagram" xmlns:p="http://schemas.openxmlformats.org/presentationml/2006/main">
+<p:sld xmlns:a="http://schemas.openxmlformats.org/drawingml/2006/main" xmlns:r="http://schemas.openxmlformats.org/officeDocument/2006/relationships" xmlns:p="http://schemas.openxmlformats.org/presentationml/2006/main">
   <p:cSld>
     <p:spTree>
       <p:nvGrpSpPr>
@@ -7900,7 +7889,7 @@
                 </a:solidFill>
                 <a:effectLst>
                   <a:glow rad="88900">
-                    <a:srgbClr val="e3781f">
+                    <a:srgbClr val="E3781F">
                       <a:alpha val="7000"/>
                     </a:srgbClr>
                   </a:glow>
@@ -7910,20 +7899,6 @@
               </a:rPr>
               <a:t>Power Point Template</a:t>
             </a:r>
-            <a:endParaRPr lang="en-US" altLang="ko-KR" sz="900" b="1">
-              <a:solidFill>
-                <a:schemeClr val="bg1"/>
-              </a:solidFill>
-              <a:effectLst>
-                <a:glow rad="88900">
-                  <a:srgbClr val="e3781f">
-                    <a:alpha val="7000"/>
-                  </a:srgbClr>
-                </a:glow>
-              </a:effectLst>
-              <a:latin typeface="나눔스퀘어"/>
-              <a:ea typeface="나눔스퀘어"/>
-            </a:endParaRPr>
           </a:p>
           <a:p>
             <a:pPr algn="ctr">
@@ -7936,7 +7911,7 @@
                 </a:solidFill>
                 <a:effectLst>
                   <a:glow rad="88900">
-                    <a:srgbClr val="e3781f">
+                    <a:srgbClr val="E3781F">
                       <a:alpha val="7000"/>
                     </a:srgbClr>
                   </a:glow>
@@ -7946,20 +7921,6 @@
               </a:rPr>
               <a:t>Ponybuhagom</a:t>
             </a:r>
-            <a:endParaRPr lang="en-US" altLang="ko-KR" sz="600">
-              <a:solidFill>
-                <a:schemeClr val="bg1"/>
-              </a:solidFill>
-              <a:effectLst>
-                <a:glow rad="88900">
-                  <a:srgbClr val="e3781f">
-                    <a:alpha val="7000"/>
-                  </a:srgbClr>
-                </a:glow>
-              </a:effectLst>
-              <a:latin typeface="나눔스퀘어"/>
-              <a:ea typeface="나눔스퀘어"/>
-            </a:endParaRPr>
           </a:p>
         </p:txBody>
       </p:sp>
@@ -8028,20 +7989,13 @@
             <a:r>
               <a:rPr lang="ko-KR" altLang="en-US" sz="2400" spc="-150">
                 <a:solidFill>
-                  <a:srgbClr val="ffffff"/>
+                  <a:srgbClr val="FFFFFF"/>
                 </a:solidFill>
                 <a:latin typeface="나눔스퀘어 Bold"/>
                 <a:ea typeface="나눔스퀘어 Bold"/>
               </a:rPr>
               <a:t>문제점</a:t>
             </a:r>
-            <a:endParaRPr lang="ko-KR" altLang="en-US" sz="2400" spc="-150">
-              <a:solidFill>
-                <a:srgbClr val="ffffff"/>
-              </a:solidFill>
-              <a:latin typeface="나눔스퀘어 Bold"/>
-              <a:ea typeface="나눔스퀘어 Bold"/>
-            </a:endParaRPr>
           </a:p>
         </p:txBody>
       </p:sp>
@@ -8073,7 +8027,7 @@
             <a:r>
               <a:rPr lang="en-US" altLang="ko-KR" sz="2400" spc="-150">
                 <a:solidFill>
-                  <a:srgbClr val="00002f"/>
+                  <a:srgbClr val="00002F"/>
                 </a:solidFill>
                 <a:latin typeface="나눔스퀘어 ExtraBold"/>
                 <a:ea typeface="나눔스퀘어 ExtraBold"/>
@@ -8082,7 +8036,7 @@
             </a:r>
             <a:endParaRPr lang="ko-KR" altLang="en-US" sz="2400" spc="-150">
               <a:solidFill>
-                <a:srgbClr val="00002f"/>
+                <a:srgbClr val="00002F"/>
               </a:solidFill>
               <a:latin typeface="나눔스퀘어 ExtraBold"/>
               <a:ea typeface="나눔스퀘어 ExtraBold"/>
@@ -8118,20 +8072,13 @@
             <a:r>
               <a:rPr lang="ko-KR" altLang="en-US" sz="3200" spc="-150">
                 <a:solidFill>
-                  <a:srgbClr val="00002f"/>
+                  <a:srgbClr val="00002F"/>
                 </a:solidFill>
                 <a:latin typeface="나눔스퀘어 ExtraBold"/>
                 <a:ea typeface="나눔스퀘어 ExtraBold"/>
               </a:rPr>
               <a:t>문제점 정리</a:t>
             </a:r>
-            <a:endParaRPr lang="ko-KR" altLang="en-US" sz="3200" spc="-150">
-              <a:solidFill>
-                <a:srgbClr val="00002f"/>
-              </a:solidFill>
-              <a:latin typeface="나눔스퀘어 ExtraBold"/>
-              <a:ea typeface="나눔스퀘어 ExtraBold"/>
-            </a:endParaRPr>
           </a:p>
         </p:txBody>
       </p:sp>
@@ -8163,20 +8110,13 @@
             <a:r>
               <a:rPr lang="ko-KR" altLang="en-US" sz="3700" b="1" spc="-150">
                 <a:solidFill>
-                  <a:srgbClr val="8dbabd"/>
+                  <a:srgbClr val="8DBABD"/>
                 </a:solidFill>
                 <a:latin typeface="나눔스퀘어 Bold"/>
                 <a:ea typeface="나눔스퀘어 Bold"/>
               </a:rPr>
               <a:t>실제로 여행경비가 늘어남에 </a:t>
             </a:r>
-            <a:endParaRPr lang="ko-KR" altLang="en-US" sz="3700" b="1" spc="-150">
-              <a:solidFill>
-                <a:srgbClr val="8dbabd"/>
-              </a:solidFill>
-              <a:latin typeface="나눔스퀘어 Bold"/>
-              <a:ea typeface="나눔스퀘어 Bold"/>
-            </a:endParaRPr>
           </a:p>
           <a:p>
             <a:pPr algn="ctr">
@@ -8185,20 +8125,13 @@
             <a:r>
               <a:rPr lang="ko-KR" altLang="en-US" sz="3700" b="1" spc="-150">
                 <a:solidFill>
-                  <a:srgbClr val="8dbabd"/>
+                  <a:srgbClr val="8DBABD"/>
                 </a:solidFill>
                 <a:latin typeface="나눔스퀘어 Bold"/>
                 <a:ea typeface="나눔스퀘어 Bold"/>
               </a:rPr>
               <a:t>있어서 사람들은</a:t>
             </a:r>
-            <a:endParaRPr lang="ko-KR" altLang="en-US" sz="3700" b="1" spc="-150">
-              <a:solidFill>
-                <a:srgbClr val="8dbabd"/>
-              </a:solidFill>
-              <a:latin typeface="나눔스퀘어 Bold"/>
-              <a:ea typeface="나눔스퀘어 Bold"/>
-            </a:endParaRPr>
           </a:p>
           <a:p>
             <a:pPr algn="ctr">
@@ -8207,7 +8140,7 @@
             <a:r>
               <a:rPr lang="ko-KR" altLang="en-US" sz="3700" b="1" spc="-150">
                 <a:solidFill>
-                  <a:srgbClr val="8dbabd"/>
+                  <a:srgbClr val="8DBABD"/>
                 </a:solidFill>
                 <a:latin typeface="나눔스퀘어 Bold"/>
                 <a:ea typeface="나눔스퀘어 Bold"/>
@@ -8217,7 +8150,7 @@
             <a:r>
               <a:rPr lang="en-US" altLang="ko-KR" sz="3700" b="1" spc="-150">
                 <a:solidFill>
-                  <a:srgbClr val="8dbabd"/>
+                  <a:srgbClr val="8DBABD"/>
                 </a:solidFill>
                 <a:latin typeface="나눔스퀘어 Bold"/>
                 <a:ea typeface="나눔스퀘어 Bold"/>
@@ -8227,26 +8160,19 @@
             <a:r>
               <a:rPr lang="ko-KR" altLang="en-US" sz="3700" b="1" spc="-150">
                 <a:solidFill>
-                  <a:srgbClr val="8dbabd"/>
+                  <a:srgbClr val="8DBABD"/>
                 </a:solidFill>
                 <a:latin typeface="나눔스퀘어 Bold"/>
                 <a:ea typeface="나눔스퀘어 Bold"/>
               </a:rPr>
               <a:t>  </a:t>
             </a:r>
-            <a:endParaRPr lang="ko-KR" altLang="en-US" sz="3700" b="1" spc="-150">
-              <a:solidFill>
-                <a:srgbClr val="8dbabd"/>
-              </a:solidFill>
-              <a:latin typeface="나눔스퀘어 Bold"/>
-              <a:ea typeface="나눔스퀘어 Bold"/>
-            </a:endParaRPr>
           </a:p>
         </p:txBody>
       </p:sp>
       <p:pic>
         <p:nvPicPr>
-          <p:cNvPr id="33" name=""/>
+          <p:cNvPr id="33" name="그림 32"/>
           <p:cNvPicPr>
             <a:picLocks noChangeAspect="1"/>
           </p:cNvPicPr>
@@ -8273,11 +8199,11 @@
   <p:clrMapOvr>
     <a:masterClrMapping/>
   </p:clrMapOvr>
-  <mc:AlternateContent xmlns:mc="http://schemas.openxmlformats.org/markup-compatibility/2006">
-    <mc:Choice xmlns:p14="http://schemas.microsoft.com/office/powerpoint/2010/main" Requires="p14">
-      <p:transition xmlns:mc="http://schemas.openxmlformats.org/markup-compatibility/2006" xmlns:p14="http://schemas.microsoft.com/office/powerpoint/2010/main" mc:Ignorable="p14" p14:dur="500"/>
+  <mc:AlternateContent xmlns:mc="http://schemas.openxmlformats.org/markup-compatibility/2006" xmlns:p14="http://schemas.microsoft.com/office/powerpoint/2010/main">
+    <mc:Choice Requires="p14">
+      <p:transition/>
     </mc:Choice>
-    <mc:Fallback>
+    <mc:Fallback xmlns:dsp="http://schemas.microsoft.com/office/drawing/2008/diagram" xmlns:dgm="http://schemas.openxmlformats.org/drawingml/2006/diagram" xmlns:c="http://schemas.openxmlformats.org/drawingml/2006/chart" xmlns="">
       <p:transition/>
     </mc:Fallback>
   </mc:AlternateContent>
@@ -9010,7 +8936,7 @@
 </file>
 
 <file path=ppt/slides/slide13.xml><?xml version="1.0" encoding="utf-8"?>
-<p:sld xmlns:r="http://schemas.openxmlformats.org/officeDocument/2006/relationships" xmlns:c="http://schemas.openxmlformats.org/drawingml/2006/chart" xmlns:a="http://schemas.openxmlformats.org/drawingml/2006/main" xmlns:dgm="http://schemas.openxmlformats.org/drawingml/2006/diagram" xmlns:dsp="http://schemas.microsoft.com/office/drawing/2008/diagram" xmlns:p="http://schemas.openxmlformats.org/presentationml/2006/main">
+<p:sld xmlns:a="http://schemas.openxmlformats.org/drawingml/2006/main" xmlns:r="http://schemas.openxmlformats.org/officeDocument/2006/relationships" xmlns:p="http://schemas.openxmlformats.org/presentationml/2006/main">
   <p:cSld>
     <p:spTree>
       <p:nvGrpSpPr>
@@ -9058,7 +8984,7 @@
                 </a:solidFill>
                 <a:effectLst>
                   <a:glow rad="88900">
-                    <a:srgbClr val="e3781f">
+                    <a:srgbClr val="E3781F">
                       <a:alpha val="7000"/>
                     </a:srgbClr>
                   </a:glow>
@@ -9068,20 +8994,6 @@
               </a:rPr>
               <a:t>Power Point Template</a:t>
             </a:r>
-            <a:endParaRPr lang="en-US" altLang="ko-KR" sz="900" b="1">
-              <a:solidFill>
-                <a:schemeClr val="bg1"/>
-              </a:solidFill>
-              <a:effectLst>
-                <a:glow rad="88900">
-                  <a:srgbClr val="e3781f">
-                    <a:alpha val="7000"/>
-                  </a:srgbClr>
-                </a:glow>
-              </a:effectLst>
-              <a:latin typeface="나눔스퀘어"/>
-              <a:ea typeface="나눔스퀘어"/>
-            </a:endParaRPr>
           </a:p>
           <a:p>
             <a:pPr algn="ctr">
@@ -9094,7 +9006,7 @@
                 </a:solidFill>
                 <a:effectLst>
                   <a:glow rad="88900">
-                    <a:srgbClr val="e3781f">
+                    <a:srgbClr val="E3781F">
                       <a:alpha val="7000"/>
                     </a:srgbClr>
                   </a:glow>
@@ -9104,20 +9016,6 @@
               </a:rPr>
               <a:t>Ponybuhagom</a:t>
             </a:r>
-            <a:endParaRPr lang="en-US" altLang="ko-KR" sz="600">
-              <a:solidFill>
-                <a:schemeClr val="bg1"/>
-              </a:solidFill>
-              <a:effectLst>
-                <a:glow rad="88900">
-                  <a:srgbClr val="e3781f">
-                    <a:alpha val="7000"/>
-                  </a:srgbClr>
-                </a:glow>
-              </a:effectLst>
-              <a:latin typeface="나눔스퀘어"/>
-              <a:ea typeface="나눔스퀘어"/>
-            </a:endParaRPr>
           </a:p>
         </p:txBody>
       </p:sp>
@@ -9149,20 +9047,13 @@
             <a:r>
               <a:rPr lang="ko-KR" altLang="en-US" sz="2400" spc="-150">
                 <a:solidFill>
-                  <a:srgbClr val="ffffff"/>
+                  <a:srgbClr val="FFFFFF"/>
                 </a:solidFill>
                 <a:latin typeface="나눔스퀘어 Bold"/>
                 <a:ea typeface="나눔스퀘어 Bold"/>
               </a:rPr>
               <a:t>분석</a:t>
             </a:r>
-            <a:endParaRPr lang="ko-KR" altLang="en-US" sz="2400" spc="-150">
-              <a:solidFill>
-                <a:srgbClr val="ffffff"/>
-              </a:solidFill>
-              <a:latin typeface="나눔스퀘어 Bold"/>
-              <a:ea typeface="나눔스퀘어 Bold"/>
-            </a:endParaRPr>
           </a:p>
         </p:txBody>
       </p:sp>
@@ -9322,7 +9213,7 @@
           </a:prstGeom>
           <a:ln w="19050" cap="rnd">
             <a:solidFill>
-              <a:srgbClr val="94c3bb"/>
+              <a:srgbClr val="94C3BB"/>
             </a:solidFill>
           </a:ln>
         </p:spPr>
@@ -9406,20 +9297,13 @@
             <a:r>
               <a:rPr lang="en-US" altLang="ko-KR" sz="2400" spc="-150">
                 <a:solidFill>
-                  <a:srgbClr val="00002f"/>
+                  <a:srgbClr val="00002F"/>
                 </a:solidFill>
                 <a:latin typeface="나눔스퀘어 ExtraBold"/>
                 <a:ea typeface="나눔스퀘어 ExtraBold"/>
               </a:rPr>
               <a:t>03.</a:t>
             </a:r>
-            <a:endParaRPr lang="en-US" altLang="ko-KR" sz="2400" spc="-150">
-              <a:solidFill>
-                <a:srgbClr val="00002f"/>
-              </a:solidFill>
-              <a:latin typeface="나눔스퀘어 ExtraBold"/>
-              <a:ea typeface="나눔스퀘어 ExtraBold"/>
-            </a:endParaRPr>
           </a:p>
         </p:txBody>
       </p:sp>
@@ -9451,20 +9335,13 @@
             <a:r>
               <a:rPr lang="ko-KR" altLang="en-US" sz="3200" spc="-150">
                 <a:solidFill>
-                  <a:srgbClr val="00002f"/>
+                  <a:srgbClr val="00002F"/>
                 </a:solidFill>
                 <a:latin typeface="나눔스퀘어 ExtraBold"/>
                 <a:ea typeface="나눔스퀘어 ExtraBold"/>
               </a:rPr>
               <a:t>분석 과정</a:t>
             </a:r>
-            <a:endParaRPr lang="ko-KR" altLang="en-US" sz="3200" spc="-150">
-              <a:solidFill>
-                <a:srgbClr val="00002f"/>
-              </a:solidFill>
-              <a:latin typeface="나눔스퀘어 ExtraBold"/>
-              <a:ea typeface="나눔스퀘어 ExtraBold"/>
-            </a:endParaRPr>
           </a:p>
         </p:txBody>
       </p:sp>
@@ -9494,18 +9371,48 @@
               <a:defRPr/>
             </a:pPr>
             <a:r>
-              <a:rPr lang="ko-KR" altLang="en-US" sz="2400" spc="-150">
-                <a:solidFill>
-                  <a:srgbClr val="8dbabd"/>
+              <a:rPr lang="ko-KR" altLang="en-US" sz="2400" spc="-150" dirty="0">
+                <a:solidFill>
+                  <a:srgbClr val="8DBABD"/>
                 </a:solidFill>
                 <a:latin typeface="나눔스퀘어 Bold"/>
                 <a:ea typeface="나눔스퀘어 Bold"/>
               </a:rPr>
               <a:t>내국인 관광객들을 대상으로 한 </a:t>
             </a:r>
-            <a:endParaRPr lang="ko-KR" altLang="en-US" sz="2400" spc="-150">
+          </a:p>
+          <a:p>
+            <a:pPr algn="ctr">
+              <a:defRPr/>
+            </a:pPr>
+            <a:r>
+              <a:rPr lang="ko-KR" altLang="en-US" sz="2400" spc="-150" dirty="0">
+                <a:solidFill>
+                  <a:srgbClr val="8DBABD"/>
+                </a:solidFill>
+                <a:latin typeface="나눔스퀘어 Bold"/>
+                <a:ea typeface="나눔스퀘어 Bold"/>
+              </a:rPr>
+              <a:t>제주 여행 시 불만족 사항 </a:t>
+            </a:r>
+          </a:p>
+          <a:p>
+            <a:pPr algn="ctr">
+              <a:defRPr/>
+            </a:pPr>
+            <a:r>
+              <a:rPr lang="ko-KR" altLang="en-US" sz="2400" spc="-150" dirty="0">
+                <a:solidFill>
+                  <a:srgbClr val="8DBABD"/>
+                </a:solidFill>
+                <a:latin typeface="나눔스퀘어 Bold"/>
+                <a:ea typeface="나눔스퀘어 Bold"/>
+              </a:rPr>
+              <a:t>설문조사에서 전반적으로 제주의 물가가 </a:t>
+            </a:r>
+            <a:endParaRPr lang="en-US" altLang="ko-KR" sz="2400" spc="-150" dirty="0">
               <a:solidFill>
-                <a:srgbClr val="8dbabd"/>
+                <a:srgbClr val="8DBABD"/>
               </a:solidFill>
               <a:latin typeface="나눔스퀘어 Bold"/>
               <a:ea typeface="나눔스퀘어 Bold"/>
@@ -9516,60 +9423,31 @@
               <a:defRPr/>
             </a:pPr>
             <a:r>
-              <a:rPr lang="ko-KR" altLang="en-US" sz="2400" spc="-150">
-                <a:solidFill>
-                  <a:srgbClr val="8dbabd"/>
+              <a:rPr lang="ko-KR" altLang="en-US" sz="2400" spc="-150" dirty="0">
+                <a:solidFill>
+                  <a:srgbClr val="8DBABD"/>
                 </a:solidFill>
                 <a:latin typeface="나눔스퀘어 Bold"/>
                 <a:ea typeface="나눔스퀘어 Bold"/>
               </a:rPr>
-              <a:t>제주 여행 시 불만족 사항 </a:t>
-            </a:r>
-            <a:endParaRPr lang="ko-KR" altLang="en-US" sz="2400" spc="-150">
-              <a:solidFill>
-                <a:srgbClr val="8dbabd"/>
-              </a:solidFill>
-              <a:latin typeface="나눔스퀘어 Bold"/>
-              <a:ea typeface="나눔스퀘어 Bold"/>
-            </a:endParaRPr>
-          </a:p>
-          <a:p>
-            <a:pPr algn="ctr">
-              <a:defRPr/>
-            </a:pPr>
-            <a:r>
-              <a:rPr lang="ko-KR" altLang="en-US" sz="2400" spc="-150">
-                <a:solidFill>
-                  <a:srgbClr val="8dbabd"/>
+              <a:t>비싸다는 것을 실감한 그래프입니다</a:t>
+            </a:r>
+            <a:r>
+              <a:rPr lang="en-US" altLang="ko-KR" sz="2400" spc="-150" dirty="0">
+                <a:solidFill>
+                  <a:srgbClr val="8DBABD"/>
                 </a:solidFill>
                 <a:latin typeface="나눔스퀘어 Bold"/>
                 <a:ea typeface="나눔스퀘어 Bold"/>
               </a:rPr>
-              <a:t>설문조사에서 전반적으로 제주의 물가가 비싸다는 것을 실감한 그래프입니다</a:t>
-            </a:r>
-            <a:r>
-              <a:rPr lang="en-US" altLang="ko-KR" sz="2400" spc="-150">
-                <a:solidFill>
-                  <a:srgbClr val="8dbabd"/>
-                </a:solidFill>
-                <a:latin typeface="나눔스퀘어 Bold"/>
-                <a:ea typeface="나눔스퀘어 Bold"/>
-              </a:rPr>
               <a:t>.</a:t>
             </a:r>
-            <a:endParaRPr lang="en-US" altLang="ko-KR" sz="2400" spc="-150">
-              <a:solidFill>
-                <a:srgbClr val="8dbabd"/>
-              </a:solidFill>
-              <a:latin typeface="나눔스퀘어 Bold"/>
-              <a:ea typeface="나눔스퀘어 Bold"/>
-            </a:endParaRPr>
           </a:p>
         </p:txBody>
       </p:sp>
       <p:pic>
         <p:nvPicPr>
-          <p:cNvPr id="21" name=""/>
+          <p:cNvPr id="21" name="그림 20"/>
           <p:cNvPicPr>
             <a:picLocks noChangeAspect="1"/>
           </p:cNvPicPr>
@@ -9593,7 +9471,7 @@
       </p:pic>
       <p:cxnSp>
         <p:nvCxnSpPr>
-          <p:cNvPr id="22" name=""/>
+          <p:cNvPr id="22" name="직선 연결선 21"/>
           <p:cNvCxnSpPr/>
           <p:nvPr/>
         </p:nvCxnSpPr>
@@ -9607,7 +9485,7 @@
           </a:prstGeom>
           <a:ln>
             <a:solidFill>
-              <a:srgbClr val="ff0000"/>
+              <a:srgbClr val="FF0000"/>
             </a:solidFill>
           </a:ln>
         </p:spPr>
@@ -9628,7 +9506,7 @@
       </p:cxnSp>
       <p:sp>
         <p:nvSpPr>
-          <p:cNvPr id="23" name=""/>
+          <p:cNvPr id="23" name="TextBox 22"/>
           <p:cNvSpPr txBox="1"/>
           <p:nvPr/>
         </p:nvSpPr>
@@ -9645,6 +9523,7 @@
           <a:bodyPr wrap="square">
             <a:spAutoFit/>
           </a:bodyPr>
+          <a:lstStyle/>
           <a:p>
             <a:pPr>
               <a:defRPr/>
@@ -9652,22 +9531,17 @@
             <a:r>
               <a:rPr lang="en-US" altLang="ko-KR">
                 <a:solidFill>
-                  <a:srgbClr val="ff0000"/>
+                  <a:srgbClr val="FF0000"/>
                 </a:solidFill>
               </a:rPr>
               <a:t>22.9%</a:t>
             </a:r>
-            <a:endParaRPr lang="en-US" altLang="ko-KR">
-              <a:solidFill>
-                <a:srgbClr val="ff0000"/>
-              </a:solidFill>
-            </a:endParaRPr>
           </a:p>
         </p:txBody>
       </p:sp>
       <p:pic>
         <p:nvPicPr>
-          <p:cNvPr id="24" name=""/>
+          <p:cNvPr id="24" name="그림 23"/>
           <p:cNvPicPr>
             <a:picLocks noChangeAspect="1"/>
           </p:cNvPicPr>
@@ -9694,11 +9568,11 @@
   <p:clrMapOvr>
     <a:masterClrMapping/>
   </p:clrMapOvr>
-  <mc:AlternateContent xmlns:mc="http://schemas.openxmlformats.org/markup-compatibility/2006">
-    <mc:Choice xmlns:p14="http://schemas.microsoft.com/office/powerpoint/2010/main" Requires="p14">
-      <p:transition xmlns:mc="http://schemas.openxmlformats.org/markup-compatibility/2006" xmlns:p14="http://schemas.microsoft.com/office/powerpoint/2010/main" mc:Ignorable="p14" p14:dur="500"/>
+  <mc:AlternateContent xmlns:mc="http://schemas.openxmlformats.org/markup-compatibility/2006" xmlns:p14="http://schemas.microsoft.com/office/powerpoint/2010/main">
+    <mc:Choice Requires="p14">
+      <p:transition/>
     </mc:Choice>
-    <mc:Fallback>
+    <mc:Fallback xmlns:dsp="http://schemas.microsoft.com/office/drawing/2008/diagram" xmlns:dgm="http://schemas.openxmlformats.org/drawingml/2006/diagram" xmlns:c="http://schemas.openxmlformats.org/drawingml/2006/chart" xmlns="">
       <p:transition/>
     </mc:Fallback>
   </mc:AlternateContent>
@@ -9706,7 +9580,7 @@
 </file>
 
 <file path=ppt/slides/slide14.xml><?xml version="1.0" encoding="utf-8"?>
-<p:sld xmlns:r="http://schemas.openxmlformats.org/officeDocument/2006/relationships" xmlns:c="http://schemas.openxmlformats.org/drawingml/2006/chart" xmlns:a="http://schemas.openxmlformats.org/drawingml/2006/main" xmlns:dgm="http://schemas.openxmlformats.org/drawingml/2006/diagram" xmlns:dsp="http://schemas.microsoft.com/office/drawing/2008/diagram" xmlns:p="http://schemas.openxmlformats.org/presentationml/2006/main">
+<p:sld xmlns:a="http://schemas.openxmlformats.org/drawingml/2006/main" xmlns:r="http://schemas.openxmlformats.org/officeDocument/2006/relationships" xmlns:p="http://schemas.openxmlformats.org/presentationml/2006/main">
   <p:cSld>
     <p:spTree>
       <p:nvGrpSpPr>
@@ -9754,7 +9628,7 @@
                 </a:solidFill>
                 <a:effectLst>
                   <a:glow rad="88900">
-                    <a:srgbClr val="e3781f">
+                    <a:srgbClr val="E3781F">
                       <a:alpha val="7000"/>
                     </a:srgbClr>
                   </a:glow>
@@ -9764,20 +9638,6 @@
               </a:rPr>
               <a:t>Power Point Template</a:t>
             </a:r>
-            <a:endParaRPr lang="en-US" altLang="ko-KR" sz="900" b="1">
-              <a:solidFill>
-                <a:schemeClr val="bg1"/>
-              </a:solidFill>
-              <a:effectLst>
-                <a:glow rad="88900">
-                  <a:srgbClr val="e3781f">
-                    <a:alpha val="7000"/>
-                  </a:srgbClr>
-                </a:glow>
-              </a:effectLst>
-              <a:latin typeface="나눔스퀘어"/>
-              <a:ea typeface="나눔스퀘어"/>
-            </a:endParaRPr>
           </a:p>
           <a:p>
             <a:pPr algn="ctr">
@@ -9790,7 +9650,7 @@
                 </a:solidFill>
                 <a:effectLst>
                   <a:glow rad="88900">
-                    <a:srgbClr val="e3781f">
+                    <a:srgbClr val="E3781F">
                       <a:alpha val="7000"/>
                     </a:srgbClr>
                   </a:glow>
@@ -9800,20 +9660,6 @@
               </a:rPr>
               <a:t>Ponybuhagom</a:t>
             </a:r>
-            <a:endParaRPr lang="en-US" altLang="ko-KR" sz="600">
-              <a:solidFill>
-                <a:schemeClr val="bg1"/>
-              </a:solidFill>
-              <a:effectLst>
-                <a:glow rad="88900">
-                  <a:srgbClr val="e3781f">
-                    <a:alpha val="7000"/>
-                  </a:srgbClr>
-                </a:glow>
-              </a:effectLst>
-              <a:latin typeface="나눔스퀘어"/>
-              <a:ea typeface="나눔스퀘어"/>
-            </a:endParaRPr>
           </a:p>
         </p:txBody>
       </p:sp>
@@ -9845,20 +9691,13 @@
             <a:r>
               <a:rPr lang="ko-KR" altLang="en-US" sz="2400" spc="-150">
                 <a:solidFill>
-                  <a:srgbClr val="ffffff"/>
+                  <a:srgbClr val="FFFFFF"/>
                 </a:solidFill>
                 <a:latin typeface="나눔스퀘어 Bold"/>
                 <a:ea typeface="나눔스퀘어 Bold"/>
               </a:rPr>
               <a:t>분석</a:t>
             </a:r>
-            <a:endParaRPr lang="ko-KR" altLang="en-US" sz="2400" spc="-150">
-              <a:solidFill>
-                <a:srgbClr val="ffffff"/>
-              </a:solidFill>
-              <a:latin typeface="나눔스퀘어 Bold"/>
-              <a:ea typeface="나눔스퀘어 Bold"/>
-            </a:endParaRPr>
           </a:p>
         </p:txBody>
       </p:sp>
@@ -10018,7 +9857,7 @@
           </a:prstGeom>
           <a:ln w="19050" cap="rnd">
             <a:solidFill>
-              <a:srgbClr val="94c3bb"/>
+              <a:srgbClr val="94C3BB"/>
             </a:solidFill>
           </a:ln>
         </p:spPr>
@@ -10065,20 +9904,13 @@
             <a:r>
               <a:rPr lang="en-US" altLang="ko-KR" sz="2400" spc="-150">
                 <a:solidFill>
-                  <a:srgbClr val="00002f"/>
+                  <a:srgbClr val="00002F"/>
                 </a:solidFill>
                 <a:latin typeface="나눔스퀘어 ExtraBold"/>
                 <a:ea typeface="나눔스퀘어 ExtraBold"/>
               </a:rPr>
               <a:t>03.</a:t>
             </a:r>
-            <a:endParaRPr lang="en-US" altLang="ko-KR" sz="2400" spc="-150">
-              <a:solidFill>
-                <a:srgbClr val="00002f"/>
-              </a:solidFill>
-              <a:latin typeface="나눔스퀘어 ExtraBold"/>
-              <a:ea typeface="나눔스퀘어 ExtraBold"/>
-            </a:endParaRPr>
           </a:p>
         </p:txBody>
       </p:sp>
@@ -10110,20 +9942,13 @@
             <a:r>
               <a:rPr lang="ko-KR" altLang="en-US" sz="3200" spc="-150">
                 <a:solidFill>
-                  <a:srgbClr val="00002f"/>
+                  <a:srgbClr val="00002F"/>
                 </a:solidFill>
                 <a:latin typeface="나눔스퀘어 ExtraBold"/>
                 <a:ea typeface="나눔스퀘어 ExtraBold"/>
               </a:rPr>
               <a:t>분석 과정</a:t>
             </a:r>
-            <a:endParaRPr lang="ko-KR" altLang="en-US" sz="3200" spc="-150">
-              <a:solidFill>
-                <a:srgbClr val="00002f"/>
-              </a:solidFill>
-              <a:latin typeface="나눔스퀘어 ExtraBold"/>
-              <a:ea typeface="나눔스퀘어 ExtraBold"/>
-            </a:endParaRPr>
           </a:p>
         </p:txBody>
       </p:sp>
@@ -10155,20 +9980,13 @@
             <a:r>
               <a:rPr lang="ko-KR" altLang="en-US" sz="2400" spc="-150">
                 <a:solidFill>
-                  <a:srgbClr val="8dbabd"/>
+                  <a:srgbClr val="8DBABD"/>
                 </a:solidFill>
                 <a:latin typeface="나눔스퀘어 Bold"/>
                 <a:ea typeface="나눔스퀘어 Bold"/>
               </a:rPr>
               <a:t>실제 제주연구원 사이트의</a:t>
             </a:r>
-            <a:endParaRPr lang="ko-KR" altLang="en-US" sz="2400" spc="-150">
-              <a:solidFill>
-                <a:srgbClr val="8dbabd"/>
-              </a:solidFill>
-              <a:latin typeface="나눔스퀘어 Bold"/>
-              <a:ea typeface="나눔스퀘어 Bold"/>
-            </a:endParaRPr>
           </a:p>
           <a:p>
             <a:pPr algn="ctr">
@@ -10177,7 +9995,7 @@
             <a:r>
               <a:rPr lang="en-US" altLang="ko-KR" sz="2400" spc="-150">
                 <a:solidFill>
-                  <a:srgbClr val="8dbabd"/>
+                  <a:srgbClr val="8DBABD"/>
                 </a:solidFill>
                 <a:latin typeface="나눔스퀘어 Bold"/>
                 <a:ea typeface="나눔스퀘어 Bold"/>
@@ -10187,7 +10005,7 @@
             <a:r>
               <a:rPr lang="ko-KR" altLang="en-US" sz="2400" spc="-150">
                 <a:solidFill>
-                  <a:srgbClr val="8dbabd"/>
+                  <a:srgbClr val="8DBABD"/>
                 </a:solidFill>
                 <a:latin typeface="나눔스퀘어 Bold"/>
                 <a:ea typeface="나눔스퀘어 Bold"/>
@@ -10197,7 +10015,7 @@
             <a:r>
               <a:rPr lang="en-US" altLang="ko-KR" sz="2400" spc="-150">
                 <a:solidFill>
-                  <a:srgbClr val="8dbabd"/>
+                  <a:srgbClr val="8DBABD"/>
                 </a:solidFill>
                 <a:latin typeface="나눔스퀘어 Bold"/>
                 <a:ea typeface="나눔스퀘어 Bold"/>
@@ -10207,20 +10025,13 @@
             <a:r>
               <a:rPr lang="ko-KR" altLang="en-US" sz="2400" spc="-150">
                 <a:solidFill>
-                  <a:srgbClr val="8dbabd"/>
+                  <a:srgbClr val="8DBABD"/>
                 </a:solidFill>
                 <a:latin typeface="나눔스퀘어 Bold"/>
                 <a:ea typeface="나눔스퀘어 Bold"/>
               </a:rPr>
               <a:t>을 분석한 자료를</a:t>
             </a:r>
-            <a:endParaRPr lang="ko-KR" altLang="en-US" sz="2400" spc="-150">
-              <a:solidFill>
-                <a:srgbClr val="8dbabd"/>
-              </a:solidFill>
-              <a:latin typeface="나눔스퀘어 Bold"/>
-              <a:ea typeface="나눔스퀘어 Bold"/>
-            </a:endParaRPr>
           </a:p>
           <a:p>
             <a:pPr algn="ctr">
@@ -10229,7 +10040,7 @@
             <a:r>
               <a:rPr lang="ko-KR" altLang="en-US" sz="2400" spc="-150">
                 <a:solidFill>
-                  <a:srgbClr val="8dbabd"/>
+                  <a:srgbClr val="8DBABD"/>
                 </a:solidFill>
                 <a:latin typeface="나눔스퀘어 Bold"/>
                 <a:ea typeface="나눔스퀘어 Bold"/>
@@ -10239,7 +10050,7 @@
             <a:r>
               <a:rPr lang="en-US" altLang="ko-KR" sz="2400" spc="-150">
                 <a:solidFill>
-                  <a:srgbClr val="8dbabd"/>
+                  <a:srgbClr val="8DBABD"/>
                 </a:solidFill>
                 <a:latin typeface="나눔스퀘어 Bold"/>
                 <a:ea typeface="나눔스퀘어 Bold"/>
@@ -10249,7 +10060,7 @@
             <a:r>
               <a:rPr lang="ko-KR" altLang="en-US" sz="2400" spc="-150">
                 <a:solidFill>
-                  <a:srgbClr val="8dbabd"/>
+                  <a:srgbClr val="8DBABD"/>
                 </a:solidFill>
                 <a:latin typeface="나눔스퀘어 Bold"/>
                 <a:ea typeface="나눔스퀘어 Bold"/>
@@ -10259,7 +10070,7 @@
             <a:r>
               <a:rPr lang="en-US" altLang="ko-KR" sz="2400" spc="-150">
                 <a:solidFill>
-                  <a:srgbClr val="8dbabd"/>
+                  <a:srgbClr val="8DBABD"/>
                 </a:solidFill>
                 <a:latin typeface="나눔스퀘어 Bold"/>
                 <a:ea typeface="나눔스퀘어 Bold"/>
@@ -10269,20 +10080,13 @@
             <a:r>
               <a:rPr lang="ko-KR" altLang="en-US" sz="2400" spc="-150">
                 <a:solidFill>
-                  <a:srgbClr val="8dbabd"/>
+                  <a:srgbClr val="8DBABD"/>
                 </a:solidFill>
                 <a:latin typeface="나눔스퀘어 Bold"/>
                 <a:ea typeface="나눔스퀘어 Bold"/>
               </a:rPr>
               <a:t> 기준</a:t>
             </a:r>
-            <a:endParaRPr lang="ko-KR" altLang="en-US" sz="2400" spc="-150">
-              <a:solidFill>
-                <a:srgbClr val="8dbabd"/>
-              </a:solidFill>
-              <a:latin typeface="나눔스퀘어 Bold"/>
-              <a:ea typeface="나눔스퀘어 Bold"/>
-            </a:endParaRPr>
           </a:p>
           <a:p>
             <a:pPr algn="ctr">
@@ -10291,7 +10095,7 @@
             <a:r>
               <a:rPr lang="ko-KR" altLang="en-US" sz="2400" spc="-150">
                 <a:solidFill>
-                  <a:srgbClr val="8dbabd"/>
+                  <a:srgbClr val="8DBABD"/>
                 </a:solidFill>
                 <a:latin typeface="나눔스퀘어 Bold"/>
                 <a:ea typeface="나눔스퀘어 Bold"/>
@@ -10301,7 +10105,7 @@
             <a:r>
               <a:rPr lang="en-US" altLang="ko-KR" sz="2400" spc="-150">
                 <a:solidFill>
-                  <a:srgbClr val="8dbabd"/>
+                  <a:srgbClr val="8DBABD"/>
                 </a:solidFill>
                 <a:latin typeface="나눔스퀘어 Bold"/>
                 <a:ea typeface="나눔스퀘어 Bold"/>
@@ -10311,7 +10115,7 @@
             <a:r>
               <a:rPr lang="ko-KR" altLang="en-US" sz="2400" spc="-150">
                 <a:solidFill>
-                  <a:srgbClr val="8dbabd"/>
+                  <a:srgbClr val="8DBABD"/>
                 </a:solidFill>
                 <a:latin typeface="나눔스퀘어 Bold"/>
                 <a:ea typeface="나눔스퀘어 Bold"/>
@@ -10321,26 +10125,19 @@
             <a:r>
               <a:rPr lang="en-US" altLang="ko-KR" sz="2400" spc="-150">
                 <a:solidFill>
-                  <a:srgbClr val="8dbabd"/>
+                  <a:srgbClr val="8DBABD"/>
                 </a:solidFill>
                 <a:latin typeface="나눔스퀘어 Bold"/>
                 <a:ea typeface="나눔스퀘어 Bold"/>
               </a:rPr>
               <a:t>.</a:t>
             </a:r>
-            <a:endParaRPr lang="en-US" altLang="ko-KR" sz="2400" spc="-150">
-              <a:solidFill>
-                <a:srgbClr val="8dbabd"/>
-              </a:solidFill>
-              <a:latin typeface="나눔스퀘어 Bold"/>
-              <a:ea typeface="나눔스퀘어 Bold"/>
-            </a:endParaRPr>
           </a:p>
         </p:txBody>
       </p:sp>
       <p:pic>
         <p:nvPicPr>
-          <p:cNvPr id="25" name=""/>
+          <p:cNvPr id="25" name="그림 24"/>
           <p:cNvPicPr>
             <a:picLocks noChangeAspect="1"/>
           </p:cNvPicPr>
@@ -10402,11 +10199,11 @@
   <p:clrMapOvr>
     <a:masterClrMapping/>
   </p:clrMapOvr>
-  <mc:AlternateContent xmlns:mc="http://schemas.openxmlformats.org/markup-compatibility/2006">
-    <mc:Choice xmlns:p14="http://schemas.microsoft.com/office/powerpoint/2010/main" Requires="p14">
-      <p:transition xmlns:mc="http://schemas.openxmlformats.org/markup-compatibility/2006" xmlns:p14="http://schemas.microsoft.com/office/powerpoint/2010/main" mc:Ignorable="p14" p14:dur="500"/>
+  <mc:AlternateContent xmlns:mc="http://schemas.openxmlformats.org/markup-compatibility/2006" xmlns:p14="http://schemas.microsoft.com/office/powerpoint/2010/main">
+    <mc:Choice Requires="p14">
+      <p:transition/>
     </mc:Choice>
-    <mc:Fallback>
+    <mc:Fallback xmlns:dsp="http://schemas.microsoft.com/office/drawing/2008/diagram" xmlns:dgm="http://schemas.openxmlformats.org/drawingml/2006/diagram" xmlns:c="http://schemas.openxmlformats.org/drawingml/2006/chart" xmlns="">
       <p:transition/>
     </mc:Fallback>
   </mc:AlternateContent>
@@ -10414,7 +10211,7 @@
 </file>
 
 <file path=ppt/slides/slide15.xml><?xml version="1.0" encoding="utf-8"?>
-<p:sld xmlns:r="http://schemas.openxmlformats.org/officeDocument/2006/relationships" xmlns:c="http://schemas.openxmlformats.org/drawingml/2006/chart" xmlns:a="http://schemas.openxmlformats.org/drawingml/2006/main" xmlns:dgm="http://schemas.openxmlformats.org/drawingml/2006/diagram" xmlns:dsp="http://schemas.microsoft.com/office/drawing/2008/diagram" xmlns:p="http://schemas.openxmlformats.org/presentationml/2006/main">
+<p:sld xmlns:a="http://schemas.openxmlformats.org/drawingml/2006/main" xmlns:r="http://schemas.openxmlformats.org/officeDocument/2006/relationships" xmlns:p="http://schemas.openxmlformats.org/presentationml/2006/main">
   <p:cSld>
     <p:spTree>
       <p:nvGrpSpPr>
@@ -10462,7 +10259,7 @@
                 </a:solidFill>
                 <a:effectLst>
                   <a:glow rad="88900">
-                    <a:srgbClr val="e3781f">
+                    <a:srgbClr val="E3781F">
                       <a:alpha val="7000"/>
                     </a:srgbClr>
                   </a:glow>
@@ -10472,20 +10269,6 @@
               </a:rPr>
               <a:t>Power Point Template</a:t>
             </a:r>
-            <a:endParaRPr lang="en-US" altLang="ko-KR" sz="900" b="1">
-              <a:solidFill>
-                <a:schemeClr val="bg1"/>
-              </a:solidFill>
-              <a:effectLst>
-                <a:glow rad="88900">
-                  <a:srgbClr val="e3781f">
-                    <a:alpha val="7000"/>
-                  </a:srgbClr>
-                </a:glow>
-              </a:effectLst>
-              <a:latin typeface="나눔스퀘어"/>
-              <a:ea typeface="나눔스퀘어"/>
-            </a:endParaRPr>
           </a:p>
           <a:p>
             <a:pPr algn="ctr">
@@ -10498,7 +10281,7 @@
                 </a:solidFill>
                 <a:effectLst>
                   <a:glow rad="88900">
-                    <a:srgbClr val="e3781f">
+                    <a:srgbClr val="E3781F">
                       <a:alpha val="7000"/>
                     </a:srgbClr>
                   </a:glow>
@@ -10508,20 +10291,6 @@
               </a:rPr>
               <a:t>Ponybuhagom</a:t>
             </a:r>
-            <a:endParaRPr lang="en-US" altLang="ko-KR" sz="600">
-              <a:solidFill>
-                <a:schemeClr val="bg1"/>
-              </a:solidFill>
-              <a:effectLst>
-                <a:glow rad="88900">
-                  <a:srgbClr val="e3781f">
-                    <a:alpha val="7000"/>
-                  </a:srgbClr>
-                </a:glow>
-              </a:effectLst>
-              <a:latin typeface="나눔스퀘어"/>
-              <a:ea typeface="나눔스퀘어"/>
-            </a:endParaRPr>
           </a:p>
         </p:txBody>
       </p:sp>
@@ -10553,20 +10322,13 @@
             <a:r>
               <a:rPr lang="ko-KR" altLang="en-US" sz="2400" spc="-150">
                 <a:solidFill>
-                  <a:srgbClr val="ffffff"/>
+                  <a:srgbClr val="FFFFFF"/>
                 </a:solidFill>
                 <a:latin typeface="나눔스퀘어 Bold"/>
                 <a:ea typeface="나눔스퀘어 Bold"/>
               </a:rPr>
               <a:t>분석</a:t>
             </a:r>
-            <a:endParaRPr lang="ko-KR" altLang="en-US" sz="2400" spc="-150">
-              <a:solidFill>
-                <a:srgbClr val="ffffff"/>
-              </a:solidFill>
-              <a:latin typeface="나눔스퀘어 Bold"/>
-              <a:ea typeface="나눔스퀘어 Bold"/>
-            </a:endParaRPr>
           </a:p>
         </p:txBody>
       </p:sp>
@@ -10726,7 +10488,7 @@
           </a:prstGeom>
           <a:ln w="19050" cap="rnd">
             <a:solidFill>
-              <a:srgbClr val="94c3bb"/>
+              <a:srgbClr val="94C3BB"/>
             </a:solidFill>
           </a:ln>
         </p:spPr>
@@ -10773,20 +10535,13 @@
             <a:r>
               <a:rPr lang="en-US" altLang="ko-KR" sz="2400" spc="-150">
                 <a:solidFill>
-                  <a:srgbClr val="00002f"/>
+                  <a:srgbClr val="00002F"/>
                 </a:solidFill>
                 <a:latin typeface="나눔스퀘어 ExtraBold"/>
                 <a:ea typeface="나눔스퀘어 ExtraBold"/>
               </a:rPr>
               <a:t>03.</a:t>
             </a:r>
-            <a:endParaRPr lang="en-US" altLang="ko-KR" sz="2400" spc="-150">
-              <a:solidFill>
-                <a:srgbClr val="00002f"/>
-              </a:solidFill>
-              <a:latin typeface="나눔스퀘어 ExtraBold"/>
-              <a:ea typeface="나눔스퀘어 ExtraBold"/>
-            </a:endParaRPr>
           </a:p>
         </p:txBody>
       </p:sp>
@@ -10818,26 +10573,19 @@
             <a:r>
               <a:rPr lang="ko-KR" altLang="en-US" sz="3200" spc="-150">
                 <a:solidFill>
-                  <a:srgbClr val="00002f"/>
+                  <a:srgbClr val="00002F"/>
                 </a:solidFill>
                 <a:latin typeface="나눔스퀘어 ExtraBold"/>
                 <a:ea typeface="나눔스퀘어 ExtraBold"/>
               </a:rPr>
               <a:t>분석 과정</a:t>
             </a:r>
-            <a:endParaRPr lang="ko-KR" altLang="en-US" sz="3200" spc="-150">
-              <a:solidFill>
-                <a:srgbClr val="00002f"/>
-              </a:solidFill>
-              <a:latin typeface="나눔스퀘어 ExtraBold"/>
-              <a:ea typeface="나눔스퀘어 ExtraBold"/>
-            </a:endParaRPr>
           </a:p>
         </p:txBody>
       </p:sp>
       <p:pic>
         <p:nvPicPr>
-          <p:cNvPr id="26" name=""/>
+          <p:cNvPr id="26" name="그림 25"/>
           <p:cNvPicPr>
             <a:picLocks noChangeAspect="1"/>
           </p:cNvPicPr>
@@ -10885,7 +10633,7 @@
               <a:defRPr/>
             </a:pPr>
             <a:r>
-              <a:rPr lang="en-US" altLang="ko-KR" sz="2400" spc="-150">
+              <a:rPr lang="en-US" altLang="ko-KR" sz="2400" spc="-150" dirty="0">
                 <a:solidFill>
                   <a:schemeClr val="dk1"/>
                 </a:solidFill>
@@ -10895,49 +10643,52 @@
               <a:t>15</a:t>
             </a:r>
             <a:r>
-              <a:rPr lang="ko-KR" altLang="en-US" sz="2400" spc="-150">
+              <a:rPr lang="ko-KR" altLang="en-US" sz="2400" spc="-150" dirty="0" err="1">
                 <a:solidFill>
                   <a:schemeClr val="dk1"/>
                 </a:solidFill>
                 <a:latin typeface="나눔스퀘어 Bold"/>
                 <a:ea typeface="나눔스퀘어 Bold"/>
               </a:rPr>
-              <a:t>년기준 </a:t>
-            </a:r>
-            <a:r>
-              <a:rPr lang="en-US" altLang="ko-KR" sz="2400" spc="-150">
+              <a:t>년기준</a:t>
+            </a:r>
+            <a:r>
+              <a:rPr lang="ko-KR" altLang="en-US" sz="2400" spc="-150" dirty="0">
                 <a:solidFill>
                   <a:schemeClr val="dk1"/>
                 </a:solidFill>
                 <a:latin typeface="나눔스퀘어 Bold"/>
                 <a:ea typeface="나눔스퀘어 Bold"/>
               </a:rPr>
-              <a:t>6.7%</a:t>
-            </a:r>
-            <a:r>
-              <a:rPr lang="ko-KR" altLang="en-US" sz="2400" spc="-150">
+              <a:t> </a:t>
+            </a:r>
+            <a:r>
+              <a:rPr lang="en-US" altLang="ko-KR" sz="2400" spc="-150" dirty="0">
                 <a:solidFill>
                   <a:schemeClr val="dk1"/>
                 </a:solidFill>
                 <a:latin typeface="나눔스퀘어 Bold"/>
                 <a:ea typeface="나눔스퀘어 Bold"/>
               </a:rPr>
+              <a:t>6.7%</a:t>
+            </a:r>
+            <a:r>
+              <a:rPr lang="ko-KR" altLang="en-US" sz="2400" spc="-150" dirty="0">
+                <a:solidFill>
+                  <a:schemeClr val="dk1"/>
+                </a:solidFill>
+                <a:latin typeface="나눔스퀘어 Bold"/>
+                <a:ea typeface="나눔스퀘어 Bold"/>
+              </a:rPr>
               <a:t> 가량이 올랐는데</a:t>
             </a:r>
-            <a:endParaRPr lang="ko-KR" altLang="en-US" sz="2400" spc="-150">
-              <a:solidFill>
-                <a:schemeClr val="dk1"/>
-              </a:solidFill>
-              <a:latin typeface="나눔스퀘어 Bold"/>
-              <a:ea typeface="나눔스퀘어 Bold"/>
-            </a:endParaRPr>
           </a:p>
           <a:p>
             <a:pPr algn="ctr">
               <a:defRPr/>
             </a:pPr>
             <a:r>
-              <a:rPr lang="ko-KR" altLang="en-US" sz="2400" spc="-150">
+              <a:rPr lang="ko-KR" altLang="en-US" sz="2400" spc="-150" dirty="0">
                 <a:solidFill>
                   <a:schemeClr val="dk1"/>
                 </a:solidFill>
@@ -10946,20 +10697,13 @@
               </a:rPr>
               <a:t>간단하게 비교하자면</a:t>
             </a:r>
-            <a:endParaRPr lang="ko-KR" altLang="en-US" sz="2400" spc="-150">
-              <a:solidFill>
-                <a:schemeClr val="dk1"/>
-              </a:solidFill>
-              <a:latin typeface="나눔스퀘어 Bold"/>
-              <a:ea typeface="나눔스퀘어 Bold"/>
-            </a:endParaRPr>
           </a:p>
           <a:p>
             <a:pPr algn="ctr">
               <a:defRPr/>
             </a:pPr>
             <a:r>
-              <a:rPr lang="en-US" altLang="ko-KR" sz="2400" spc="-150">
+              <a:rPr lang="en-US" altLang="ko-KR" sz="2400" spc="-150" dirty="0">
                 <a:solidFill>
                   <a:schemeClr val="dk1"/>
                 </a:solidFill>
@@ -10969,29 +10713,32 @@
               <a:t>4</a:t>
             </a:r>
             <a:r>
-              <a:rPr lang="ko-KR" altLang="en-US" sz="2400" spc="-150">
+              <a:rPr lang="ko-KR" altLang="en-US" sz="2400" spc="-150" dirty="0" err="1">
                 <a:solidFill>
                   <a:schemeClr val="dk1"/>
                 </a:solidFill>
                 <a:latin typeface="나눔스퀘어 Bold"/>
                 <a:ea typeface="나눔스퀘어 Bold"/>
               </a:rPr>
-              <a:t>년전에 백만원주고산 아이폰을</a:t>
-            </a:r>
-            <a:endParaRPr lang="ko-KR" altLang="en-US" sz="2400" spc="-150">
-              <a:solidFill>
-                <a:schemeClr val="dk1"/>
-              </a:solidFill>
-              <a:latin typeface="나눔스퀘어 Bold"/>
-              <a:ea typeface="나눔스퀘어 Bold"/>
-            </a:endParaRPr>
+              <a:t>년전에</a:t>
+            </a:r>
+            <a:r>
+              <a:rPr lang="ko-KR" altLang="en-US" sz="2400" spc="-150" dirty="0">
+                <a:solidFill>
+                  <a:schemeClr val="dk1"/>
+                </a:solidFill>
+                <a:latin typeface="나눔스퀘어 Bold"/>
+                <a:ea typeface="나눔스퀘어 Bold"/>
+              </a:rPr>
+              <a:t> 백만원주고산 아이폰을</a:t>
+            </a:r>
           </a:p>
           <a:p>
             <a:pPr algn="ctr">
               <a:defRPr/>
             </a:pPr>
             <a:r>
-              <a:rPr lang="ko-KR" altLang="en-US" sz="2400" spc="-150">
+              <a:rPr lang="ko-KR" altLang="en-US" sz="2400" spc="-150" dirty="0">
                 <a:solidFill>
                   <a:schemeClr val="dk1"/>
                 </a:solidFill>
@@ -11001,7 +10748,7 @@
               <a:t>지금사면 </a:t>
             </a:r>
             <a:r>
-              <a:rPr lang="en-US" altLang="ko-KR" sz="2400" spc="-150">
+              <a:rPr lang="en-US" altLang="ko-KR" sz="2400" spc="-150" dirty="0">
                 <a:solidFill>
                   <a:schemeClr val="dk1"/>
                 </a:solidFill>
@@ -11011,29 +10758,42 @@
               <a:t>106</a:t>
             </a:r>
             <a:r>
-              <a:rPr lang="ko-KR" altLang="en-US" sz="2400" spc="-150">
+              <a:rPr lang="ko-KR" altLang="en-US" sz="2400" spc="-150" dirty="0">
                 <a:solidFill>
                   <a:schemeClr val="dk1"/>
                 </a:solidFill>
                 <a:latin typeface="나눔스퀘어 Bold"/>
                 <a:ea typeface="나눔스퀘어 Bold"/>
               </a:rPr>
-              <a:t>만원을 주고 사야되는 </a:t>
-            </a:r>
-            <a:endParaRPr lang="ko-KR" altLang="en-US" sz="2400" spc="-150">
-              <a:solidFill>
-                <a:schemeClr val="dk1"/>
-              </a:solidFill>
-              <a:latin typeface="나눔스퀘어 Bold"/>
-              <a:ea typeface="나눔스퀘어 Bold"/>
-            </a:endParaRPr>
+              <a:t>만원을 주고 </a:t>
+            </a:r>
+            <a:r>
+              <a:rPr lang="ko-KR" altLang="en-US" sz="2400" spc="-150" dirty="0" err="1">
+                <a:solidFill>
+                  <a:schemeClr val="dk1"/>
+                </a:solidFill>
+                <a:latin typeface="나눔스퀘어 Bold"/>
+                <a:ea typeface="나눔스퀘어 Bold"/>
+              </a:rPr>
+              <a:t>사야되는</a:t>
+            </a:r>
+            <a:r>
+              <a:rPr lang="ko-KR" altLang="en-US" sz="2400" spc="-150" dirty="0">
+                <a:solidFill>
+                  <a:schemeClr val="dk1"/>
+                </a:solidFill>
+                <a:latin typeface="나눔스퀘어 Bold"/>
+                <a:ea typeface="나눔스퀘어 Bold"/>
+              </a:rPr>
+              <a:t> </a:t>
+            </a:r>
           </a:p>
           <a:p>
             <a:pPr algn="ctr">
               <a:defRPr/>
             </a:pPr>
             <a:r>
-              <a:rPr lang="ko-KR" altLang="en-US" sz="2400" spc="-150">
+              <a:rPr lang="ko-KR" altLang="en-US" sz="2400" spc="-150" dirty="0">
                 <a:solidFill>
                   <a:schemeClr val="dk1"/>
                 </a:solidFill>
@@ -11043,7 +10803,7 @@
               <a:t>상황이 나타납니다</a:t>
             </a:r>
             <a:r>
-              <a:rPr lang="en-US" altLang="ko-KR" sz="2400" spc="-150">
+              <a:rPr lang="en-US" altLang="ko-KR" sz="2400" spc="-150" dirty="0">
                 <a:solidFill>
                   <a:schemeClr val="dk1"/>
                 </a:solidFill>
@@ -11052,19 +10812,12 @@
               </a:rPr>
               <a:t>.</a:t>
             </a:r>
-            <a:endParaRPr lang="en-US" altLang="ko-KR" sz="2400" spc="-150">
-              <a:solidFill>
-                <a:schemeClr val="dk1"/>
-              </a:solidFill>
-              <a:latin typeface="나눔스퀘어 Bold"/>
-              <a:ea typeface="나눔스퀘어 Bold"/>
-            </a:endParaRPr>
           </a:p>
         </p:txBody>
       </p:sp>
       <p:sp>
         <p:nvSpPr>
-          <p:cNvPr id="28" name=""/>
+          <p:cNvPr id="28" name="직사각형 27"/>
           <p:cNvSpPr/>
           <p:nvPr/>
         </p:nvSpPr>
@@ -11079,7 +10832,7 @@
           <a:noFill/>
           <a:ln>
             <a:solidFill>
-              <a:srgbClr val="ff0000"/>
+              <a:srgbClr val="FF0000"/>
             </a:solidFill>
           </a:ln>
         </p:spPr>
@@ -11101,6 +10854,7 @@
         </p:style>
         <p:txBody>
           <a:bodyPr anchor="ctr"/>
+          <a:lstStyle/>
           <a:p>
             <a:pPr algn="ctr">
               <a:defRPr/>
@@ -11111,7 +10865,7 @@
       </p:sp>
       <p:cxnSp>
         <p:nvCxnSpPr>
-          <p:cNvPr id="29" name=""/>
+          <p:cNvPr id="29" name="직선 화살표 연결선 28"/>
           <p:cNvCxnSpPr>
             <a:stCxn id="28" idx="2"/>
           </p:cNvCxnSpPr>
@@ -11127,7 +10881,7 @@
           </a:prstGeom>
           <a:ln>
             <a:solidFill>
-              <a:srgbClr val="ff0000"/>
+              <a:srgbClr val="FF0000"/>
             </a:solidFill>
             <a:tailEnd type="arrow"/>
           </a:ln>
@@ -11149,7 +10903,7 @@
       </p:cxnSp>
       <p:sp>
         <p:nvSpPr>
-          <p:cNvPr id="30" name=""/>
+          <p:cNvPr id="30" name="직사각형 29"/>
           <p:cNvSpPr/>
           <p:nvPr/>
         </p:nvSpPr>
@@ -11164,7 +10918,7 @@
           <a:noFill/>
           <a:ln>
             <a:solidFill>
-              <a:srgbClr val="ff0000"/>
+              <a:srgbClr val="FF0000"/>
             </a:solidFill>
           </a:ln>
         </p:spPr>
@@ -11200,11 +10954,11 @@
   <p:clrMapOvr>
     <a:masterClrMapping/>
   </p:clrMapOvr>
-  <mc:AlternateContent xmlns:mc="http://schemas.openxmlformats.org/markup-compatibility/2006">
-    <mc:Choice xmlns:p14="http://schemas.microsoft.com/office/powerpoint/2010/main" Requires="p14">
-      <p:transition xmlns:mc="http://schemas.openxmlformats.org/markup-compatibility/2006" xmlns:p14="http://schemas.microsoft.com/office/powerpoint/2010/main" mc:Ignorable="p14" p14:dur="500"/>
+  <mc:AlternateContent xmlns:mc="http://schemas.openxmlformats.org/markup-compatibility/2006" xmlns:p14="http://schemas.microsoft.com/office/powerpoint/2010/main">
+    <mc:Choice Requires="p14">
+      <p:transition/>
     </mc:Choice>
-    <mc:Fallback>
+    <mc:Fallback xmlns:dsp="http://schemas.microsoft.com/office/drawing/2008/diagram" xmlns:dgm="http://schemas.openxmlformats.org/drawingml/2006/diagram" xmlns:c="http://schemas.openxmlformats.org/drawingml/2006/chart" xmlns="">
       <p:transition/>
     </mc:Fallback>
   </mc:AlternateContent>
@@ -11212,7 +10966,7 @@
 </file>
 
 <file path=ppt/slides/slide16.xml><?xml version="1.0" encoding="utf-8"?>
-<p:sld xmlns:r="http://schemas.openxmlformats.org/officeDocument/2006/relationships" xmlns:c="http://schemas.openxmlformats.org/drawingml/2006/chart" xmlns:a="http://schemas.openxmlformats.org/drawingml/2006/main" xmlns:dgm="http://schemas.openxmlformats.org/drawingml/2006/diagram" xmlns:dsp="http://schemas.microsoft.com/office/drawing/2008/diagram" xmlns:p="http://schemas.openxmlformats.org/presentationml/2006/main">
+<p:sld xmlns:a="http://schemas.openxmlformats.org/drawingml/2006/main" xmlns:r="http://schemas.openxmlformats.org/officeDocument/2006/relationships" xmlns:p="http://schemas.openxmlformats.org/presentationml/2006/main">
   <p:cSld>
     <p:spTree>
       <p:nvGrpSpPr>
@@ -11260,7 +11014,7 @@
                 </a:solidFill>
                 <a:effectLst>
                   <a:glow rad="88900">
-                    <a:srgbClr val="e3781f">
+                    <a:srgbClr val="E3781F">
                       <a:alpha val="7000"/>
                     </a:srgbClr>
                   </a:glow>
@@ -11270,20 +11024,6 @@
               </a:rPr>
               <a:t>Power Point Template</a:t>
             </a:r>
-            <a:endParaRPr lang="en-US" altLang="ko-KR" sz="900" b="1">
-              <a:solidFill>
-                <a:schemeClr val="bg1"/>
-              </a:solidFill>
-              <a:effectLst>
-                <a:glow rad="88900">
-                  <a:srgbClr val="e3781f">
-                    <a:alpha val="7000"/>
-                  </a:srgbClr>
-                </a:glow>
-              </a:effectLst>
-              <a:latin typeface="나눔스퀘어"/>
-              <a:ea typeface="나눔스퀘어"/>
-            </a:endParaRPr>
           </a:p>
           <a:p>
             <a:pPr algn="ctr">
@@ -11296,7 +11036,7 @@
                 </a:solidFill>
                 <a:effectLst>
                   <a:glow rad="88900">
-                    <a:srgbClr val="e3781f">
+                    <a:srgbClr val="E3781F">
                       <a:alpha val="7000"/>
                     </a:srgbClr>
                   </a:glow>
@@ -11306,20 +11046,6 @@
               </a:rPr>
               <a:t>Ponybuhagom</a:t>
             </a:r>
-            <a:endParaRPr lang="en-US" altLang="ko-KR" sz="600">
-              <a:solidFill>
-                <a:schemeClr val="bg1"/>
-              </a:solidFill>
-              <a:effectLst>
-                <a:glow rad="88900">
-                  <a:srgbClr val="e3781f">
-                    <a:alpha val="7000"/>
-                  </a:srgbClr>
-                </a:glow>
-              </a:effectLst>
-              <a:latin typeface="나눔스퀘어"/>
-              <a:ea typeface="나눔스퀘어"/>
-            </a:endParaRPr>
           </a:p>
         </p:txBody>
       </p:sp>
@@ -11351,20 +11077,13 @@
             <a:r>
               <a:rPr lang="ko-KR" altLang="en-US" sz="2400" spc="-150">
                 <a:solidFill>
-                  <a:srgbClr val="ffffff"/>
+                  <a:srgbClr val="FFFFFF"/>
                 </a:solidFill>
                 <a:latin typeface="나눔스퀘어 Bold"/>
                 <a:ea typeface="나눔스퀘어 Bold"/>
               </a:rPr>
               <a:t>분석</a:t>
             </a:r>
-            <a:endParaRPr lang="ko-KR" altLang="en-US" sz="2400" spc="-150">
-              <a:solidFill>
-                <a:srgbClr val="ffffff"/>
-              </a:solidFill>
-              <a:latin typeface="나눔스퀘어 Bold"/>
-              <a:ea typeface="나눔스퀘어 Bold"/>
-            </a:endParaRPr>
           </a:p>
         </p:txBody>
       </p:sp>
@@ -11524,7 +11243,7 @@
           </a:prstGeom>
           <a:ln w="19050" cap="rnd">
             <a:solidFill>
-              <a:srgbClr val="94c3bb"/>
+              <a:srgbClr val="94C3BB"/>
             </a:solidFill>
           </a:ln>
         </p:spPr>
@@ -11571,20 +11290,13 @@
             <a:r>
               <a:rPr lang="en-US" altLang="ko-KR" sz="2400" spc="-150">
                 <a:solidFill>
-                  <a:srgbClr val="00002f"/>
+                  <a:srgbClr val="00002F"/>
                 </a:solidFill>
                 <a:latin typeface="나눔스퀘어 ExtraBold"/>
                 <a:ea typeface="나눔스퀘어 ExtraBold"/>
               </a:rPr>
               <a:t>03.</a:t>
             </a:r>
-            <a:endParaRPr lang="en-US" altLang="ko-KR" sz="2400" spc="-150">
-              <a:solidFill>
-                <a:srgbClr val="00002f"/>
-              </a:solidFill>
-              <a:latin typeface="나눔스퀘어 ExtraBold"/>
-              <a:ea typeface="나눔스퀘어 ExtraBold"/>
-            </a:endParaRPr>
           </a:p>
         </p:txBody>
       </p:sp>
@@ -11616,20 +11328,13 @@
             <a:r>
               <a:rPr lang="ko-KR" altLang="en-US" sz="3200" spc="-150">
                 <a:solidFill>
-                  <a:srgbClr val="00002f"/>
+                  <a:srgbClr val="00002F"/>
                 </a:solidFill>
                 <a:latin typeface="나눔스퀘어 ExtraBold"/>
                 <a:ea typeface="나눔스퀘어 ExtraBold"/>
               </a:rPr>
               <a:t>분석 과정</a:t>
             </a:r>
-            <a:endParaRPr lang="ko-KR" altLang="en-US" sz="3200" spc="-150">
-              <a:solidFill>
-                <a:srgbClr val="00002f"/>
-              </a:solidFill>
-              <a:latin typeface="나눔스퀘어 ExtraBold"/>
-              <a:ea typeface="나눔스퀘어 ExtraBold"/>
-            </a:endParaRPr>
           </a:p>
         </p:txBody>
       </p:sp>
@@ -11641,8 +11346,8 @@
         </p:nvSpPr>
         <p:spPr>
           <a:xfrm>
-            <a:off x="6716745" y="2900330"/>
-            <a:ext cx="5117445" cy="1917415"/>
+            <a:off x="6048232" y="1759408"/>
+            <a:ext cx="5117445" cy="1200329"/>
           </a:xfrm>
           <a:prstGeom prst="rect">
             <a:avLst/>
@@ -11659,46 +11364,16 @@
               <a:defRPr/>
             </a:pPr>
             <a:r>
-              <a:rPr lang="en-US" altLang="ko-KR" sz="2400" spc="-150">
+              <a:rPr lang="ko-KR" altLang="en-US" sz="2400" spc="-150" dirty="0">
                 <a:solidFill>
                   <a:schemeClr val="dk1"/>
                 </a:solidFill>
                 <a:latin typeface="나눔스퀘어 Bold"/>
                 <a:ea typeface="나눔스퀘어 Bold"/>
               </a:rPr>
-              <a:t>15</a:t>
-            </a:r>
-            <a:r>
-              <a:rPr lang="ko-KR" altLang="en-US" sz="2400" spc="-150">
-                <a:solidFill>
-                  <a:schemeClr val="dk1"/>
-                </a:solidFill>
-                <a:latin typeface="나눔스퀘어 Bold"/>
-                <a:ea typeface="나눔스퀘어 Bold"/>
-              </a:rPr>
-              <a:t>년기준 </a:t>
-            </a:r>
-            <a:r>
-              <a:rPr lang="en-US" altLang="ko-KR" sz="2400" spc="-150">
-                <a:solidFill>
-                  <a:schemeClr val="dk1"/>
-                </a:solidFill>
-                <a:latin typeface="나눔스퀘어 Bold"/>
-                <a:ea typeface="나눔스퀘어 Bold"/>
-              </a:rPr>
-              <a:t>6.7%</a:t>
-            </a:r>
-            <a:r>
-              <a:rPr lang="ko-KR" altLang="en-US" sz="2400" spc="-150">
-                <a:solidFill>
-                  <a:schemeClr val="dk1"/>
-                </a:solidFill>
-                <a:latin typeface="나눔스퀘어 Bold"/>
-                <a:ea typeface="나눔스퀘어 Bold"/>
-              </a:rPr>
-              <a:t> 가량이 올랐는데</a:t>
-            </a:r>
-            <a:endParaRPr lang="ko-KR" altLang="en-US" sz="2400" spc="-150">
+              <a:t>제주도의 물가지수가 내륙지방보다 높은 </a:t>
+            </a:r>
+            <a:endParaRPr lang="en-US" altLang="ko-KR" sz="2400" spc="-150" dirty="0">
               <a:solidFill>
                 <a:schemeClr val="dk1"/>
               </a:solidFill>
@@ -11711,16 +11386,71 @@
               <a:defRPr/>
             </a:pPr>
             <a:r>
-              <a:rPr lang="ko-KR" altLang="en-US" sz="2400" spc="-150">
+              <a:rPr lang="ko-KR" altLang="en-US" sz="2400" spc="-150" dirty="0">
                 <a:solidFill>
                   <a:schemeClr val="dk1"/>
                 </a:solidFill>
                 <a:latin typeface="나눔스퀘어 Bold"/>
                 <a:ea typeface="나눔스퀘어 Bold"/>
               </a:rPr>
-              <a:t>간단하게 비교하자면</a:t>
-            </a:r>
-            <a:endParaRPr lang="ko-KR" altLang="en-US" sz="2400" spc="-150">
+              <a:t>이유는 </a:t>
+            </a:r>
+            <a:r>
+              <a:rPr lang="en-US" altLang="ko-KR" sz="2400" spc="-150" dirty="0">
+                <a:solidFill>
+                  <a:schemeClr val="dk1"/>
+                </a:solidFill>
+                <a:latin typeface="나눔스퀘어 Bold"/>
+                <a:ea typeface="나눔스퀘어 Bold"/>
+              </a:rPr>
+              <a:t>'</a:t>
+            </a:r>
+            <a:r>
+              <a:rPr lang="ko-KR" altLang="en-US" sz="2400" spc="-150" dirty="0">
+                <a:solidFill>
+                  <a:schemeClr val="dk1"/>
+                </a:solidFill>
+                <a:latin typeface="나눔스퀘어 Bold"/>
+                <a:ea typeface="나눔스퀘어 Bold"/>
+              </a:rPr>
+              <a:t>섬</a:t>
+            </a:r>
+            <a:r>
+              <a:rPr lang="en-US" altLang="ko-KR" sz="2400" spc="-150" dirty="0">
+                <a:solidFill>
+                  <a:schemeClr val="dk1"/>
+                </a:solidFill>
+                <a:latin typeface="나눔스퀘어 Bold"/>
+                <a:ea typeface="나눔스퀘어 Bold"/>
+              </a:rPr>
+              <a:t>'</a:t>
+            </a:r>
+            <a:r>
+              <a:rPr lang="ko-KR" altLang="en-US" sz="2400" spc="-150" dirty="0">
+                <a:solidFill>
+                  <a:schemeClr val="dk1"/>
+                </a:solidFill>
+                <a:latin typeface="나눔스퀘어 Bold"/>
+                <a:ea typeface="나눔스퀘어 Bold"/>
+              </a:rPr>
+              <a:t>이라는 지리적 특성에 있습니다</a:t>
+            </a:r>
+            <a:r>
+              <a:rPr lang="en-US" altLang="ko-KR" sz="2400" spc="-150" dirty="0">
+                <a:solidFill>
+                  <a:schemeClr val="dk1"/>
+                </a:solidFill>
+                <a:latin typeface="나눔스퀘어 Bold"/>
+                <a:ea typeface="나눔스퀘어 Bold"/>
+              </a:rPr>
+              <a:t>.</a:t>
+            </a:r>
+          </a:p>
+          <a:p>
+            <a:pPr algn="ctr">
+              <a:defRPr/>
+            </a:pPr>
+            <a:endParaRPr lang="en-US" altLang="ko-KR" sz="2400" spc="-150" dirty="0">
               <a:solidFill>
                 <a:schemeClr val="dk1"/>
               </a:solidFill>
@@ -11728,124 +11458,54 @@
               <a:ea typeface="나눔스퀘어 Bold"/>
             </a:endParaRPr>
           </a:p>
-          <a:p>
-            <a:pPr algn="ctr">
-              <a:defRPr/>
-            </a:pPr>
-            <a:r>
-              <a:rPr lang="en-US" altLang="ko-KR" sz="2400" spc="-150">
-                <a:solidFill>
-                  <a:schemeClr val="dk1"/>
-                </a:solidFill>
-                <a:latin typeface="나눔스퀘어 Bold"/>
-                <a:ea typeface="나눔스퀘어 Bold"/>
-              </a:rPr>
-              <a:t>4</a:t>
-            </a:r>
-            <a:r>
-              <a:rPr lang="ko-KR" altLang="en-US" sz="2400" spc="-150">
-                <a:solidFill>
-                  <a:schemeClr val="dk1"/>
-                </a:solidFill>
-                <a:latin typeface="나눔스퀘어 Bold"/>
-                <a:ea typeface="나눔스퀘어 Bold"/>
-              </a:rPr>
-              <a:t>년전에 백만원주고산 아이폰을</a:t>
-            </a:r>
-            <a:endParaRPr lang="ko-KR" altLang="en-US" sz="2400" spc="-150">
-              <a:solidFill>
-                <a:schemeClr val="dk1"/>
-              </a:solidFill>
-              <a:latin typeface="나눔스퀘어 Bold"/>
-              <a:ea typeface="나눔스퀘어 Bold"/>
-            </a:endParaRPr>
-          </a:p>
-          <a:p>
-            <a:pPr algn="ctr">
-              <a:defRPr/>
-            </a:pPr>
-            <a:r>
-              <a:rPr lang="ko-KR" altLang="en-US" sz="2400" spc="-150">
-                <a:solidFill>
-                  <a:schemeClr val="dk1"/>
-                </a:solidFill>
-                <a:latin typeface="나눔스퀘어 Bold"/>
-                <a:ea typeface="나눔스퀘어 Bold"/>
-              </a:rPr>
-              <a:t>지금사면 </a:t>
-            </a:r>
-            <a:r>
-              <a:rPr lang="en-US" altLang="ko-KR" sz="2400" spc="-150">
-                <a:solidFill>
-                  <a:schemeClr val="dk1"/>
-                </a:solidFill>
-                <a:latin typeface="나눔스퀘어 Bold"/>
-                <a:ea typeface="나눔스퀘어 Bold"/>
-              </a:rPr>
-              <a:t>106</a:t>
-            </a:r>
-            <a:r>
-              <a:rPr lang="ko-KR" altLang="en-US" sz="2400" spc="-150">
-                <a:solidFill>
-                  <a:schemeClr val="dk1"/>
-                </a:solidFill>
-                <a:latin typeface="나눔스퀘어 Bold"/>
-                <a:ea typeface="나눔스퀘어 Bold"/>
-              </a:rPr>
-              <a:t>만원을 주고 사야되는 </a:t>
-            </a:r>
-            <a:endParaRPr lang="ko-KR" altLang="en-US" sz="2400" spc="-150">
-              <a:solidFill>
-                <a:schemeClr val="dk1"/>
-              </a:solidFill>
-              <a:latin typeface="나눔스퀘어 Bold"/>
-              <a:ea typeface="나눔스퀘어 Bold"/>
-            </a:endParaRPr>
-          </a:p>
-          <a:p>
-            <a:pPr algn="ctr">
-              <a:defRPr/>
-            </a:pPr>
-            <a:r>
-              <a:rPr lang="ko-KR" altLang="en-US" sz="2400" spc="-150">
-                <a:solidFill>
-                  <a:schemeClr val="dk1"/>
-                </a:solidFill>
-                <a:latin typeface="나눔스퀘어 Bold"/>
-                <a:ea typeface="나눔스퀘어 Bold"/>
-              </a:rPr>
-              <a:t>상황이 나타납니다</a:t>
-            </a:r>
-            <a:r>
-              <a:rPr lang="en-US" altLang="ko-KR" sz="2400" spc="-150">
-                <a:solidFill>
-                  <a:schemeClr val="dk1"/>
-                </a:solidFill>
-                <a:latin typeface="나눔스퀘어 Bold"/>
-                <a:ea typeface="나눔스퀘어 Bold"/>
-              </a:rPr>
-              <a:t>.</a:t>
-            </a:r>
-            <a:endParaRPr lang="en-US" altLang="ko-KR" sz="2400" spc="-150">
-              <a:solidFill>
-                <a:schemeClr val="dk1"/>
-              </a:solidFill>
-              <a:latin typeface="나눔스퀘어 Bold"/>
-              <a:ea typeface="나눔스퀘어 Bold"/>
-            </a:endParaRPr>
-          </a:p>
         </p:txBody>
       </p:sp>
+      <p:pic>
+        <p:nvPicPr>
+          <p:cNvPr id="3" name="그림 2">
+            <a:extLst>
+              <a:ext uri="{FF2B5EF4-FFF2-40B4-BE49-F238E27FC236}">
+                <a16:creationId xmlns:a16="http://schemas.microsoft.com/office/drawing/2014/main" id="{11B95C13-7732-4A34-A475-B286FDCAE3A7}"/>
+              </a:ext>
+            </a:extLst>
+          </p:cNvPr>
+          <p:cNvPicPr>
+            <a:picLocks noChangeAspect="1"/>
+          </p:cNvPicPr>
+          <p:nvPr/>
+        </p:nvPicPr>
+        <p:blipFill>
+          <a:blip r:embed="rId2">
+            <a:extLst>
+              <a:ext uri="{28A0092B-C50C-407E-A947-70E740481C1C}">
+                <a14:useLocalDpi xmlns:a14="http://schemas.microsoft.com/office/drawing/2010/main" val="0"/>
+              </a:ext>
+            </a:extLst>
+          </a:blip>
+          <a:stretch>
+            <a:fillRect/>
+          </a:stretch>
+        </p:blipFill>
+        <p:spPr>
+          <a:xfrm>
+            <a:off x="794384" y="1762740"/>
+            <a:ext cx="5152483" cy="4167020"/>
+          </a:xfrm>
+          <a:prstGeom prst="rect">
+            <a:avLst/>
+          </a:prstGeom>
+        </p:spPr>
+      </p:pic>
     </p:spTree>
   </p:cSld>
   <p:clrMapOvr>
     <a:masterClrMapping/>
   </p:clrMapOvr>
-  <mc:AlternateContent xmlns:mc="http://schemas.openxmlformats.org/markup-compatibility/2006">
-    <mc:Choice xmlns:p14="http://schemas.microsoft.com/office/powerpoint/2010/main" Requires="p14">
-      <p:transition xmlns:mc="http://schemas.openxmlformats.org/markup-compatibility/2006" xmlns:p14="http://schemas.microsoft.com/office/powerpoint/2010/main" mc:Ignorable="p14" p14:dur="500"/>
+  <mc:AlternateContent xmlns:mc="http://schemas.openxmlformats.org/markup-compatibility/2006" xmlns:p14="http://schemas.microsoft.com/office/powerpoint/2010/main">
+    <mc:Choice Requires="p14">
+      <p:transition/>
     </mc:Choice>
-    <mc:Fallback>
+    <mc:Fallback xmlns:dsp="http://schemas.microsoft.com/office/drawing/2008/diagram" xmlns:dgm="http://schemas.openxmlformats.org/drawingml/2006/diagram" xmlns:c="http://schemas.openxmlformats.org/drawingml/2006/chart" xmlns="">
       <p:transition/>
     </mc:Fallback>
   </mc:AlternateContent>
@@ -11871,14 +11531,14 @@
       </p:grpSpPr>
       <p:sp>
         <p:nvSpPr>
-          <p:cNvPr id="13" name="TextBox 12"/>
+          <p:cNvPr id="15" name="TextBox 14"/>
           <p:cNvSpPr txBox="1"/>
           <p:nvPr/>
         </p:nvSpPr>
         <p:spPr>
           <a:xfrm>
-            <a:off x="955384" y="1425148"/>
-            <a:ext cx="1774845" cy="584775"/>
+            <a:off x="10757535" y="76824"/>
+            <a:ext cx="1383030" cy="311796"/>
           </a:xfrm>
           <a:prstGeom prst="rect">
             <a:avLst/>
@@ -11886,136 +11546,16 @@
           <a:noFill/>
         </p:spPr>
         <p:txBody>
-          <a:bodyPr wrap="none" rtlCol="0">
+          <a:bodyPr wrap="none">
             <a:spAutoFit/>
           </a:bodyPr>
           <a:lstStyle/>
           <a:p>
-            <a:r>
-              <a:rPr lang="ko-KR" altLang="en-US" sz="1600" dirty="0">
-                <a:ln w="22225">
-                  <a:noFill/>
-                </a:ln>
-                <a:solidFill>
-                  <a:srgbClr val="30302A"/>
-                </a:solidFill>
-                <a:effectLst/>
-                <a:latin typeface="나눔스퀘어" panose="020B0600000101010101" pitchFamily="50" charset="-127"/>
-                <a:ea typeface="나눔스퀘어" panose="020B0600000101010101" pitchFamily="50" charset="-127"/>
-              </a:rPr>
-              <a:t>기본</a:t>
-            </a:r>
-            <a:r>
-              <a:rPr lang="en-US" altLang="ko-KR" sz="1600" dirty="0">
-                <a:ln w="22225">
-                  <a:noFill/>
-                </a:ln>
-                <a:solidFill>
-                  <a:srgbClr val="30302A"/>
-                </a:solidFill>
-                <a:effectLst/>
-                <a:latin typeface="나눔스퀘어" panose="020B0600000101010101" pitchFamily="50" charset="-127"/>
-                <a:ea typeface="나눔스퀘어" panose="020B0600000101010101" pitchFamily="50" charset="-127"/>
-              </a:rPr>
-              <a:t> </a:t>
-            </a:r>
-            <a:r>
-              <a:rPr lang="ko-KR" altLang="en-US" sz="1600" dirty="0">
-                <a:ln w="22225">
-                  <a:noFill/>
-                </a:ln>
-                <a:solidFill>
-                  <a:srgbClr val="30302A"/>
-                </a:solidFill>
-                <a:effectLst/>
-                <a:latin typeface="나눔스퀘어" panose="020B0600000101010101" pitchFamily="50" charset="-127"/>
-                <a:ea typeface="나눔스퀘어" panose="020B0600000101010101" pitchFamily="50" charset="-127"/>
-              </a:rPr>
-              <a:t>색상은 검은색</a:t>
-            </a:r>
-            <a:endParaRPr lang="en-US" altLang="ko-KR" sz="1600" dirty="0">
-              <a:ln w="22225">
-                <a:noFill/>
-              </a:ln>
-              <a:solidFill>
-                <a:srgbClr val="30302A"/>
-              </a:solidFill>
-              <a:effectLst/>
-              <a:latin typeface="나눔스퀘어" panose="020B0600000101010101" pitchFamily="50" charset="-127"/>
-              <a:ea typeface="나눔스퀘어" panose="020B0600000101010101" pitchFamily="50" charset="-127"/>
-            </a:endParaRPr>
-          </a:p>
-          <a:p>
-            <a:r>
-              <a:rPr lang="ko-KR" altLang="en-US" sz="1600" dirty="0">
-                <a:ln w="22225">
-                  <a:noFill/>
-                </a:ln>
-                <a:solidFill>
-                  <a:srgbClr val="94C3BB"/>
-                </a:solidFill>
-                <a:effectLst/>
-                <a:latin typeface="나눔스퀘어" panose="020B0600000101010101" pitchFamily="50" charset="-127"/>
-                <a:ea typeface="나눔스퀘어" panose="020B0600000101010101" pitchFamily="50" charset="-127"/>
-              </a:rPr>
-              <a:t>중요 색상은 </a:t>
-            </a:r>
-            <a:r>
-              <a:rPr lang="ko-KR" altLang="en-US" sz="1600" dirty="0" err="1">
-                <a:ln w="22225">
-                  <a:noFill/>
-                </a:ln>
-                <a:solidFill>
-                  <a:srgbClr val="94C3BB"/>
-                </a:solidFill>
-                <a:effectLst/>
-                <a:latin typeface="나눔스퀘어" panose="020B0600000101010101" pitchFamily="50" charset="-127"/>
-                <a:ea typeface="나눔스퀘어" panose="020B0600000101010101" pitchFamily="50" charset="-127"/>
-              </a:rPr>
-              <a:t>민트색</a:t>
-            </a:r>
-            <a:endParaRPr lang="en-US" altLang="ko-KR" sz="1600" dirty="0">
-              <a:ln w="22225">
-                <a:noFill/>
-              </a:ln>
-              <a:solidFill>
-                <a:srgbClr val="94C3BB"/>
-              </a:solidFill>
-              <a:effectLst/>
-              <a:latin typeface="나눔스퀘어" panose="020B0600000101010101" pitchFamily="50" charset="-127"/>
-              <a:ea typeface="나눔스퀘어" panose="020B0600000101010101" pitchFamily="50" charset="-127"/>
-            </a:endParaRPr>
-          </a:p>
-        </p:txBody>
-      </p:sp>
-      <p:sp>
-        <p:nvSpPr>
-          <p:cNvPr id="15" name="TextBox 14"/>
-          <p:cNvSpPr txBox="1"/>
-          <p:nvPr/>
-        </p:nvSpPr>
-        <p:spPr>
-          <a:xfrm>
-            <a:off x="10781242" y="76824"/>
-            <a:ext cx="1335622" cy="323165"/>
-          </a:xfrm>
-          <a:prstGeom prst="rect">
-            <a:avLst/>
-          </a:prstGeom>
-          <a:noFill/>
-        </p:spPr>
-        <p:txBody>
-          <a:bodyPr wrap="none" rtlCol="0">
-            <a:spAutoFit/>
-          </a:bodyPr>
-          <a:lstStyle/>
-          <a:p>
-            <a:pPr algn="ctr"/>
-            <a:r>
-              <a:rPr lang="en-US" altLang="ko-KR" sz="900" b="1" dirty="0">
-                <a:ln w="22225">
-                  <a:noFill/>
-                </a:ln>
+            <a:pPr algn="ctr">
+              <a:defRPr/>
+            </a:pPr>
+            <a:r>
+              <a:rPr lang="en-US" altLang="ko-KR" sz="900" b="1">
                 <a:solidFill>
                   <a:schemeClr val="bg1"/>
                 </a:solidFill>
@@ -12026,19 +11566,18 @@
                     </a:srgbClr>
                   </a:glow>
                 </a:effectLst>
-                <a:latin typeface="나눔스퀘어" panose="020B0600000101010101" pitchFamily="50" charset="-127"/>
-                <a:ea typeface="나눔스퀘어" panose="020B0600000101010101" pitchFamily="50" charset="-127"/>
+                <a:latin typeface="나눔스퀘어"/>
+                <a:ea typeface="나눔스퀘어"/>
               </a:rPr>
               <a:t>Power Point Template</a:t>
             </a:r>
           </a:p>
           <a:p>
-            <a:pPr algn="ctr"/>
-            <a:r>
-              <a:rPr lang="en-US" altLang="ko-KR" sz="600" dirty="0" err="1">
-                <a:ln w="22225">
-                  <a:noFill/>
-                </a:ln>
+            <a:pPr algn="ctr">
+              <a:defRPr/>
+            </a:pPr>
+            <a:r>
+              <a:rPr lang="en-US" altLang="ko-KR" sz="600">
                 <a:solidFill>
                   <a:schemeClr val="bg1"/>
                 </a:solidFill>
@@ -12049,28 +11588,11 @@
                     </a:srgbClr>
                   </a:glow>
                 </a:effectLst>
-                <a:latin typeface="나눔스퀘어" panose="020B0600000101010101" pitchFamily="50" charset="-127"/>
-                <a:ea typeface="나눔스퀘어" panose="020B0600000101010101" pitchFamily="50" charset="-127"/>
+                <a:latin typeface="나눔스퀘어"/>
+                <a:ea typeface="나눔스퀘어"/>
               </a:rPr>
               <a:t>Ponybuhagom</a:t>
             </a:r>
-            <a:endParaRPr lang="en-US" altLang="ko-KR" sz="600" dirty="0">
-              <a:ln w="22225">
-                <a:noFill/>
-              </a:ln>
-              <a:solidFill>
-                <a:schemeClr val="bg1"/>
-              </a:solidFill>
-              <a:effectLst>
-                <a:glow rad="88900">
-                  <a:srgbClr val="E3781F">
-                    <a:alpha val="7000"/>
-                  </a:srgbClr>
-                </a:glow>
-              </a:effectLst>
-              <a:latin typeface="나눔스퀘어" panose="020B0600000101010101" pitchFamily="50" charset="-127"/>
-              <a:ea typeface="나눔스퀘어" panose="020B0600000101010101" pitchFamily="50" charset="-127"/>
-            </a:endParaRPr>
           </a:p>
         </p:txBody>
       </p:sp>
@@ -12082,8 +11604,8 @@
         </p:nvSpPr>
         <p:spPr>
           <a:xfrm>
-            <a:off x="725407" y="229970"/>
-            <a:ext cx="968535" cy="461665"/>
+            <a:off x="832485" y="229970"/>
+            <a:ext cx="744855" cy="444400"/>
           </a:xfrm>
           <a:prstGeom prst="rect">
             <a:avLst/>
@@ -12091,21 +11613,23 @@
           <a:noFill/>
         </p:spPr>
         <p:txBody>
-          <a:bodyPr wrap="none" rtlCol="0">
+          <a:bodyPr wrap="none">
             <a:spAutoFit/>
           </a:bodyPr>
           <a:lstStyle/>
           <a:p>
-            <a:pPr algn="ctr"/>
-            <a:r>
-              <a:rPr lang="ko-KR" altLang="en-US" sz="2400" spc="-150" dirty="0">
+            <a:pPr algn="ctr">
+              <a:defRPr/>
+            </a:pPr>
+            <a:r>
+              <a:rPr lang="ko-KR" altLang="en-US" sz="2400" spc="-150">
                 <a:solidFill>
                   <a:srgbClr val="FFFFFF"/>
                 </a:solidFill>
-                <a:latin typeface="나눔스퀘어 Bold" panose="020B0600000101010101" pitchFamily="50" charset="-127"/>
-                <a:ea typeface="나눔스퀘어 Bold" panose="020B0600000101010101" pitchFamily="50" charset="-127"/>
-              </a:rPr>
-              <a:t>제안서</a:t>
+                <a:latin typeface="나눔스퀘어 Bold"/>
+                <a:ea typeface="나눔스퀘어 Bold"/>
+              </a:rPr>
+              <a:t>분석</a:t>
             </a:r>
           </a:p>
         </p:txBody>
@@ -12119,6 +11643,111 @@
         <p:spPr>
           <a:xfrm>
             <a:off x="10618885" y="6731183"/>
+            <a:ext cx="364528" cy="0"/>
+          </a:xfrm>
+          <a:prstGeom prst="line">
+            <a:avLst/>
+          </a:prstGeom>
+          <a:ln w="19050" cap="rnd">
+            <a:solidFill>
+              <a:schemeClr val="tx1"/>
+            </a:solidFill>
+          </a:ln>
+        </p:spPr>
+        <p:style>
+          <a:lnRef idx="1">
+            <a:schemeClr val="accent1"/>
+          </a:lnRef>
+          <a:fillRef idx="0">
+            <a:schemeClr val="accent1"/>
+          </a:fillRef>
+          <a:effectRef idx="0">
+            <a:schemeClr val="accent1"/>
+          </a:effectRef>
+          <a:fontRef idx="minor">
+            <a:schemeClr val="tx1"/>
+          </a:fontRef>
+        </p:style>
+      </p:cxnSp>
+      <p:cxnSp>
+        <p:nvCxnSpPr>
+          <p:cNvPr id="10" name="직선 연결선 9"/>
+          <p:cNvCxnSpPr/>
+          <p:nvPr/>
+        </p:nvCxnSpPr>
+        <p:spPr>
+          <a:xfrm>
+            <a:off x="11342766" y="6731183"/>
+            <a:ext cx="364528" cy="0"/>
+          </a:xfrm>
+          <a:prstGeom prst="line">
+            <a:avLst/>
+          </a:prstGeom>
+          <a:ln w="19050" cap="rnd">
+            <a:solidFill>
+              <a:schemeClr val="tx1"/>
+            </a:solidFill>
+          </a:ln>
+        </p:spPr>
+        <p:style>
+          <a:lnRef idx="1">
+            <a:schemeClr val="accent1"/>
+          </a:lnRef>
+          <a:fillRef idx="0">
+            <a:schemeClr val="accent1"/>
+          </a:fillRef>
+          <a:effectRef idx="0">
+            <a:schemeClr val="accent1"/>
+          </a:effectRef>
+          <a:fontRef idx="minor">
+            <a:schemeClr val="tx1"/>
+          </a:fontRef>
+        </p:style>
+      </p:cxnSp>
+      <p:cxnSp>
+        <p:nvCxnSpPr>
+          <p:cNvPr id="11" name="직선 연결선 10"/>
+          <p:cNvCxnSpPr/>
+          <p:nvPr/>
+        </p:nvCxnSpPr>
+        <p:spPr>
+          <a:xfrm>
+            <a:off x="11707294" y="6731183"/>
+            <a:ext cx="364528" cy="0"/>
+          </a:xfrm>
+          <a:prstGeom prst="line">
+            <a:avLst/>
+          </a:prstGeom>
+          <a:ln w="19050" cap="rnd">
+            <a:solidFill>
+              <a:schemeClr val="tx1"/>
+            </a:solidFill>
+          </a:ln>
+        </p:spPr>
+        <p:style>
+          <a:lnRef idx="1">
+            <a:schemeClr val="accent1"/>
+          </a:lnRef>
+          <a:fillRef idx="0">
+            <a:schemeClr val="accent1"/>
+          </a:fillRef>
+          <a:effectRef idx="0">
+            <a:schemeClr val="accent1"/>
+          </a:effectRef>
+          <a:fontRef idx="minor">
+            <a:schemeClr val="tx1"/>
+          </a:fontRef>
+        </p:style>
+      </p:cxnSp>
+      <p:cxnSp>
+        <p:nvCxnSpPr>
+          <p:cNvPr id="12" name="직선 연결선 11"/>
+          <p:cNvCxnSpPr/>
+          <p:nvPr/>
+        </p:nvCxnSpPr>
+        <p:spPr>
+          <a:xfrm>
+            <a:off x="10255493" y="6731183"/>
             <a:ext cx="364528" cy="0"/>
           </a:xfrm>
           <a:prstGeom prst="line">
@@ -12161,7 +11790,7 @@
           </a:prstGeom>
           <a:ln w="19050" cap="rnd">
             <a:solidFill>
-              <a:schemeClr val="tx1"/>
+              <a:srgbClr val="94C3BB"/>
             </a:solidFill>
           </a:ln>
         </p:spPr>
@@ -12180,121 +11809,272 @@
           </a:fontRef>
         </p:style>
       </p:cxnSp>
-      <p:cxnSp>
-        <p:nvCxnSpPr>
-          <p:cNvPr id="11" name="직선 연결선 10"/>
-          <p:cNvCxnSpPr/>
-          <p:nvPr/>
-        </p:nvCxnSpPr>
-        <p:spPr>
-          <a:xfrm>
-            <a:off x="11707294" y="6731183"/>
-            <a:ext cx="364528" cy="0"/>
-          </a:xfrm>
-          <a:prstGeom prst="line">
-            <a:avLst/>
-          </a:prstGeom>
-          <a:ln w="19050" cap="rnd">
-            <a:solidFill>
-              <a:schemeClr val="tx1"/>
-            </a:solidFill>
-          </a:ln>
-        </p:spPr>
-        <p:style>
-          <a:lnRef idx="1">
-            <a:schemeClr val="accent1"/>
-          </a:lnRef>
-          <a:fillRef idx="0">
-            <a:schemeClr val="accent1"/>
-          </a:fillRef>
-          <a:effectRef idx="0">
-            <a:schemeClr val="accent1"/>
-          </a:effectRef>
-          <a:fontRef idx="minor">
-            <a:schemeClr val="tx1"/>
-          </a:fontRef>
-        </p:style>
-      </p:cxnSp>
-      <p:cxnSp>
-        <p:nvCxnSpPr>
-          <p:cNvPr id="12" name="직선 연결선 11"/>
-          <p:cNvCxnSpPr/>
-          <p:nvPr/>
-        </p:nvCxnSpPr>
-        <p:spPr>
-          <a:xfrm>
-            <a:off x="10255493" y="6731183"/>
-            <a:ext cx="364528" cy="0"/>
-          </a:xfrm>
-          <a:prstGeom prst="line">
-            <a:avLst/>
-          </a:prstGeom>
-          <a:ln w="19050" cap="rnd">
-            <a:solidFill>
-              <a:schemeClr val="tx1"/>
-            </a:solidFill>
-          </a:ln>
-        </p:spPr>
-        <p:style>
-          <a:lnRef idx="1">
-            <a:schemeClr val="accent1"/>
-          </a:lnRef>
-          <a:fillRef idx="0">
-            <a:schemeClr val="accent1"/>
-          </a:fillRef>
-          <a:effectRef idx="0">
-            <a:schemeClr val="accent1"/>
-          </a:effectRef>
-          <a:fontRef idx="minor">
-            <a:schemeClr val="tx1"/>
-          </a:fontRef>
-        </p:style>
-      </p:cxnSp>
-      <p:cxnSp>
-        <p:nvCxnSpPr>
-          <p:cNvPr id="10" name="직선 연결선 9"/>
-          <p:cNvCxnSpPr/>
-          <p:nvPr/>
-        </p:nvCxnSpPr>
-        <p:spPr>
-          <a:xfrm>
-            <a:off x="11342766" y="6731183"/>
-            <a:ext cx="364528" cy="0"/>
-          </a:xfrm>
-          <a:prstGeom prst="line">
-            <a:avLst/>
-          </a:prstGeom>
-          <a:ln w="19050" cap="rnd">
-            <a:solidFill>
-              <a:srgbClr val="94C3BB"/>
-            </a:solidFill>
-          </a:ln>
-        </p:spPr>
-        <p:style>
-          <a:lnRef idx="1">
-            <a:schemeClr val="accent1"/>
-          </a:lnRef>
-          <a:fillRef idx="0">
-            <a:schemeClr val="accent1"/>
-          </a:fillRef>
-          <a:effectRef idx="0">
-            <a:schemeClr val="accent1"/>
-          </a:effectRef>
-          <a:fontRef idx="minor">
-            <a:schemeClr val="tx1"/>
-          </a:fontRef>
-        </p:style>
-      </p:cxnSp>
+      <p:sp>
+        <p:nvSpPr>
+          <p:cNvPr id="18" name="TextBox 29"/>
+          <p:cNvSpPr txBox="1"/>
+          <p:nvPr/>
+        </p:nvSpPr>
+        <p:spPr>
+          <a:xfrm>
+            <a:off x="794385" y="928240"/>
+            <a:ext cx="554355" cy="450980"/>
+          </a:xfrm>
+          <a:prstGeom prst="rect">
+            <a:avLst/>
+          </a:prstGeom>
+          <a:noFill/>
+        </p:spPr>
+        <p:txBody>
+          <a:bodyPr wrap="none">
+            <a:spAutoFit/>
+          </a:bodyPr>
+          <a:lstStyle/>
+          <a:p>
+            <a:pPr algn="ctr">
+              <a:defRPr/>
+            </a:pPr>
+            <a:r>
+              <a:rPr lang="en-US" altLang="ko-KR" sz="2400" spc="-150">
+                <a:solidFill>
+                  <a:srgbClr val="00002F"/>
+                </a:solidFill>
+                <a:latin typeface="나눔스퀘어 ExtraBold"/>
+                <a:ea typeface="나눔스퀘어 ExtraBold"/>
+              </a:rPr>
+              <a:t>03.</a:t>
+            </a:r>
+          </a:p>
+        </p:txBody>
+      </p:sp>
+      <p:sp>
+        <p:nvSpPr>
+          <p:cNvPr id="19" name="TextBox 30"/>
+          <p:cNvSpPr txBox="1"/>
+          <p:nvPr/>
+        </p:nvSpPr>
+        <p:spPr>
+          <a:xfrm>
+            <a:off x="1489710" y="866684"/>
+            <a:ext cx="1792605" cy="569686"/>
+          </a:xfrm>
+          <a:prstGeom prst="rect">
+            <a:avLst/>
+          </a:prstGeom>
+          <a:noFill/>
+        </p:spPr>
+        <p:txBody>
+          <a:bodyPr wrap="none">
+            <a:spAutoFit/>
+          </a:bodyPr>
+          <a:lstStyle/>
+          <a:p>
+            <a:pPr algn="ctr">
+              <a:defRPr/>
+            </a:pPr>
+            <a:r>
+              <a:rPr lang="ko-KR" altLang="en-US" sz="3200" spc="-150">
+                <a:solidFill>
+                  <a:srgbClr val="00002F"/>
+                </a:solidFill>
+                <a:latin typeface="나눔스퀘어 ExtraBold"/>
+                <a:ea typeface="나눔스퀘어 ExtraBold"/>
+              </a:rPr>
+              <a:t>분석 과정</a:t>
+            </a:r>
+          </a:p>
+        </p:txBody>
+      </p:sp>
+      <p:sp>
+        <p:nvSpPr>
+          <p:cNvPr id="27" name="TextBox 7"/>
+          <p:cNvSpPr txBox="1"/>
+          <p:nvPr/>
+        </p:nvSpPr>
+        <p:spPr>
+          <a:xfrm>
+            <a:off x="6331605" y="1759408"/>
+            <a:ext cx="5375689" cy="1938992"/>
+          </a:xfrm>
+          <a:prstGeom prst="rect">
+            <a:avLst/>
+          </a:prstGeom>
+          <a:noFill/>
+        </p:spPr>
+        <p:txBody>
+          <a:bodyPr wrap="square">
+            <a:spAutoFit/>
+          </a:bodyPr>
+          <a:lstStyle/>
+          <a:p>
+            <a:pPr algn="ctr">
+              <a:defRPr/>
+            </a:pPr>
+            <a:r>
+              <a:rPr lang="ko-KR" altLang="en-US" sz="2400" spc="-150" dirty="0">
+                <a:solidFill>
+                  <a:schemeClr val="dk1"/>
+                </a:solidFill>
+                <a:latin typeface="나눔스퀘어 Bold"/>
+                <a:ea typeface="나눔스퀘어 Bold"/>
+              </a:rPr>
+              <a:t>제주도로 유입되는 물류의 이동과정에는 </a:t>
+            </a:r>
+            <a:endParaRPr lang="en-US" altLang="ko-KR" sz="2400" spc="-150" dirty="0">
+              <a:solidFill>
+                <a:schemeClr val="dk1"/>
+              </a:solidFill>
+              <a:latin typeface="나눔스퀘어 Bold"/>
+              <a:ea typeface="나눔스퀘어 Bold"/>
+            </a:endParaRPr>
+          </a:p>
+          <a:p>
+            <a:pPr algn="ctr">
+              <a:defRPr/>
+            </a:pPr>
+            <a:r>
+              <a:rPr lang="ko-KR" altLang="en-US" sz="2400" spc="-150" dirty="0">
+                <a:solidFill>
+                  <a:schemeClr val="dk1"/>
+                </a:solidFill>
+                <a:latin typeface="나눔스퀘어 Bold"/>
+                <a:ea typeface="나눔스퀘어 Bold"/>
+              </a:rPr>
+              <a:t>일반적인 유통과정인 지상운반이외의 </a:t>
+            </a:r>
+            <a:endParaRPr lang="en-US" altLang="ko-KR" sz="2400" spc="-150" dirty="0">
+              <a:solidFill>
+                <a:schemeClr val="dk1"/>
+              </a:solidFill>
+              <a:latin typeface="나눔스퀘어 Bold"/>
+              <a:ea typeface="나눔스퀘어 Bold"/>
+            </a:endParaRPr>
+          </a:p>
+          <a:p>
+            <a:pPr algn="ctr">
+              <a:defRPr/>
+            </a:pPr>
+            <a:r>
+              <a:rPr lang="ko-KR" altLang="en-US" sz="2400" spc="-150" dirty="0">
+                <a:solidFill>
+                  <a:schemeClr val="dk1"/>
+                </a:solidFill>
+                <a:latin typeface="나눔스퀘어 Bold"/>
+                <a:ea typeface="나눔스퀘어 Bold"/>
+              </a:rPr>
+              <a:t>해상운반이 필연적으로 </a:t>
+            </a:r>
+            <a:endParaRPr lang="en-US" altLang="ko-KR" sz="2400" spc="-150" dirty="0">
+              <a:solidFill>
+                <a:schemeClr val="dk1"/>
+              </a:solidFill>
+              <a:latin typeface="나눔스퀘어 Bold"/>
+              <a:ea typeface="나눔스퀘어 Bold"/>
+            </a:endParaRPr>
+          </a:p>
+          <a:p>
+            <a:pPr algn="ctr">
+              <a:defRPr/>
+            </a:pPr>
+            <a:r>
+              <a:rPr lang="ko-KR" altLang="en-US" sz="2400" spc="-150" dirty="0">
+                <a:solidFill>
+                  <a:schemeClr val="dk1"/>
+                </a:solidFill>
+                <a:latin typeface="나눔스퀘어 Bold"/>
+                <a:ea typeface="나눔스퀘어 Bold"/>
+              </a:rPr>
+              <a:t>더해질 수 밖에 없으므로 결국에는 </a:t>
+            </a:r>
+            <a:endParaRPr lang="en-US" altLang="ko-KR" sz="2400" spc="-150" dirty="0">
+              <a:solidFill>
+                <a:schemeClr val="dk1"/>
+              </a:solidFill>
+              <a:latin typeface="나눔스퀘어 Bold"/>
+              <a:ea typeface="나눔스퀘어 Bold"/>
+            </a:endParaRPr>
+          </a:p>
+          <a:p>
+            <a:pPr algn="ctr">
+              <a:defRPr/>
+            </a:pPr>
+            <a:r>
+              <a:rPr lang="ko-KR" altLang="en-US" sz="2400" spc="-150" dirty="0">
+                <a:solidFill>
+                  <a:schemeClr val="dk1"/>
+                </a:solidFill>
+                <a:latin typeface="나눔스퀘어 Bold"/>
+                <a:ea typeface="나눔스퀘어 Bold"/>
+              </a:rPr>
+              <a:t>원가 상승으로 이어질 수 밖에 없습니다</a:t>
+            </a:r>
+            <a:r>
+              <a:rPr lang="en-US" altLang="ko-KR" sz="2400" spc="-150" dirty="0">
+                <a:solidFill>
+                  <a:schemeClr val="dk1"/>
+                </a:solidFill>
+                <a:latin typeface="나눔스퀘어 Bold"/>
+                <a:ea typeface="나눔스퀘어 Bold"/>
+              </a:rPr>
+              <a:t>.</a:t>
+            </a:r>
+          </a:p>
+        </p:txBody>
+      </p:sp>
+      <p:pic>
+        <p:nvPicPr>
+          <p:cNvPr id="4" name="그림 3">
+            <a:extLst>
+              <a:ext uri="{FF2B5EF4-FFF2-40B4-BE49-F238E27FC236}">
+                <a16:creationId xmlns:a16="http://schemas.microsoft.com/office/drawing/2014/main" id="{354641ED-82F0-4744-8F41-D625BF19F828}"/>
+              </a:ext>
+            </a:extLst>
+          </p:cNvPr>
+          <p:cNvPicPr>
+            <a:picLocks noChangeAspect="1"/>
+          </p:cNvPicPr>
+          <p:nvPr/>
+        </p:nvPicPr>
+        <p:blipFill>
+          <a:blip r:embed="rId2">
+            <a:extLst>
+              <a:ext uri="{28A0092B-C50C-407E-A947-70E740481C1C}">
+                <a14:useLocalDpi xmlns:a14="http://schemas.microsoft.com/office/drawing/2010/main" val="0"/>
+              </a:ext>
+            </a:extLst>
+          </a:blip>
+          <a:stretch>
+            <a:fillRect/>
+          </a:stretch>
+        </p:blipFill>
+        <p:spPr>
+          <a:xfrm>
+            <a:off x="832485" y="1615440"/>
+            <a:ext cx="5263515" cy="4375876"/>
+          </a:xfrm>
+          <a:prstGeom prst="rect">
+            <a:avLst/>
+          </a:prstGeom>
+        </p:spPr>
+      </p:pic>
     </p:spTree>
     <p:extLst>
       <p:ext uri="{BB962C8B-B14F-4D97-AF65-F5344CB8AC3E}">
-        <p14:creationId xmlns:p14="http://schemas.microsoft.com/office/powerpoint/2010/main" val="1177496133"/>
+        <p14:creationId xmlns:p14="http://schemas.microsoft.com/office/powerpoint/2010/main" val="4069721483"/>
       </p:ext>
     </p:extLst>
   </p:cSld>
   <p:clrMapOvr>
     <a:masterClrMapping/>
   </p:clrMapOvr>
+  <mc:AlternateContent xmlns:mc="http://schemas.openxmlformats.org/markup-compatibility/2006" xmlns:p14="http://schemas.microsoft.com/office/powerpoint/2010/main">
+    <mc:Choice Requires="p14">
+      <p:transition/>
+    </mc:Choice>
+    <mc:Fallback xmlns:dsp="http://schemas.microsoft.com/office/drawing/2008/diagram" xmlns:dgm="http://schemas.openxmlformats.org/drawingml/2006/diagram" xmlns:c="http://schemas.openxmlformats.org/drawingml/2006/chart" xmlns="">
+      <p:transition/>
+    </mc:Fallback>
+  </mc:AlternateContent>
 </p:sld>
 </file>
 
@@ -12317,14 +12097,14 @@
       </p:grpSpPr>
       <p:sp>
         <p:nvSpPr>
-          <p:cNvPr id="13" name="TextBox 12"/>
+          <p:cNvPr id="15" name="TextBox 14"/>
           <p:cNvSpPr txBox="1"/>
           <p:nvPr/>
         </p:nvSpPr>
         <p:spPr>
           <a:xfrm>
-            <a:off x="955384" y="1425148"/>
-            <a:ext cx="1774845" cy="584775"/>
+            <a:off x="10757535" y="76824"/>
+            <a:ext cx="1383030" cy="311796"/>
           </a:xfrm>
           <a:prstGeom prst="rect">
             <a:avLst/>
@@ -12332,105 +12112,53 @@
           <a:noFill/>
         </p:spPr>
         <p:txBody>
-          <a:bodyPr wrap="none" rtlCol="0">
+          <a:bodyPr wrap="none">
             <a:spAutoFit/>
           </a:bodyPr>
           <a:lstStyle/>
           <a:p>
-            <a:r>
-              <a:rPr lang="ko-KR" altLang="en-US" sz="1600" dirty="0">
-                <a:ln w="22225">
-                  <a:noFill/>
-                </a:ln>
-                <a:solidFill>
-                  <a:srgbClr val="30302A"/>
-                </a:solidFill>
-                <a:effectLst/>
-                <a:latin typeface="나눔스퀘어" panose="020B0600000101010101" pitchFamily="50" charset="-127"/>
-                <a:ea typeface="나눔스퀘어" panose="020B0600000101010101" pitchFamily="50" charset="-127"/>
-              </a:rPr>
-              <a:t>기본</a:t>
-            </a:r>
-            <a:r>
-              <a:rPr lang="en-US" altLang="ko-KR" sz="1600" dirty="0">
-                <a:ln w="22225">
-                  <a:noFill/>
-                </a:ln>
-                <a:solidFill>
-                  <a:srgbClr val="30302A"/>
-                </a:solidFill>
-                <a:effectLst/>
-                <a:latin typeface="나눔스퀘어" panose="020B0600000101010101" pitchFamily="50" charset="-127"/>
-                <a:ea typeface="나눔스퀘어" panose="020B0600000101010101" pitchFamily="50" charset="-127"/>
-              </a:rPr>
-              <a:t> </a:t>
-            </a:r>
-            <a:r>
-              <a:rPr lang="ko-KR" altLang="en-US" sz="1600" dirty="0">
-                <a:ln w="22225">
-                  <a:noFill/>
-                </a:ln>
-                <a:solidFill>
-                  <a:srgbClr val="30302A"/>
-                </a:solidFill>
-                <a:effectLst/>
-                <a:latin typeface="나눔스퀘어" panose="020B0600000101010101" pitchFamily="50" charset="-127"/>
-                <a:ea typeface="나눔스퀘어" panose="020B0600000101010101" pitchFamily="50" charset="-127"/>
-              </a:rPr>
-              <a:t>색상은 검은색</a:t>
-            </a:r>
-            <a:endParaRPr lang="en-US" altLang="ko-KR" sz="1600" dirty="0">
-              <a:ln w="22225">
-                <a:noFill/>
-              </a:ln>
-              <a:solidFill>
-                <a:srgbClr val="30302A"/>
-              </a:solidFill>
-              <a:effectLst/>
-              <a:latin typeface="나눔스퀘어" panose="020B0600000101010101" pitchFamily="50" charset="-127"/>
-              <a:ea typeface="나눔스퀘어" panose="020B0600000101010101" pitchFamily="50" charset="-127"/>
-            </a:endParaRPr>
-          </a:p>
-          <a:p>
-            <a:r>
-              <a:rPr lang="ko-KR" altLang="en-US" sz="1600" dirty="0">
-                <a:ln w="22225">
-                  <a:noFill/>
-                </a:ln>
-                <a:solidFill>
-                  <a:srgbClr val="94C3BB"/>
-                </a:solidFill>
-                <a:effectLst/>
-                <a:latin typeface="나눔스퀘어" panose="020B0600000101010101" pitchFamily="50" charset="-127"/>
-                <a:ea typeface="나눔스퀘어" panose="020B0600000101010101" pitchFamily="50" charset="-127"/>
-              </a:rPr>
-              <a:t>중요 색상은 </a:t>
-            </a:r>
-            <a:r>
-              <a:rPr lang="ko-KR" altLang="en-US" sz="1600" dirty="0" err="1">
-                <a:ln w="22225">
-                  <a:noFill/>
-                </a:ln>
-                <a:solidFill>
-                  <a:srgbClr val="94C3BB"/>
-                </a:solidFill>
-                <a:effectLst/>
-                <a:latin typeface="나눔스퀘어" panose="020B0600000101010101" pitchFamily="50" charset="-127"/>
-                <a:ea typeface="나눔스퀘어" panose="020B0600000101010101" pitchFamily="50" charset="-127"/>
-              </a:rPr>
-              <a:t>민트색</a:t>
-            </a:r>
-            <a:endParaRPr lang="en-US" altLang="ko-KR" sz="1600" dirty="0">
-              <a:ln w="22225">
-                <a:noFill/>
-              </a:ln>
-              <a:solidFill>
-                <a:srgbClr val="94C3BB"/>
-              </a:solidFill>
-              <a:effectLst/>
-              <a:latin typeface="나눔스퀘어" panose="020B0600000101010101" pitchFamily="50" charset="-127"/>
-              <a:ea typeface="나눔스퀘어" panose="020B0600000101010101" pitchFamily="50" charset="-127"/>
-            </a:endParaRPr>
+            <a:pPr algn="ctr">
+              <a:defRPr/>
+            </a:pPr>
+            <a:r>
+              <a:rPr lang="en-US" altLang="ko-KR" sz="900" b="1">
+                <a:solidFill>
+                  <a:schemeClr val="bg1"/>
+                </a:solidFill>
+                <a:effectLst>
+                  <a:glow rad="88900">
+                    <a:srgbClr val="E3781F">
+                      <a:alpha val="7000"/>
+                    </a:srgbClr>
+                  </a:glow>
+                </a:effectLst>
+                <a:latin typeface="나눔스퀘어"/>
+                <a:ea typeface="나눔스퀘어"/>
+              </a:rPr>
+              <a:t>Power Point Template</a:t>
+            </a:r>
+          </a:p>
+          <a:p>
+            <a:pPr algn="ctr">
+              <a:defRPr/>
+            </a:pPr>
+            <a:r>
+              <a:rPr lang="en-US" altLang="ko-KR" sz="600">
+                <a:solidFill>
+                  <a:schemeClr val="bg1"/>
+                </a:solidFill>
+                <a:effectLst>
+                  <a:glow rad="88900">
+                    <a:srgbClr val="E3781F">
+                      <a:alpha val="7000"/>
+                    </a:srgbClr>
+                  </a:glow>
+                </a:effectLst>
+                <a:latin typeface="나눔스퀘어"/>
+                <a:ea typeface="나눔스퀘어"/>
+              </a:rPr>
+              <a:t>Ponybuhagom</a:t>
+            </a:r>
           </a:p>
         </p:txBody>
       </p:sp>
@@ -12442,8 +12170,8 @@
         </p:nvSpPr>
         <p:spPr>
           <a:xfrm>
-            <a:off x="464118" y="229970"/>
-            <a:ext cx="1491113" cy="461665"/>
+            <a:off x="832485" y="229970"/>
+            <a:ext cx="744855" cy="444400"/>
           </a:xfrm>
           <a:prstGeom prst="rect">
             <a:avLst/>
@@ -12451,29 +12179,24 @@
           <a:noFill/>
         </p:spPr>
         <p:txBody>
-          <a:bodyPr wrap="none" rtlCol="0">
+          <a:bodyPr wrap="none">
             <a:spAutoFit/>
           </a:bodyPr>
           <a:lstStyle/>
           <a:p>
-            <a:pPr algn="ctr"/>
-            <a:r>
-              <a:rPr lang="ko-KR" altLang="en-US" sz="2400" spc="-150" dirty="0" err="1">
+            <a:pPr algn="ctr">
+              <a:defRPr/>
+            </a:pPr>
+            <a:r>
+              <a:rPr lang="ko-KR" altLang="en-US" sz="2400" spc="-150">
                 <a:solidFill>
                   <a:srgbClr val="FFFFFF"/>
                 </a:solidFill>
-                <a:latin typeface="나눔스퀘어 Bold" panose="020B0600000101010101" pitchFamily="50" charset="-127"/>
-                <a:ea typeface="나눔스퀘어 Bold" panose="020B0600000101010101" pitchFamily="50" charset="-127"/>
-              </a:rPr>
-              <a:t>포니부하곰</a:t>
-            </a:r>
-            <a:endParaRPr lang="ko-KR" altLang="en-US" sz="2400" spc="-150" dirty="0">
-              <a:solidFill>
-                <a:srgbClr val="FFFFFF"/>
-              </a:solidFill>
-              <a:latin typeface="나눔스퀘어 Bold" panose="020B0600000101010101" pitchFamily="50" charset="-127"/>
-              <a:ea typeface="나눔스퀘어 Bold" panose="020B0600000101010101" pitchFamily="50" charset="-127"/>
-            </a:endParaRPr>
+                <a:latin typeface="나눔스퀘어 Bold"/>
+                <a:ea typeface="나눔스퀘어 Bold"/>
+              </a:rPr>
+              <a:t>분석</a:t>
+            </a:r>
           </a:p>
         </p:txBody>
       </p:sp>
@@ -12486,6 +12209,111 @@
         <p:spPr>
           <a:xfrm>
             <a:off x="10618885" y="6731183"/>
+            <a:ext cx="364528" cy="0"/>
+          </a:xfrm>
+          <a:prstGeom prst="line">
+            <a:avLst/>
+          </a:prstGeom>
+          <a:ln w="19050" cap="rnd">
+            <a:solidFill>
+              <a:schemeClr val="tx1"/>
+            </a:solidFill>
+          </a:ln>
+        </p:spPr>
+        <p:style>
+          <a:lnRef idx="1">
+            <a:schemeClr val="accent1"/>
+          </a:lnRef>
+          <a:fillRef idx="0">
+            <a:schemeClr val="accent1"/>
+          </a:fillRef>
+          <a:effectRef idx="0">
+            <a:schemeClr val="accent1"/>
+          </a:effectRef>
+          <a:fontRef idx="minor">
+            <a:schemeClr val="tx1"/>
+          </a:fontRef>
+        </p:style>
+      </p:cxnSp>
+      <p:cxnSp>
+        <p:nvCxnSpPr>
+          <p:cNvPr id="10" name="직선 연결선 9"/>
+          <p:cNvCxnSpPr/>
+          <p:nvPr/>
+        </p:nvCxnSpPr>
+        <p:spPr>
+          <a:xfrm>
+            <a:off x="11342766" y="6731183"/>
+            <a:ext cx="364528" cy="0"/>
+          </a:xfrm>
+          <a:prstGeom prst="line">
+            <a:avLst/>
+          </a:prstGeom>
+          <a:ln w="19050" cap="rnd">
+            <a:solidFill>
+              <a:schemeClr val="tx1"/>
+            </a:solidFill>
+          </a:ln>
+        </p:spPr>
+        <p:style>
+          <a:lnRef idx="1">
+            <a:schemeClr val="accent1"/>
+          </a:lnRef>
+          <a:fillRef idx="0">
+            <a:schemeClr val="accent1"/>
+          </a:fillRef>
+          <a:effectRef idx="0">
+            <a:schemeClr val="accent1"/>
+          </a:effectRef>
+          <a:fontRef idx="minor">
+            <a:schemeClr val="tx1"/>
+          </a:fontRef>
+        </p:style>
+      </p:cxnSp>
+      <p:cxnSp>
+        <p:nvCxnSpPr>
+          <p:cNvPr id="11" name="직선 연결선 10"/>
+          <p:cNvCxnSpPr/>
+          <p:nvPr/>
+        </p:nvCxnSpPr>
+        <p:spPr>
+          <a:xfrm>
+            <a:off x="11707294" y="6731183"/>
+            <a:ext cx="364528" cy="0"/>
+          </a:xfrm>
+          <a:prstGeom prst="line">
+            <a:avLst/>
+          </a:prstGeom>
+          <a:ln w="19050" cap="rnd">
+            <a:solidFill>
+              <a:schemeClr val="tx1"/>
+            </a:solidFill>
+          </a:ln>
+        </p:spPr>
+        <p:style>
+          <a:lnRef idx="1">
+            <a:schemeClr val="accent1"/>
+          </a:lnRef>
+          <a:fillRef idx="0">
+            <a:schemeClr val="accent1"/>
+          </a:fillRef>
+          <a:effectRef idx="0">
+            <a:schemeClr val="accent1"/>
+          </a:effectRef>
+          <a:fontRef idx="minor">
+            <a:schemeClr val="tx1"/>
+          </a:fontRef>
+        </p:style>
+      </p:cxnSp>
+      <p:cxnSp>
+        <p:nvCxnSpPr>
+          <p:cNvPr id="12" name="직선 연결선 11"/>
+          <p:cNvCxnSpPr/>
+          <p:nvPr/>
+        </p:nvCxnSpPr>
+        <p:spPr>
+          <a:xfrm>
+            <a:off x="10255493" y="6731183"/>
             <a:ext cx="364528" cy="0"/>
           </a:xfrm>
           <a:prstGeom prst="line">
@@ -12528,7 +12356,7 @@
           </a:prstGeom>
           <a:ln w="19050" cap="rnd">
             <a:solidFill>
-              <a:schemeClr val="tx1"/>
+              <a:srgbClr val="94C3BB"/>
             </a:solidFill>
           </a:ln>
         </p:spPr>
@@ -12547,121 +12375,335 @@
           </a:fontRef>
         </p:style>
       </p:cxnSp>
-      <p:cxnSp>
-        <p:nvCxnSpPr>
-          <p:cNvPr id="10" name="직선 연결선 9"/>
-          <p:cNvCxnSpPr/>
-          <p:nvPr/>
-        </p:nvCxnSpPr>
-        <p:spPr>
-          <a:xfrm>
-            <a:off x="11342766" y="6731183"/>
-            <a:ext cx="364528" cy="0"/>
-          </a:xfrm>
-          <a:prstGeom prst="line">
-            <a:avLst/>
-          </a:prstGeom>
-          <a:ln w="19050" cap="rnd">
-            <a:solidFill>
-              <a:schemeClr val="tx1"/>
-            </a:solidFill>
-          </a:ln>
-        </p:spPr>
-        <p:style>
-          <a:lnRef idx="1">
-            <a:schemeClr val="accent1"/>
-          </a:lnRef>
-          <a:fillRef idx="0">
-            <a:schemeClr val="accent1"/>
-          </a:fillRef>
-          <a:effectRef idx="0">
-            <a:schemeClr val="accent1"/>
-          </a:effectRef>
-          <a:fontRef idx="minor">
-            <a:schemeClr val="tx1"/>
-          </a:fontRef>
-        </p:style>
-      </p:cxnSp>
-      <p:cxnSp>
-        <p:nvCxnSpPr>
-          <p:cNvPr id="12" name="직선 연결선 11"/>
-          <p:cNvCxnSpPr/>
-          <p:nvPr/>
-        </p:nvCxnSpPr>
-        <p:spPr>
-          <a:xfrm>
-            <a:off x="10255493" y="6731183"/>
-            <a:ext cx="364528" cy="0"/>
-          </a:xfrm>
-          <a:prstGeom prst="line">
-            <a:avLst/>
-          </a:prstGeom>
-          <a:ln w="19050" cap="rnd">
-            <a:solidFill>
-              <a:schemeClr val="tx1"/>
-            </a:solidFill>
-          </a:ln>
-        </p:spPr>
-        <p:style>
-          <a:lnRef idx="1">
-            <a:schemeClr val="accent1"/>
-          </a:lnRef>
-          <a:fillRef idx="0">
-            <a:schemeClr val="accent1"/>
-          </a:fillRef>
-          <a:effectRef idx="0">
-            <a:schemeClr val="accent1"/>
-          </a:effectRef>
-          <a:fontRef idx="minor">
-            <a:schemeClr val="tx1"/>
-          </a:fontRef>
-        </p:style>
-      </p:cxnSp>
-      <p:cxnSp>
-        <p:nvCxnSpPr>
-          <p:cNvPr id="11" name="직선 연결선 10"/>
-          <p:cNvCxnSpPr/>
-          <p:nvPr/>
-        </p:nvCxnSpPr>
-        <p:spPr>
-          <a:xfrm>
-            <a:off x="11707294" y="6731183"/>
-            <a:ext cx="364528" cy="0"/>
-          </a:xfrm>
-          <a:prstGeom prst="line">
-            <a:avLst/>
-          </a:prstGeom>
-          <a:ln w="19050" cap="rnd">
-            <a:solidFill>
-              <a:srgbClr val="94C3BB"/>
-            </a:solidFill>
-          </a:ln>
-        </p:spPr>
-        <p:style>
-          <a:lnRef idx="1">
-            <a:schemeClr val="accent1"/>
-          </a:lnRef>
-          <a:fillRef idx="0">
-            <a:schemeClr val="accent1"/>
-          </a:fillRef>
-          <a:effectRef idx="0">
-            <a:schemeClr val="accent1"/>
-          </a:effectRef>
-          <a:fontRef idx="minor">
-            <a:schemeClr val="tx1"/>
-          </a:fontRef>
-        </p:style>
-      </p:cxnSp>
+      <p:sp>
+        <p:nvSpPr>
+          <p:cNvPr id="18" name="TextBox 29"/>
+          <p:cNvSpPr txBox="1"/>
+          <p:nvPr/>
+        </p:nvSpPr>
+        <p:spPr>
+          <a:xfrm>
+            <a:off x="794385" y="928240"/>
+            <a:ext cx="554355" cy="450980"/>
+          </a:xfrm>
+          <a:prstGeom prst="rect">
+            <a:avLst/>
+          </a:prstGeom>
+          <a:noFill/>
+        </p:spPr>
+        <p:txBody>
+          <a:bodyPr wrap="none">
+            <a:spAutoFit/>
+          </a:bodyPr>
+          <a:lstStyle/>
+          <a:p>
+            <a:pPr algn="ctr">
+              <a:defRPr/>
+            </a:pPr>
+            <a:r>
+              <a:rPr lang="en-US" altLang="ko-KR" sz="2400" spc="-150">
+                <a:solidFill>
+                  <a:srgbClr val="00002F"/>
+                </a:solidFill>
+                <a:latin typeface="나눔스퀘어 ExtraBold"/>
+                <a:ea typeface="나눔스퀘어 ExtraBold"/>
+              </a:rPr>
+              <a:t>03.</a:t>
+            </a:r>
+          </a:p>
+        </p:txBody>
+      </p:sp>
+      <p:sp>
+        <p:nvSpPr>
+          <p:cNvPr id="19" name="TextBox 30"/>
+          <p:cNvSpPr txBox="1"/>
+          <p:nvPr/>
+        </p:nvSpPr>
+        <p:spPr>
+          <a:xfrm>
+            <a:off x="1489710" y="866684"/>
+            <a:ext cx="1792605" cy="569686"/>
+          </a:xfrm>
+          <a:prstGeom prst="rect">
+            <a:avLst/>
+          </a:prstGeom>
+          <a:noFill/>
+        </p:spPr>
+        <p:txBody>
+          <a:bodyPr wrap="none">
+            <a:spAutoFit/>
+          </a:bodyPr>
+          <a:lstStyle/>
+          <a:p>
+            <a:pPr algn="ctr">
+              <a:defRPr/>
+            </a:pPr>
+            <a:r>
+              <a:rPr lang="ko-KR" altLang="en-US" sz="3200" spc="-150">
+                <a:solidFill>
+                  <a:srgbClr val="00002F"/>
+                </a:solidFill>
+                <a:latin typeface="나눔스퀘어 ExtraBold"/>
+                <a:ea typeface="나눔스퀘어 ExtraBold"/>
+              </a:rPr>
+              <a:t>분석 과정</a:t>
+            </a:r>
+          </a:p>
+        </p:txBody>
+      </p:sp>
+      <p:sp>
+        <p:nvSpPr>
+          <p:cNvPr id="27" name="TextBox 7"/>
+          <p:cNvSpPr txBox="1"/>
+          <p:nvPr/>
+        </p:nvSpPr>
+        <p:spPr>
+          <a:xfrm>
+            <a:off x="6331605" y="1759408"/>
+            <a:ext cx="5375689" cy="830997"/>
+          </a:xfrm>
+          <a:prstGeom prst="rect">
+            <a:avLst/>
+          </a:prstGeom>
+          <a:noFill/>
+        </p:spPr>
+        <p:txBody>
+          <a:bodyPr wrap="square">
+            <a:spAutoFit/>
+          </a:bodyPr>
+          <a:lstStyle/>
+          <a:p>
+            <a:pPr algn="ctr">
+              <a:defRPr/>
+            </a:pPr>
+            <a:r>
+              <a:rPr lang="ko-KR" altLang="en-US" sz="2400" spc="-150" dirty="0">
+                <a:solidFill>
+                  <a:schemeClr val="dk1"/>
+                </a:solidFill>
+                <a:latin typeface="나눔스퀘어 Bold"/>
+                <a:ea typeface="나눔스퀘어 Bold"/>
+              </a:rPr>
+              <a:t>이에 맞춰 제주도의 물가를 어떻게 내릴 수</a:t>
+            </a:r>
+            <a:endParaRPr lang="en-US" altLang="ko-KR" sz="2400" spc="-150" dirty="0">
+              <a:solidFill>
+                <a:schemeClr val="dk1"/>
+              </a:solidFill>
+              <a:latin typeface="나눔스퀘어 Bold"/>
+              <a:ea typeface="나눔스퀘어 Bold"/>
+            </a:endParaRPr>
+          </a:p>
+          <a:p>
+            <a:pPr algn="ctr">
+              <a:defRPr/>
+            </a:pPr>
+            <a:r>
+              <a:rPr lang="ko-KR" altLang="en-US" sz="2400" spc="-150" dirty="0">
+                <a:solidFill>
+                  <a:schemeClr val="dk1"/>
+                </a:solidFill>
+                <a:latin typeface="나눔스퀘어 Bold"/>
+                <a:ea typeface="나눔스퀘어 Bold"/>
+              </a:rPr>
+              <a:t>있을까</a:t>
+            </a:r>
+            <a:r>
+              <a:rPr lang="en-US" altLang="ko-KR" sz="2400" spc="-150" dirty="0">
+                <a:solidFill>
+                  <a:schemeClr val="dk1"/>
+                </a:solidFill>
+                <a:latin typeface="나눔스퀘어 Bold"/>
+                <a:ea typeface="나눔스퀘어 Bold"/>
+              </a:rPr>
+              <a:t>? </a:t>
+            </a:r>
+            <a:r>
+              <a:rPr lang="ko-KR" altLang="en-US" sz="2400" spc="-150" dirty="0">
+                <a:solidFill>
+                  <a:schemeClr val="dk1"/>
+                </a:solidFill>
+                <a:latin typeface="나눔스퀘어 Bold"/>
+                <a:ea typeface="나눔스퀘어 Bold"/>
+              </a:rPr>
+              <a:t>라는 의문을 가지고 접근한 결과</a:t>
+            </a:r>
+            <a:endParaRPr lang="en-US" altLang="ko-KR" sz="2400" spc="-150" dirty="0">
+              <a:solidFill>
+                <a:schemeClr val="dk1"/>
+              </a:solidFill>
+              <a:latin typeface="나눔스퀘어 Bold"/>
+              <a:ea typeface="나눔스퀘어 Bold"/>
+            </a:endParaRPr>
+          </a:p>
+        </p:txBody>
+      </p:sp>
+      <p:sp>
+        <p:nvSpPr>
+          <p:cNvPr id="13" name="TextBox 12">
+            <a:extLst>
+              <a:ext uri="{FF2B5EF4-FFF2-40B4-BE49-F238E27FC236}">
+                <a16:creationId xmlns:a16="http://schemas.microsoft.com/office/drawing/2014/main" id="{E7E26179-FAB8-44AC-BAB9-3BF2693F1594}"/>
+              </a:ext>
+            </a:extLst>
+          </p:cNvPr>
+          <p:cNvSpPr txBox="1"/>
+          <p:nvPr/>
+        </p:nvSpPr>
+        <p:spPr>
+          <a:xfrm>
+            <a:off x="6331605" y="2828835"/>
+            <a:ext cx="5274196" cy="1200329"/>
+          </a:xfrm>
+          <a:prstGeom prst="rect">
+            <a:avLst/>
+          </a:prstGeom>
+          <a:noFill/>
+        </p:spPr>
+        <p:txBody>
+          <a:bodyPr wrap="square" rtlCol="0">
+            <a:spAutoFit/>
+          </a:bodyPr>
+          <a:lstStyle/>
+          <a:p>
+            <a:pPr algn="ctr"/>
+            <a:r>
+              <a:rPr lang="ko-KR" altLang="en-US" sz="2400" spc="-150" dirty="0">
+                <a:solidFill>
+                  <a:srgbClr val="8DBABD"/>
+                </a:solidFill>
+                <a:latin typeface="나눔스퀘어 Bold" panose="020B0600000101010101" pitchFamily="50" charset="-127"/>
+                <a:ea typeface="나눔스퀘어 Bold" panose="020B0600000101010101" pitchFamily="50" charset="-127"/>
+              </a:rPr>
+              <a:t>해상운송비를 제주도에서 지원을 해주면</a:t>
+            </a:r>
+            <a:endParaRPr lang="en-US" altLang="ko-KR" sz="2400" spc="-150" dirty="0">
+              <a:solidFill>
+                <a:srgbClr val="8DBABD"/>
+              </a:solidFill>
+              <a:latin typeface="나눔스퀘어 Bold" panose="020B0600000101010101" pitchFamily="50" charset="-127"/>
+              <a:ea typeface="나눔스퀘어 Bold" panose="020B0600000101010101" pitchFamily="50" charset="-127"/>
+            </a:endParaRPr>
+          </a:p>
+          <a:p>
+            <a:pPr algn="ctr"/>
+            <a:r>
+              <a:rPr lang="ko-KR" altLang="en-US" sz="2400" spc="-150" dirty="0">
+                <a:solidFill>
+                  <a:srgbClr val="8DBABD"/>
+                </a:solidFill>
+                <a:latin typeface="나눔스퀘어 Bold" panose="020B0600000101010101" pitchFamily="50" charset="-127"/>
+                <a:ea typeface="나눔스퀘어 Bold" panose="020B0600000101010101" pitchFamily="50" charset="-127"/>
+              </a:rPr>
+              <a:t>결과 적으로 제주내의 전체 </a:t>
+            </a:r>
+            <a:r>
+              <a:rPr lang="ko-KR" altLang="en-US" sz="2400" spc="-150" dirty="0">
+                <a:solidFill>
+                  <a:srgbClr val="FF0000"/>
+                </a:solidFill>
+                <a:latin typeface="나눔스퀘어 Bold" panose="020B0600000101010101" pitchFamily="50" charset="-127"/>
+                <a:ea typeface="나눔스퀘어 Bold" panose="020B0600000101010101" pitchFamily="50" charset="-127"/>
+              </a:rPr>
+              <a:t>물가</a:t>
+            </a:r>
+            <a:r>
+              <a:rPr lang="ko-KR" altLang="en-US" sz="2400" spc="-150" dirty="0">
+                <a:solidFill>
+                  <a:srgbClr val="8DBABD"/>
+                </a:solidFill>
+                <a:latin typeface="나눔스퀘어 Bold" panose="020B0600000101010101" pitchFamily="50" charset="-127"/>
+                <a:ea typeface="나눔스퀘어 Bold" panose="020B0600000101010101" pitchFamily="50" charset="-127"/>
+              </a:rPr>
+              <a:t>가 </a:t>
+            </a:r>
+            <a:endParaRPr lang="en-US" altLang="ko-KR" sz="2400" spc="-150" dirty="0">
+              <a:solidFill>
+                <a:srgbClr val="8DBABD"/>
+              </a:solidFill>
+              <a:latin typeface="나눔스퀘어 Bold" panose="020B0600000101010101" pitchFamily="50" charset="-127"/>
+              <a:ea typeface="나눔스퀘어 Bold" panose="020B0600000101010101" pitchFamily="50" charset="-127"/>
+            </a:endParaRPr>
+          </a:p>
+          <a:p>
+            <a:pPr algn="ctr"/>
+            <a:r>
+              <a:rPr lang="ko-KR" altLang="en-US" sz="2400" spc="-150" dirty="0">
+                <a:solidFill>
+                  <a:srgbClr val="8DBABD"/>
+                </a:solidFill>
+                <a:latin typeface="나눔스퀘어 Bold" panose="020B0600000101010101" pitchFamily="50" charset="-127"/>
+                <a:ea typeface="나눔스퀘어 Bold" panose="020B0600000101010101" pitchFamily="50" charset="-127"/>
+              </a:rPr>
+              <a:t>육지와 같은 물가를 만들 수 있을 것입니다</a:t>
+            </a:r>
+            <a:r>
+              <a:rPr lang="en-US" altLang="ko-KR" sz="2400" spc="-150" dirty="0">
+                <a:solidFill>
+                  <a:srgbClr val="8DBABD"/>
+                </a:solidFill>
+                <a:latin typeface="나눔스퀘어 Bold" panose="020B0600000101010101" pitchFamily="50" charset="-127"/>
+                <a:ea typeface="나눔스퀘어 Bold" panose="020B0600000101010101" pitchFamily="50" charset="-127"/>
+              </a:rPr>
+              <a:t>.</a:t>
+            </a:r>
+          </a:p>
+        </p:txBody>
+      </p:sp>
+      <p:pic>
+        <p:nvPicPr>
+          <p:cNvPr id="3" name="그림 2">
+            <a:extLst>
+              <a:ext uri="{FF2B5EF4-FFF2-40B4-BE49-F238E27FC236}">
+                <a16:creationId xmlns:a16="http://schemas.microsoft.com/office/drawing/2014/main" id="{8B5701B6-E8F8-443B-8C0B-BEEF9DEC9C4B}"/>
+              </a:ext>
+            </a:extLst>
+          </p:cNvPr>
+          <p:cNvPicPr>
+            <a:picLocks noChangeAspect="1"/>
+          </p:cNvPicPr>
+          <p:nvPr/>
+        </p:nvPicPr>
+        <p:blipFill>
+          <a:blip r:embed="rId2">
+            <a:extLst>
+              <a:ext uri="{28A0092B-C50C-407E-A947-70E740481C1C}">
+                <a14:useLocalDpi xmlns:a14="http://schemas.microsoft.com/office/drawing/2010/main" val="0"/>
+              </a:ext>
+            </a:extLst>
+          </a:blip>
+          <a:stretch>
+            <a:fillRect/>
+          </a:stretch>
+        </p:blipFill>
+        <p:spPr>
+          <a:xfrm>
+            <a:off x="794385" y="1759408"/>
+            <a:ext cx="5537220" cy="4170352"/>
+          </a:xfrm>
+          <a:prstGeom prst="rect">
+            <a:avLst/>
+          </a:prstGeom>
+        </p:spPr>
+      </p:pic>
     </p:spTree>
     <p:extLst>
       <p:ext uri="{BB962C8B-B14F-4D97-AF65-F5344CB8AC3E}">
-        <p14:creationId xmlns:p14="http://schemas.microsoft.com/office/powerpoint/2010/main" val="3721586884"/>
+        <p14:creationId xmlns:p14="http://schemas.microsoft.com/office/powerpoint/2010/main" val="1795924660"/>
       </p:ext>
     </p:extLst>
   </p:cSld>
   <p:clrMapOvr>
     <a:masterClrMapping/>
   </p:clrMapOvr>
+  <mc:AlternateContent xmlns:mc="http://schemas.openxmlformats.org/markup-compatibility/2006" xmlns:p14="http://schemas.microsoft.com/office/powerpoint/2010/main">
+    <mc:Choice Requires="p14">
+      <p:transition/>
+    </mc:Choice>
+    <mc:Fallback xmlns:dsp="http://schemas.microsoft.com/office/drawing/2008/diagram" xmlns:dgm="http://schemas.openxmlformats.org/drawingml/2006/diagram" xmlns:c="http://schemas.openxmlformats.org/drawingml/2006/chart" xmlns="">
+      <p:transition/>
+    </mc:Fallback>
+  </mc:AlternateContent>
 </p:sld>
 </file>
 
@@ -12684,14 +12726,14 @@
       </p:grpSpPr>
       <p:sp>
         <p:nvSpPr>
-          <p:cNvPr id="16" name="TextBox 15"/>
+          <p:cNvPr id="13" name="TextBox 12"/>
           <p:cNvSpPr txBox="1"/>
           <p:nvPr/>
         </p:nvSpPr>
         <p:spPr>
           <a:xfrm>
-            <a:off x="464118" y="229970"/>
-            <a:ext cx="1491113" cy="461665"/>
+            <a:off x="955384" y="1425148"/>
+            <a:ext cx="1774845" cy="584775"/>
           </a:xfrm>
           <a:prstGeom prst="rect">
             <a:avLst/>
@@ -12704,24 +12746,222 @@
           </a:bodyPr>
           <a:lstStyle/>
           <a:p>
+            <a:r>
+              <a:rPr lang="ko-KR" altLang="en-US" sz="1600" dirty="0">
+                <a:ln w="22225">
+                  <a:noFill/>
+                </a:ln>
+                <a:solidFill>
+                  <a:srgbClr val="30302A"/>
+                </a:solidFill>
+                <a:effectLst/>
+                <a:latin typeface="나눔스퀘어" panose="020B0600000101010101" pitchFamily="50" charset="-127"/>
+                <a:ea typeface="나눔스퀘어" panose="020B0600000101010101" pitchFamily="50" charset="-127"/>
+              </a:rPr>
+              <a:t>기본</a:t>
+            </a:r>
+            <a:r>
+              <a:rPr lang="en-US" altLang="ko-KR" sz="1600" dirty="0">
+                <a:ln w="22225">
+                  <a:noFill/>
+                </a:ln>
+                <a:solidFill>
+                  <a:srgbClr val="30302A"/>
+                </a:solidFill>
+                <a:effectLst/>
+                <a:latin typeface="나눔스퀘어" panose="020B0600000101010101" pitchFamily="50" charset="-127"/>
+                <a:ea typeface="나눔스퀘어" panose="020B0600000101010101" pitchFamily="50" charset="-127"/>
+              </a:rPr>
+              <a:t> </a:t>
+            </a:r>
+            <a:r>
+              <a:rPr lang="ko-KR" altLang="en-US" sz="1600" dirty="0">
+                <a:ln w="22225">
+                  <a:noFill/>
+                </a:ln>
+                <a:solidFill>
+                  <a:srgbClr val="30302A"/>
+                </a:solidFill>
+                <a:effectLst/>
+                <a:latin typeface="나눔스퀘어" panose="020B0600000101010101" pitchFamily="50" charset="-127"/>
+                <a:ea typeface="나눔스퀘어" panose="020B0600000101010101" pitchFamily="50" charset="-127"/>
+              </a:rPr>
+              <a:t>색상은 검은색</a:t>
+            </a:r>
+            <a:endParaRPr lang="en-US" altLang="ko-KR" sz="1600" dirty="0">
+              <a:ln w="22225">
+                <a:noFill/>
+              </a:ln>
+              <a:solidFill>
+                <a:srgbClr val="30302A"/>
+              </a:solidFill>
+              <a:effectLst/>
+              <a:latin typeface="나눔스퀘어" panose="020B0600000101010101" pitchFamily="50" charset="-127"/>
+              <a:ea typeface="나눔스퀘어" panose="020B0600000101010101" pitchFamily="50" charset="-127"/>
+            </a:endParaRPr>
+          </a:p>
+          <a:p>
+            <a:r>
+              <a:rPr lang="ko-KR" altLang="en-US" sz="1600" dirty="0">
+                <a:ln w="22225">
+                  <a:noFill/>
+                </a:ln>
+                <a:solidFill>
+                  <a:srgbClr val="94C3BB"/>
+                </a:solidFill>
+                <a:effectLst/>
+                <a:latin typeface="나눔스퀘어" panose="020B0600000101010101" pitchFamily="50" charset="-127"/>
+                <a:ea typeface="나눔스퀘어" panose="020B0600000101010101" pitchFamily="50" charset="-127"/>
+              </a:rPr>
+              <a:t>중요 색상은 </a:t>
+            </a:r>
+            <a:r>
+              <a:rPr lang="ko-KR" altLang="en-US" sz="1600" dirty="0" err="1">
+                <a:ln w="22225">
+                  <a:noFill/>
+                </a:ln>
+                <a:solidFill>
+                  <a:srgbClr val="94C3BB"/>
+                </a:solidFill>
+                <a:effectLst/>
+                <a:latin typeface="나눔스퀘어" panose="020B0600000101010101" pitchFamily="50" charset="-127"/>
+                <a:ea typeface="나눔스퀘어" panose="020B0600000101010101" pitchFamily="50" charset="-127"/>
+              </a:rPr>
+              <a:t>민트색</a:t>
+            </a:r>
+            <a:endParaRPr lang="en-US" altLang="ko-KR" sz="1600" dirty="0">
+              <a:ln w="22225">
+                <a:noFill/>
+              </a:ln>
+              <a:solidFill>
+                <a:srgbClr val="94C3BB"/>
+              </a:solidFill>
+              <a:effectLst/>
+              <a:latin typeface="나눔스퀘어" panose="020B0600000101010101" pitchFamily="50" charset="-127"/>
+              <a:ea typeface="나눔스퀘어" panose="020B0600000101010101" pitchFamily="50" charset="-127"/>
+            </a:endParaRPr>
+          </a:p>
+        </p:txBody>
+      </p:sp>
+      <p:sp>
+        <p:nvSpPr>
+          <p:cNvPr id="15" name="TextBox 14"/>
+          <p:cNvSpPr txBox="1"/>
+          <p:nvPr/>
+        </p:nvSpPr>
+        <p:spPr>
+          <a:xfrm>
+            <a:off x="10781242" y="76824"/>
+            <a:ext cx="1335622" cy="323165"/>
+          </a:xfrm>
+          <a:prstGeom prst="rect">
+            <a:avLst/>
+          </a:prstGeom>
+          <a:noFill/>
+        </p:spPr>
+        <p:txBody>
+          <a:bodyPr wrap="none" rtlCol="0">
+            <a:spAutoFit/>
+          </a:bodyPr>
+          <a:lstStyle/>
+          <a:p>
             <a:pPr algn="ctr"/>
             <a:r>
-              <a:rPr lang="ko-KR" altLang="en-US" sz="2400" spc="-150" dirty="0" err="1">
+              <a:rPr lang="en-US" altLang="ko-KR" sz="900" b="1" dirty="0">
+                <a:ln w="22225">
+                  <a:noFill/>
+                </a:ln>
+                <a:solidFill>
+                  <a:schemeClr val="bg1"/>
+                </a:solidFill>
+                <a:effectLst>
+                  <a:glow rad="88900">
+                    <a:srgbClr val="E3781F">
+                      <a:alpha val="7000"/>
+                    </a:srgbClr>
+                  </a:glow>
+                </a:effectLst>
+                <a:latin typeface="나눔스퀘어" panose="020B0600000101010101" pitchFamily="50" charset="-127"/>
+                <a:ea typeface="나눔스퀘어" panose="020B0600000101010101" pitchFamily="50" charset="-127"/>
+              </a:rPr>
+              <a:t>Power Point Template</a:t>
+            </a:r>
+          </a:p>
+          <a:p>
+            <a:pPr algn="ctr"/>
+            <a:r>
+              <a:rPr lang="en-US" altLang="ko-KR" sz="600" dirty="0" err="1">
+                <a:ln w="22225">
+                  <a:noFill/>
+                </a:ln>
+                <a:solidFill>
+                  <a:schemeClr val="bg1"/>
+                </a:solidFill>
+                <a:effectLst>
+                  <a:glow rad="88900">
+                    <a:srgbClr val="E3781F">
+                      <a:alpha val="7000"/>
+                    </a:srgbClr>
+                  </a:glow>
+                </a:effectLst>
+                <a:latin typeface="나눔스퀘어" panose="020B0600000101010101" pitchFamily="50" charset="-127"/>
+                <a:ea typeface="나눔스퀘어" panose="020B0600000101010101" pitchFamily="50" charset="-127"/>
+              </a:rPr>
+              <a:t>Ponybuhagom</a:t>
+            </a:r>
+            <a:endParaRPr lang="en-US" altLang="ko-KR" sz="600" dirty="0">
+              <a:ln w="22225">
+                <a:noFill/>
+              </a:ln>
+              <a:solidFill>
+                <a:schemeClr val="bg1"/>
+              </a:solidFill>
+              <a:effectLst>
+                <a:glow rad="88900">
+                  <a:srgbClr val="E3781F">
+                    <a:alpha val="7000"/>
+                  </a:srgbClr>
+                </a:glow>
+              </a:effectLst>
+              <a:latin typeface="나눔스퀘어" panose="020B0600000101010101" pitchFamily="50" charset="-127"/>
+              <a:ea typeface="나눔스퀘어" panose="020B0600000101010101" pitchFamily="50" charset="-127"/>
+            </a:endParaRPr>
+          </a:p>
+        </p:txBody>
+      </p:sp>
+      <p:sp>
+        <p:nvSpPr>
+          <p:cNvPr id="16" name="TextBox 15"/>
+          <p:cNvSpPr txBox="1"/>
+          <p:nvPr/>
+        </p:nvSpPr>
+        <p:spPr>
+          <a:xfrm>
+            <a:off x="725407" y="229970"/>
+            <a:ext cx="968535" cy="461665"/>
+          </a:xfrm>
+          <a:prstGeom prst="rect">
+            <a:avLst/>
+          </a:prstGeom>
+          <a:noFill/>
+        </p:spPr>
+        <p:txBody>
+          <a:bodyPr wrap="none" rtlCol="0">
+            <a:spAutoFit/>
+          </a:bodyPr>
+          <a:lstStyle/>
+          <a:p>
+            <a:pPr algn="ctr"/>
+            <a:r>
+              <a:rPr lang="ko-KR" altLang="en-US" sz="2400" spc="-150" dirty="0">
                 <a:solidFill>
                   <a:srgbClr val="FFFFFF"/>
                 </a:solidFill>
                 <a:latin typeface="나눔스퀘어 Bold" panose="020B0600000101010101" pitchFamily="50" charset="-127"/>
                 <a:ea typeface="나눔스퀘어 Bold" panose="020B0600000101010101" pitchFamily="50" charset="-127"/>
               </a:rPr>
-              <a:t>포니부하곰</a:t>
-            </a:r>
-            <a:endParaRPr lang="ko-KR" altLang="en-US" sz="2400" spc="-150" dirty="0">
-              <a:solidFill>
-                <a:srgbClr val="FFFFFF"/>
-              </a:solidFill>
-              <a:latin typeface="나눔스퀘어 Bold" panose="020B0600000101010101" pitchFamily="50" charset="-127"/>
-              <a:ea typeface="나눔스퀘어 Bold" panose="020B0600000101010101" pitchFamily="50" charset="-127"/>
-            </a:endParaRPr>
+              <a:t>제안서</a:t>
+            </a:r>
           </a:p>
         </p:txBody>
       </p:sp>
@@ -12797,13 +13037,13 @@
       </p:cxnSp>
       <p:cxnSp>
         <p:nvCxnSpPr>
-          <p:cNvPr id="10" name="직선 연결선 9"/>
+          <p:cNvPr id="11" name="직선 연결선 10"/>
           <p:cNvCxnSpPr/>
           <p:nvPr/>
         </p:nvCxnSpPr>
         <p:spPr>
           <a:xfrm>
-            <a:off x="11342766" y="6731183"/>
+            <a:off x="11707294" y="6731183"/>
             <a:ext cx="364528" cy="0"/>
           </a:xfrm>
           <a:prstGeom prst="line">
@@ -12867,13 +13107,13 @@
       </p:cxnSp>
       <p:cxnSp>
         <p:nvCxnSpPr>
-          <p:cNvPr id="11" name="직선 연결선 10"/>
+          <p:cNvPr id="10" name="직선 연결선 9"/>
           <p:cNvCxnSpPr/>
           <p:nvPr/>
         </p:nvCxnSpPr>
         <p:spPr>
           <a:xfrm>
-            <a:off x="11707294" y="6731183"/>
+            <a:off x="11342766" y="6731183"/>
             <a:ext cx="364528" cy="0"/>
           </a:xfrm>
           <a:prstGeom prst="line">
@@ -12900,79 +13140,10 @@
           </a:fontRef>
         </p:style>
       </p:cxnSp>
-      <p:sp>
-        <p:nvSpPr>
-          <p:cNvPr id="14" name="TextBox 13">
-            <a:extLst>
-              <a:ext uri="{FF2B5EF4-FFF2-40B4-BE49-F238E27FC236}">
-                <a16:creationId xmlns:a16="http://schemas.microsoft.com/office/drawing/2014/main" id="{8D550703-D2FB-4EFD-BBC6-7DA1F15BEFD9}"/>
-              </a:ext>
-            </a:extLst>
-          </p:cNvPr>
-          <p:cNvSpPr txBox="1"/>
-          <p:nvPr/>
-        </p:nvSpPr>
-        <p:spPr>
-          <a:xfrm>
-            <a:off x="5301552" y="2951947"/>
-            <a:ext cx="1588898" cy="830997"/>
-          </a:xfrm>
-          <a:prstGeom prst="rect">
-            <a:avLst/>
-          </a:prstGeom>
-          <a:noFill/>
-        </p:spPr>
-        <p:txBody>
-          <a:bodyPr wrap="none" rtlCol="0">
-            <a:spAutoFit/>
-          </a:bodyPr>
-          <a:lstStyle/>
-          <a:p>
-            <a:pPr algn="ctr"/>
-            <a:r>
-              <a:rPr lang="en-US" altLang="ko-KR" sz="4800" spc="300" dirty="0">
-                <a:ln w="104775" cmpd="tri">
-                  <a:noFill/>
-                </a:ln>
-                <a:solidFill>
-                  <a:srgbClr val="94C3BB"/>
-                </a:solidFill>
-                <a:effectLst>
-                  <a:outerShdw blurRad="38100" dist="38100" dir="2700000" algn="tl">
-                    <a:srgbClr val="000000">
-                      <a:alpha val="43137"/>
-                    </a:srgbClr>
-                  </a:outerShdw>
-                </a:effectLst>
-                <a:latin typeface="나눔스퀘어 ExtraBold" panose="020B0600000101010101" pitchFamily="50" charset="-127"/>
-                <a:ea typeface="나눔스퀘어 ExtraBold" panose="020B0600000101010101" pitchFamily="50" charset="-127"/>
-              </a:rPr>
-              <a:t>Q&amp;A</a:t>
-            </a:r>
-            <a:endParaRPr lang="ko-KR" altLang="en-US" sz="4800" spc="300" dirty="0">
-              <a:ln w="104775" cmpd="tri">
-                <a:noFill/>
-              </a:ln>
-              <a:solidFill>
-                <a:srgbClr val="94C3BB"/>
-              </a:solidFill>
-              <a:effectLst>
-                <a:outerShdw blurRad="38100" dist="38100" dir="2700000" algn="tl">
-                  <a:srgbClr val="000000">
-                    <a:alpha val="43137"/>
-                  </a:srgbClr>
-                </a:outerShdw>
-              </a:effectLst>
-              <a:latin typeface="나눔스퀘어 ExtraBold" panose="020B0600000101010101" pitchFamily="50" charset="-127"/>
-              <a:ea typeface="나눔스퀘어 ExtraBold" panose="020B0600000101010101" pitchFamily="50" charset="-127"/>
-            </a:endParaRPr>
-          </a:p>
-        </p:txBody>
-      </p:sp>
     </p:spTree>
     <p:extLst>
       <p:ext uri="{BB962C8B-B14F-4D97-AF65-F5344CB8AC3E}">
-        <p14:creationId xmlns:p14="http://schemas.microsoft.com/office/powerpoint/2010/main" val="3693316627"/>
+        <p14:creationId xmlns:p14="http://schemas.microsoft.com/office/powerpoint/2010/main" val="1177496133"/>
       </p:ext>
     </p:extLst>
   </p:cSld>
@@ -12983,13 +13154,14 @@
 </file>
 
 <file path=ppt/slides/slide2.xml><?xml version="1.0" encoding="utf-8"?>
-<p:sld xmlns:r="http://schemas.openxmlformats.org/officeDocument/2006/relationships" xmlns:c="http://schemas.openxmlformats.org/drawingml/2006/chart" xmlns:a="http://schemas.openxmlformats.org/drawingml/2006/main" xmlns:dgm="http://schemas.openxmlformats.org/drawingml/2006/diagram" xmlns:dsp="http://schemas.microsoft.com/office/drawing/2008/diagram" xmlns:p="http://schemas.openxmlformats.org/presentationml/2006/main">
+<p:sld xmlns:a="http://schemas.openxmlformats.org/drawingml/2006/main" xmlns:r="http://schemas.openxmlformats.org/officeDocument/2006/relationships" xmlns:p="http://schemas.openxmlformats.org/presentationml/2006/main">
   <p:cSld>
     <p:bg>
-      <p:bgPr shadeToTitle="0">
+      <p:bgPr>
         <a:solidFill>
           <a:schemeClr val="bg1"/>
         </a:solidFill>
+        <a:effectLst/>
       </p:bgPr>
     </p:bg>
     <p:spTree>
@@ -13013,7 +13185,7 @@
           <p:nvPr/>
         </p:nvGrpSpPr>
         <p:grpSpPr>
-          <a:xfrm rot="0">
+          <a:xfrm>
             <a:off x="0" y="766707"/>
             <a:ext cx="2847975" cy="523220"/>
             <a:chOff x="4453825" y="547632"/>
@@ -13035,7 +13207,7 @@
               <a:avLst/>
             </a:prstGeom>
             <a:solidFill>
-              <a:srgbClr val="94c3bb"/>
+              <a:srgbClr val="94C3BB"/>
             </a:solidFill>
             <a:ln>
               <a:noFill/>
@@ -13142,7 +13314,7 @@
             <a:r>
               <a:rPr lang="en-US" altLang="ko-KR" sz="2000">
                 <a:solidFill>
-                  <a:srgbClr val="30302a"/>
+                  <a:srgbClr val="30302A"/>
                 </a:solidFill>
                 <a:latin typeface="나눔스퀘어"/>
                 <a:ea typeface="나눔스퀘어"/>
@@ -13152,20 +13324,13 @@
             <a:r>
               <a:rPr lang="ko-KR" altLang="en-US" sz="2000">
                 <a:solidFill>
-                  <a:srgbClr val="30302a"/>
+                  <a:srgbClr val="30302A"/>
                 </a:solidFill>
                 <a:latin typeface="나눔스퀘어"/>
                 <a:ea typeface="나눔스퀘어"/>
               </a:rPr>
               <a:t>현황분석</a:t>
             </a:r>
-            <a:endParaRPr lang="ko-KR" altLang="en-US" sz="2000">
-              <a:solidFill>
-                <a:srgbClr val="30302a"/>
-              </a:solidFill>
-              <a:latin typeface="나눔스퀘어"/>
-              <a:ea typeface="나눔스퀘어"/>
-            </a:endParaRPr>
           </a:p>
         </p:txBody>
       </p:sp>
@@ -13197,7 +13362,7 @@
             <a:r>
               <a:rPr lang="en-US" altLang="ko-KR" sz="2000">
                 <a:solidFill>
-                  <a:srgbClr val="30302a"/>
+                  <a:srgbClr val="30302A"/>
                 </a:solidFill>
                 <a:latin typeface="나눔스퀘어"/>
                 <a:ea typeface="나눔스퀘어"/>
@@ -13207,20 +13372,13 @@
             <a:r>
               <a:rPr lang="ko-KR" altLang="en-US" sz="2000">
                 <a:solidFill>
-                  <a:srgbClr val="30302a"/>
+                  <a:srgbClr val="30302A"/>
                 </a:solidFill>
                 <a:latin typeface="나눔스퀘어"/>
                 <a:ea typeface="나눔스퀘어"/>
               </a:rPr>
               <a:t>문제점</a:t>
             </a:r>
-            <a:endParaRPr lang="ko-KR" altLang="en-US" sz="2000">
-              <a:solidFill>
-                <a:srgbClr val="30302a"/>
-              </a:solidFill>
-              <a:latin typeface="나눔스퀘어"/>
-              <a:ea typeface="나눔스퀘어"/>
-            </a:endParaRPr>
           </a:p>
         </p:txBody>
       </p:sp>
@@ -13252,7 +13410,7 @@
             <a:r>
               <a:rPr lang="en-US" altLang="ko-KR" sz="2000">
                 <a:solidFill>
-                  <a:srgbClr val="30302a"/>
+                  <a:srgbClr val="30302A"/>
                 </a:solidFill>
                 <a:latin typeface="나눔스퀘어"/>
                 <a:ea typeface="나눔스퀘어"/>
@@ -13262,20 +13420,13 @@
             <a:r>
               <a:rPr lang="ko-KR" altLang="en-US" sz="2000">
                 <a:solidFill>
-                  <a:srgbClr val="30302a"/>
+                  <a:srgbClr val="30302A"/>
                 </a:solidFill>
                 <a:latin typeface="나눔스퀘어"/>
                 <a:ea typeface="나눔스퀘어"/>
               </a:rPr>
               <a:t>분석</a:t>
             </a:r>
-            <a:endParaRPr lang="ko-KR" altLang="en-US" sz="2000">
-              <a:solidFill>
-                <a:srgbClr val="30302a"/>
-              </a:solidFill>
-              <a:latin typeface="나눔스퀘어"/>
-              <a:ea typeface="나눔스퀘어"/>
-            </a:endParaRPr>
           </a:p>
         </p:txBody>
       </p:sp>
@@ -13307,7 +13458,7 @@
             <a:r>
               <a:rPr lang="en-US" altLang="ko-KR" sz="2000">
                 <a:solidFill>
-                  <a:srgbClr val="30302a"/>
+                  <a:srgbClr val="30302A"/>
                 </a:solidFill>
                 <a:latin typeface="나눔스퀘어"/>
                 <a:ea typeface="나눔스퀘어"/>
@@ -13317,20 +13468,13 @@
             <a:r>
               <a:rPr lang="ko-KR" altLang="en-US" sz="2000">
                 <a:solidFill>
-                  <a:srgbClr val="30302a"/>
+                  <a:srgbClr val="30302A"/>
                 </a:solidFill>
                 <a:latin typeface="나눔스퀘어"/>
                 <a:ea typeface="나눔스퀘어"/>
               </a:rPr>
               <a:t>제안서</a:t>
             </a:r>
-            <a:endParaRPr lang="ko-KR" altLang="en-US" sz="2000">
-              <a:solidFill>
-                <a:srgbClr val="30302a"/>
-              </a:solidFill>
-              <a:latin typeface="나눔스퀘어"/>
-              <a:ea typeface="나눔스퀘어"/>
-            </a:endParaRPr>
           </a:p>
         </p:txBody>
       </p:sp>
@@ -13362,7 +13506,7 @@
             <a:r>
               <a:rPr lang="en-US" altLang="ko-KR" sz="2000">
                 <a:solidFill>
-                  <a:srgbClr val="30302a"/>
+                  <a:srgbClr val="30302A"/>
                 </a:solidFill>
                 <a:latin typeface="나눔스퀘어"/>
                 <a:ea typeface="나눔스퀘어"/>
@@ -13371,7 +13515,7 @@
             </a:r>
             <a:endParaRPr lang="ko-KR" altLang="en-US" sz="2000">
               <a:solidFill>
-                <a:srgbClr val="30302a"/>
+                <a:srgbClr val="30302A"/>
               </a:solidFill>
               <a:latin typeface="나눔스퀘어"/>
               <a:ea typeface="나눔스퀘어"/>
@@ -13384,11 +13528,11 @@
   <p:clrMapOvr>
     <a:masterClrMapping/>
   </p:clrMapOvr>
-  <mc:AlternateContent xmlns:mc="http://schemas.openxmlformats.org/markup-compatibility/2006">
-    <mc:Choice xmlns:p14="http://schemas.microsoft.com/office/powerpoint/2010/main" Requires="p14">
-      <p:transition xmlns:mc="http://schemas.openxmlformats.org/markup-compatibility/2006" xmlns:p14="http://schemas.microsoft.com/office/powerpoint/2010/main" mc:Ignorable="p14" p14:dur="500"/>
+  <mc:AlternateContent xmlns:mc="http://schemas.openxmlformats.org/markup-compatibility/2006" xmlns:p14="http://schemas.microsoft.com/office/powerpoint/2010/main">
+    <mc:Choice Requires="p14">
+      <p:transition/>
     </mc:Choice>
-    <mc:Fallback>
+    <mc:Fallback xmlns:dsp="http://schemas.microsoft.com/office/drawing/2008/diagram" xmlns:dgm="http://schemas.openxmlformats.org/drawingml/2006/diagram" xmlns:c="http://schemas.openxmlformats.org/drawingml/2006/chart" xmlns="">
       <p:transition/>
     </mc:Fallback>
   </mc:AlternateContent>
@@ -13414,6 +13558,690 @@
       </p:grpSpPr>
       <p:sp>
         <p:nvSpPr>
+          <p:cNvPr id="13" name="TextBox 12"/>
+          <p:cNvSpPr txBox="1"/>
+          <p:nvPr/>
+        </p:nvSpPr>
+        <p:spPr>
+          <a:xfrm>
+            <a:off x="955384" y="1425148"/>
+            <a:ext cx="1774845" cy="584775"/>
+          </a:xfrm>
+          <a:prstGeom prst="rect">
+            <a:avLst/>
+          </a:prstGeom>
+          <a:noFill/>
+        </p:spPr>
+        <p:txBody>
+          <a:bodyPr wrap="none" rtlCol="0">
+            <a:spAutoFit/>
+          </a:bodyPr>
+          <a:lstStyle/>
+          <a:p>
+            <a:r>
+              <a:rPr lang="ko-KR" altLang="en-US" sz="1600" dirty="0">
+                <a:ln w="22225">
+                  <a:noFill/>
+                </a:ln>
+                <a:solidFill>
+                  <a:srgbClr val="30302A"/>
+                </a:solidFill>
+                <a:effectLst/>
+                <a:latin typeface="나눔스퀘어" panose="020B0600000101010101" pitchFamily="50" charset="-127"/>
+                <a:ea typeface="나눔스퀘어" panose="020B0600000101010101" pitchFamily="50" charset="-127"/>
+              </a:rPr>
+              <a:t>기본</a:t>
+            </a:r>
+            <a:r>
+              <a:rPr lang="en-US" altLang="ko-KR" sz="1600" dirty="0">
+                <a:ln w="22225">
+                  <a:noFill/>
+                </a:ln>
+                <a:solidFill>
+                  <a:srgbClr val="30302A"/>
+                </a:solidFill>
+                <a:effectLst/>
+                <a:latin typeface="나눔스퀘어" panose="020B0600000101010101" pitchFamily="50" charset="-127"/>
+                <a:ea typeface="나눔스퀘어" panose="020B0600000101010101" pitchFamily="50" charset="-127"/>
+              </a:rPr>
+              <a:t> </a:t>
+            </a:r>
+            <a:r>
+              <a:rPr lang="ko-KR" altLang="en-US" sz="1600" dirty="0">
+                <a:ln w="22225">
+                  <a:noFill/>
+                </a:ln>
+                <a:solidFill>
+                  <a:srgbClr val="30302A"/>
+                </a:solidFill>
+                <a:effectLst/>
+                <a:latin typeface="나눔스퀘어" panose="020B0600000101010101" pitchFamily="50" charset="-127"/>
+                <a:ea typeface="나눔스퀘어" panose="020B0600000101010101" pitchFamily="50" charset="-127"/>
+              </a:rPr>
+              <a:t>색상은 검은색</a:t>
+            </a:r>
+            <a:endParaRPr lang="en-US" altLang="ko-KR" sz="1600" dirty="0">
+              <a:ln w="22225">
+                <a:noFill/>
+              </a:ln>
+              <a:solidFill>
+                <a:srgbClr val="30302A"/>
+              </a:solidFill>
+              <a:effectLst/>
+              <a:latin typeface="나눔스퀘어" panose="020B0600000101010101" pitchFamily="50" charset="-127"/>
+              <a:ea typeface="나눔스퀘어" panose="020B0600000101010101" pitchFamily="50" charset="-127"/>
+            </a:endParaRPr>
+          </a:p>
+          <a:p>
+            <a:r>
+              <a:rPr lang="ko-KR" altLang="en-US" sz="1600" dirty="0">
+                <a:ln w="22225">
+                  <a:noFill/>
+                </a:ln>
+                <a:solidFill>
+                  <a:srgbClr val="94C3BB"/>
+                </a:solidFill>
+                <a:effectLst/>
+                <a:latin typeface="나눔스퀘어" panose="020B0600000101010101" pitchFamily="50" charset="-127"/>
+                <a:ea typeface="나눔스퀘어" panose="020B0600000101010101" pitchFamily="50" charset="-127"/>
+              </a:rPr>
+              <a:t>중요 색상은 </a:t>
+            </a:r>
+            <a:r>
+              <a:rPr lang="ko-KR" altLang="en-US" sz="1600" dirty="0" err="1">
+                <a:ln w="22225">
+                  <a:noFill/>
+                </a:ln>
+                <a:solidFill>
+                  <a:srgbClr val="94C3BB"/>
+                </a:solidFill>
+                <a:effectLst/>
+                <a:latin typeface="나눔스퀘어" panose="020B0600000101010101" pitchFamily="50" charset="-127"/>
+                <a:ea typeface="나눔스퀘어" panose="020B0600000101010101" pitchFamily="50" charset="-127"/>
+              </a:rPr>
+              <a:t>민트색</a:t>
+            </a:r>
+            <a:endParaRPr lang="en-US" altLang="ko-KR" sz="1600" dirty="0">
+              <a:ln w="22225">
+                <a:noFill/>
+              </a:ln>
+              <a:solidFill>
+                <a:srgbClr val="94C3BB"/>
+              </a:solidFill>
+              <a:effectLst/>
+              <a:latin typeface="나눔스퀘어" panose="020B0600000101010101" pitchFamily="50" charset="-127"/>
+              <a:ea typeface="나눔스퀘어" panose="020B0600000101010101" pitchFamily="50" charset="-127"/>
+            </a:endParaRPr>
+          </a:p>
+        </p:txBody>
+      </p:sp>
+      <p:sp>
+        <p:nvSpPr>
+          <p:cNvPr id="16" name="TextBox 15"/>
+          <p:cNvSpPr txBox="1"/>
+          <p:nvPr/>
+        </p:nvSpPr>
+        <p:spPr>
+          <a:xfrm>
+            <a:off x="464118" y="229970"/>
+            <a:ext cx="1491113" cy="461665"/>
+          </a:xfrm>
+          <a:prstGeom prst="rect">
+            <a:avLst/>
+          </a:prstGeom>
+          <a:noFill/>
+        </p:spPr>
+        <p:txBody>
+          <a:bodyPr wrap="none" rtlCol="0">
+            <a:spAutoFit/>
+          </a:bodyPr>
+          <a:lstStyle/>
+          <a:p>
+            <a:pPr algn="ctr"/>
+            <a:r>
+              <a:rPr lang="ko-KR" altLang="en-US" sz="2400" spc="-150" dirty="0" err="1">
+                <a:solidFill>
+                  <a:srgbClr val="FFFFFF"/>
+                </a:solidFill>
+                <a:latin typeface="나눔스퀘어 Bold" panose="020B0600000101010101" pitchFamily="50" charset="-127"/>
+                <a:ea typeface="나눔스퀘어 Bold" panose="020B0600000101010101" pitchFamily="50" charset="-127"/>
+              </a:rPr>
+              <a:t>포니부하곰</a:t>
+            </a:r>
+            <a:endParaRPr lang="ko-KR" altLang="en-US" sz="2400" spc="-150" dirty="0">
+              <a:solidFill>
+                <a:srgbClr val="FFFFFF"/>
+              </a:solidFill>
+              <a:latin typeface="나눔스퀘어 Bold" panose="020B0600000101010101" pitchFamily="50" charset="-127"/>
+              <a:ea typeface="나눔스퀘어 Bold" panose="020B0600000101010101" pitchFamily="50" charset="-127"/>
+            </a:endParaRPr>
+          </a:p>
+        </p:txBody>
+      </p:sp>
+      <p:cxnSp>
+        <p:nvCxnSpPr>
+          <p:cNvPr id="8" name="직선 연결선 7"/>
+          <p:cNvCxnSpPr/>
+          <p:nvPr/>
+        </p:nvCxnSpPr>
+        <p:spPr>
+          <a:xfrm>
+            <a:off x="10618885" y="6731183"/>
+            <a:ext cx="364528" cy="0"/>
+          </a:xfrm>
+          <a:prstGeom prst="line">
+            <a:avLst/>
+          </a:prstGeom>
+          <a:ln w="19050" cap="rnd">
+            <a:solidFill>
+              <a:schemeClr val="tx1"/>
+            </a:solidFill>
+          </a:ln>
+        </p:spPr>
+        <p:style>
+          <a:lnRef idx="1">
+            <a:schemeClr val="accent1"/>
+          </a:lnRef>
+          <a:fillRef idx="0">
+            <a:schemeClr val="accent1"/>
+          </a:fillRef>
+          <a:effectRef idx="0">
+            <a:schemeClr val="accent1"/>
+          </a:effectRef>
+          <a:fontRef idx="minor">
+            <a:schemeClr val="tx1"/>
+          </a:fontRef>
+        </p:style>
+      </p:cxnSp>
+      <p:cxnSp>
+        <p:nvCxnSpPr>
+          <p:cNvPr id="9" name="직선 연결선 8"/>
+          <p:cNvCxnSpPr/>
+          <p:nvPr/>
+        </p:nvCxnSpPr>
+        <p:spPr>
+          <a:xfrm>
+            <a:off x="10983413" y="6731183"/>
+            <a:ext cx="364528" cy="0"/>
+          </a:xfrm>
+          <a:prstGeom prst="line">
+            <a:avLst/>
+          </a:prstGeom>
+          <a:ln w="19050" cap="rnd">
+            <a:solidFill>
+              <a:schemeClr val="tx1"/>
+            </a:solidFill>
+          </a:ln>
+        </p:spPr>
+        <p:style>
+          <a:lnRef idx="1">
+            <a:schemeClr val="accent1"/>
+          </a:lnRef>
+          <a:fillRef idx="0">
+            <a:schemeClr val="accent1"/>
+          </a:fillRef>
+          <a:effectRef idx="0">
+            <a:schemeClr val="accent1"/>
+          </a:effectRef>
+          <a:fontRef idx="minor">
+            <a:schemeClr val="tx1"/>
+          </a:fontRef>
+        </p:style>
+      </p:cxnSp>
+      <p:cxnSp>
+        <p:nvCxnSpPr>
+          <p:cNvPr id="10" name="직선 연결선 9"/>
+          <p:cNvCxnSpPr/>
+          <p:nvPr/>
+        </p:nvCxnSpPr>
+        <p:spPr>
+          <a:xfrm>
+            <a:off x="11342766" y="6731183"/>
+            <a:ext cx="364528" cy="0"/>
+          </a:xfrm>
+          <a:prstGeom prst="line">
+            <a:avLst/>
+          </a:prstGeom>
+          <a:ln w="19050" cap="rnd">
+            <a:solidFill>
+              <a:schemeClr val="tx1"/>
+            </a:solidFill>
+          </a:ln>
+        </p:spPr>
+        <p:style>
+          <a:lnRef idx="1">
+            <a:schemeClr val="accent1"/>
+          </a:lnRef>
+          <a:fillRef idx="0">
+            <a:schemeClr val="accent1"/>
+          </a:fillRef>
+          <a:effectRef idx="0">
+            <a:schemeClr val="accent1"/>
+          </a:effectRef>
+          <a:fontRef idx="minor">
+            <a:schemeClr val="tx1"/>
+          </a:fontRef>
+        </p:style>
+      </p:cxnSp>
+      <p:cxnSp>
+        <p:nvCxnSpPr>
+          <p:cNvPr id="12" name="직선 연결선 11"/>
+          <p:cNvCxnSpPr/>
+          <p:nvPr/>
+        </p:nvCxnSpPr>
+        <p:spPr>
+          <a:xfrm>
+            <a:off x="10255493" y="6731183"/>
+            <a:ext cx="364528" cy="0"/>
+          </a:xfrm>
+          <a:prstGeom prst="line">
+            <a:avLst/>
+          </a:prstGeom>
+          <a:ln w="19050" cap="rnd">
+            <a:solidFill>
+              <a:schemeClr val="tx1"/>
+            </a:solidFill>
+          </a:ln>
+        </p:spPr>
+        <p:style>
+          <a:lnRef idx="1">
+            <a:schemeClr val="accent1"/>
+          </a:lnRef>
+          <a:fillRef idx="0">
+            <a:schemeClr val="accent1"/>
+          </a:fillRef>
+          <a:effectRef idx="0">
+            <a:schemeClr val="accent1"/>
+          </a:effectRef>
+          <a:fontRef idx="minor">
+            <a:schemeClr val="tx1"/>
+          </a:fontRef>
+        </p:style>
+      </p:cxnSp>
+      <p:cxnSp>
+        <p:nvCxnSpPr>
+          <p:cNvPr id="11" name="직선 연결선 10"/>
+          <p:cNvCxnSpPr/>
+          <p:nvPr/>
+        </p:nvCxnSpPr>
+        <p:spPr>
+          <a:xfrm>
+            <a:off x="11707294" y="6731183"/>
+            <a:ext cx="364528" cy="0"/>
+          </a:xfrm>
+          <a:prstGeom prst="line">
+            <a:avLst/>
+          </a:prstGeom>
+          <a:ln w="19050" cap="rnd">
+            <a:solidFill>
+              <a:srgbClr val="94C3BB"/>
+            </a:solidFill>
+          </a:ln>
+        </p:spPr>
+        <p:style>
+          <a:lnRef idx="1">
+            <a:schemeClr val="accent1"/>
+          </a:lnRef>
+          <a:fillRef idx="0">
+            <a:schemeClr val="accent1"/>
+          </a:fillRef>
+          <a:effectRef idx="0">
+            <a:schemeClr val="accent1"/>
+          </a:effectRef>
+          <a:fontRef idx="minor">
+            <a:schemeClr val="tx1"/>
+          </a:fontRef>
+        </p:style>
+      </p:cxnSp>
+    </p:spTree>
+    <p:extLst>
+      <p:ext uri="{BB962C8B-B14F-4D97-AF65-F5344CB8AC3E}">
+        <p14:creationId xmlns:p14="http://schemas.microsoft.com/office/powerpoint/2010/main" val="3721586884"/>
+      </p:ext>
+    </p:extLst>
+  </p:cSld>
+  <p:clrMapOvr>
+    <a:masterClrMapping/>
+  </p:clrMapOvr>
+</p:sld>
+</file>
+
+<file path=ppt/slides/slide21.xml><?xml version="1.0" encoding="utf-8"?>
+<p:sld xmlns:a="http://schemas.openxmlformats.org/drawingml/2006/main" xmlns:r="http://schemas.openxmlformats.org/officeDocument/2006/relationships" xmlns:p="http://schemas.openxmlformats.org/presentationml/2006/main">
+  <p:cSld>
+    <p:spTree>
+      <p:nvGrpSpPr>
+        <p:cNvPr id="1" name=""/>
+        <p:cNvGrpSpPr/>
+        <p:nvPr/>
+      </p:nvGrpSpPr>
+      <p:grpSpPr>
+        <a:xfrm>
+          <a:off x="0" y="0"/>
+          <a:ext cx="0" cy="0"/>
+          <a:chOff x="0" y="0"/>
+          <a:chExt cx="0" cy="0"/>
+        </a:xfrm>
+      </p:grpSpPr>
+      <p:sp>
+        <p:nvSpPr>
+          <p:cNvPr id="16" name="TextBox 15"/>
+          <p:cNvSpPr txBox="1"/>
+          <p:nvPr/>
+        </p:nvSpPr>
+        <p:spPr>
+          <a:xfrm>
+            <a:off x="464118" y="229970"/>
+            <a:ext cx="1491113" cy="461665"/>
+          </a:xfrm>
+          <a:prstGeom prst="rect">
+            <a:avLst/>
+          </a:prstGeom>
+          <a:noFill/>
+        </p:spPr>
+        <p:txBody>
+          <a:bodyPr wrap="none" rtlCol="0">
+            <a:spAutoFit/>
+          </a:bodyPr>
+          <a:lstStyle/>
+          <a:p>
+            <a:pPr algn="ctr"/>
+            <a:r>
+              <a:rPr lang="ko-KR" altLang="en-US" sz="2400" spc="-150" dirty="0" err="1">
+                <a:solidFill>
+                  <a:srgbClr val="FFFFFF"/>
+                </a:solidFill>
+                <a:latin typeface="나눔스퀘어 Bold" panose="020B0600000101010101" pitchFamily="50" charset="-127"/>
+                <a:ea typeface="나눔스퀘어 Bold" panose="020B0600000101010101" pitchFamily="50" charset="-127"/>
+              </a:rPr>
+              <a:t>포니부하곰</a:t>
+            </a:r>
+            <a:endParaRPr lang="ko-KR" altLang="en-US" sz="2400" spc="-150" dirty="0">
+              <a:solidFill>
+                <a:srgbClr val="FFFFFF"/>
+              </a:solidFill>
+              <a:latin typeface="나눔스퀘어 Bold" panose="020B0600000101010101" pitchFamily="50" charset="-127"/>
+              <a:ea typeface="나눔스퀘어 Bold" panose="020B0600000101010101" pitchFamily="50" charset="-127"/>
+            </a:endParaRPr>
+          </a:p>
+        </p:txBody>
+      </p:sp>
+      <p:cxnSp>
+        <p:nvCxnSpPr>
+          <p:cNvPr id="8" name="직선 연결선 7"/>
+          <p:cNvCxnSpPr/>
+          <p:nvPr/>
+        </p:nvCxnSpPr>
+        <p:spPr>
+          <a:xfrm>
+            <a:off x="10618885" y="6731183"/>
+            <a:ext cx="364528" cy="0"/>
+          </a:xfrm>
+          <a:prstGeom prst="line">
+            <a:avLst/>
+          </a:prstGeom>
+          <a:ln w="19050" cap="rnd">
+            <a:solidFill>
+              <a:schemeClr val="tx1"/>
+            </a:solidFill>
+          </a:ln>
+        </p:spPr>
+        <p:style>
+          <a:lnRef idx="1">
+            <a:schemeClr val="accent1"/>
+          </a:lnRef>
+          <a:fillRef idx="0">
+            <a:schemeClr val="accent1"/>
+          </a:fillRef>
+          <a:effectRef idx="0">
+            <a:schemeClr val="accent1"/>
+          </a:effectRef>
+          <a:fontRef idx="minor">
+            <a:schemeClr val="tx1"/>
+          </a:fontRef>
+        </p:style>
+      </p:cxnSp>
+      <p:cxnSp>
+        <p:nvCxnSpPr>
+          <p:cNvPr id="9" name="직선 연결선 8"/>
+          <p:cNvCxnSpPr/>
+          <p:nvPr/>
+        </p:nvCxnSpPr>
+        <p:spPr>
+          <a:xfrm>
+            <a:off x="10983413" y="6731183"/>
+            <a:ext cx="364528" cy="0"/>
+          </a:xfrm>
+          <a:prstGeom prst="line">
+            <a:avLst/>
+          </a:prstGeom>
+          <a:ln w="19050" cap="rnd">
+            <a:solidFill>
+              <a:schemeClr val="tx1"/>
+            </a:solidFill>
+          </a:ln>
+        </p:spPr>
+        <p:style>
+          <a:lnRef idx="1">
+            <a:schemeClr val="accent1"/>
+          </a:lnRef>
+          <a:fillRef idx="0">
+            <a:schemeClr val="accent1"/>
+          </a:fillRef>
+          <a:effectRef idx="0">
+            <a:schemeClr val="accent1"/>
+          </a:effectRef>
+          <a:fontRef idx="minor">
+            <a:schemeClr val="tx1"/>
+          </a:fontRef>
+        </p:style>
+      </p:cxnSp>
+      <p:cxnSp>
+        <p:nvCxnSpPr>
+          <p:cNvPr id="10" name="직선 연결선 9"/>
+          <p:cNvCxnSpPr/>
+          <p:nvPr/>
+        </p:nvCxnSpPr>
+        <p:spPr>
+          <a:xfrm>
+            <a:off x="11342766" y="6731183"/>
+            <a:ext cx="364528" cy="0"/>
+          </a:xfrm>
+          <a:prstGeom prst="line">
+            <a:avLst/>
+          </a:prstGeom>
+          <a:ln w="19050" cap="rnd">
+            <a:solidFill>
+              <a:schemeClr val="tx1"/>
+            </a:solidFill>
+          </a:ln>
+        </p:spPr>
+        <p:style>
+          <a:lnRef idx="1">
+            <a:schemeClr val="accent1"/>
+          </a:lnRef>
+          <a:fillRef idx="0">
+            <a:schemeClr val="accent1"/>
+          </a:fillRef>
+          <a:effectRef idx="0">
+            <a:schemeClr val="accent1"/>
+          </a:effectRef>
+          <a:fontRef idx="minor">
+            <a:schemeClr val="tx1"/>
+          </a:fontRef>
+        </p:style>
+      </p:cxnSp>
+      <p:cxnSp>
+        <p:nvCxnSpPr>
+          <p:cNvPr id="12" name="직선 연결선 11"/>
+          <p:cNvCxnSpPr/>
+          <p:nvPr/>
+        </p:nvCxnSpPr>
+        <p:spPr>
+          <a:xfrm>
+            <a:off x="10255493" y="6731183"/>
+            <a:ext cx="364528" cy="0"/>
+          </a:xfrm>
+          <a:prstGeom prst="line">
+            <a:avLst/>
+          </a:prstGeom>
+          <a:ln w="19050" cap="rnd">
+            <a:solidFill>
+              <a:schemeClr val="tx1"/>
+            </a:solidFill>
+          </a:ln>
+        </p:spPr>
+        <p:style>
+          <a:lnRef idx="1">
+            <a:schemeClr val="accent1"/>
+          </a:lnRef>
+          <a:fillRef idx="0">
+            <a:schemeClr val="accent1"/>
+          </a:fillRef>
+          <a:effectRef idx="0">
+            <a:schemeClr val="accent1"/>
+          </a:effectRef>
+          <a:fontRef idx="minor">
+            <a:schemeClr val="tx1"/>
+          </a:fontRef>
+        </p:style>
+      </p:cxnSp>
+      <p:cxnSp>
+        <p:nvCxnSpPr>
+          <p:cNvPr id="11" name="직선 연결선 10"/>
+          <p:cNvCxnSpPr/>
+          <p:nvPr/>
+        </p:nvCxnSpPr>
+        <p:spPr>
+          <a:xfrm>
+            <a:off x="11707294" y="6731183"/>
+            <a:ext cx="364528" cy="0"/>
+          </a:xfrm>
+          <a:prstGeom prst="line">
+            <a:avLst/>
+          </a:prstGeom>
+          <a:ln w="19050" cap="rnd">
+            <a:solidFill>
+              <a:srgbClr val="94C3BB"/>
+            </a:solidFill>
+          </a:ln>
+        </p:spPr>
+        <p:style>
+          <a:lnRef idx="1">
+            <a:schemeClr val="accent1"/>
+          </a:lnRef>
+          <a:fillRef idx="0">
+            <a:schemeClr val="accent1"/>
+          </a:fillRef>
+          <a:effectRef idx="0">
+            <a:schemeClr val="accent1"/>
+          </a:effectRef>
+          <a:fontRef idx="minor">
+            <a:schemeClr val="tx1"/>
+          </a:fontRef>
+        </p:style>
+      </p:cxnSp>
+      <p:sp>
+        <p:nvSpPr>
+          <p:cNvPr id="14" name="TextBox 13">
+            <a:extLst>
+              <a:ext uri="{FF2B5EF4-FFF2-40B4-BE49-F238E27FC236}">
+                <a16:creationId xmlns:a16="http://schemas.microsoft.com/office/drawing/2014/main" id="{8D550703-D2FB-4EFD-BBC6-7DA1F15BEFD9}"/>
+              </a:ext>
+            </a:extLst>
+          </p:cNvPr>
+          <p:cNvSpPr txBox="1"/>
+          <p:nvPr/>
+        </p:nvSpPr>
+        <p:spPr>
+          <a:xfrm>
+            <a:off x="5301552" y="2951947"/>
+            <a:ext cx="1588898" cy="830997"/>
+          </a:xfrm>
+          <a:prstGeom prst="rect">
+            <a:avLst/>
+          </a:prstGeom>
+          <a:noFill/>
+        </p:spPr>
+        <p:txBody>
+          <a:bodyPr wrap="none" rtlCol="0">
+            <a:spAutoFit/>
+          </a:bodyPr>
+          <a:lstStyle/>
+          <a:p>
+            <a:pPr algn="ctr"/>
+            <a:r>
+              <a:rPr lang="en-US" altLang="ko-KR" sz="4800" spc="300" dirty="0">
+                <a:ln w="104775" cmpd="tri">
+                  <a:noFill/>
+                </a:ln>
+                <a:solidFill>
+                  <a:srgbClr val="94C3BB"/>
+                </a:solidFill>
+                <a:effectLst>
+                  <a:outerShdw blurRad="38100" dist="38100" dir="2700000" algn="tl">
+                    <a:srgbClr val="000000">
+                      <a:alpha val="43137"/>
+                    </a:srgbClr>
+                  </a:outerShdw>
+                </a:effectLst>
+                <a:latin typeface="나눔스퀘어 ExtraBold" panose="020B0600000101010101" pitchFamily="50" charset="-127"/>
+                <a:ea typeface="나눔스퀘어 ExtraBold" panose="020B0600000101010101" pitchFamily="50" charset="-127"/>
+              </a:rPr>
+              <a:t>Q&amp;A</a:t>
+            </a:r>
+            <a:endParaRPr lang="ko-KR" altLang="en-US" sz="4800" spc="300" dirty="0">
+              <a:ln w="104775" cmpd="tri">
+                <a:noFill/>
+              </a:ln>
+              <a:solidFill>
+                <a:srgbClr val="94C3BB"/>
+              </a:solidFill>
+              <a:effectLst>
+                <a:outerShdw blurRad="38100" dist="38100" dir="2700000" algn="tl">
+                  <a:srgbClr val="000000">
+                    <a:alpha val="43137"/>
+                  </a:srgbClr>
+                </a:outerShdw>
+              </a:effectLst>
+              <a:latin typeface="나눔스퀘어 ExtraBold" panose="020B0600000101010101" pitchFamily="50" charset="-127"/>
+              <a:ea typeface="나눔스퀘어 ExtraBold" panose="020B0600000101010101" pitchFamily="50" charset="-127"/>
+            </a:endParaRPr>
+          </a:p>
+        </p:txBody>
+      </p:sp>
+    </p:spTree>
+    <p:extLst>
+      <p:ext uri="{BB962C8B-B14F-4D97-AF65-F5344CB8AC3E}">
+        <p14:creationId xmlns:p14="http://schemas.microsoft.com/office/powerpoint/2010/main" val="3693316627"/>
+      </p:ext>
+    </p:extLst>
+  </p:cSld>
+  <p:clrMapOvr>
+    <a:masterClrMapping/>
+  </p:clrMapOvr>
+</p:sld>
+</file>
+
+<file path=ppt/slides/slide22.xml><?xml version="1.0" encoding="utf-8"?>
+<p:sld xmlns:a="http://schemas.openxmlformats.org/drawingml/2006/main" xmlns:r="http://schemas.openxmlformats.org/officeDocument/2006/relationships" xmlns:p="http://schemas.openxmlformats.org/presentationml/2006/main">
+  <p:cSld>
+    <p:spTree>
+      <p:nvGrpSpPr>
+        <p:cNvPr id="1" name=""/>
+        <p:cNvGrpSpPr/>
+        <p:nvPr/>
+      </p:nvGrpSpPr>
+      <p:grpSpPr>
+        <a:xfrm>
+          <a:off x="0" y="0"/>
+          <a:ext cx="0" cy="0"/>
+          <a:chOff x="0" y="0"/>
+          <a:chExt cx="0" cy="0"/>
+        </a:xfrm>
+      </p:grpSpPr>
+      <p:sp>
+        <p:nvSpPr>
           <p:cNvPr id="16" name="TextBox 15"/>
           <p:cNvSpPr txBox="1"/>
           <p:nvPr/>
@@ -13716,7 +14544,7 @@
 </p:sld>
 </file>
 
-<file path=ppt/slides/slide21.xml><?xml version="1.0" encoding="utf-8"?>
+<file path=ppt/slides/slide23.xml><?xml version="1.0" encoding="utf-8"?>
 <p:sld xmlns:a="http://schemas.openxmlformats.org/drawingml/2006/main" xmlns:r="http://schemas.openxmlformats.org/officeDocument/2006/relationships" xmlns:p="http://schemas.openxmlformats.org/presentationml/2006/main">
   <p:cSld>
     <p:bg>
@@ -13817,7 +14645,7 @@
 </p:sld>
 </file>
 
-<file path=ppt/slides/slide22.xml><?xml version="1.0" encoding="utf-8"?>
+<file path=ppt/slides/slide24.xml><?xml version="1.0" encoding="utf-8"?>
 <p:sld xmlns:a="http://schemas.openxmlformats.org/drawingml/2006/main" xmlns:r="http://schemas.openxmlformats.org/officeDocument/2006/relationships" xmlns:p="http://schemas.openxmlformats.org/presentationml/2006/main">
   <p:cSld>
     <p:bg>
@@ -16273,7 +17101,7 @@
 </file>
 
 <file path=ppt/slides/slide6.xml><?xml version="1.0" encoding="utf-8"?>
-<p:sld xmlns:r="http://schemas.openxmlformats.org/officeDocument/2006/relationships" xmlns:c="http://schemas.openxmlformats.org/drawingml/2006/chart" xmlns:a="http://schemas.openxmlformats.org/drawingml/2006/main" xmlns:dgm="http://schemas.openxmlformats.org/drawingml/2006/diagram" xmlns:dsp="http://schemas.microsoft.com/office/drawing/2008/diagram" xmlns:p="http://schemas.openxmlformats.org/presentationml/2006/main">
+<p:sld xmlns:a="http://schemas.openxmlformats.org/drawingml/2006/main" xmlns:r="http://schemas.openxmlformats.org/officeDocument/2006/relationships" xmlns:p="http://schemas.openxmlformats.org/presentationml/2006/main">
   <p:cSld>
     <p:spTree>
       <p:nvGrpSpPr>
@@ -16321,7 +17149,7 @@
                 </a:solidFill>
                 <a:effectLst>
                   <a:glow rad="88900">
-                    <a:srgbClr val="e3781f">
+                    <a:srgbClr val="E3781F">
                       <a:alpha val="7000"/>
                     </a:srgbClr>
                   </a:glow>
@@ -16331,20 +17159,6 @@
               </a:rPr>
               <a:t>Power Point Template</a:t>
             </a:r>
-            <a:endParaRPr lang="en-US" altLang="ko-KR" sz="900" b="1">
-              <a:solidFill>
-                <a:schemeClr val="bg1"/>
-              </a:solidFill>
-              <a:effectLst>
-                <a:glow rad="88900">
-                  <a:srgbClr val="e3781f">
-                    <a:alpha val="7000"/>
-                  </a:srgbClr>
-                </a:glow>
-              </a:effectLst>
-              <a:latin typeface="나눔스퀘어"/>
-              <a:ea typeface="나눔스퀘어"/>
-            </a:endParaRPr>
           </a:p>
           <a:p>
             <a:pPr algn="ctr">
@@ -16357,7 +17171,7 @@
                 </a:solidFill>
                 <a:effectLst>
                   <a:glow rad="88900">
-                    <a:srgbClr val="e3781f">
+                    <a:srgbClr val="E3781F">
                       <a:alpha val="7000"/>
                     </a:srgbClr>
                   </a:glow>
@@ -16367,20 +17181,6 @@
               </a:rPr>
               <a:t>Ponybuhagom</a:t>
             </a:r>
-            <a:endParaRPr lang="en-US" altLang="ko-KR" sz="600">
-              <a:solidFill>
-                <a:schemeClr val="bg1"/>
-              </a:solidFill>
-              <a:effectLst>
-                <a:glow rad="88900">
-                  <a:srgbClr val="e3781f">
-                    <a:alpha val="7000"/>
-                  </a:srgbClr>
-                </a:glow>
-              </a:effectLst>
-              <a:latin typeface="나눔스퀘어"/>
-              <a:ea typeface="나눔스퀘어"/>
-            </a:endParaRPr>
           </a:p>
         </p:txBody>
       </p:sp>
@@ -16412,20 +17212,13 @@
             <a:r>
               <a:rPr lang="ko-KR" altLang="en-US" sz="2400" spc="-150">
                 <a:solidFill>
-                  <a:srgbClr val="ffffff"/>
+                  <a:srgbClr val="FFFFFF"/>
                 </a:solidFill>
                 <a:latin typeface="나눔스퀘어 Bold"/>
                 <a:ea typeface="나눔스퀘어 Bold"/>
               </a:rPr>
               <a:t>현황분석</a:t>
             </a:r>
-            <a:endParaRPr lang="ko-KR" altLang="en-US" sz="2400" spc="-150">
-              <a:solidFill>
-                <a:srgbClr val="ffffff"/>
-              </a:solidFill>
-              <a:latin typeface="나눔스퀘어 Bold"/>
-              <a:ea typeface="나눔스퀘어 Bold"/>
-            </a:endParaRPr>
           </a:p>
         </p:txBody>
       </p:sp>
@@ -16494,20 +17287,13 @@
             <a:r>
               <a:rPr lang="ko-KR" altLang="en-US" sz="3200" spc="-150">
                 <a:solidFill>
-                  <a:srgbClr val="00002f"/>
+                  <a:srgbClr val="00002F"/>
                 </a:solidFill>
                 <a:latin typeface="나눔스퀘어 ExtraBold"/>
                 <a:ea typeface="나눔스퀘어 ExtraBold"/>
               </a:rPr>
               <a:t>내국인 관광객 체류기간 및 목적</a:t>
             </a:r>
-            <a:endParaRPr lang="ko-KR" altLang="en-US" sz="3200" spc="-150">
-              <a:solidFill>
-                <a:srgbClr val="00002f"/>
-              </a:solidFill>
-              <a:latin typeface="나눔스퀘어 ExtraBold"/>
-              <a:ea typeface="나눔스퀘어 ExtraBold"/>
-            </a:endParaRPr>
           </a:p>
         </p:txBody>
       </p:sp>
@@ -16539,7 +17325,7 @@
             <a:r>
               <a:rPr lang="en-US" altLang="ko-KR" sz="2400" spc="-150">
                 <a:solidFill>
-                  <a:srgbClr val="00002f"/>
+                  <a:srgbClr val="00002F"/>
                 </a:solidFill>
                 <a:latin typeface="나눔스퀘어 ExtraBold"/>
                 <a:ea typeface="나눔스퀘어 ExtraBold"/>
@@ -16548,7 +17334,7 @@
             </a:r>
             <a:endParaRPr lang="ko-KR" altLang="en-US" sz="2400" spc="-150">
               <a:solidFill>
-                <a:srgbClr val="00002f"/>
+                <a:srgbClr val="00002F"/>
               </a:solidFill>
               <a:latin typeface="나눔스퀘어 ExtraBold"/>
               <a:ea typeface="나눔스퀘어 ExtraBold"/>
@@ -16568,7 +17354,7 @@
         </p:xfrm>
         <a:graphic>
           <a:graphicData uri="http://schemas.openxmlformats.org/drawingml/2006/chart">
-            <c:chart r:id="rId2"/>
+            <c:chart xmlns:c="http://schemas.openxmlformats.org/drawingml/2006/chart" xmlns:r="http://schemas.openxmlformats.org/officeDocument/2006/relationships" r:id="rId2"/>
           </a:graphicData>
         </a:graphic>
       </p:graphicFrame>
@@ -16600,7 +17386,7 @@
             <a:r>
               <a:rPr lang="ko-KR" altLang="en-US" sz="2400" spc="-150">
                 <a:solidFill>
-                  <a:srgbClr val="8dbabd"/>
+                  <a:srgbClr val="8DBABD"/>
                 </a:solidFill>
                 <a:latin typeface="나눔스퀘어 Bold"/>
                 <a:ea typeface="나눔스퀘어 Bold"/>
@@ -16610,7 +17396,7 @@
             <a:r>
               <a:rPr lang="en-US" altLang="ko-KR" sz="2400" spc="-150">
                 <a:solidFill>
-                  <a:srgbClr val="8dbabd"/>
+                  <a:srgbClr val="8DBABD"/>
                 </a:solidFill>
                 <a:latin typeface="나눔스퀘어 Bold"/>
                 <a:ea typeface="나눔스퀘어 Bold"/>
@@ -16620,7 +17406,7 @@
             <a:r>
               <a:rPr lang="ko-KR" altLang="en-US" sz="2400" spc="-150">
                 <a:solidFill>
-                  <a:srgbClr val="8dbabd"/>
+                  <a:srgbClr val="8DBABD"/>
                 </a:solidFill>
                 <a:latin typeface="나눔스퀘어 Bold"/>
                 <a:ea typeface="나눔스퀘어 Bold"/>
@@ -16630,7 +17416,7 @@
             <a:r>
               <a:rPr lang="en-US" altLang="ko-KR" sz="2400" spc="-150">
                 <a:solidFill>
-                  <a:srgbClr val="8dbabd"/>
+                  <a:srgbClr val="8DBABD"/>
                 </a:solidFill>
                 <a:latin typeface="나눔스퀘어 Bold"/>
                 <a:ea typeface="나눔스퀘어 Bold"/>
@@ -16640,20 +17426,13 @@
             <a:r>
               <a:rPr lang="ko-KR" altLang="en-US" sz="2400" spc="-150">
                 <a:solidFill>
-                  <a:srgbClr val="8dbabd"/>
+                  <a:srgbClr val="8DBABD"/>
                 </a:solidFill>
                 <a:latin typeface="나눔스퀘어 Bold"/>
                 <a:ea typeface="나눔스퀘어 Bold"/>
               </a:rPr>
               <a:t>일로</a:t>
             </a:r>
-            <a:endParaRPr lang="ko-KR" altLang="en-US" sz="2400" spc="-150">
-              <a:solidFill>
-                <a:srgbClr val="8dbabd"/>
-              </a:solidFill>
-              <a:latin typeface="나눔스퀘어 Bold"/>
-              <a:ea typeface="나눔스퀘어 Bold"/>
-            </a:endParaRPr>
           </a:p>
           <a:p>
             <a:pPr algn="ctr">
@@ -16662,7 +17441,7 @@
             <a:r>
               <a:rPr lang="en-US" altLang="ko-KR" sz="2400" spc="-150">
                 <a:solidFill>
-                  <a:srgbClr val="8dbabd"/>
+                  <a:srgbClr val="8DBABD"/>
                 </a:solidFill>
                 <a:latin typeface="나눔스퀘어 Bold"/>
                 <a:ea typeface="나눔스퀘어 Bold"/>
@@ -16672,7 +17451,7 @@
             <a:r>
               <a:rPr lang="ko-KR" altLang="en-US" sz="2400" spc="-150">
                 <a:solidFill>
-                  <a:srgbClr val="8dbabd"/>
+                  <a:srgbClr val="8DBABD"/>
                 </a:solidFill>
                 <a:latin typeface="나눔스퀘어 Bold"/>
                 <a:ea typeface="나눔스퀘어 Bold"/>
@@ -16682,7 +17461,7 @@
             <a:r>
               <a:rPr lang="en-US" altLang="ko-KR" sz="2400" spc="-150">
                 <a:solidFill>
-                  <a:srgbClr val="8dbabd"/>
+                  <a:srgbClr val="8DBABD"/>
                 </a:solidFill>
                 <a:latin typeface="나눔스퀘어 Bold"/>
                 <a:ea typeface="나눔스퀘어 Bold"/>
@@ -16692,7 +17471,7 @@
             <a:r>
               <a:rPr lang="ko-KR" altLang="en-US" sz="2400" spc="-150">
                 <a:solidFill>
-                  <a:srgbClr val="8dbabd"/>
+                  <a:srgbClr val="8DBABD"/>
                 </a:solidFill>
                 <a:latin typeface="나눔스퀘어 Bold"/>
                 <a:ea typeface="나눔스퀘어 Bold"/>
@@ -16702,7 +17481,7 @@
             <a:r>
               <a:rPr lang="en-US" altLang="ko-KR" sz="2400" spc="-150">
                 <a:solidFill>
-                  <a:srgbClr val="8dbabd"/>
+                  <a:srgbClr val="8DBABD"/>
                 </a:solidFill>
                 <a:latin typeface="나눔스퀘어 Bold"/>
                 <a:ea typeface="나눔스퀘어 Bold"/>
@@ -16712,7 +17491,7 @@
             <a:r>
               <a:rPr lang="ko-KR" altLang="en-US" sz="2400" spc="-150">
                 <a:solidFill>
-                  <a:srgbClr val="8dbabd"/>
+                  <a:srgbClr val="8DBABD"/>
                 </a:solidFill>
                 <a:latin typeface="나눔스퀘어 Bold"/>
                 <a:ea typeface="나눔스퀘어 Bold"/>
@@ -16722,7 +17501,7 @@
             <a:r>
               <a:rPr lang="en-US" altLang="ko-KR" sz="2400" spc="-150">
                 <a:solidFill>
-                  <a:srgbClr val="8dbabd"/>
+                  <a:srgbClr val="8DBABD"/>
                 </a:solidFill>
                 <a:latin typeface="나눔스퀘어 Bold"/>
                 <a:ea typeface="나눔스퀘어 Bold"/>
@@ -16732,20 +17511,13 @@
             <a:r>
               <a:rPr lang="ko-KR" altLang="en-US" sz="2400" spc="-150">
                 <a:solidFill>
-                  <a:srgbClr val="8dbabd"/>
+                  <a:srgbClr val="8DBABD"/>
                 </a:solidFill>
                 <a:latin typeface="나눔스퀘어 Bold"/>
                 <a:ea typeface="나눔스퀘어 Bold"/>
               </a:rPr>
               <a:t>일을</a:t>
             </a:r>
-            <a:endParaRPr lang="ko-KR" altLang="en-US" sz="2400" spc="-150">
-              <a:solidFill>
-                <a:srgbClr val="8dbabd"/>
-              </a:solidFill>
-              <a:latin typeface="나눔스퀘어 Bold"/>
-              <a:ea typeface="나눔스퀘어 Bold"/>
-            </a:endParaRPr>
           </a:p>
           <a:p>
             <a:pPr algn="ctr">
@@ -16754,7 +17526,7 @@
             <a:r>
               <a:rPr lang="ko-KR" altLang="en-US" sz="2400" spc="-150">
                 <a:solidFill>
-                  <a:srgbClr val="8dbabd"/>
+                  <a:srgbClr val="8DBABD"/>
                 </a:solidFill>
                 <a:latin typeface="나눔스퀘어 Bold"/>
                 <a:ea typeface="나눔스퀘어 Bold"/>
@@ -16764,20 +17536,13 @@
             <a:r>
               <a:rPr lang="en-US" altLang="ko-KR" sz="2400" spc="-150">
                 <a:solidFill>
-                  <a:srgbClr val="8dbabd"/>
+                  <a:srgbClr val="8DBABD"/>
                 </a:solidFill>
                 <a:latin typeface="나눔스퀘어 Bold"/>
                 <a:ea typeface="나눔스퀘어 Bold"/>
               </a:rPr>
               <a:t>. </a:t>
             </a:r>
-            <a:endParaRPr lang="en-US" altLang="ko-KR" sz="2400" spc="-150">
-              <a:solidFill>
-                <a:srgbClr val="8dbabd"/>
-              </a:solidFill>
-              <a:latin typeface="나눔스퀘어 Bold"/>
-              <a:ea typeface="나눔스퀘어 Bold"/>
-            </a:endParaRPr>
           </a:p>
         </p:txBody>
       </p:sp>
@@ -16793,7 +17558,7 @@
         </p:xfrm>
         <a:graphic>
           <a:graphicData uri="http://schemas.openxmlformats.org/drawingml/2006/chart">
-            <c:chart r:id="rId3"/>
+            <c:chart xmlns:c="http://schemas.openxmlformats.org/drawingml/2006/chart" xmlns:r="http://schemas.openxmlformats.org/officeDocument/2006/relationships" r:id="rId3"/>
           </a:graphicData>
         </a:graphic>
       </p:graphicFrame>
@@ -16825,20 +17590,13 @@
             <a:r>
               <a:rPr lang="ko-KR" altLang="en-US" sz="2400" spc="-150">
                 <a:solidFill>
-                  <a:srgbClr val="8dbabd"/>
+                  <a:srgbClr val="8DBABD"/>
                 </a:solidFill>
                 <a:latin typeface="나눔스퀘어 Bold"/>
                 <a:ea typeface="나눔스퀘어 Bold"/>
               </a:rPr>
               <a:t>내국인들은 휴식의 목적으로 제주도를 찾는 경우가 많았으며 그 다음순위가 세미나를 </a:t>
             </a:r>
-            <a:endParaRPr lang="ko-KR" altLang="en-US" sz="2400" spc="-150">
-              <a:solidFill>
-                <a:srgbClr val="8dbabd"/>
-              </a:solidFill>
-              <a:latin typeface="나눔스퀘어 Bold"/>
-              <a:ea typeface="나눔스퀘어 Bold"/>
-            </a:endParaRPr>
           </a:p>
           <a:p>
             <a:pPr algn="ctr">
@@ -16847,7 +17605,7 @@
             <a:r>
               <a:rPr lang="ko-KR" altLang="en-US" sz="2400" spc="-150">
                 <a:solidFill>
-                  <a:srgbClr val="8dbabd"/>
+                  <a:srgbClr val="8DBABD"/>
                 </a:solidFill>
                 <a:latin typeface="나눔스퀘어 Bold"/>
                 <a:ea typeface="나눔스퀘어 Bold"/>
@@ -16857,20 +17615,13 @@
             <a:r>
               <a:rPr lang="en-US" altLang="ko-KR" sz="2400" spc="-150">
                 <a:solidFill>
-                  <a:srgbClr val="8dbabd"/>
+                  <a:srgbClr val="8DBABD"/>
                 </a:solidFill>
                 <a:latin typeface="나눔스퀘어 Bold"/>
                 <a:ea typeface="나눔스퀘어 Bold"/>
               </a:rPr>
               <a:t>.</a:t>
             </a:r>
-            <a:endParaRPr lang="en-US" altLang="ko-KR" sz="2400" spc="-150">
-              <a:solidFill>
-                <a:srgbClr val="8dbabd"/>
-              </a:solidFill>
-              <a:latin typeface="나눔스퀘어 Bold"/>
-              <a:ea typeface="나눔스퀘어 Bold"/>
-            </a:endParaRPr>
           </a:p>
         </p:txBody>
       </p:sp>
@@ -16879,11 +17630,11 @@
   <p:clrMapOvr>
     <a:masterClrMapping/>
   </p:clrMapOvr>
-  <mc:AlternateContent xmlns:mc="http://schemas.openxmlformats.org/markup-compatibility/2006">
-    <mc:Choice xmlns:p14="http://schemas.microsoft.com/office/powerpoint/2010/main" Requires="p14">
-      <p:transition xmlns:mc="http://schemas.openxmlformats.org/markup-compatibility/2006" xmlns:p14="http://schemas.microsoft.com/office/powerpoint/2010/main" mc:Ignorable="p14" p14:dur="500"/>
+  <mc:AlternateContent xmlns:mc="http://schemas.openxmlformats.org/markup-compatibility/2006" xmlns:p14="http://schemas.microsoft.com/office/powerpoint/2010/main">
+    <mc:Choice Requires="p14">
+      <p:transition/>
     </mc:Choice>
-    <mc:Fallback>
+    <mc:Fallback xmlns:dsp="http://schemas.microsoft.com/office/drawing/2008/diagram" xmlns:dgm="http://schemas.openxmlformats.org/drawingml/2006/diagram" xmlns:c="http://schemas.openxmlformats.org/drawingml/2006/chart" xmlns="">
       <p:transition/>
     </mc:Fallback>
   </mc:AlternateContent>
@@ -17469,7 +18220,7 @@
 </file>
 
 <file path=ppt/slides/slide8.xml><?xml version="1.0" encoding="utf-8"?>
-<p:sld xmlns:r="http://schemas.openxmlformats.org/officeDocument/2006/relationships" xmlns:c="http://schemas.openxmlformats.org/drawingml/2006/chart" xmlns:a="http://schemas.openxmlformats.org/drawingml/2006/main" xmlns:dgm="http://schemas.openxmlformats.org/drawingml/2006/diagram" xmlns:dsp="http://schemas.microsoft.com/office/drawing/2008/diagram" xmlns:p="http://schemas.openxmlformats.org/presentationml/2006/main">
+<p:sld xmlns:a="http://schemas.openxmlformats.org/drawingml/2006/main" xmlns:r="http://schemas.openxmlformats.org/officeDocument/2006/relationships" xmlns:p="http://schemas.openxmlformats.org/presentationml/2006/main">
   <p:cSld>
     <p:spTree>
       <p:nvGrpSpPr>
@@ -17517,7 +18268,7 @@
                 </a:solidFill>
                 <a:effectLst>
                   <a:glow rad="88900">
-                    <a:srgbClr val="e3781f">
+                    <a:srgbClr val="E3781F">
                       <a:alpha val="7000"/>
                     </a:srgbClr>
                   </a:glow>
@@ -17527,20 +18278,6 @@
               </a:rPr>
               <a:t>Power Point Template</a:t>
             </a:r>
-            <a:endParaRPr lang="en-US" altLang="ko-KR" sz="900" b="1">
-              <a:solidFill>
-                <a:schemeClr val="bg1"/>
-              </a:solidFill>
-              <a:effectLst>
-                <a:glow rad="88900">
-                  <a:srgbClr val="e3781f">
-                    <a:alpha val="7000"/>
-                  </a:srgbClr>
-                </a:glow>
-              </a:effectLst>
-              <a:latin typeface="나눔스퀘어"/>
-              <a:ea typeface="나눔스퀘어"/>
-            </a:endParaRPr>
           </a:p>
           <a:p>
             <a:pPr algn="ctr">
@@ -17553,7 +18290,7 @@
                 </a:solidFill>
                 <a:effectLst>
                   <a:glow rad="88900">
-                    <a:srgbClr val="e3781f">
+                    <a:srgbClr val="E3781F">
                       <a:alpha val="7000"/>
                     </a:srgbClr>
                   </a:glow>
@@ -17563,20 +18300,6 @@
               </a:rPr>
               <a:t>Ponybuhagom</a:t>
             </a:r>
-            <a:endParaRPr lang="en-US" altLang="ko-KR" sz="600">
-              <a:solidFill>
-                <a:schemeClr val="bg1"/>
-              </a:solidFill>
-              <a:effectLst>
-                <a:glow rad="88900">
-                  <a:srgbClr val="e3781f">
-                    <a:alpha val="7000"/>
-                  </a:srgbClr>
-                </a:glow>
-              </a:effectLst>
-              <a:latin typeface="나눔스퀘어"/>
-              <a:ea typeface="나눔스퀘어"/>
-            </a:endParaRPr>
           </a:p>
         </p:txBody>
       </p:sp>
@@ -17608,20 +18331,13 @@
             <a:r>
               <a:rPr lang="ko-KR" altLang="en-US" sz="2400" spc="-150">
                 <a:solidFill>
-                  <a:srgbClr val="ffffff"/>
+                  <a:srgbClr val="FFFFFF"/>
                 </a:solidFill>
                 <a:latin typeface="나눔스퀘어 Bold"/>
                 <a:ea typeface="나눔스퀘어 Bold"/>
               </a:rPr>
               <a:t>현황분석</a:t>
             </a:r>
-            <a:endParaRPr lang="ko-KR" altLang="en-US" sz="2400" spc="-150">
-              <a:solidFill>
-                <a:srgbClr val="ffffff"/>
-              </a:solidFill>
-              <a:latin typeface="나눔스퀘어 Bold"/>
-              <a:ea typeface="나눔스퀘어 Bold"/>
-            </a:endParaRPr>
           </a:p>
         </p:txBody>
       </p:sp>
@@ -17690,7 +18406,7 @@
             <a:r>
               <a:rPr lang="ko-KR" altLang="en-US" sz="3200" spc="-150">
                 <a:solidFill>
-                  <a:srgbClr val="00002f"/>
+                  <a:srgbClr val="00002F"/>
                 </a:solidFill>
                 <a:latin typeface="나눔스퀘어 ExtraBold"/>
                 <a:ea typeface="나눔스퀘어 ExtraBold"/>
@@ -17700,7 +18416,7 @@
             <a:r>
               <a:rPr lang="en-US" altLang="ko-KR" sz="3200" spc="-150">
                 <a:solidFill>
-                  <a:srgbClr val="00002f"/>
+                  <a:srgbClr val="00002F"/>
                 </a:solidFill>
                 <a:latin typeface="나눔스퀘어 ExtraBold"/>
                 <a:ea typeface="나눔스퀘어 ExtraBold"/>
@@ -17710,20 +18426,13 @@
             <a:r>
               <a:rPr lang="ko-KR" altLang="en-US" sz="3200" spc="-150">
                 <a:solidFill>
-                  <a:srgbClr val="00002f"/>
+                  <a:srgbClr val="00002F"/>
                 </a:solidFill>
                 <a:latin typeface="나눔스퀘어 ExtraBold"/>
                 <a:ea typeface="나눔스퀘어 ExtraBold"/>
               </a:rPr>
               <a:t>의문점</a:t>
             </a:r>
-            <a:endParaRPr lang="ko-KR" altLang="en-US" sz="3200" spc="-150">
-              <a:solidFill>
-                <a:srgbClr val="00002f"/>
-              </a:solidFill>
-              <a:latin typeface="나눔스퀘어 ExtraBold"/>
-              <a:ea typeface="나눔스퀘어 ExtraBold"/>
-            </a:endParaRPr>
           </a:p>
         </p:txBody>
       </p:sp>
@@ -17755,7 +18464,7 @@
             <a:r>
               <a:rPr lang="en-US" altLang="ko-KR" sz="2400" spc="-150">
                 <a:solidFill>
-                  <a:srgbClr val="00002f"/>
+                  <a:srgbClr val="00002F"/>
                 </a:solidFill>
                 <a:latin typeface="나눔스퀘어 ExtraBold"/>
                 <a:ea typeface="나눔스퀘어 ExtraBold"/>
@@ -17764,7 +18473,7 @@
             </a:r>
             <a:endParaRPr lang="ko-KR" altLang="en-US" sz="2400" spc="-150">
               <a:solidFill>
-                <a:srgbClr val="00002f"/>
+                <a:srgbClr val="00002F"/>
               </a:solidFill>
               <a:latin typeface="나눔스퀘어 ExtraBold"/>
               <a:ea typeface="나눔스퀘어 ExtraBold"/>
@@ -17800,7 +18509,7 @@
             <a:r>
               <a:rPr lang="ko-KR" altLang="en-US" sz="2400" spc="-150">
                 <a:solidFill>
-                  <a:srgbClr val="8dbabd"/>
+                  <a:srgbClr val="8DBABD"/>
                 </a:solidFill>
                 <a:latin typeface="나눔스퀘어 Bold"/>
                 <a:ea typeface="나눔스퀘어 Bold"/>
@@ -17810,7 +18519,7 @@
             <a:r>
               <a:rPr lang="en-US" altLang="ko-KR" sz="2400" spc="-150">
                 <a:solidFill>
-                  <a:srgbClr val="8dbabd"/>
+                  <a:srgbClr val="8DBABD"/>
                 </a:solidFill>
                 <a:latin typeface="나눔스퀘어 Bold"/>
                 <a:ea typeface="나눔스퀘어 Bold"/>
@@ -17820,20 +18529,13 @@
             <a:r>
               <a:rPr lang="ko-KR" altLang="en-US" sz="2400" spc="-150">
                 <a:solidFill>
-                  <a:srgbClr val="8dbabd"/>
+                  <a:srgbClr val="8DBABD"/>
                 </a:solidFill>
                 <a:latin typeface="나눔스퀘어 Bold"/>
                 <a:ea typeface="나눔스퀘어 Bold"/>
               </a:rPr>
               <a:t>외국인들이 휴식을</a:t>
             </a:r>
-            <a:endParaRPr lang="ko-KR" altLang="en-US" sz="2400" spc="-150">
-              <a:solidFill>
-                <a:srgbClr val="8dbabd"/>
-              </a:solidFill>
-              <a:latin typeface="나눔스퀘어 Bold"/>
-              <a:ea typeface="나눔스퀘어 Bold"/>
-            </a:endParaRPr>
           </a:p>
           <a:p>
             <a:pPr algn="ctr">
@@ -17842,20 +18544,13 @@
             <a:r>
               <a:rPr lang="ko-KR" altLang="en-US" sz="2400" spc="-150">
                 <a:solidFill>
-                  <a:srgbClr val="8dbabd"/>
+                  <a:srgbClr val="8DBABD"/>
                 </a:solidFill>
                 <a:latin typeface="나눔스퀘어 Bold"/>
                 <a:ea typeface="나눔스퀘어 Bold"/>
               </a:rPr>
               <a:t>목적으로 찾아왔지만 </a:t>
             </a:r>
-            <a:endParaRPr lang="ko-KR" altLang="en-US" sz="2400" spc="-150">
-              <a:solidFill>
-                <a:srgbClr val="8dbabd"/>
-              </a:solidFill>
-              <a:latin typeface="나눔스퀘어 Bold"/>
-              <a:ea typeface="나눔스퀘어 Bold"/>
-            </a:endParaRPr>
           </a:p>
           <a:p>
             <a:pPr algn="ctr">
@@ -17864,7 +18559,7 @@
             <a:r>
               <a:rPr lang="ko-KR" altLang="en-US" sz="2800" b="1" spc="-150">
                 <a:solidFill>
-                  <a:srgbClr val="ff0000"/>
+                  <a:srgbClr val="FF0000"/>
                 </a:solidFill>
                 <a:latin typeface="나눔스퀘어 Bold"/>
                 <a:ea typeface="나눔스퀘어 Bold"/>
@@ -17874,20 +18569,13 @@
             <a:r>
               <a:rPr lang="en-US" altLang="ko-KR" sz="2800" b="1" spc="-150">
                 <a:solidFill>
-                  <a:srgbClr val="ff0000"/>
+                  <a:srgbClr val="FF0000"/>
                 </a:solidFill>
                 <a:latin typeface="나눔스퀘어 Bold"/>
                 <a:ea typeface="나눔스퀘어 Bold"/>
               </a:rPr>
               <a:t>?</a:t>
             </a:r>
-            <a:endParaRPr lang="en-US" altLang="ko-KR" sz="2800" b="1" spc="-150">
-              <a:solidFill>
-                <a:srgbClr val="ff0000"/>
-              </a:solidFill>
-              <a:latin typeface="나눔스퀘어 Bold"/>
-              <a:ea typeface="나눔스퀘어 Bold"/>
-            </a:endParaRPr>
           </a:p>
           <a:p>
             <a:pPr algn="ctr">
@@ -17896,7 +18584,7 @@
             <a:r>
               <a:rPr lang="en-US" altLang="ko-KR" sz="2400" spc="-150">
                 <a:solidFill>
-                  <a:srgbClr val="8dbabd"/>
+                  <a:srgbClr val="8DBABD"/>
                 </a:solidFill>
                 <a:latin typeface="나눔스퀘어 Bold"/>
                 <a:ea typeface="나눔스퀘어 Bold"/>
@@ -17906,7 +18594,7 @@
             <a:r>
               <a:rPr lang="ko-KR" altLang="en-US" sz="2400" spc="-150">
                 <a:solidFill>
-                  <a:srgbClr val="8dbabd"/>
+                  <a:srgbClr val="8DBABD"/>
                 </a:solidFill>
                 <a:latin typeface="나눔스퀘어 Bold"/>
                 <a:ea typeface="나눔스퀘어 Bold"/>
@@ -17916,7 +18604,7 @@
             <a:r>
               <a:rPr lang="en-US" altLang="ko-KR" sz="2400" spc="-150">
                 <a:solidFill>
-                  <a:srgbClr val="8dbabd"/>
+                  <a:srgbClr val="8DBABD"/>
                 </a:solidFill>
                 <a:latin typeface="나눔스퀘어 Bold"/>
                 <a:ea typeface="나눔스퀘어 Bold"/>
@@ -17926,7 +18614,7 @@
             <a:r>
               <a:rPr lang="ko-KR" altLang="en-US" sz="2400" spc="-150">
                 <a:solidFill>
-                  <a:srgbClr val="8dbabd"/>
+                  <a:srgbClr val="8DBABD"/>
                 </a:solidFill>
                 <a:latin typeface="나눔스퀘어 Bold"/>
                 <a:ea typeface="나눔스퀘어 Bold"/>
@@ -17936,7 +18624,7 @@
             <a:r>
               <a:rPr lang="en-US" altLang="ko-KR" sz="2400" spc="-150">
                 <a:solidFill>
-                  <a:srgbClr val="8dbabd"/>
+                  <a:srgbClr val="8DBABD"/>
                 </a:solidFill>
                 <a:latin typeface="나눔스퀘어 Bold"/>
                 <a:ea typeface="나눔스퀘어 Bold"/>
@@ -17946,7 +18634,7 @@
             <a:r>
               <a:rPr lang="ko-KR" altLang="en-US" sz="2400" spc="-150">
                 <a:solidFill>
-                  <a:srgbClr val="8dbabd"/>
+                  <a:srgbClr val="8DBABD"/>
                 </a:solidFill>
                 <a:latin typeface="나눔스퀘어 Bold"/>
                 <a:ea typeface="나눔스퀘어 Bold"/>
@@ -17956,7 +18644,7 @@
             <a:r>
               <a:rPr lang="en-US" altLang="ko-KR" sz="2400" spc="-150">
                 <a:solidFill>
-                  <a:srgbClr val="8dbabd"/>
+                  <a:srgbClr val="8DBABD"/>
                 </a:solidFill>
                 <a:latin typeface="나눔스퀘어 Bold"/>
                 <a:ea typeface="나눔스퀘어 Bold"/>
@@ -17966,20 +18654,13 @@
             <a:r>
               <a:rPr lang="ko-KR" altLang="en-US" sz="2400" spc="-150">
                 <a:solidFill>
-                  <a:srgbClr val="8dbabd"/>
+                  <a:srgbClr val="8DBABD"/>
                 </a:solidFill>
                 <a:latin typeface="나눔스퀘어 Bold"/>
                 <a:ea typeface="나눔스퀘어 Bold"/>
               </a:rPr>
               <a:t>일만 지내는 이유에 대해서</a:t>
             </a:r>
-            <a:endParaRPr lang="ko-KR" altLang="en-US" sz="2400" spc="-150">
-              <a:solidFill>
-                <a:srgbClr val="8dbabd"/>
-              </a:solidFill>
-              <a:latin typeface="나눔스퀘어 Bold"/>
-              <a:ea typeface="나눔스퀘어 Bold"/>
-            </a:endParaRPr>
           </a:p>
           <a:p>
             <a:pPr algn="ctr">
@@ -17988,7 +18669,7 @@
             <a:r>
               <a:rPr lang="ko-KR" altLang="en-US" sz="2400" spc="-150">
                 <a:solidFill>
-                  <a:srgbClr val="8dbabd"/>
+                  <a:srgbClr val="8DBABD"/>
                 </a:solidFill>
                 <a:latin typeface="나눔스퀘어 Bold"/>
                 <a:ea typeface="나눔스퀘어 Bold"/>
@@ -17998,20 +18679,13 @@
             <a:r>
               <a:rPr lang="en-US" altLang="ko-KR" sz="2400" spc="-150">
                 <a:solidFill>
-                  <a:srgbClr val="8dbabd"/>
+                  <a:srgbClr val="8DBABD"/>
                 </a:solidFill>
                 <a:latin typeface="나눔스퀘어 Bold"/>
                 <a:ea typeface="나눔스퀘어 Bold"/>
               </a:rPr>
               <a:t>.</a:t>
             </a:r>
-            <a:endParaRPr lang="en-US" altLang="ko-KR" sz="2400" spc="-150">
-              <a:solidFill>
-                <a:srgbClr val="8dbabd"/>
-              </a:solidFill>
-              <a:latin typeface="나눔스퀘어 Bold"/>
-              <a:ea typeface="나눔스퀘어 Bold"/>
-            </a:endParaRPr>
           </a:p>
         </p:txBody>
       </p:sp>
@@ -18044,11 +18718,11 @@
   <p:clrMapOvr>
     <a:masterClrMapping/>
   </p:clrMapOvr>
-  <mc:AlternateContent xmlns:mc="http://schemas.openxmlformats.org/markup-compatibility/2006">
-    <mc:Choice xmlns:p14="http://schemas.microsoft.com/office/powerpoint/2010/main" Requires="p14">
-      <p:transition xmlns:mc="http://schemas.openxmlformats.org/markup-compatibility/2006" xmlns:p14="http://schemas.microsoft.com/office/powerpoint/2010/main" mc:Ignorable="p14" p14:dur="500"/>
+  <mc:AlternateContent xmlns:mc="http://schemas.openxmlformats.org/markup-compatibility/2006" xmlns:p14="http://schemas.microsoft.com/office/powerpoint/2010/main">
+    <mc:Choice Requires="p14">
+      <p:transition/>
     </mc:Choice>
-    <mc:Fallback>
+    <mc:Fallback xmlns:dsp="http://schemas.microsoft.com/office/drawing/2008/diagram" xmlns:dgm="http://schemas.openxmlformats.org/drawingml/2006/diagram" xmlns:c="http://schemas.openxmlformats.org/drawingml/2006/chart" xmlns="">
       <p:transition/>
     </mc:Fallback>
   </mc:AlternateContent>
@@ -18056,7 +18730,7 @@
 </file>
 
 <file path=ppt/slides/slide9.xml><?xml version="1.0" encoding="utf-8"?>
-<p:sld xmlns:r="http://schemas.openxmlformats.org/officeDocument/2006/relationships" xmlns:c="http://schemas.openxmlformats.org/drawingml/2006/chart" xmlns:a="http://schemas.openxmlformats.org/drawingml/2006/main" xmlns:dgm="http://schemas.openxmlformats.org/drawingml/2006/diagram" xmlns:dsp="http://schemas.microsoft.com/office/drawing/2008/diagram" xmlns:p="http://schemas.openxmlformats.org/presentationml/2006/main">
+<p:sld xmlns:a="http://schemas.openxmlformats.org/drawingml/2006/main" xmlns:r="http://schemas.openxmlformats.org/officeDocument/2006/relationships" xmlns:p="http://schemas.openxmlformats.org/presentationml/2006/main">
   <p:cSld>
     <p:spTree>
       <p:nvGrpSpPr>
@@ -18104,7 +18778,7 @@
                 </a:solidFill>
                 <a:effectLst>
                   <a:glow rad="88900">
-                    <a:srgbClr val="e3781f">
+                    <a:srgbClr val="E3781F">
                       <a:alpha val="7000"/>
                     </a:srgbClr>
                   </a:glow>
@@ -18114,20 +18788,6 @@
               </a:rPr>
               <a:t>Power Point Template</a:t>
             </a:r>
-            <a:endParaRPr lang="en-US" altLang="ko-KR" sz="900" b="1">
-              <a:solidFill>
-                <a:schemeClr val="bg1"/>
-              </a:solidFill>
-              <a:effectLst>
-                <a:glow rad="88900">
-                  <a:srgbClr val="e3781f">
-                    <a:alpha val="7000"/>
-                  </a:srgbClr>
-                </a:glow>
-              </a:effectLst>
-              <a:latin typeface="나눔스퀘어"/>
-              <a:ea typeface="나눔스퀘어"/>
-            </a:endParaRPr>
           </a:p>
           <a:p>
             <a:pPr algn="ctr">
@@ -18140,7 +18800,7 @@
                 </a:solidFill>
                 <a:effectLst>
                   <a:glow rad="88900">
-                    <a:srgbClr val="e3781f">
+                    <a:srgbClr val="E3781F">
                       <a:alpha val="7000"/>
                     </a:srgbClr>
                   </a:glow>
@@ -18150,20 +18810,6 @@
               </a:rPr>
               <a:t>Ponybuhagom</a:t>
             </a:r>
-            <a:endParaRPr lang="en-US" altLang="ko-KR" sz="600">
-              <a:solidFill>
-                <a:schemeClr val="bg1"/>
-              </a:solidFill>
-              <a:effectLst>
-                <a:glow rad="88900">
-                  <a:srgbClr val="e3781f">
-                    <a:alpha val="7000"/>
-                  </a:srgbClr>
-                </a:glow>
-              </a:effectLst>
-              <a:latin typeface="나눔스퀘어"/>
-              <a:ea typeface="나눔스퀘어"/>
-            </a:endParaRPr>
           </a:p>
         </p:txBody>
       </p:sp>
@@ -18195,20 +18841,13 @@
             <a:r>
               <a:rPr lang="ko-KR" altLang="en-US" sz="2400" spc="-150">
                 <a:solidFill>
-                  <a:srgbClr val="ffffff"/>
+                  <a:srgbClr val="FFFFFF"/>
                 </a:solidFill>
                 <a:latin typeface="나눔스퀘어 Bold"/>
                 <a:ea typeface="나눔스퀘어 Bold"/>
               </a:rPr>
               <a:t>문제점</a:t>
             </a:r>
-            <a:endParaRPr lang="ko-KR" altLang="en-US" sz="2400" spc="-150">
-              <a:solidFill>
-                <a:srgbClr val="ffffff"/>
-              </a:solidFill>
-              <a:latin typeface="나눔스퀘어 Bold"/>
-              <a:ea typeface="나눔스퀘어 Bold"/>
-            </a:endParaRPr>
           </a:p>
         </p:txBody>
       </p:sp>
@@ -18368,7 +19007,7 @@
           </a:prstGeom>
           <a:ln w="19050" cap="rnd">
             <a:solidFill>
-              <a:srgbClr val="94c3bb"/>
+              <a:srgbClr val="94C3BB"/>
             </a:solidFill>
           </a:ln>
         </p:spPr>
@@ -18452,7 +19091,7 @@
             <a:r>
               <a:rPr lang="en-US" altLang="ko-KR" sz="2400" spc="-150">
                 <a:solidFill>
-                  <a:srgbClr val="00002f"/>
+                  <a:srgbClr val="00002F"/>
                 </a:solidFill>
                 <a:latin typeface="나눔스퀘어 ExtraBold"/>
                 <a:ea typeface="나눔스퀘어 ExtraBold"/>
@@ -18461,7 +19100,7 @@
             </a:r>
             <a:endParaRPr lang="ko-KR" altLang="en-US" sz="2400" spc="-150">
               <a:solidFill>
-                <a:srgbClr val="00002f"/>
+                <a:srgbClr val="00002F"/>
               </a:solidFill>
               <a:latin typeface="나눔스퀘어 ExtraBold"/>
               <a:ea typeface="나눔스퀘어 ExtraBold"/>
@@ -18497,20 +19136,13 @@
             <a:r>
               <a:rPr lang="ko-KR" altLang="en-US" sz="3200" spc="-150">
                 <a:solidFill>
-                  <a:srgbClr val="00002f"/>
+                  <a:srgbClr val="00002F"/>
                 </a:solidFill>
                 <a:latin typeface="나눔스퀘어 ExtraBold"/>
                 <a:ea typeface="나눔스퀘어 ExtraBold"/>
               </a:rPr>
               <a:t>문제점 정의</a:t>
             </a:r>
-            <a:endParaRPr lang="ko-KR" altLang="en-US" sz="3200" spc="-150">
-              <a:solidFill>
-                <a:srgbClr val="00002f"/>
-              </a:solidFill>
-              <a:latin typeface="나눔스퀘어 ExtraBold"/>
-              <a:ea typeface="나눔스퀘어 ExtraBold"/>
-            </a:endParaRPr>
           </a:p>
         </p:txBody>
       </p:sp>
@@ -18542,20 +19174,13 @@
             <a:r>
               <a:rPr lang="ko-KR" altLang="en-US" sz="2200" spc="-150">
                 <a:solidFill>
-                  <a:srgbClr val="8dbabd"/>
+                  <a:srgbClr val="8DBABD"/>
                 </a:solidFill>
                 <a:latin typeface="나눔스퀘어 Bold"/>
                 <a:ea typeface="나눔스퀘어 Bold"/>
               </a:rPr>
               <a:t>의문점을 풀어주는 실마리는 </a:t>
             </a:r>
-            <a:endParaRPr lang="ko-KR" altLang="en-US" sz="2200" spc="-150">
-              <a:solidFill>
-                <a:srgbClr val="8dbabd"/>
-              </a:solidFill>
-              <a:latin typeface="나눔스퀘어 Bold"/>
-              <a:ea typeface="나눔스퀘어 Bold"/>
-            </a:endParaRPr>
           </a:p>
           <a:p>
             <a:pPr algn="ctr">
@@ -18564,7 +19189,7 @@
             <a:r>
               <a:rPr lang="ko-KR" altLang="en-US" sz="2200" spc="-150">
                 <a:solidFill>
-                  <a:srgbClr val="8dbabd"/>
+                  <a:srgbClr val="8DBABD"/>
                 </a:solidFill>
                 <a:latin typeface="나눔스퀘어 Bold"/>
                 <a:ea typeface="나눔스퀘어 Bold"/>
@@ -18574,7 +19199,7 @@
             <a:r>
               <a:rPr lang="en-US" altLang="ko-KR" sz="2200" spc="-150">
                 <a:solidFill>
-                  <a:srgbClr val="8dbabd"/>
+                  <a:srgbClr val="8DBABD"/>
                 </a:solidFill>
                 <a:latin typeface="나눔스퀘어 Bold"/>
                 <a:ea typeface="나눔스퀘어 Bold"/>
@@ -18584,26 +19209,19 @@
             <a:r>
               <a:rPr lang="ko-KR" altLang="en-US" sz="2200" spc="-150">
                 <a:solidFill>
-                  <a:srgbClr val="8dbabd"/>
+                  <a:srgbClr val="8DBABD"/>
                 </a:solidFill>
                 <a:latin typeface="나눔스퀘어 Bold"/>
                 <a:ea typeface="나눔스퀘어 Bold"/>
               </a:rPr>
               <a:t> </a:t>
             </a:r>
-            <a:endParaRPr lang="ko-KR" altLang="en-US" sz="2200" spc="-150">
-              <a:solidFill>
-                <a:srgbClr val="8dbabd"/>
-              </a:solidFill>
-              <a:latin typeface="나눔스퀘어 Bold"/>
-              <a:ea typeface="나눔스퀘어 Bold"/>
-            </a:endParaRPr>
           </a:p>
         </p:txBody>
       </p:sp>
       <p:pic>
         <p:nvPicPr>
-          <p:cNvPr id="21" name=""/>
+          <p:cNvPr id="21" name="그림 20"/>
           <p:cNvPicPr>
             <a:picLocks noChangeAspect="1"/>
           </p:cNvPicPr>
@@ -18627,7 +19245,7 @@
       </p:pic>
       <p:sp>
         <p:nvSpPr>
-          <p:cNvPr id="22" name=""/>
+          <p:cNvPr id="22" name="직사각형 21"/>
           <p:cNvSpPr/>
           <p:nvPr/>
         </p:nvSpPr>
@@ -18642,7 +19260,7 @@
           <a:noFill/>
           <a:ln>
             <a:solidFill>
-              <a:srgbClr val="ff0000"/>
+              <a:srgbClr val="FF0000"/>
             </a:solidFill>
           </a:ln>
         </p:spPr>
@@ -18664,6 +19282,7 @@
         </p:style>
         <p:txBody>
           <a:bodyPr anchor="ctr"/>
+          <a:lstStyle/>
           <a:p>
             <a:pPr algn="ctr">
               <a:defRPr/>
@@ -18700,7 +19319,7 @@
             <a:r>
               <a:rPr lang="en-US" altLang="ko-KR" sz="1900" spc="-150">
                 <a:solidFill>
-                  <a:srgbClr val="8dbabd"/>
+                  <a:srgbClr val="8DBABD"/>
                 </a:solidFill>
                 <a:latin typeface="나눔스퀘어 Bold"/>
                 <a:ea typeface="나눔스퀘어 Bold"/>
@@ -18710,20 +19329,13 @@
             <a:r>
               <a:rPr lang="ko-KR" altLang="en-US" sz="1900" spc="-150">
                 <a:solidFill>
-                  <a:srgbClr val="8dbabd"/>
+                  <a:srgbClr val="8DBABD"/>
                 </a:solidFill>
                 <a:latin typeface="나눔스퀘어 Bold"/>
                 <a:ea typeface="나눔스퀘어 Bold"/>
               </a:rPr>
               <a:t>위가 대중교통 불편</a:t>
             </a:r>
-            <a:endParaRPr lang="ko-KR" altLang="en-US" sz="1900" spc="-150">
-              <a:solidFill>
-                <a:srgbClr val="8dbabd"/>
-              </a:solidFill>
-              <a:latin typeface="나눔스퀘어 Bold"/>
-              <a:ea typeface="나눔스퀘어 Bold"/>
-            </a:endParaRPr>
           </a:p>
           <a:p>
             <a:pPr algn="ctr">
@@ -18732,7 +19344,7 @@
             <a:r>
               <a:rPr lang="en-US" altLang="ko-KR" sz="1900" spc="-150">
                 <a:solidFill>
-                  <a:srgbClr val="8dbabd"/>
+                  <a:srgbClr val="8DBABD"/>
                 </a:solidFill>
                 <a:latin typeface="나눔스퀘어 Bold"/>
                 <a:ea typeface="나눔스퀘어 Bold"/>
@@ -18742,20 +19354,13 @@
             <a:r>
               <a:rPr lang="ko-KR" altLang="en-US" sz="1900" spc="-150">
                 <a:solidFill>
-                  <a:srgbClr val="8dbabd"/>
+                  <a:srgbClr val="8DBABD"/>
                 </a:solidFill>
                 <a:latin typeface="나눔스퀘어 Bold"/>
                 <a:ea typeface="나눔스퀘어 Bold"/>
               </a:rPr>
               <a:t>위가 여행경비</a:t>
             </a:r>
-            <a:endParaRPr lang="ko-KR" altLang="en-US" sz="1900" spc="-150">
-              <a:solidFill>
-                <a:srgbClr val="8dbabd"/>
-              </a:solidFill>
-              <a:latin typeface="나눔스퀘어 Bold"/>
-              <a:ea typeface="나눔스퀘어 Bold"/>
-            </a:endParaRPr>
           </a:p>
           <a:p>
             <a:pPr algn="ctr">
@@ -18764,7 +19369,7 @@
             <a:r>
               <a:rPr lang="ko-KR" altLang="en-US" sz="1900" spc="-150">
                 <a:solidFill>
-                  <a:srgbClr val="8dbabd"/>
+                  <a:srgbClr val="8DBABD"/>
                 </a:solidFill>
                 <a:latin typeface="나눔스퀘어 Bold"/>
                 <a:ea typeface="나눔스퀘어 Bold"/>
@@ -18774,20 +19379,13 @@
             <a:r>
               <a:rPr lang="en-US" altLang="ko-KR" sz="1900" spc="-150">
                 <a:solidFill>
-                  <a:srgbClr val="8dbabd"/>
+                  <a:srgbClr val="8DBABD"/>
                 </a:solidFill>
                 <a:latin typeface="나눔스퀘어 Bold"/>
                 <a:ea typeface="나눔스퀘어 Bold"/>
               </a:rPr>
               <a:t>.</a:t>
             </a:r>
-            <a:endParaRPr lang="en-US" altLang="ko-KR" sz="1900" spc="-150">
-              <a:solidFill>
-                <a:srgbClr val="8dbabd"/>
-              </a:solidFill>
-              <a:latin typeface="나눔스퀘어 Bold"/>
-              <a:ea typeface="나눔스퀘어 Bold"/>
-            </a:endParaRPr>
           </a:p>
         </p:txBody>
       </p:sp>
@@ -18796,11 +19394,11 @@
   <p:clrMapOvr>
     <a:masterClrMapping/>
   </p:clrMapOvr>
-  <mc:AlternateContent xmlns:mc="http://schemas.openxmlformats.org/markup-compatibility/2006">
-    <mc:Choice xmlns:p14="http://schemas.microsoft.com/office/powerpoint/2010/main" Requires="p14">
-      <p:transition xmlns:mc="http://schemas.openxmlformats.org/markup-compatibility/2006" xmlns:p14="http://schemas.microsoft.com/office/powerpoint/2010/main" mc:Ignorable="p14" p14:dur="500"/>
+  <mc:AlternateContent xmlns:mc="http://schemas.openxmlformats.org/markup-compatibility/2006" xmlns:p14="http://schemas.microsoft.com/office/powerpoint/2010/main">
+    <mc:Choice Requires="p14">
+      <p:transition/>
     </mc:Choice>
-    <mc:Fallback>
+    <mc:Fallback xmlns:dsp="http://schemas.microsoft.com/office/drawing/2008/diagram" xmlns:dgm="http://schemas.openxmlformats.org/drawingml/2006/diagram" xmlns:c="http://schemas.openxmlformats.org/drawingml/2006/chart" xmlns="">
       <p:transition/>
     </mc:Fallback>
   </mc:AlternateContent>
@@ -18808,49 +19406,49 @@
 </file>
 
 <file path=ppt/theme/theme1.xml><?xml version="1.0" encoding="utf-8"?>
-<a:theme xmlns:r="http://schemas.openxmlformats.org/officeDocument/2006/relationships" xmlns:c="http://schemas.openxmlformats.org/drawingml/2006/chart" xmlns:dgm="http://schemas.openxmlformats.org/drawingml/2006/diagram" xmlns:dsp="http://schemas.microsoft.com/office/drawing/2008/diagram" xmlns:a="http://schemas.openxmlformats.org/drawingml/2006/main" xmlns:pic="http://schemas.openxmlformats.org/drawingml/2006/picture" xmlns:wp="http://schemas.openxmlformats.org/drawingml/2006/wordprocessingDrawing" xmlns:xdr="http://schemas.openxmlformats.org/drawingml/2006/spreadsheetDrawing" xmlns:p="http://schemas.openxmlformats.org/presentationml/2006/main" name="메인 레이아웃_1">
+<a:theme xmlns:a="http://schemas.openxmlformats.org/drawingml/2006/main" name="메인 레이아웃_1">
   <a:themeElements>
     <a:clrScheme name="Office">
       <a:dk1>
         <a:sysClr val="windowText" lastClr="000000"/>
       </a:dk1>
       <a:lt1>
-        <a:sysClr val="window" lastClr="ffffff"/>
+        <a:sysClr val="window" lastClr="FFFFFF"/>
       </a:lt1>
       <a:dk2>
-        <a:srgbClr val="44546a"/>
+        <a:srgbClr val="44546A"/>
       </a:dk2>
       <a:lt2>
-        <a:srgbClr val="e7e6e6"/>
+        <a:srgbClr val="E7E6E6"/>
       </a:lt2>
       <a:accent1>
-        <a:srgbClr val="5b9bd5"/>
+        <a:srgbClr val="5B9BD5"/>
       </a:accent1>
       <a:accent2>
-        <a:srgbClr val="ed7d31"/>
+        <a:srgbClr val="ED7D31"/>
       </a:accent2>
       <a:accent3>
-        <a:srgbClr val="a5a5a5"/>
+        <a:srgbClr val="A5A5A5"/>
       </a:accent3>
       <a:accent4>
-        <a:srgbClr val="ffc000"/>
+        <a:srgbClr val="FFC000"/>
       </a:accent4>
       <a:accent5>
-        <a:srgbClr val="4472c4"/>
+        <a:srgbClr val="4472C4"/>
       </a:accent5>
       <a:accent6>
-        <a:srgbClr val="70ad47"/>
+        <a:srgbClr val="70AD47"/>
       </a:accent6>
       <a:hlink>
-        <a:srgbClr val="0563c1"/>
+        <a:srgbClr val="0563C1"/>
       </a:hlink>
       <a:folHlink>
-        <a:srgbClr val="954f72"/>
+        <a:srgbClr val="954F72"/>
       </a:folHlink>
     </a:clrScheme>
     <a:fontScheme name="Office">
       <a:majorFont>
-        <a:latin typeface="맑은 고딕" panose="20"/>
+        <a:latin typeface="맑은 고딕" panose="20000000000000000000"/>
         <a:ea typeface=""/>
         <a:cs typeface=""/>
         <a:font script="Jpan" typeface="Yu Gothic Light"/>
@@ -18885,7 +19483,7 @@
         <a:font script="Geor" typeface="Sylfaen"/>
       </a:majorFont>
       <a:minorFont>
-        <a:latin typeface="맑은 고딕" panose="20"/>
+        <a:latin typeface="맑은 고딕" panose="20000000000000000000"/>
         <a:ea typeface=""/>
         <a:cs typeface=""/>
         <a:font script="Jpan" typeface="Yu Gothic"/>
@@ -19058,53 +19656,55 @@
       </a:bgFillStyleLst>
     </a:fmtScheme>
   </a:themeElements>
+  <a:objectDefaults/>
+  <a:extraClrSchemeLst/>
 </a:theme>
 </file>
 
 <file path=ppt/theme/theme2.xml><?xml version="1.0" encoding="utf-8"?>
-<a:theme xmlns:r="http://schemas.openxmlformats.org/officeDocument/2006/relationships" xmlns:c="http://schemas.openxmlformats.org/drawingml/2006/chart" xmlns:dgm="http://schemas.openxmlformats.org/drawingml/2006/diagram" xmlns:dsp="http://schemas.microsoft.com/office/drawing/2008/diagram" xmlns:a="http://schemas.openxmlformats.org/drawingml/2006/main" xmlns:pic="http://schemas.openxmlformats.org/drawingml/2006/picture" xmlns:wp="http://schemas.openxmlformats.org/drawingml/2006/wordprocessingDrawing" xmlns:xdr="http://schemas.openxmlformats.org/drawingml/2006/spreadsheetDrawing" xmlns:p="http://schemas.openxmlformats.org/presentationml/2006/main" name="메인 레이아웃_2">
+<a:theme xmlns:a="http://schemas.openxmlformats.org/drawingml/2006/main" name="메인 레이아웃_2">
   <a:themeElements>
     <a:clrScheme name="Office">
       <a:dk1>
         <a:sysClr val="windowText" lastClr="000000"/>
       </a:dk1>
       <a:lt1>
-        <a:sysClr val="window" lastClr="ffffff"/>
+        <a:sysClr val="window" lastClr="FFFFFF"/>
       </a:lt1>
       <a:dk2>
-        <a:srgbClr val="44546a"/>
+        <a:srgbClr val="44546A"/>
       </a:dk2>
       <a:lt2>
-        <a:srgbClr val="e7e6e6"/>
+        <a:srgbClr val="E7E6E6"/>
       </a:lt2>
       <a:accent1>
-        <a:srgbClr val="5b9bd5"/>
+        <a:srgbClr val="5B9BD5"/>
       </a:accent1>
       <a:accent2>
-        <a:srgbClr val="ed7d31"/>
+        <a:srgbClr val="ED7D31"/>
       </a:accent2>
       <a:accent3>
-        <a:srgbClr val="a5a5a5"/>
+        <a:srgbClr val="A5A5A5"/>
       </a:accent3>
       <a:accent4>
-        <a:srgbClr val="ffc000"/>
+        <a:srgbClr val="FFC000"/>
       </a:accent4>
       <a:accent5>
-        <a:srgbClr val="4472c4"/>
+        <a:srgbClr val="4472C4"/>
       </a:accent5>
       <a:accent6>
-        <a:srgbClr val="70ad47"/>
+        <a:srgbClr val="70AD47"/>
       </a:accent6>
       <a:hlink>
-        <a:srgbClr val="0563c1"/>
+        <a:srgbClr val="0563C1"/>
       </a:hlink>
       <a:folHlink>
-        <a:srgbClr val="954f72"/>
+        <a:srgbClr val="954F72"/>
       </a:folHlink>
     </a:clrScheme>
     <a:fontScheme name="Office">
       <a:majorFont>
-        <a:latin typeface="맑은 고딕" panose="20"/>
+        <a:latin typeface="맑은 고딕" panose="20000000000000000000"/>
         <a:ea typeface=""/>
         <a:cs typeface=""/>
         <a:font script="Jpan" typeface="Yu Gothic Light"/>
@@ -19139,7 +19739,7 @@
         <a:font script="Geor" typeface="Sylfaen"/>
       </a:majorFont>
       <a:minorFont>
-        <a:latin typeface="맑은 고딕" panose="20"/>
+        <a:latin typeface="맑은 고딕" panose="20000000000000000000"/>
         <a:ea typeface=""/>
         <a:cs typeface=""/>
         <a:font script="Jpan" typeface="Yu Gothic"/>
@@ -19312,53 +19912,55 @@
       </a:bgFillStyleLst>
     </a:fmtScheme>
   </a:themeElements>
+  <a:objectDefaults/>
+  <a:extraClrSchemeLst/>
 </a:theme>
 </file>
 
 <file path=ppt/theme/theme3.xml><?xml version="1.0" encoding="utf-8"?>
-<a:theme xmlns:r="http://schemas.openxmlformats.org/officeDocument/2006/relationships" xmlns:c="http://schemas.openxmlformats.org/drawingml/2006/chart" xmlns:dgm="http://schemas.openxmlformats.org/drawingml/2006/diagram" xmlns:dsp="http://schemas.microsoft.com/office/drawing/2008/diagram" xmlns:a="http://schemas.openxmlformats.org/drawingml/2006/main" xmlns:pic="http://schemas.openxmlformats.org/drawingml/2006/picture" xmlns:wp="http://schemas.openxmlformats.org/drawingml/2006/wordprocessingDrawing" xmlns:xdr="http://schemas.openxmlformats.org/drawingml/2006/spreadsheetDrawing" xmlns:p="http://schemas.openxmlformats.org/presentationml/2006/main" name="목차 레이아웃">
+<a:theme xmlns:a="http://schemas.openxmlformats.org/drawingml/2006/main" name="목차 레이아웃">
   <a:themeElements>
     <a:clrScheme name="Office">
       <a:dk1>
         <a:sysClr val="windowText" lastClr="000000"/>
       </a:dk1>
       <a:lt1>
-        <a:sysClr val="window" lastClr="ffffff"/>
+        <a:sysClr val="window" lastClr="FFFFFF"/>
       </a:lt1>
       <a:dk2>
-        <a:srgbClr val="44546a"/>
+        <a:srgbClr val="44546A"/>
       </a:dk2>
       <a:lt2>
-        <a:srgbClr val="e7e6e6"/>
+        <a:srgbClr val="E7E6E6"/>
       </a:lt2>
       <a:accent1>
-        <a:srgbClr val="5b9bd5"/>
+        <a:srgbClr val="5B9BD5"/>
       </a:accent1>
       <a:accent2>
-        <a:srgbClr val="ed7d31"/>
+        <a:srgbClr val="ED7D31"/>
       </a:accent2>
       <a:accent3>
-        <a:srgbClr val="a5a5a5"/>
+        <a:srgbClr val="A5A5A5"/>
       </a:accent3>
       <a:accent4>
-        <a:srgbClr val="ffc000"/>
+        <a:srgbClr val="FFC000"/>
       </a:accent4>
       <a:accent5>
-        <a:srgbClr val="4472c4"/>
+        <a:srgbClr val="4472C4"/>
       </a:accent5>
       <a:accent6>
-        <a:srgbClr val="70ad47"/>
+        <a:srgbClr val="70AD47"/>
       </a:accent6>
       <a:hlink>
-        <a:srgbClr val="0563c1"/>
+        <a:srgbClr val="0563C1"/>
       </a:hlink>
       <a:folHlink>
-        <a:srgbClr val="954f72"/>
+        <a:srgbClr val="954F72"/>
       </a:folHlink>
     </a:clrScheme>
     <a:fontScheme name="Office">
       <a:majorFont>
-        <a:latin typeface="맑은 고딕" panose="20"/>
+        <a:latin typeface="맑은 고딕" panose="20000000000000000000"/>
         <a:ea typeface=""/>
         <a:cs typeface=""/>
         <a:font script="Jpan" typeface="Yu Gothic Light"/>
@@ -19393,7 +19995,7 @@
         <a:font script="Geor" typeface="Sylfaen"/>
       </a:majorFont>
       <a:minorFont>
-        <a:latin typeface="맑은 고딕" panose="20"/>
+        <a:latin typeface="맑은 고딕" panose="20000000000000000000"/>
         <a:ea typeface=""/>
         <a:cs typeface=""/>
         <a:font script="Jpan" typeface="Yu Gothic"/>
@@ -19566,53 +20168,55 @@
       </a:bgFillStyleLst>
     </a:fmtScheme>
   </a:themeElements>
+  <a:objectDefaults/>
+  <a:extraClrSchemeLst/>
 </a:theme>
 </file>
 
 <file path=ppt/theme/theme4.xml><?xml version="1.0" encoding="utf-8"?>
-<a:theme xmlns:r="http://schemas.openxmlformats.org/officeDocument/2006/relationships" xmlns:c="http://schemas.openxmlformats.org/drawingml/2006/chart" xmlns:dgm="http://schemas.openxmlformats.org/drawingml/2006/diagram" xmlns:dsp="http://schemas.microsoft.com/office/drawing/2008/diagram" xmlns:a="http://schemas.openxmlformats.org/drawingml/2006/main" xmlns:pic="http://schemas.openxmlformats.org/drawingml/2006/picture" xmlns:wp="http://schemas.openxmlformats.org/drawingml/2006/wordprocessingDrawing" xmlns:xdr="http://schemas.openxmlformats.org/drawingml/2006/spreadsheetDrawing" xmlns:p="http://schemas.openxmlformats.org/presentationml/2006/main" name="내용 레이아웃">
+<a:theme xmlns:a="http://schemas.openxmlformats.org/drawingml/2006/main" name="내용 레이아웃">
   <a:themeElements>
     <a:clrScheme name="Office">
       <a:dk1>
         <a:sysClr val="windowText" lastClr="000000"/>
       </a:dk1>
       <a:lt1>
-        <a:sysClr val="window" lastClr="ffffff"/>
+        <a:sysClr val="window" lastClr="FFFFFF"/>
       </a:lt1>
       <a:dk2>
-        <a:srgbClr val="44546a"/>
+        <a:srgbClr val="44546A"/>
       </a:dk2>
       <a:lt2>
-        <a:srgbClr val="e7e6e6"/>
+        <a:srgbClr val="E7E6E6"/>
       </a:lt2>
       <a:accent1>
-        <a:srgbClr val="5b9bd5"/>
+        <a:srgbClr val="5B9BD5"/>
       </a:accent1>
       <a:accent2>
-        <a:srgbClr val="ed7d31"/>
+        <a:srgbClr val="ED7D31"/>
       </a:accent2>
       <a:accent3>
-        <a:srgbClr val="a5a5a5"/>
+        <a:srgbClr val="A5A5A5"/>
       </a:accent3>
       <a:accent4>
-        <a:srgbClr val="ffc000"/>
+        <a:srgbClr val="FFC000"/>
       </a:accent4>
       <a:accent5>
-        <a:srgbClr val="4472c4"/>
+        <a:srgbClr val="4472C4"/>
       </a:accent5>
       <a:accent6>
-        <a:srgbClr val="70ad47"/>
+        <a:srgbClr val="70AD47"/>
       </a:accent6>
       <a:hlink>
-        <a:srgbClr val="0563c1"/>
+        <a:srgbClr val="0563C1"/>
       </a:hlink>
       <a:folHlink>
-        <a:srgbClr val="954f72"/>
+        <a:srgbClr val="954F72"/>
       </a:folHlink>
     </a:clrScheme>
     <a:fontScheme name="Office">
       <a:majorFont>
-        <a:latin typeface="맑은 고딕" panose="20"/>
+        <a:latin typeface="맑은 고딕" panose="20000000000000000000"/>
         <a:ea typeface=""/>
         <a:cs typeface=""/>
         <a:font script="Jpan" typeface="Yu Gothic Light"/>
@@ -19647,7 +20251,7 @@
         <a:font script="Geor" typeface="Sylfaen"/>
       </a:majorFont>
       <a:minorFont>
-        <a:latin typeface="맑은 고딕" panose="20"/>
+        <a:latin typeface="맑은 고딕" panose="20000000000000000000"/>
         <a:ea typeface=""/>
         <a:cs typeface=""/>
         <a:font script="Jpan" typeface="Yu Gothic"/>
@@ -19820,53 +20424,55 @@
       </a:bgFillStyleLst>
     </a:fmtScheme>
   </a:themeElements>
+  <a:objectDefaults/>
+  <a:extraClrSchemeLst/>
 </a:theme>
 </file>
 
 <file path=ppt/theme/theme5.xml><?xml version="1.0" encoding="utf-8"?>
-<a:theme xmlns:r="http://schemas.openxmlformats.org/officeDocument/2006/relationships" xmlns:c="http://schemas.openxmlformats.org/drawingml/2006/chart" xmlns:dgm="http://schemas.openxmlformats.org/drawingml/2006/diagram" xmlns:dsp="http://schemas.microsoft.com/office/drawing/2008/diagram" xmlns:a="http://schemas.openxmlformats.org/drawingml/2006/main" xmlns:pic="http://schemas.openxmlformats.org/drawingml/2006/picture" xmlns:wp="http://schemas.openxmlformats.org/drawingml/2006/wordprocessingDrawing" xmlns:xdr="http://schemas.openxmlformats.org/drawingml/2006/spreadsheetDrawing" xmlns:p="http://schemas.openxmlformats.org/presentationml/2006/main" name="Office 테마">
+<a:theme xmlns:a="http://schemas.openxmlformats.org/drawingml/2006/main" name="Office 테마">
   <a:themeElements>
     <a:clrScheme name="Office">
       <a:dk1>
         <a:sysClr val="windowText" lastClr="000000"/>
       </a:dk1>
       <a:lt1>
-        <a:sysClr val="window" lastClr="ffffff"/>
+        <a:sysClr val="window" lastClr="FFFFFF"/>
       </a:lt1>
       <a:dk2>
-        <a:srgbClr val="44546a"/>
+        <a:srgbClr val="44546A"/>
       </a:dk2>
       <a:lt2>
-        <a:srgbClr val="e7e6e6"/>
+        <a:srgbClr val="E7E6E6"/>
       </a:lt2>
       <a:accent1>
-        <a:srgbClr val="5b9bd5"/>
+        <a:srgbClr val="5B9BD5"/>
       </a:accent1>
       <a:accent2>
-        <a:srgbClr val="ed7d31"/>
+        <a:srgbClr val="ED7D31"/>
       </a:accent2>
       <a:accent3>
-        <a:srgbClr val="a5a5a5"/>
+        <a:srgbClr val="A5A5A5"/>
       </a:accent3>
       <a:accent4>
-        <a:srgbClr val="ffc000"/>
+        <a:srgbClr val="FFC000"/>
       </a:accent4>
       <a:accent5>
-        <a:srgbClr val="4472c4"/>
+        <a:srgbClr val="4472C4"/>
       </a:accent5>
       <a:accent6>
-        <a:srgbClr val="70ad47"/>
+        <a:srgbClr val="70AD47"/>
       </a:accent6>
       <a:hlink>
-        <a:srgbClr val="0563c1"/>
+        <a:srgbClr val="0563C1"/>
       </a:hlink>
       <a:folHlink>
-        <a:srgbClr val="954f72"/>
+        <a:srgbClr val="954F72"/>
       </a:folHlink>
     </a:clrScheme>
     <a:fontScheme name="Office">
       <a:majorFont>
-        <a:latin typeface="맑은 고딕" panose="20"/>
+        <a:latin typeface="맑은 고딕" panose="20000000000000000000"/>
         <a:ea typeface=""/>
         <a:cs typeface=""/>
         <a:font script="Jpan" typeface="Yu Gothic Light"/>
@@ -19901,7 +20507,7 @@
         <a:font script="Geor" typeface="Sylfaen"/>
       </a:majorFont>
       <a:minorFont>
-        <a:latin typeface="맑은 고딕" panose="20"/>
+        <a:latin typeface="맑은 고딕" panose="20000000000000000000"/>
         <a:ea typeface=""/>
         <a:cs typeface=""/>
         <a:font script="Jpan" typeface="Yu Gothic"/>
@@ -20074,5 +20680,7 @@
       </a:bgFillStyleLst>
     </a:fmtScheme>
   </a:themeElements>
+  <a:objectDefaults/>
+  <a:extraClrSchemeLst/>
 </a:theme>
 </file>
--- a/6조 최종 PPT.pptx
+++ b/6조 최종 PPT.pptx
@@ -8,7 +8,7 @@
     <p:sldMasterId id="2147483750" r:id="rId4"/>
   </p:sldMasterIdLst>
   <p:notesMasterIdLst>
-    <p:notesMasterId r:id="rId29"/>
+    <p:notesMasterId r:id="rId32"/>
   </p:notesMasterIdLst>
   <p:sldIdLst>
     <p:sldId id="256" r:id="rId5"/>
@@ -29,36 +29,39 @@
     <p:sldId id="271" r:id="rId20"/>
     <p:sldId id="278" r:id="rId21"/>
     <p:sldId id="279" r:id="rId22"/>
-    <p:sldId id="272" r:id="rId23"/>
-    <p:sldId id="273" r:id="rId24"/>
-    <p:sldId id="274" r:id="rId25"/>
-    <p:sldId id="275" r:id="rId26"/>
-    <p:sldId id="276" r:id="rId27"/>
-    <p:sldId id="277" r:id="rId28"/>
+    <p:sldId id="280" r:id="rId23"/>
+    <p:sldId id="272" r:id="rId24"/>
+    <p:sldId id="281" r:id="rId25"/>
+    <p:sldId id="282" r:id="rId26"/>
+    <p:sldId id="273" r:id="rId27"/>
+    <p:sldId id="274" r:id="rId28"/>
+    <p:sldId id="275" r:id="rId29"/>
+    <p:sldId id="276" r:id="rId30"/>
+    <p:sldId id="277" r:id="rId31"/>
   </p:sldIdLst>
   <p:sldSz cx="12192000" cy="6858000"/>
   <p:notesSz cx="6858000" cy="9144000"/>
   <p:embeddedFontLst>
     <p:embeddedFont>
       <p:font typeface="나눔고딕 ExtraBold" panose="020D0904000000000000" pitchFamily="50" charset="-127"/>
-      <p:bold r:id="rId30"/>
+      <p:bold r:id="rId33"/>
     </p:embeddedFont>
     <p:embeddedFont>
       <p:font typeface="나눔스퀘어" panose="020B0600000101010101" pitchFamily="50" charset="-127"/>
-      <p:regular r:id="rId31"/>
+      <p:regular r:id="rId34"/>
     </p:embeddedFont>
     <p:embeddedFont>
       <p:font typeface="나눔스퀘어 Bold" panose="020B0600000101010101" pitchFamily="50" charset="-127"/>
-      <p:bold r:id="rId32"/>
+      <p:bold r:id="rId35"/>
     </p:embeddedFont>
     <p:embeddedFont>
       <p:font typeface="나눔스퀘어 ExtraBold" panose="020B0600000101010101" pitchFamily="50" charset="-127"/>
-      <p:bold r:id="rId33"/>
+      <p:bold r:id="rId36"/>
     </p:embeddedFont>
     <p:embeddedFont>
       <p:font typeface="맑은 고딕" panose="020B0503020000020004" pitchFamily="50" charset="-127"/>
-      <p:regular r:id="rId34"/>
-      <p:bold r:id="rId35"/>
+      <p:regular r:id="rId37"/>
+      <p:bold r:id="rId38"/>
     </p:embeddedFont>
   </p:embeddedFontLst>
   <p:defaultTextStyle>
@@ -7833,7 +7836,7 @@
     <mc:Choice Requires="p14">
       <p:transition/>
     </mc:Choice>
-    <mc:Fallback xmlns:dsp="http://schemas.microsoft.com/office/drawing/2008/diagram" xmlns:dgm="http://schemas.openxmlformats.org/drawingml/2006/diagram" xmlns:c="http://schemas.openxmlformats.org/drawingml/2006/chart" xmlns="">
+    <mc:Fallback xmlns="" xmlns:c="http://schemas.openxmlformats.org/drawingml/2006/chart" xmlns:dgm="http://schemas.openxmlformats.org/drawingml/2006/diagram" xmlns:dsp="http://schemas.microsoft.com/office/drawing/2008/diagram">
       <p:transition/>
     </mc:Fallback>
   </mc:AlternateContent>
@@ -8203,7 +8206,7 @@
     <mc:Choice Requires="p14">
       <p:transition/>
     </mc:Choice>
-    <mc:Fallback xmlns:dsp="http://schemas.microsoft.com/office/drawing/2008/diagram" xmlns:dgm="http://schemas.openxmlformats.org/drawingml/2006/diagram" xmlns:c="http://schemas.openxmlformats.org/drawingml/2006/chart" xmlns="">
+    <mc:Fallback xmlns="" xmlns:c="http://schemas.openxmlformats.org/drawingml/2006/chart" xmlns:dgm="http://schemas.openxmlformats.org/drawingml/2006/diagram" xmlns:dsp="http://schemas.microsoft.com/office/drawing/2008/diagram">
       <p:transition/>
     </mc:Fallback>
   </mc:AlternateContent>
@@ -9572,7 +9575,7 @@
     <mc:Choice Requires="p14">
       <p:transition/>
     </mc:Choice>
-    <mc:Fallback xmlns:dsp="http://schemas.microsoft.com/office/drawing/2008/diagram" xmlns:dgm="http://schemas.openxmlformats.org/drawingml/2006/diagram" xmlns:c="http://schemas.openxmlformats.org/drawingml/2006/chart" xmlns="">
+    <mc:Fallback xmlns="" xmlns:c="http://schemas.openxmlformats.org/drawingml/2006/chart" xmlns:dgm="http://schemas.openxmlformats.org/drawingml/2006/diagram" xmlns:dsp="http://schemas.microsoft.com/office/drawing/2008/diagram">
       <p:transition/>
     </mc:Fallback>
   </mc:AlternateContent>
@@ -10203,7 +10206,7 @@
     <mc:Choice Requires="p14">
       <p:transition/>
     </mc:Choice>
-    <mc:Fallback xmlns:dsp="http://schemas.microsoft.com/office/drawing/2008/diagram" xmlns:dgm="http://schemas.openxmlformats.org/drawingml/2006/diagram" xmlns:c="http://schemas.openxmlformats.org/drawingml/2006/chart" xmlns="">
+    <mc:Fallback xmlns="" xmlns:c="http://schemas.openxmlformats.org/drawingml/2006/chart" xmlns:dgm="http://schemas.openxmlformats.org/drawingml/2006/diagram" xmlns:dsp="http://schemas.microsoft.com/office/drawing/2008/diagram">
       <p:transition/>
     </mc:Fallback>
   </mc:AlternateContent>
@@ -10958,7 +10961,7 @@
     <mc:Choice Requires="p14">
       <p:transition/>
     </mc:Choice>
-    <mc:Fallback xmlns:dsp="http://schemas.microsoft.com/office/drawing/2008/diagram" xmlns:dgm="http://schemas.openxmlformats.org/drawingml/2006/diagram" xmlns:c="http://schemas.openxmlformats.org/drawingml/2006/chart" xmlns="">
+    <mc:Fallback xmlns="" xmlns:c="http://schemas.openxmlformats.org/drawingml/2006/chart" xmlns:dgm="http://schemas.openxmlformats.org/drawingml/2006/diagram" xmlns:dsp="http://schemas.microsoft.com/office/drawing/2008/diagram">
       <p:transition/>
     </mc:Fallback>
   </mc:AlternateContent>
@@ -11505,7 +11508,7 @@
     <mc:Choice Requires="p14">
       <p:transition/>
     </mc:Choice>
-    <mc:Fallback xmlns:dsp="http://schemas.microsoft.com/office/drawing/2008/diagram" xmlns:dgm="http://schemas.openxmlformats.org/drawingml/2006/diagram" xmlns:c="http://schemas.openxmlformats.org/drawingml/2006/chart" xmlns="">
+    <mc:Fallback xmlns="" xmlns:c="http://schemas.openxmlformats.org/drawingml/2006/chart" xmlns:dgm="http://schemas.openxmlformats.org/drawingml/2006/diagram" xmlns:dsp="http://schemas.microsoft.com/office/drawing/2008/diagram">
       <p:transition/>
     </mc:Fallback>
   </mc:AlternateContent>
@@ -12071,7 +12074,7 @@
     <mc:Choice Requires="p14">
       <p:transition/>
     </mc:Choice>
-    <mc:Fallback xmlns:dsp="http://schemas.microsoft.com/office/drawing/2008/diagram" xmlns:dgm="http://schemas.openxmlformats.org/drawingml/2006/diagram" xmlns:c="http://schemas.openxmlformats.org/drawingml/2006/chart" xmlns="">
+    <mc:Fallback xmlns="" xmlns:c="http://schemas.openxmlformats.org/drawingml/2006/chart" xmlns:dgm="http://schemas.openxmlformats.org/drawingml/2006/diagram" xmlns:dsp="http://schemas.microsoft.com/office/drawing/2008/diagram">
       <p:transition/>
     </mc:Fallback>
   </mc:AlternateContent>
@@ -12700,7 +12703,7 @@
     <mc:Choice Requires="p14">
       <p:transition/>
     </mc:Choice>
-    <mc:Fallback xmlns:dsp="http://schemas.microsoft.com/office/drawing/2008/diagram" xmlns:dgm="http://schemas.openxmlformats.org/drawingml/2006/diagram" xmlns:c="http://schemas.openxmlformats.org/drawingml/2006/chart" xmlns="">
+    <mc:Fallback xmlns="" xmlns:c="http://schemas.openxmlformats.org/drawingml/2006/chart" xmlns:dgm="http://schemas.openxmlformats.org/drawingml/2006/diagram" xmlns:dsp="http://schemas.microsoft.com/office/drawing/2008/diagram">
       <p:transition/>
     </mc:Fallback>
   </mc:AlternateContent>
@@ -12726,14 +12729,14 @@
       </p:grpSpPr>
       <p:sp>
         <p:nvSpPr>
-          <p:cNvPr id="13" name="TextBox 12"/>
+          <p:cNvPr id="15" name="TextBox 14"/>
           <p:cNvSpPr txBox="1"/>
           <p:nvPr/>
         </p:nvSpPr>
         <p:spPr>
           <a:xfrm>
-            <a:off x="955384" y="1425148"/>
-            <a:ext cx="1774845" cy="584775"/>
+            <a:off x="10757535" y="76824"/>
+            <a:ext cx="1383030" cy="311796"/>
           </a:xfrm>
           <a:prstGeom prst="rect">
             <a:avLst/>
@@ -12741,136 +12744,16 @@
           <a:noFill/>
         </p:spPr>
         <p:txBody>
-          <a:bodyPr wrap="none" rtlCol="0">
+          <a:bodyPr wrap="none">
             <a:spAutoFit/>
           </a:bodyPr>
           <a:lstStyle/>
           <a:p>
-            <a:r>
-              <a:rPr lang="ko-KR" altLang="en-US" sz="1600" dirty="0">
-                <a:ln w="22225">
-                  <a:noFill/>
-                </a:ln>
-                <a:solidFill>
-                  <a:srgbClr val="30302A"/>
-                </a:solidFill>
-                <a:effectLst/>
-                <a:latin typeface="나눔스퀘어" panose="020B0600000101010101" pitchFamily="50" charset="-127"/>
-                <a:ea typeface="나눔스퀘어" panose="020B0600000101010101" pitchFamily="50" charset="-127"/>
-              </a:rPr>
-              <a:t>기본</a:t>
-            </a:r>
-            <a:r>
-              <a:rPr lang="en-US" altLang="ko-KR" sz="1600" dirty="0">
-                <a:ln w="22225">
-                  <a:noFill/>
-                </a:ln>
-                <a:solidFill>
-                  <a:srgbClr val="30302A"/>
-                </a:solidFill>
-                <a:effectLst/>
-                <a:latin typeface="나눔스퀘어" panose="020B0600000101010101" pitchFamily="50" charset="-127"/>
-                <a:ea typeface="나눔스퀘어" panose="020B0600000101010101" pitchFamily="50" charset="-127"/>
-              </a:rPr>
-              <a:t> </a:t>
-            </a:r>
-            <a:r>
-              <a:rPr lang="ko-KR" altLang="en-US" sz="1600" dirty="0">
-                <a:ln w="22225">
-                  <a:noFill/>
-                </a:ln>
-                <a:solidFill>
-                  <a:srgbClr val="30302A"/>
-                </a:solidFill>
-                <a:effectLst/>
-                <a:latin typeface="나눔스퀘어" panose="020B0600000101010101" pitchFamily="50" charset="-127"/>
-                <a:ea typeface="나눔스퀘어" panose="020B0600000101010101" pitchFamily="50" charset="-127"/>
-              </a:rPr>
-              <a:t>색상은 검은색</a:t>
-            </a:r>
-            <a:endParaRPr lang="en-US" altLang="ko-KR" sz="1600" dirty="0">
-              <a:ln w="22225">
-                <a:noFill/>
-              </a:ln>
-              <a:solidFill>
-                <a:srgbClr val="30302A"/>
-              </a:solidFill>
-              <a:effectLst/>
-              <a:latin typeface="나눔스퀘어" panose="020B0600000101010101" pitchFamily="50" charset="-127"/>
-              <a:ea typeface="나눔스퀘어" panose="020B0600000101010101" pitchFamily="50" charset="-127"/>
-            </a:endParaRPr>
-          </a:p>
-          <a:p>
-            <a:r>
-              <a:rPr lang="ko-KR" altLang="en-US" sz="1600" dirty="0">
-                <a:ln w="22225">
-                  <a:noFill/>
-                </a:ln>
-                <a:solidFill>
-                  <a:srgbClr val="94C3BB"/>
-                </a:solidFill>
-                <a:effectLst/>
-                <a:latin typeface="나눔스퀘어" panose="020B0600000101010101" pitchFamily="50" charset="-127"/>
-                <a:ea typeface="나눔스퀘어" panose="020B0600000101010101" pitchFamily="50" charset="-127"/>
-              </a:rPr>
-              <a:t>중요 색상은 </a:t>
-            </a:r>
-            <a:r>
-              <a:rPr lang="ko-KR" altLang="en-US" sz="1600" dirty="0" err="1">
-                <a:ln w="22225">
-                  <a:noFill/>
-                </a:ln>
-                <a:solidFill>
-                  <a:srgbClr val="94C3BB"/>
-                </a:solidFill>
-                <a:effectLst/>
-                <a:latin typeface="나눔스퀘어" panose="020B0600000101010101" pitchFamily="50" charset="-127"/>
-                <a:ea typeface="나눔스퀘어" panose="020B0600000101010101" pitchFamily="50" charset="-127"/>
-              </a:rPr>
-              <a:t>민트색</a:t>
-            </a:r>
-            <a:endParaRPr lang="en-US" altLang="ko-KR" sz="1600" dirty="0">
-              <a:ln w="22225">
-                <a:noFill/>
-              </a:ln>
-              <a:solidFill>
-                <a:srgbClr val="94C3BB"/>
-              </a:solidFill>
-              <a:effectLst/>
-              <a:latin typeface="나눔스퀘어" panose="020B0600000101010101" pitchFamily="50" charset="-127"/>
-              <a:ea typeface="나눔스퀘어" panose="020B0600000101010101" pitchFamily="50" charset="-127"/>
-            </a:endParaRPr>
-          </a:p>
-        </p:txBody>
-      </p:sp>
-      <p:sp>
-        <p:nvSpPr>
-          <p:cNvPr id="15" name="TextBox 14"/>
-          <p:cNvSpPr txBox="1"/>
-          <p:nvPr/>
-        </p:nvSpPr>
-        <p:spPr>
-          <a:xfrm>
-            <a:off x="10781242" y="76824"/>
-            <a:ext cx="1335622" cy="323165"/>
-          </a:xfrm>
-          <a:prstGeom prst="rect">
-            <a:avLst/>
-          </a:prstGeom>
-          <a:noFill/>
-        </p:spPr>
-        <p:txBody>
-          <a:bodyPr wrap="none" rtlCol="0">
-            <a:spAutoFit/>
-          </a:bodyPr>
-          <a:lstStyle/>
-          <a:p>
-            <a:pPr algn="ctr"/>
-            <a:r>
-              <a:rPr lang="en-US" altLang="ko-KR" sz="900" b="1" dirty="0">
-                <a:ln w="22225">
-                  <a:noFill/>
-                </a:ln>
+            <a:pPr algn="ctr">
+              <a:defRPr/>
+            </a:pPr>
+            <a:r>
+              <a:rPr lang="en-US" altLang="ko-KR" sz="900" b="1">
                 <a:solidFill>
                   <a:schemeClr val="bg1"/>
                 </a:solidFill>
@@ -12881,19 +12764,18 @@
                     </a:srgbClr>
                   </a:glow>
                 </a:effectLst>
-                <a:latin typeface="나눔스퀘어" panose="020B0600000101010101" pitchFamily="50" charset="-127"/>
-                <a:ea typeface="나눔스퀘어" panose="020B0600000101010101" pitchFamily="50" charset="-127"/>
+                <a:latin typeface="나눔스퀘어"/>
+                <a:ea typeface="나눔스퀘어"/>
               </a:rPr>
               <a:t>Power Point Template</a:t>
             </a:r>
           </a:p>
           <a:p>
-            <a:pPr algn="ctr"/>
-            <a:r>
-              <a:rPr lang="en-US" altLang="ko-KR" sz="600" dirty="0" err="1">
-                <a:ln w="22225">
-                  <a:noFill/>
-                </a:ln>
+            <a:pPr algn="ctr">
+              <a:defRPr/>
+            </a:pPr>
+            <a:r>
+              <a:rPr lang="en-US" altLang="ko-KR" sz="600">
                 <a:solidFill>
                   <a:schemeClr val="bg1"/>
                 </a:solidFill>
@@ -12904,28 +12786,11 @@
                     </a:srgbClr>
                   </a:glow>
                 </a:effectLst>
-                <a:latin typeface="나눔스퀘어" panose="020B0600000101010101" pitchFamily="50" charset="-127"/>
-                <a:ea typeface="나눔스퀘어" panose="020B0600000101010101" pitchFamily="50" charset="-127"/>
+                <a:latin typeface="나눔스퀘어"/>
+                <a:ea typeface="나눔스퀘어"/>
               </a:rPr>
               <a:t>Ponybuhagom</a:t>
             </a:r>
-            <a:endParaRPr lang="en-US" altLang="ko-KR" sz="600" dirty="0">
-              <a:ln w="22225">
-                <a:noFill/>
-              </a:ln>
-              <a:solidFill>
-                <a:schemeClr val="bg1"/>
-              </a:solidFill>
-              <a:effectLst>
-                <a:glow rad="88900">
-                  <a:srgbClr val="E3781F">
-                    <a:alpha val="7000"/>
-                  </a:srgbClr>
-                </a:glow>
-              </a:effectLst>
-              <a:latin typeface="나눔스퀘어" panose="020B0600000101010101" pitchFamily="50" charset="-127"/>
-              <a:ea typeface="나눔스퀘어" panose="020B0600000101010101" pitchFamily="50" charset="-127"/>
-            </a:endParaRPr>
           </a:p>
         </p:txBody>
       </p:sp>
@@ -12937,8 +12802,8 @@
         </p:nvSpPr>
         <p:spPr>
           <a:xfrm>
-            <a:off x="725407" y="229970"/>
-            <a:ext cx="968535" cy="461665"/>
+            <a:off x="832485" y="229970"/>
+            <a:ext cx="744855" cy="444400"/>
           </a:xfrm>
           <a:prstGeom prst="rect">
             <a:avLst/>
@@ -12946,21 +12811,23 @@
           <a:noFill/>
         </p:spPr>
         <p:txBody>
-          <a:bodyPr wrap="none" rtlCol="0">
+          <a:bodyPr wrap="none">
             <a:spAutoFit/>
           </a:bodyPr>
           <a:lstStyle/>
           <a:p>
-            <a:pPr algn="ctr"/>
-            <a:r>
-              <a:rPr lang="ko-KR" altLang="en-US" sz="2400" spc="-150" dirty="0">
+            <a:pPr algn="ctr">
+              <a:defRPr/>
+            </a:pPr>
+            <a:r>
+              <a:rPr lang="ko-KR" altLang="en-US" sz="2400" spc="-150">
                 <a:solidFill>
                   <a:srgbClr val="FFFFFF"/>
                 </a:solidFill>
-                <a:latin typeface="나눔스퀘어 Bold" panose="020B0600000101010101" pitchFamily="50" charset="-127"/>
-                <a:ea typeface="나눔스퀘어 Bold" panose="020B0600000101010101" pitchFamily="50" charset="-127"/>
-              </a:rPr>
-              <a:t>제안서</a:t>
+                <a:latin typeface="나눔스퀘어 Bold"/>
+                <a:ea typeface="나눔스퀘어 Bold"/>
+              </a:rPr>
+              <a:t>분석</a:t>
             </a:r>
           </a:p>
         </p:txBody>
@@ -12974,6 +12841,111 @@
         <p:spPr>
           <a:xfrm>
             <a:off x="10618885" y="6731183"/>
+            <a:ext cx="364528" cy="0"/>
+          </a:xfrm>
+          <a:prstGeom prst="line">
+            <a:avLst/>
+          </a:prstGeom>
+          <a:ln w="19050" cap="rnd">
+            <a:solidFill>
+              <a:schemeClr val="tx1"/>
+            </a:solidFill>
+          </a:ln>
+        </p:spPr>
+        <p:style>
+          <a:lnRef idx="1">
+            <a:schemeClr val="accent1"/>
+          </a:lnRef>
+          <a:fillRef idx="0">
+            <a:schemeClr val="accent1"/>
+          </a:fillRef>
+          <a:effectRef idx="0">
+            <a:schemeClr val="accent1"/>
+          </a:effectRef>
+          <a:fontRef idx="minor">
+            <a:schemeClr val="tx1"/>
+          </a:fontRef>
+        </p:style>
+      </p:cxnSp>
+      <p:cxnSp>
+        <p:nvCxnSpPr>
+          <p:cNvPr id="10" name="직선 연결선 9"/>
+          <p:cNvCxnSpPr/>
+          <p:nvPr/>
+        </p:nvCxnSpPr>
+        <p:spPr>
+          <a:xfrm>
+            <a:off x="11342766" y="6731183"/>
+            <a:ext cx="364528" cy="0"/>
+          </a:xfrm>
+          <a:prstGeom prst="line">
+            <a:avLst/>
+          </a:prstGeom>
+          <a:ln w="19050" cap="rnd">
+            <a:solidFill>
+              <a:schemeClr val="tx1"/>
+            </a:solidFill>
+          </a:ln>
+        </p:spPr>
+        <p:style>
+          <a:lnRef idx="1">
+            <a:schemeClr val="accent1"/>
+          </a:lnRef>
+          <a:fillRef idx="0">
+            <a:schemeClr val="accent1"/>
+          </a:fillRef>
+          <a:effectRef idx="0">
+            <a:schemeClr val="accent1"/>
+          </a:effectRef>
+          <a:fontRef idx="minor">
+            <a:schemeClr val="tx1"/>
+          </a:fontRef>
+        </p:style>
+      </p:cxnSp>
+      <p:cxnSp>
+        <p:nvCxnSpPr>
+          <p:cNvPr id="11" name="직선 연결선 10"/>
+          <p:cNvCxnSpPr/>
+          <p:nvPr/>
+        </p:nvCxnSpPr>
+        <p:spPr>
+          <a:xfrm>
+            <a:off x="11707294" y="6731183"/>
+            <a:ext cx="364528" cy="0"/>
+          </a:xfrm>
+          <a:prstGeom prst="line">
+            <a:avLst/>
+          </a:prstGeom>
+          <a:ln w="19050" cap="rnd">
+            <a:solidFill>
+              <a:schemeClr val="tx1"/>
+            </a:solidFill>
+          </a:ln>
+        </p:spPr>
+        <p:style>
+          <a:lnRef idx="1">
+            <a:schemeClr val="accent1"/>
+          </a:lnRef>
+          <a:fillRef idx="0">
+            <a:schemeClr val="accent1"/>
+          </a:fillRef>
+          <a:effectRef idx="0">
+            <a:schemeClr val="accent1"/>
+          </a:effectRef>
+          <a:fontRef idx="minor">
+            <a:schemeClr val="tx1"/>
+          </a:fontRef>
+        </p:style>
+      </p:cxnSp>
+      <p:cxnSp>
+        <p:nvCxnSpPr>
+          <p:cNvPr id="12" name="직선 연결선 11"/>
+          <p:cNvCxnSpPr/>
+          <p:nvPr/>
+        </p:nvCxnSpPr>
+        <p:spPr>
+          <a:xfrm>
+            <a:off x="10255493" y="6731183"/>
             <a:ext cx="364528" cy="0"/>
           </a:xfrm>
           <a:prstGeom prst="line">
@@ -13016,7 +12988,7 @@
           </a:prstGeom>
           <a:ln w="19050" cap="rnd">
             <a:solidFill>
-              <a:schemeClr val="tx1"/>
+              <a:srgbClr val="94C3BB"/>
             </a:solidFill>
           </a:ln>
         </p:spPr>
@@ -13035,121 +13007,288 @@
           </a:fontRef>
         </p:style>
       </p:cxnSp>
-      <p:cxnSp>
-        <p:nvCxnSpPr>
-          <p:cNvPr id="11" name="직선 연결선 10"/>
-          <p:cNvCxnSpPr/>
-          <p:nvPr/>
-        </p:nvCxnSpPr>
-        <p:spPr>
-          <a:xfrm>
-            <a:off x="11707294" y="6731183"/>
-            <a:ext cx="364528" cy="0"/>
-          </a:xfrm>
-          <a:prstGeom prst="line">
-            <a:avLst/>
-          </a:prstGeom>
-          <a:ln w="19050" cap="rnd">
-            <a:solidFill>
-              <a:schemeClr val="tx1"/>
-            </a:solidFill>
-          </a:ln>
-        </p:spPr>
-        <p:style>
-          <a:lnRef idx="1">
-            <a:schemeClr val="accent1"/>
-          </a:lnRef>
-          <a:fillRef idx="0">
-            <a:schemeClr val="accent1"/>
-          </a:fillRef>
-          <a:effectRef idx="0">
-            <a:schemeClr val="accent1"/>
-          </a:effectRef>
-          <a:fontRef idx="minor">
-            <a:schemeClr val="tx1"/>
-          </a:fontRef>
-        </p:style>
-      </p:cxnSp>
-      <p:cxnSp>
-        <p:nvCxnSpPr>
-          <p:cNvPr id="12" name="직선 연결선 11"/>
-          <p:cNvCxnSpPr/>
-          <p:nvPr/>
-        </p:nvCxnSpPr>
-        <p:spPr>
-          <a:xfrm>
-            <a:off x="10255493" y="6731183"/>
-            <a:ext cx="364528" cy="0"/>
-          </a:xfrm>
-          <a:prstGeom prst="line">
-            <a:avLst/>
-          </a:prstGeom>
-          <a:ln w="19050" cap="rnd">
-            <a:solidFill>
-              <a:schemeClr val="tx1"/>
-            </a:solidFill>
-          </a:ln>
-        </p:spPr>
-        <p:style>
-          <a:lnRef idx="1">
-            <a:schemeClr val="accent1"/>
-          </a:lnRef>
-          <a:fillRef idx="0">
-            <a:schemeClr val="accent1"/>
-          </a:fillRef>
-          <a:effectRef idx="0">
-            <a:schemeClr val="accent1"/>
-          </a:effectRef>
-          <a:fontRef idx="minor">
-            <a:schemeClr val="tx1"/>
-          </a:fontRef>
-        </p:style>
-      </p:cxnSp>
-      <p:cxnSp>
-        <p:nvCxnSpPr>
-          <p:cNvPr id="10" name="직선 연결선 9"/>
-          <p:cNvCxnSpPr/>
-          <p:nvPr/>
-        </p:nvCxnSpPr>
-        <p:spPr>
-          <a:xfrm>
-            <a:off x="11342766" y="6731183"/>
-            <a:ext cx="364528" cy="0"/>
-          </a:xfrm>
-          <a:prstGeom prst="line">
-            <a:avLst/>
-          </a:prstGeom>
-          <a:ln w="19050" cap="rnd">
-            <a:solidFill>
-              <a:srgbClr val="94C3BB"/>
-            </a:solidFill>
-          </a:ln>
-        </p:spPr>
-        <p:style>
-          <a:lnRef idx="1">
-            <a:schemeClr val="accent1"/>
-          </a:lnRef>
-          <a:fillRef idx="0">
-            <a:schemeClr val="accent1"/>
-          </a:fillRef>
-          <a:effectRef idx="0">
-            <a:schemeClr val="accent1"/>
-          </a:effectRef>
-          <a:fontRef idx="minor">
-            <a:schemeClr val="tx1"/>
-          </a:fontRef>
-        </p:style>
-      </p:cxnSp>
+      <p:sp>
+        <p:nvSpPr>
+          <p:cNvPr id="18" name="TextBox 29"/>
+          <p:cNvSpPr txBox="1"/>
+          <p:nvPr/>
+        </p:nvSpPr>
+        <p:spPr>
+          <a:xfrm>
+            <a:off x="794385" y="928240"/>
+            <a:ext cx="554355" cy="450980"/>
+          </a:xfrm>
+          <a:prstGeom prst="rect">
+            <a:avLst/>
+          </a:prstGeom>
+          <a:noFill/>
+        </p:spPr>
+        <p:txBody>
+          <a:bodyPr wrap="none">
+            <a:spAutoFit/>
+          </a:bodyPr>
+          <a:lstStyle/>
+          <a:p>
+            <a:pPr algn="ctr">
+              <a:defRPr/>
+            </a:pPr>
+            <a:r>
+              <a:rPr lang="en-US" altLang="ko-KR" sz="2400" spc="-150">
+                <a:solidFill>
+                  <a:srgbClr val="00002F"/>
+                </a:solidFill>
+                <a:latin typeface="나눔스퀘어 ExtraBold"/>
+                <a:ea typeface="나눔스퀘어 ExtraBold"/>
+              </a:rPr>
+              <a:t>03.</a:t>
+            </a:r>
+          </a:p>
+        </p:txBody>
+      </p:sp>
+      <p:sp>
+        <p:nvSpPr>
+          <p:cNvPr id="19" name="TextBox 30"/>
+          <p:cNvSpPr txBox="1"/>
+          <p:nvPr/>
+        </p:nvSpPr>
+        <p:spPr>
+          <a:xfrm>
+            <a:off x="1348740" y="861342"/>
+            <a:ext cx="2476960" cy="584775"/>
+          </a:xfrm>
+          <a:prstGeom prst="rect">
+            <a:avLst/>
+          </a:prstGeom>
+          <a:noFill/>
+        </p:spPr>
+        <p:txBody>
+          <a:bodyPr wrap="none">
+            <a:spAutoFit/>
+          </a:bodyPr>
+          <a:lstStyle/>
+          <a:p>
+            <a:pPr algn="ctr">
+              <a:defRPr/>
+            </a:pPr>
+            <a:r>
+              <a:rPr lang="ko-KR" altLang="en-US" sz="3200" spc="-150">
+                <a:solidFill>
+                  <a:srgbClr val="00002F"/>
+                </a:solidFill>
+                <a:latin typeface="나눔스퀘어 ExtraBold"/>
+                <a:ea typeface="나눔스퀘어 ExtraBold"/>
+              </a:rPr>
+              <a:t>분석 과정 정리</a:t>
+            </a:r>
+          </a:p>
+        </p:txBody>
+      </p:sp>
+      <p:sp>
+        <p:nvSpPr>
+          <p:cNvPr id="13" name="TextBox 12">
+            <a:extLst>
+              <a:ext uri="{FF2B5EF4-FFF2-40B4-BE49-F238E27FC236}">
+                <a16:creationId xmlns:a16="http://schemas.microsoft.com/office/drawing/2014/main" id="{E7E26179-FAB8-44AC-BAB9-3BF2693F1594}"/>
+              </a:ext>
+            </a:extLst>
+          </p:cNvPr>
+          <p:cNvSpPr txBox="1"/>
+          <p:nvPr/>
+        </p:nvSpPr>
+        <p:spPr>
+          <a:xfrm>
+            <a:off x="5709218" y="1749335"/>
+            <a:ext cx="5274196" cy="1938992"/>
+          </a:xfrm>
+          <a:prstGeom prst="rect">
+            <a:avLst/>
+          </a:prstGeom>
+          <a:noFill/>
+        </p:spPr>
+        <p:txBody>
+          <a:bodyPr wrap="square" rtlCol="0">
+            <a:spAutoFit/>
+          </a:bodyPr>
+          <a:lstStyle/>
+          <a:p>
+            <a:pPr algn="ctr"/>
+            <a:r>
+              <a:rPr lang="ko-KR" altLang="en-US" sz="2400" spc="-150" dirty="0">
+                <a:solidFill>
+                  <a:srgbClr val="8DBABD"/>
+                </a:solidFill>
+                <a:latin typeface="나눔스퀘어 Bold" panose="020B0600000101010101" pitchFamily="50" charset="-127"/>
+                <a:ea typeface="나눔스퀘어 Bold" panose="020B0600000101010101" pitchFamily="50" charset="-127"/>
+              </a:rPr>
+              <a:t>분석결과로는 제주도는</a:t>
+            </a:r>
+            <a:endParaRPr lang="en-US" altLang="ko-KR" sz="2400" spc="-150" dirty="0">
+              <a:solidFill>
+                <a:srgbClr val="8DBABD"/>
+              </a:solidFill>
+              <a:latin typeface="나눔스퀘어 Bold" panose="020B0600000101010101" pitchFamily="50" charset="-127"/>
+              <a:ea typeface="나눔스퀘어 Bold" panose="020B0600000101010101" pitchFamily="50" charset="-127"/>
+            </a:endParaRPr>
+          </a:p>
+          <a:p>
+            <a:pPr algn="ctr"/>
+            <a:r>
+              <a:rPr lang="en-US" altLang="ko-KR" sz="2400" spc="-150" dirty="0">
+                <a:solidFill>
+                  <a:srgbClr val="8DBABD"/>
+                </a:solidFill>
+                <a:latin typeface="나눔스퀘어 Bold" panose="020B0600000101010101" pitchFamily="50" charset="-127"/>
+                <a:ea typeface="나눔스퀘어 Bold" panose="020B0600000101010101" pitchFamily="50" charset="-127"/>
+              </a:rPr>
+              <a:t>‘</a:t>
+            </a:r>
+            <a:r>
+              <a:rPr lang="ko-KR" altLang="en-US" sz="2400" spc="-150" dirty="0" err="1">
+                <a:solidFill>
+                  <a:srgbClr val="8DBABD"/>
+                </a:solidFill>
+                <a:latin typeface="나눔스퀘어 Bold" panose="020B0600000101010101" pitchFamily="50" charset="-127"/>
+                <a:ea typeface="나눔스퀘어 Bold" panose="020B0600000101010101" pitchFamily="50" charset="-127"/>
+              </a:rPr>
+              <a:t>섬‘이라는</a:t>
+            </a:r>
+            <a:r>
+              <a:rPr lang="ko-KR" altLang="en-US" sz="2400" spc="-150" dirty="0">
+                <a:solidFill>
+                  <a:srgbClr val="8DBABD"/>
+                </a:solidFill>
+                <a:latin typeface="나눔스퀘어 Bold" panose="020B0600000101010101" pitchFamily="50" charset="-127"/>
+                <a:ea typeface="나눔스퀘어 Bold" panose="020B0600000101010101" pitchFamily="50" charset="-127"/>
+              </a:rPr>
+              <a:t> 지리적  특성 때문에</a:t>
+            </a:r>
+            <a:endParaRPr lang="en-US" altLang="ko-KR" sz="2400" spc="-150" dirty="0">
+              <a:solidFill>
+                <a:srgbClr val="8DBABD"/>
+              </a:solidFill>
+              <a:latin typeface="나눔스퀘어 Bold" panose="020B0600000101010101" pitchFamily="50" charset="-127"/>
+              <a:ea typeface="나눔스퀘어 Bold" panose="020B0600000101010101" pitchFamily="50" charset="-127"/>
+            </a:endParaRPr>
+          </a:p>
+          <a:p>
+            <a:pPr algn="ctr"/>
+            <a:r>
+              <a:rPr lang="ko-KR" altLang="en-US" sz="2400" spc="-150" dirty="0">
+                <a:solidFill>
+                  <a:srgbClr val="8DBABD"/>
+                </a:solidFill>
+                <a:latin typeface="나눔스퀘어 Bold" panose="020B0600000101010101" pitchFamily="50" charset="-127"/>
+                <a:ea typeface="나눔스퀘어 Bold" panose="020B0600000101010101" pitchFamily="50" charset="-127"/>
+              </a:rPr>
+              <a:t>해상운송비가 무조건 붙어야 하는 것으로</a:t>
+            </a:r>
+            <a:endParaRPr lang="en-US" altLang="ko-KR" sz="2400" spc="-150" dirty="0">
+              <a:solidFill>
+                <a:srgbClr val="8DBABD"/>
+              </a:solidFill>
+              <a:latin typeface="나눔스퀘어 Bold" panose="020B0600000101010101" pitchFamily="50" charset="-127"/>
+              <a:ea typeface="나눔스퀘어 Bold" panose="020B0600000101010101" pitchFamily="50" charset="-127"/>
+            </a:endParaRPr>
+          </a:p>
+          <a:p>
+            <a:pPr algn="ctr"/>
+            <a:r>
+              <a:rPr lang="ko-KR" altLang="en-US" sz="2400" spc="-150" dirty="0">
+                <a:solidFill>
+                  <a:srgbClr val="8DBABD"/>
+                </a:solidFill>
+                <a:latin typeface="나눔스퀘어 Bold" panose="020B0600000101010101" pitchFamily="50" charset="-127"/>
+                <a:ea typeface="나눔스퀘어 Bold" panose="020B0600000101010101" pitchFamily="50" charset="-127"/>
+              </a:rPr>
+              <a:t>결론이 나왔고  이 것을 토대로 해상운송비의</a:t>
+            </a:r>
+            <a:endParaRPr lang="en-US" altLang="ko-KR" sz="2400" spc="-150" dirty="0">
+              <a:solidFill>
+                <a:srgbClr val="8DBABD"/>
+              </a:solidFill>
+              <a:latin typeface="나눔스퀘어 Bold" panose="020B0600000101010101" pitchFamily="50" charset="-127"/>
+              <a:ea typeface="나눔스퀘어 Bold" panose="020B0600000101010101" pitchFamily="50" charset="-127"/>
+            </a:endParaRPr>
+          </a:p>
+          <a:p>
+            <a:pPr algn="ctr"/>
+            <a:r>
+              <a:rPr lang="ko-KR" altLang="en-US" sz="2400" spc="-150" dirty="0">
+                <a:solidFill>
+                  <a:srgbClr val="8DBABD"/>
+                </a:solidFill>
+                <a:latin typeface="나눔스퀘어 Bold" panose="020B0600000101010101" pitchFamily="50" charset="-127"/>
+                <a:ea typeface="나눔스퀘어 Bold" panose="020B0600000101010101" pitchFamily="50" charset="-127"/>
+              </a:rPr>
+              <a:t>부담을 줄이는 것 을 목표로 정했습니다</a:t>
+            </a:r>
+            <a:r>
+              <a:rPr lang="en-US" altLang="ko-KR" sz="2400" spc="-150" dirty="0">
+                <a:solidFill>
+                  <a:srgbClr val="8DBABD"/>
+                </a:solidFill>
+                <a:latin typeface="나눔스퀘어 Bold" panose="020B0600000101010101" pitchFamily="50" charset="-127"/>
+                <a:ea typeface="나눔스퀘어 Bold" panose="020B0600000101010101" pitchFamily="50" charset="-127"/>
+              </a:rPr>
+              <a:t>.</a:t>
+            </a:r>
+          </a:p>
+        </p:txBody>
+      </p:sp>
+      <p:pic>
+        <p:nvPicPr>
+          <p:cNvPr id="4" name="그림 3">
+            <a:extLst>
+              <a:ext uri="{FF2B5EF4-FFF2-40B4-BE49-F238E27FC236}">
+                <a16:creationId xmlns:a16="http://schemas.microsoft.com/office/drawing/2014/main" id="{106986C8-EA5D-4DD2-8942-CC2E5DC2F2A7}"/>
+              </a:ext>
+            </a:extLst>
+          </p:cNvPr>
+          <p:cNvPicPr>
+            <a:picLocks noChangeAspect="1"/>
+          </p:cNvPicPr>
+          <p:nvPr/>
+        </p:nvPicPr>
+        <p:blipFill>
+          <a:blip r:embed="rId2">
+            <a:extLst>
+              <a:ext uri="{28A0092B-C50C-407E-A947-70E740481C1C}">
+                <a14:useLocalDpi xmlns:a14="http://schemas.microsoft.com/office/drawing/2010/main" val="0"/>
+              </a:ext>
+            </a:extLst>
+          </a:blip>
+          <a:stretch>
+            <a:fillRect/>
+          </a:stretch>
+        </p:blipFill>
+        <p:spPr>
+          <a:xfrm>
+            <a:off x="794386" y="1749335"/>
+            <a:ext cx="4914832" cy="3797300"/>
+          </a:xfrm>
+          <a:prstGeom prst="rect">
+            <a:avLst/>
+          </a:prstGeom>
+        </p:spPr>
+      </p:pic>
     </p:spTree>
     <p:extLst>
       <p:ext uri="{BB962C8B-B14F-4D97-AF65-F5344CB8AC3E}">
-        <p14:creationId xmlns:p14="http://schemas.microsoft.com/office/powerpoint/2010/main" val="1177496133"/>
+        <p14:creationId xmlns:p14="http://schemas.microsoft.com/office/powerpoint/2010/main" val="3709636"/>
       </p:ext>
     </p:extLst>
   </p:cSld>
   <p:clrMapOvr>
     <a:masterClrMapping/>
   </p:clrMapOvr>
+  <mc:AlternateContent xmlns:mc="http://schemas.openxmlformats.org/markup-compatibility/2006" xmlns:p14="http://schemas.microsoft.com/office/powerpoint/2010/main">
+    <mc:Choice Requires="p14">
+      <p:transition/>
+    </mc:Choice>
+    <mc:Fallback xmlns="" xmlns:c="http://schemas.openxmlformats.org/drawingml/2006/chart" xmlns:dgm="http://schemas.openxmlformats.org/drawingml/2006/diagram" xmlns:dsp="http://schemas.microsoft.com/office/drawing/2008/diagram">
+      <p:transition/>
+    </mc:Fallback>
+  </mc:AlternateContent>
 </p:sld>
 </file>
 
@@ -13532,7 +13671,7 @@
     <mc:Choice Requires="p14">
       <p:transition/>
     </mc:Choice>
-    <mc:Fallback xmlns:dsp="http://schemas.microsoft.com/office/drawing/2008/diagram" xmlns:dgm="http://schemas.openxmlformats.org/drawingml/2006/diagram" xmlns:c="http://schemas.openxmlformats.org/drawingml/2006/chart" xmlns="">
+    <mc:Fallback xmlns="" xmlns:c="http://schemas.openxmlformats.org/drawingml/2006/chart" xmlns:dgm="http://schemas.openxmlformats.org/drawingml/2006/diagram" xmlns:dsp="http://schemas.microsoft.com/office/drawing/2008/diagram">
       <p:transition/>
     </mc:Fallback>
   </mc:AlternateContent>
@@ -13558,14 +13697,14 @@
       </p:grpSpPr>
       <p:sp>
         <p:nvSpPr>
-          <p:cNvPr id="13" name="TextBox 12"/>
+          <p:cNvPr id="15" name="TextBox 14"/>
           <p:cNvSpPr txBox="1"/>
           <p:nvPr/>
         </p:nvSpPr>
         <p:spPr>
           <a:xfrm>
-            <a:off x="955384" y="1425148"/>
-            <a:ext cx="1774845" cy="584775"/>
+            <a:off x="10781242" y="76824"/>
+            <a:ext cx="1335622" cy="323165"/>
           </a:xfrm>
           <a:prstGeom prst="rect">
             <a:avLst/>
@@ -13578,97 +13717,64 @@
           </a:bodyPr>
           <a:lstStyle/>
           <a:p>
-            <a:r>
-              <a:rPr lang="ko-KR" altLang="en-US" sz="1600" dirty="0">
+            <a:pPr algn="ctr"/>
+            <a:r>
+              <a:rPr lang="en-US" altLang="ko-KR" sz="900" b="1" dirty="0">
                 <a:ln w="22225">
                   <a:noFill/>
                 </a:ln>
                 <a:solidFill>
-                  <a:srgbClr val="30302A"/>
-                </a:solidFill>
-                <a:effectLst/>
+                  <a:schemeClr val="bg1"/>
+                </a:solidFill>
+                <a:effectLst>
+                  <a:glow rad="88900">
+                    <a:srgbClr val="E3781F">
+                      <a:alpha val="7000"/>
+                    </a:srgbClr>
+                  </a:glow>
+                </a:effectLst>
                 <a:latin typeface="나눔스퀘어" panose="020B0600000101010101" pitchFamily="50" charset="-127"/>
                 <a:ea typeface="나눔스퀘어" panose="020B0600000101010101" pitchFamily="50" charset="-127"/>
               </a:rPr>
-              <a:t>기본</a:t>
-            </a:r>
-            <a:r>
-              <a:rPr lang="en-US" altLang="ko-KR" sz="1600" dirty="0">
+              <a:t>Power Point Template</a:t>
+            </a:r>
+          </a:p>
+          <a:p>
+            <a:pPr algn="ctr"/>
+            <a:r>
+              <a:rPr lang="en-US" altLang="ko-KR" sz="600" dirty="0" err="1">
                 <a:ln w="22225">
                   <a:noFill/>
                 </a:ln>
                 <a:solidFill>
-                  <a:srgbClr val="30302A"/>
-                </a:solidFill>
-                <a:effectLst/>
+                  <a:schemeClr val="bg1"/>
+                </a:solidFill>
+                <a:effectLst>
+                  <a:glow rad="88900">
+                    <a:srgbClr val="E3781F">
+                      <a:alpha val="7000"/>
+                    </a:srgbClr>
+                  </a:glow>
+                </a:effectLst>
                 <a:latin typeface="나눔스퀘어" panose="020B0600000101010101" pitchFamily="50" charset="-127"/>
                 <a:ea typeface="나눔스퀘어" panose="020B0600000101010101" pitchFamily="50" charset="-127"/>
               </a:rPr>
-              <a:t> </a:t>
-            </a:r>
-            <a:r>
-              <a:rPr lang="ko-KR" altLang="en-US" sz="1600" dirty="0">
-                <a:ln w="22225">
-                  <a:noFill/>
-                </a:ln>
-                <a:solidFill>
-                  <a:srgbClr val="30302A"/>
-                </a:solidFill>
-                <a:effectLst/>
-                <a:latin typeface="나눔스퀘어" panose="020B0600000101010101" pitchFamily="50" charset="-127"/>
-                <a:ea typeface="나눔스퀘어" panose="020B0600000101010101" pitchFamily="50" charset="-127"/>
-              </a:rPr>
-              <a:t>색상은 검은색</a:t>
-            </a:r>
-            <a:endParaRPr lang="en-US" altLang="ko-KR" sz="1600" dirty="0">
+              <a:t>Ponybuhagom</a:t>
+            </a:r>
+            <a:endParaRPr lang="en-US" altLang="ko-KR" sz="600" dirty="0">
               <a:ln w="22225">
                 <a:noFill/>
               </a:ln>
               <a:solidFill>
-                <a:srgbClr val="30302A"/>
+                <a:schemeClr val="bg1"/>
               </a:solidFill>
-              <a:effectLst/>
-              <a:latin typeface="나눔스퀘어" panose="020B0600000101010101" pitchFamily="50" charset="-127"/>
-              <a:ea typeface="나눔스퀘어" panose="020B0600000101010101" pitchFamily="50" charset="-127"/>
-            </a:endParaRPr>
-          </a:p>
-          <a:p>
-            <a:r>
-              <a:rPr lang="ko-KR" altLang="en-US" sz="1600" dirty="0">
-                <a:ln w="22225">
-                  <a:noFill/>
-                </a:ln>
-                <a:solidFill>
-                  <a:srgbClr val="94C3BB"/>
-                </a:solidFill>
-                <a:effectLst/>
-                <a:latin typeface="나눔스퀘어" panose="020B0600000101010101" pitchFamily="50" charset="-127"/>
-                <a:ea typeface="나눔스퀘어" panose="020B0600000101010101" pitchFamily="50" charset="-127"/>
-              </a:rPr>
-              <a:t>중요 색상은 </a:t>
-            </a:r>
-            <a:r>
-              <a:rPr lang="ko-KR" altLang="en-US" sz="1600" dirty="0" err="1">
-                <a:ln w="22225">
-                  <a:noFill/>
-                </a:ln>
-                <a:solidFill>
-                  <a:srgbClr val="94C3BB"/>
-                </a:solidFill>
-                <a:effectLst/>
-                <a:latin typeface="나눔스퀘어" panose="020B0600000101010101" pitchFamily="50" charset="-127"/>
-                <a:ea typeface="나눔스퀘어" panose="020B0600000101010101" pitchFamily="50" charset="-127"/>
-              </a:rPr>
-              <a:t>민트색</a:t>
-            </a:r>
-            <a:endParaRPr lang="en-US" altLang="ko-KR" sz="1600" dirty="0">
-              <a:ln w="22225">
-                <a:noFill/>
-              </a:ln>
-              <a:solidFill>
-                <a:srgbClr val="94C3BB"/>
-              </a:solidFill>
-              <a:effectLst/>
+              <a:effectLst>
+                <a:glow rad="88900">
+                  <a:srgbClr val="E3781F">
+                    <a:alpha val="7000"/>
+                  </a:srgbClr>
+                </a:glow>
+              </a:effectLst>
               <a:latin typeface="나눔스퀘어" panose="020B0600000101010101" pitchFamily="50" charset="-127"/>
               <a:ea typeface="나눔스퀘어" panose="020B0600000101010101" pitchFamily="50" charset="-127"/>
             </a:endParaRPr>
@@ -13683,8 +13789,8 @@
         </p:nvSpPr>
         <p:spPr>
           <a:xfrm>
-            <a:off x="464118" y="229970"/>
-            <a:ext cx="1491113" cy="461665"/>
+            <a:off x="725407" y="229970"/>
+            <a:ext cx="968535" cy="461665"/>
           </a:xfrm>
           <a:prstGeom prst="rect">
             <a:avLst/>
@@ -13699,22 +13805,15 @@
           <a:p>
             <a:pPr algn="ctr"/>
             <a:r>
-              <a:rPr lang="ko-KR" altLang="en-US" sz="2400" spc="-150" dirty="0" err="1">
+              <a:rPr lang="ko-KR" altLang="en-US" sz="2400" spc="-150" dirty="0">
                 <a:solidFill>
                   <a:srgbClr val="FFFFFF"/>
                 </a:solidFill>
                 <a:latin typeface="나눔스퀘어 Bold" panose="020B0600000101010101" pitchFamily="50" charset="-127"/>
                 <a:ea typeface="나눔스퀘어 Bold" panose="020B0600000101010101" pitchFamily="50" charset="-127"/>
               </a:rPr>
-              <a:t>포니부하곰</a:t>
-            </a:r>
-            <a:endParaRPr lang="ko-KR" altLang="en-US" sz="2400" spc="-150" dirty="0">
-              <a:solidFill>
-                <a:srgbClr val="FFFFFF"/>
-              </a:solidFill>
-              <a:latin typeface="나눔스퀘어 Bold" panose="020B0600000101010101" pitchFamily="50" charset="-127"/>
-              <a:ea typeface="나눔스퀘어 Bold" panose="020B0600000101010101" pitchFamily="50" charset="-127"/>
-            </a:endParaRPr>
+              <a:t>제안서</a:t>
+            </a:r>
           </a:p>
         </p:txBody>
       </p:sp>
@@ -13790,13 +13889,13 @@
       </p:cxnSp>
       <p:cxnSp>
         <p:nvCxnSpPr>
-          <p:cNvPr id="10" name="직선 연결선 9"/>
+          <p:cNvPr id="11" name="직선 연결선 10"/>
           <p:cNvCxnSpPr/>
           <p:nvPr/>
         </p:nvCxnSpPr>
         <p:spPr>
           <a:xfrm>
-            <a:off x="11342766" y="6731183"/>
+            <a:off x="11707294" y="6731183"/>
             <a:ext cx="364528" cy="0"/>
           </a:xfrm>
           <a:prstGeom prst="line">
@@ -13860,13 +13959,13 @@
       </p:cxnSp>
       <p:cxnSp>
         <p:nvCxnSpPr>
-          <p:cNvPr id="11" name="직선 연결선 10"/>
+          <p:cNvPr id="10" name="직선 연결선 9"/>
           <p:cNvCxnSpPr/>
           <p:nvPr/>
         </p:nvCxnSpPr>
         <p:spPr>
           <a:xfrm>
-            <a:off x="11707294" y="6731183"/>
+            <a:off x="11342766" y="6731183"/>
             <a:ext cx="364528" cy="0"/>
           </a:xfrm>
           <a:prstGeom prst="line">
@@ -13893,10 +13992,198 @@
           </a:fontRef>
         </p:style>
       </p:cxnSp>
+      <p:sp>
+        <p:nvSpPr>
+          <p:cNvPr id="14" name="TextBox 7">
+            <a:extLst>
+              <a:ext uri="{FF2B5EF4-FFF2-40B4-BE49-F238E27FC236}">
+                <a16:creationId xmlns:a16="http://schemas.microsoft.com/office/drawing/2014/main" id="{87386779-3048-429E-AD77-306C0F3CC7F5}"/>
+              </a:ext>
+            </a:extLst>
+          </p:cNvPr>
+          <p:cNvSpPr txBox="1"/>
+          <p:nvPr/>
+        </p:nvSpPr>
+        <p:spPr>
+          <a:xfrm>
+            <a:off x="5251593" y="1943100"/>
+            <a:ext cx="6797605" cy="461665"/>
+          </a:xfrm>
+          <a:prstGeom prst="rect">
+            <a:avLst/>
+          </a:prstGeom>
+          <a:noFill/>
+        </p:spPr>
+        <p:txBody>
+          <a:bodyPr wrap="square">
+            <a:spAutoFit/>
+          </a:bodyPr>
+          <a:lstStyle/>
+          <a:p>
+            <a:pPr algn="ctr">
+              <a:defRPr/>
+            </a:pPr>
+            <a:r>
+              <a:rPr lang="ko-KR" altLang="en-US" sz="2400" spc="-150">
+                <a:solidFill>
+                  <a:schemeClr val="dk1"/>
+                </a:solidFill>
+                <a:latin typeface="나눔스퀘어 Bold"/>
+                <a:ea typeface="나눔스퀘어 Bold"/>
+              </a:rPr>
+              <a:t>저희는 </a:t>
+            </a:r>
+            <a:r>
+              <a:rPr lang="ko-KR" altLang="en-US" sz="2400" spc="-150" dirty="0">
+                <a:solidFill>
+                  <a:schemeClr val="dk1"/>
+                </a:solidFill>
+                <a:latin typeface="나눔스퀘어 Bold"/>
+                <a:ea typeface="나눔스퀘어 Bold"/>
+              </a:rPr>
+              <a:t>이 근거들을 토대로 제주도에 제안을 하고자 합니다</a:t>
+            </a:r>
+            <a:r>
+              <a:rPr lang="en-US" altLang="ko-KR" sz="2400" spc="-150" dirty="0">
+                <a:solidFill>
+                  <a:schemeClr val="dk1"/>
+                </a:solidFill>
+                <a:latin typeface="나눔스퀘어 Bold"/>
+                <a:ea typeface="나눔스퀘어 Bold"/>
+              </a:rPr>
+              <a:t>.</a:t>
+            </a:r>
+          </a:p>
+        </p:txBody>
+      </p:sp>
+      <p:pic>
+        <p:nvPicPr>
+          <p:cNvPr id="3" name="그림 2">
+            <a:extLst>
+              <a:ext uri="{FF2B5EF4-FFF2-40B4-BE49-F238E27FC236}">
+                <a16:creationId xmlns:a16="http://schemas.microsoft.com/office/drawing/2014/main" id="{1DAAC1BD-59FB-44ED-9443-4A824FC015C1}"/>
+              </a:ext>
+            </a:extLst>
+          </p:cNvPr>
+          <p:cNvPicPr>
+            <a:picLocks noChangeAspect="1"/>
+          </p:cNvPicPr>
+          <p:nvPr/>
+        </p:nvPicPr>
+        <p:blipFill>
+          <a:blip r:embed="rId2">
+            <a:extLst>
+              <a:ext uri="{28A0092B-C50C-407E-A947-70E740481C1C}">
+                <a14:useLocalDpi xmlns:a14="http://schemas.microsoft.com/office/drawing/2010/main" val="0"/>
+              </a:ext>
+            </a:extLst>
+          </a:blip>
+          <a:stretch>
+            <a:fillRect/>
+          </a:stretch>
+        </p:blipFill>
+        <p:spPr>
+          <a:xfrm>
+            <a:off x="764427" y="1943100"/>
+            <a:ext cx="4327526" cy="2971800"/>
+          </a:xfrm>
+          <a:prstGeom prst="rect">
+            <a:avLst/>
+          </a:prstGeom>
+        </p:spPr>
+      </p:pic>
+      <p:sp>
+        <p:nvSpPr>
+          <p:cNvPr id="17" name="TextBox 29">
+            <a:extLst>
+              <a:ext uri="{FF2B5EF4-FFF2-40B4-BE49-F238E27FC236}">
+                <a16:creationId xmlns:a16="http://schemas.microsoft.com/office/drawing/2014/main" id="{8736F115-9034-423B-8A80-C3009E1F1457}"/>
+              </a:ext>
+            </a:extLst>
+          </p:cNvPr>
+          <p:cNvSpPr txBox="1"/>
+          <p:nvPr/>
+        </p:nvSpPr>
+        <p:spPr>
+          <a:xfrm>
+            <a:off x="764427" y="928240"/>
+            <a:ext cx="614271" cy="461665"/>
+          </a:xfrm>
+          <a:prstGeom prst="rect">
+            <a:avLst/>
+          </a:prstGeom>
+          <a:noFill/>
+        </p:spPr>
+        <p:txBody>
+          <a:bodyPr wrap="none">
+            <a:spAutoFit/>
+          </a:bodyPr>
+          <a:lstStyle/>
+          <a:p>
+            <a:pPr algn="ctr">
+              <a:defRPr/>
+            </a:pPr>
+            <a:r>
+              <a:rPr lang="en-US" altLang="ko-KR" sz="2400" spc="-150" dirty="0">
+                <a:solidFill>
+                  <a:srgbClr val="00002F"/>
+                </a:solidFill>
+                <a:latin typeface="나눔스퀘어 ExtraBold"/>
+                <a:ea typeface="나눔스퀘어 ExtraBold"/>
+              </a:rPr>
+              <a:t>04.</a:t>
+            </a:r>
+          </a:p>
+        </p:txBody>
+      </p:sp>
+      <p:sp>
+        <p:nvSpPr>
+          <p:cNvPr id="18" name="TextBox 30">
+            <a:extLst>
+              <a:ext uri="{FF2B5EF4-FFF2-40B4-BE49-F238E27FC236}">
+                <a16:creationId xmlns:a16="http://schemas.microsoft.com/office/drawing/2014/main" id="{6610A02F-A5E2-4A70-8388-EBFD5A3C9037}"/>
+              </a:ext>
+            </a:extLst>
+          </p:cNvPr>
+          <p:cNvSpPr txBox="1"/>
+          <p:nvPr/>
+        </p:nvSpPr>
+        <p:spPr>
+          <a:xfrm>
+            <a:off x="1378698" y="866684"/>
+            <a:ext cx="893193" cy="584775"/>
+          </a:xfrm>
+          <a:prstGeom prst="rect">
+            <a:avLst/>
+          </a:prstGeom>
+          <a:noFill/>
+        </p:spPr>
+        <p:txBody>
+          <a:bodyPr wrap="none">
+            <a:spAutoFit/>
+          </a:bodyPr>
+          <a:lstStyle/>
+          <a:p>
+            <a:pPr algn="ctr">
+              <a:defRPr/>
+            </a:pPr>
+            <a:r>
+              <a:rPr lang="ko-KR" altLang="en-US" sz="3200" spc="-150" dirty="0">
+                <a:solidFill>
+                  <a:srgbClr val="00002F"/>
+                </a:solidFill>
+                <a:latin typeface="나눔스퀘어 ExtraBold"/>
+                <a:ea typeface="나눔스퀘어 ExtraBold"/>
+              </a:rPr>
+              <a:t>제안</a:t>
+            </a:r>
+          </a:p>
+        </p:txBody>
+      </p:sp>
     </p:spTree>
     <p:extLst>
       <p:ext uri="{BB962C8B-B14F-4D97-AF65-F5344CB8AC3E}">
-        <p14:creationId xmlns:p14="http://schemas.microsoft.com/office/powerpoint/2010/main" val="3721586884"/>
+        <p14:creationId xmlns:p14="http://schemas.microsoft.com/office/powerpoint/2010/main" val="1177496133"/>
       </p:ext>
     </p:extLst>
   </p:cSld>
@@ -13925,14 +14212,14 @@
       </p:grpSpPr>
       <p:sp>
         <p:nvSpPr>
-          <p:cNvPr id="16" name="TextBox 15"/>
+          <p:cNvPr id="15" name="TextBox 14"/>
           <p:cNvSpPr txBox="1"/>
           <p:nvPr/>
         </p:nvSpPr>
         <p:spPr>
           <a:xfrm>
-            <a:off x="464118" y="229970"/>
-            <a:ext cx="1491113" cy="461665"/>
+            <a:off x="10781242" y="76824"/>
+            <a:ext cx="1335622" cy="323165"/>
           </a:xfrm>
           <a:prstGeom prst="rect">
             <a:avLst/>
@@ -13947,22 +14234,101 @@
           <a:p>
             <a:pPr algn="ctr"/>
             <a:r>
-              <a:rPr lang="ko-KR" altLang="en-US" sz="2400" spc="-150" dirty="0" err="1">
+              <a:rPr lang="en-US" altLang="ko-KR" sz="900" b="1" dirty="0">
+                <a:ln w="22225">
+                  <a:noFill/>
+                </a:ln>
+                <a:solidFill>
+                  <a:schemeClr val="bg1"/>
+                </a:solidFill>
+                <a:effectLst>
+                  <a:glow rad="88900">
+                    <a:srgbClr val="E3781F">
+                      <a:alpha val="7000"/>
+                    </a:srgbClr>
+                  </a:glow>
+                </a:effectLst>
+                <a:latin typeface="나눔스퀘어" panose="020B0600000101010101" pitchFamily="50" charset="-127"/>
+                <a:ea typeface="나눔스퀘어" panose="020B0600000101010101" pitchFamily="50" charset="-127"/>
+              </a:rPr>
+              <a:t>Power Point Template</a:t>
+            </a:r>
+          </a:p>
+          <a:p>
+            <a:pPr algn="ctr"/>
+            <a:r>
+              <a:rPr lang="en-US" altLang="ko-KR" sz="600" dirty="0" err="1">
+                <a:ln w="22225">
+                  <a:noFill/>
+                </a:ln>
+                <a:solidFill>
+                  <a:schemeClr val="bg1"/>
+                </a:solidFill>
+                <a:effectLst>
+                  <a:glow rad="88900">
+                    <a:srgbClr val="E3781F">
+                      <a:alpha val="7000"/>
+                    </a:srgbClr>
+                  </a:glow>
+                </a:effectLst>
+                <a:latin typeface="나눔스퀘어" panose="020B0600000101010101" pitchFamily="50" charset="-127"/>
+                <a:ea typeface="나눔스퀘어" panose="020B0600000101010101" pitchFamily="50" charset="-127"/>
+              </a:rPr>
+              <a:t>Ponybuhagom</a:t>
+            </a:r>
+            <a:endParaRPr lang="en-US" altLang="ko-KR" sz="600" dirty="0">
+              <a:ln w="22225">
+                <a:noFill/>
+              </a:ln>
+              <a:solidFill>
+                <a:schemeClr val="bg1"/>
+              </a:solidFill>
+              <a:effectLst>
+                <a:glow rad="88900">
+                  <a:srgbClr val="E3781F">
+                    <a:alpha val="7000"/>
+                  </a:srgbClr>
+                </a:glow>
+              </a:effectLst>
+              <a:latin typeface="나눔스퀘어" panose="020B0600000101010101" pitchFamily="50" charset="-127"/>
+              <a:ea typeface="나눔스퀘어" panose="020B0600000101010101" pitchFamily="50" charset="-127"/>
+            </a:endParaRPr>
+          </a:p>
+        </p:txBody>
+      </p:sp>
+      <p:sp>
+        <p:nvSpPr>
+          <p:cNvPr id="16" name="TextBox 15"/>
+          <p:cNvSpPr txBox="1"/>
+          <p:nvPr/>
+        </p:nvSpPr>
+        <p:spPr>
+          <a:xfrm>
+            <a:off x="725407" y="229970"/>
+            <a:ext cx="968535" cy="461665"/>
+          </a:xfrm>
+          <a:prstGeom prst="rect">
+            <a:avLst/>
+          </a:prstGeom>
+          <a:noFill/>
+        </p:spPr>
+        <p:txBody>
+          <a:bodyPr wrap="none" rtlCol="0">
+            <a:spAutoFit/>
+          </a:bodyPr>
+          <a:lstStyle/>
+          <a:p>
+            <a:pPr algn="ctr"/>
+            <a:r>
+              <a:rPr lang="ko-KR" altLang="en-US" sz="2400" spc="-150" dirty="0">
                 <a:solidFill>
                   <a:srgbClr val="FFFFFF"/>
                 </a:solidFill>
                 <a:latin typeface="나눔스퀘어 Bold" panose="020B0600000101010101" pitchFamily="50" charset="-127"/>
                 <a:ea typeface="나눔스퀘어 Bold" panose="020B0600000101010101" pitchFamily="50" charset="-127"/>
               </a:rPr>
-              <a:t>포니부하곰</a:t>
-            </a:r>
-            <a:endParaRPr lang="ko-KR" altLang="en-US" sz="2400" spc="-150" dirty="0">
-              <a:solidFill>
-                <a:srgbClr val="FFFFFF"/>
-              </a:solidFill>
-              <a:latin typeface="나눔스퀘어 Bold" panose="020B0600000101010101" pitchFamily="50" charset="-127"/>
-              <a:ea typeface="나눔스퀘어 Bold" panose="020B0600000101010101" pitchFamily="50" charset="-127"/>
-            </a:endParaRPr>
+              <a:t>제안서</a:t>
+            </a:r>
           </a:p>
         </p:txBody>
       </p:sp>
@@ -14038,13 +14404,13 @@
       </p:cxnSp>
       <p:cxnSp>
         <p:nvCxnSpPr>
-          <p:cNvPr id="10" name="직선 연결선 9"/>
+          <p:cNvPr id="11" name="직선 연결선 10"/>
           <p:cNvCxnSpPr/>
           <p:nvPr/>
         </p:nvCxnSpPr>
         <p:spPr>
           <a:xfrm>
-            <a:off x="11342766" y="6731183"/>
+            <a:off x="11707294" y="6731183"/>
             <a:ext cx="364528" cy="0"/>
           </a:xfrm>
           <a:prstGeom prst="line">
@@ -14108,13 +14474,13 @@
       </p:cxnSp>
       <p:cxnSp>
         <p:nvCxnSpPr>
-          <p:cNvPr id="11" name="직선 연결선 10"/>
+          <p:cNvPr id="10" name="직선 연결선 9"/>
           <p:cNvCxnSpPr/>
           <p:nvPr/>
         </p:nvCxnSpPr>
         <p:spPr>
           <a:xfrm>
-            <a:off x="11707294" y="6731183"/>
+            <a:off x="11342766" y="6731183"/>
             <a:ext cx="364528" cy="0"/>
           </a:xfrm>
           <a:prstGeom prst="line">
@@ -14143,10 +14509,10 @@
       </p:cxnSp>
       <p:sp>
         <p:nvSpPr>
-          <p:cNvPr id="14" name="TextBox 13">
+          <p:cNvPr id="14" name="TextBox 7">
             <a:extLst>
               <a:ext uri="{FF2B5EF4-FFF2-40B4-BE49-F238E27FC236}">
-                <a16:creationId xmlns:a16="http://schemas.microsoft.com/office/drawing/2014/main" id="{8D550703-D2FB-4EFD-BBC6-7DA1F15BEFD9}"/>
+                <a16:creationId xmlns:a16="http://schemas.microsoft.com/office/drawing/2014/main" id="{87386779-3048-429E-AD77-306C0F3CC7F5}"/>
               </a:ext>
             </a:extLst>
           </p:cNvPr>
@@ -14155,8 +14521,8 @@
         </p:nvSpPr>
         <p:spPr>
           <a:xfrm>
-            <a:off x="5301552" y="2951947"/>
-            <a:ext cx="1588898" cy="830997"/>
+            <a:off x="4937613" y="1668443"/>
+            <a:ext cx="6797605" cy="3416320"/>
           </a:xfrm>
           <a:prstGeom prst="rect">
             <a:avLst/>
@@ -14164,56 +14530,1067 @@
           <a:noFill/>
         </p:spPr>
         <p:txBody>
-          <a:bodyPr wrap="none" rtlCol="0">
+          <a:bodyPr wrap="square">
             <a:spAutoFit/>
           </a:bodyPr>
           <a:lstStyle/>
           <a:p>
-            <a:pPr algn="ctr"/>
-            <a:r>
-              <a:rPr lang="en-US" altLang="ko-KR" sz="4800" spc="300" dirty="0">
-                <a:ln w="104775" cmpd="tri">
-                  <a:noFill/>
-                </a:ln>
-                <a:solidFill>
-                  <a:srgbClr val="94C3BB"/>
-                </a:solidFill>
-                <a:effectLst>
-                  <a:outerShdw blurRad="38100" dist="38100" dir="2700000" algn="tl">
-                    <a:srgbClr val="000000">
-                      <a:alpha val="43137"/>
-                    </a:srgbClr>
-                  </a:outerShdw>
-                </a:effectLst>
-                <a:latin typeface="나눔스퀘어 ExtraBold" panose="020B0600000101010101" pitchFamily="50" charset="-127"/>
-                <a:ea typeface="나눔스퀘어 ExtraBold" panose="020B0600000101010101" pitchFamily="50" charset="-127"/>
-              </a:rPr>
-              <a:t>Q&amp;A</a:t>
-            </a:r>
-            <a:endParaRPr lang="ko-KR" altLang="en-US" sz="4800" spc="300" dirty="0">
-              <a:ln w="104775" cmpd="tri">
-                <a:noFill/>
-              </a:ln>
+            <a:pPr algn="ctr">
+              <a:defRPr/>
+            </a:pPr>
+            <a:r>
+              <a:rPr lang="ko-KR" altLang="en-US" sz="2400" spc="-150" dirty="0">
+                <a:solidFill>
+                  <a:schemeClr val="dk1"/>
+                </a:solidFill>
+                <a:latin typeface="나눔스퀘어 Bold"/>
+                <a:ea typeface="나눔스퀘어 Bold"/>
+              </a:rPr>
+              <a:t>기업이 소비자가격을 책정할 때</a:t>
+            </a:r>
+          </a:p>
+          <a:p>
+            <a:pPr algn="ctr">
+              <a:defRPr/>
+            </a:pPr>
+            <a:r>
+              <a:rPr lang="ko-KR" altLang="en-US" sz="2400" spc="-150" dirty="0">
+                <a:solidFill>
+                  <a:schemeClr val="dk1"/>
+                </a:solidFill>
+                <a:latin typeface="나눔스퀘어 Bold"/>
+                <a:ea typeface="나눔스퀘어 Bold"/>
+              </a:rPr>
+              <a:t>원가와 이익금을 합쳐서 소비자 가격을 측정합니다</a:t>
+            </a:r>
+            <a:r>
+              <a:rPr lang="en-US" altLang="ko-KR" sz="2400" spc="-150" dirty="0">
+                <a:solidFill>
+                  <a:schemeClr val="dk1"/>
+                </a:solidFill>
+                <a:latin typeface="나눔스퀘어 Bold"/>
+                <a:ea typeface="나눔스퀘어 Bold"/>
+              </a:rPr>
+              <a:t>.</a:t>
+            </a:r>
+          </a:p>
+          <a:p>
+            <a:pPr algn="ctr">
+              <a:defRPr/>
+            </a:pPr>
+            <a:r>
+              <a:rPr lang="ko-KR" altLang="en-US" sz="2400" spc="-150" dirty="0">
+                <a:solidFill>
+                  <a:schemeClr val="dk1"/>
+                </a:solidFill>
+                <a:latin typeface="나눔스퀘어 Bold"/>
+                <a:ea typeface="나눔스퀘어 Bold"/>
+              </a:rPr>
+              <a:t>원가 안에는 건물임대료</a:t>
+            </a:r>
+            <a:r>
+              <a:rPr lang="en-US" altLang="ko-KR" sz="2400" spc="-150" dirty="0">
+                <a:solidFill>
+                  <a:schemeClr val="dk1"/>
+                </a:solidFill>
+                <a:latin typeface="나눔스퀘어 Bold"/>
+                <a:ea typeface="나눔스퀘어 Bold"/>
+              </a:rPr>
+              <a:t>, </a:t>
+            </a:r>
+            <a:r>
+              <a:rPr lang="ko-KR" altLang="en-US" sz="2400" spc="-150" dirty="0">
+                <a:solidFill>
+                  <a:schemeClr val="dk1"/>
+                </a:solidFill>
+                <a:latin typeface="나눔스퀘어 Bold"/>
+                <a:ea typeface="나눔스퀘어 Bold"/>
+              </a:rPr>
+              <a:t>인건비</a:t>
+            </a:r>
+            <a:r>
+              <a:rPr lang="en-US" altLang="ko-KR" sz="2400" spc="-150" dirty="0">
+                <a:solidFill>
+                  <a:schemeClr val="dk1"/>
+                </a:solidFill>
+                <a:latin typeface="나눔스퀘어 Bold"/>
+                <a:ea typeface="나눔스퀘어 Bold"/>
+              </a:rPr>
+              <a:t>, </a:t>
+            </a:r>
+            <a:r>
+              <a:rPr lang="ko-KR" altLang="en-US" sz="2400" spc="-150" dirty="0" err="1">
+                <a:solidFill>
+                  <a:schemeClr val="dk1"/>
+                </a:solidFill>
+                <a:latin typeface="나눔스퀘어 Bold"/>
+                <a:ea typeface="나눔스퀘어 Bold"/>
+              </a:rPr>
+              <a:t>선박비</a:t>
+            </a:r>
+            <a:r>
+              <a:rPr lang="ko-KR" altLang="en-US" sz="2400" spc="-150" dirty="0">
+                <a:solidFill>
+                  <a:schemeClr val="dk1"/>
+                </a:solidFill>
+                <a:latin typeface="나눔스퀘어 Bold"/>
+                <a:ea typeface="나눔스퀘어 Bold"/>
+              </a:rPr>
+              <a:t> 등 다양하게 고정적으로 지출하는 항목이 있고</a:t>
+            </a:r>
+          </a:p>
+          <a:p>
+            <a:pPr algn="ctr">
+              <a:defRPr/>
+            </a:pPr>
+            <a:r>
+              <a:rPr lang="ko-KR" altLang="en-US" sz="2400" spc="-150" dirty="0">
+                <a:solidFill>
+                  <a:schemeClr val="dk1"/>
+                </a:solidFill>
+                <a:latin typeface="나눔스퀘어 Bold"/>
+                <a:ea typeface="나눔스퀘어 Bold"/>
+              </a:rPr>
+              <a:t>이익금은 말 그대로 회사를 운영함에 있어 </a:t>
+            </a:r>
+            <a:endParaRPr lang="en-US" altLang="ko-KR" sz="2400" spc="-150" dirty="0">
               <a:solidFill>
-                <a:srgbClr val="94C3BB"/>
+                <a:schemeClr val="dk1"/>
               </a:solidFill>
-              <a:effectLst>
-                <a:outerShdw blurRad="38100" dist="38100" dir="2700000" algn="tl">
-                  <a:srgbClr val="000000">
-                    <a:alpha val="43137"/>
-                  </a:srgbClr>
-                </a:outerShdw>
-              </a:effectLst>
-              <a:latin typeface="나눔스퀘어 ExtraBold" panose="020B0600000101010101" pitchFamily="50" charset="-127"/>
-              <a:ea typeface="나눔스퀘어 ExtraBold" panose="020B0600000101010101" pitchFamily="50" charset="-127"/>
+              <a:latin typeface="나눔스퀘어 Bold"/>
+              <a:ea typeface="나눔스퀘어 Bold"/>
             </a:endParaRPr>
+          </a:p>
+          <a:p>
+            <a:pPr algn="ctr">
+              <a:defRPr/>
+            </a:pPr>
+            <a:r>
+              <a:rPr lang="ko-KR" altLang="en-US" sz="2400" spc="-150" dirty="0">
+                <a:solidFill>
+                  <a:schemeClr val="dk1"/>
+                </a:solidFill>
+                <a:latin typeface="나눔스퀘어 Bold"/>
+                <a:ea typeface="나눔스퀘어 Bold"/>
+              </a:rPr>
+              <a:t>회사에 들어오는 이익금입니다</a:t>
+            </a:r>
+            <a:r>
+              <a:rPr lang="en-US" altLang="ko-KR" sz="2400" spc="-150" dirty="0">
+                <a:solidFill>
+                  <a:schemeClr val="dk1"/>
+                </a:solidFill>
+                <a:latin typeface="나눔스퀘어 Bold"/>
+                <a:ea typeface="나눔스퀘어 Bold"/>
+              </a:rPr>
+              <a:t>.</a:t>
+            </a:r>
+          </a:p>
+          <a:p>
+            <a:pPr algn="ctr">
+              <a:defRPr/>
+            </a:pPr>
+            <a:r>
+              <a:rPr lang="ko-KR" altLang="en-US" sz="2400" spc="-150" dirty="0">
+                <a:solidFill>
+                  <a:schemeClr val="dk1"/>
+                </a:solidFill>
+                <a:latin typeface="나눔스퀘어 Bold"/>
+                <a:ea typeface="나눔스퀘어 Bold"/>
+              </a:rPr>
+              <a:t>이 두 가지를 합쳐서 물가가 결정되는데</a:t>
+            </a:r>
+            <a:endParaRPr lang="en-US" altLang="ko-KR" sz="2400" spc="-150" dirty="0">
+              <a:solidFill>
+                <a:schemeClr val="dk1"/>
+              </a:solidFill>
+              <a:latin typeface="나눔스퀘어 Bold"/>
+              <a:ea typeface="나눔스퀘어 Bold"/>
+            </a:endParaRPr>
+          </a:p>
+          <a:p>
+            <a:pPr algn="ctr">
+              <a:defRPr/>
+            </a:pPr>
+            <a:r>
+              <a:rPr lang="ko-KR" altLang="en-US" sz="2400" spc="-150" dirty="0">
+                <a:solidFill>
+                  <a:schemeClr val="dk1"/>
+                </a:solidFill>
+                <a:latin typeface="나눔스퀘어 Bold"/>
+                <a:ea typeface="나눔스퀘어 Bold"/>
+              </a:rPr>
+              <a:t>우리 제주도가 물건원가에 </a:t>
+            </a:r>
+            <a:endParaRPr lang="en-US" altLang="ko-KR" sz="2400" spc="-150" dirty="0">
+              <a:solidFill>
+                <a:schemeClr val="dk1"/>
+              </a:solidFill>
+              <a:latin typeface="나눔스퀘어 Bold"/>
+              <a:ea typeface="나눔스퀘어 Bold"/>
+            </a:endParaRPr>
+          </a:p>
+          <a:p>
+            <a:pPr algn="ctr">
+              <a:defRPr/>
+            </a:pPr>
+            <a:r>
+              <a:rPr lang="ko-KR" altLang="en-US" sz="2400" spc="-150" dirty="0">
+                <a:solidFill>
+                  <a:schemeClr val="dk1"/>
+                </a:solidFill>
+                <a:latin typeface="나눔스퀘어 Bold"/>
+                <a:ea typeface="나눔스퀘어 Bold"/>
+              </a:rPr>
+              <a:t>개입을 하는 것이 이번 제안의 핵심입니다</a:t>
+            </a:r>
+            <a:r>
+              <a:rPr lang="en-US" altLang="ko-KR" sz="2400" spc="-150" dirty="0">
+                <a:solidFill>
+                  <a:schemeClr val="dk1"/>
+                </a:solidFill>
+                <a:latin typeface="나눔스퀘어 Bold"/>
+                <a:ea typeface="나눔스퀘어 Bold"/>
+              </a:rPr>
+              <a:t>.</a:t>
+            </a:r>
           </a:p>
         </p:txBody>
       </p:sp>
+      <p:sp>
+        <p:nvSpPr>
+          <p:cNvPr id="17" name="TextBox 29">
+            <a:extLst>
+              <a:ext uri="{FF2B5EF4-FFF2-40B4-BE49-F238E27FC236}">
+                <a16:creationId xmlns:a16="http://schemas.microsoft.com/office/drawing/2014/main" id="{8736F115-9034-423B-8A80-C3009E1F1457}"/>
+              </a:ext>
+            </a:extLst>
+          </p:cNvPr>
+          <p:cNvSpPr txBox="1"/>
+          <p:nvPr/>
+        </p:nvSpPr>
+        <p:spPr>
+          <a:xfrm>
+            <a:off x="764427" y="928240"/>
+            <a:ext cx="614271" cy="461665"/>
+          </a:xfrm>
+          <a:prstGeom prst="rect">
+            <a:avLst/>
+          </a:prstGeom>
+          <a:noFill/>
+        </p:spPr>
+        <p:txBody>
+          <a:bodyPr wrap="none">
+            <a:spAutoFit/>
+          </a:bodyPr>
+          <a:lstStyle/>
+          <a:p>
+            <a:pPr algn="ctr">
+              <a:defRPr/>
+            </a:pPr>
+            <a:r>
+              <a:rPr lang="en-US" altLang="ko-KR" sz="2400" spc="-150" dirty="0">
+                <a:solidFill>
+                  <a:srgbClr val="00002F"/>
+                </a:solidFill>
+                <a:latin typeface="나눔스퀘어 ExtraBold"/>
+                <a:ea typeface="나눔스퀘어 ExtraBold"/>
+              </a:rPr>
+              <a:t>04.</a:t>
+            </a:r>
+          </a:p>
+        </p:txBody>
+      </p:sp>
+      <p:sp>
+        <p:nvSpPr>
+          <p:cNvPr id="18" name="TextBox 30">
+            <a:extLst>
+              <a:ext uri="{FF2B5EF4-FFF2-40B4-BE49-F238E27FC236}">
+                <a16:creationId xmlns:a16="http://schemas.microsoft.com/office/drawing/2014/main" id="{6610A02F-A5E2-4A70-8388-EBFD5A3C9037}"/>
+              </a:ext>
+            </a:extLst>
+          </p:cNvPr>
+          <p:cNvSpPr txBox="1"/>
+          <p:nvPr/>
+        </p:nvSpPr>
+        <p:spPr>
+          <a:xfrm>
+            <a:off x="1378698" y="866684"/>
+            <a:ext cx="893193" cy="584775"/>
+          </a:xfrm>
+          <a:prstGeom prst="rect">
+            <a:avLst/>
+          </a:prstGeom>
+          <a:noFill/>
+        </p:spPr>
+        <p:txBody>
+          <a:bodyPr wrap="none">
+            <a:spAutoFit/>
+          </a:bodyPr>
+          <a:lstStyle/>
+          <a:p>
+            <a:pPr algn="ctr">
+              <a:defRPr/>
+            </a:pPr>
+            <a:r>
+              <a:rPr lang="ko-KR" altLang="en-US" sz="3200" spc="-150" dirty="0">
+                <a:solidFill>
+                  <a:srgbClr val="00002F"/>
+                </a:solidFill>
+                <a:latin typeface="나눔스퀘어 ExtraBold"/>
+                <a:ea typeface="나눔스퀘어 ExtraBold"/>
+              </a:rPr>
+              <a:t>제안</a:t>
+            </a:r>
+          </a:p>
+        </p:txBody>
+      </p:sp>
+      <p:grpSp>
+        <p:nvGrpSpPr>
+          <p:cNvPr id="37" name="그룹 36">
+            <a:extLst>
+              <a:ext uri="{FF2B5EF4-FFF2-40B4-BE49-F238E27FC236}">
+                <a16:creationId xmlns:a16="http://schemas.microsoft.com/office/drawing/2014/main" id="{5F0D64A2-16D9-4420-A9F6-15E0DF6BCE6D}"/>
+              </a:ext>
+            </a:extLst>
+          </p:cNvPr>
+          <p:cNvGrpSpPr/>
+          <p:nvPr/>
+        </p:nvGrpSpPr>
+        <p:grpSpPr>
+          <a:xfrm>
+            <a:off x="764427" y="1513016"/>
+            <a:ext cx="3301384" cy="5115014"/>
+            <a:chOff x="764427" y="1493005"/>
+            <a:chExt cx="3301384" cy="5135025"/>
+          </a:xfrm>
+        </p:grpSpPr>
+        <p:sp>
+          <p:nvSpPr>
+            <p:cNvPr id="13" name="직사각형 12">
+              <a:extLst>
+                <a:ext uri="{FF2B5EF4-FFF2-40B4-BE49-F238E27FC236}">
+                  <a16:creationId xmlns:a16="http://schemas.microsoft.com/office/drawing/2014/main" id="{2D48C6D0-0A91-4764-B5F8-3BF7BDD2D8DF}"/>
+                </a:ext>
+              </a:extLst>
+            </p:cNvPr>
+            <p:cNvSpPr/>
+            <p:nvPr/>
+          </p:nvSpPr>
+          <p:spPr>
+            <a:xfrm>
+              <a:off x="2428380" y="4135538"/>
+              <a:ext cx="1636295" cy="2492492"/>
+            </a:xfrm>
+            <a:prstGeom prst="rect">
+              <a:avLst/>
+            </a:prstGeom>
+            <a:solidFill>
+              <a:srgbClr val="335BA3"/>
+            </a:solidFill>
+            <a:ln>
+              <a:noFill/>
+            </a:ln>
+          </p:spPr>
+          <p:style>
+            <a:lnRef idx="2">
+              <a:schemeClr val="accent1">
+                <a:shade val="50000"/>
+              </a:schemeClr>
+            </a:lnRef>
+            <a:fillRef idx="1">
+              <a:schemeClr val="accent1"/>
+            </a:fillRef>
+            <a:effectRef idx="0">
+              <a:schemeClr val="accent1"/>
+            </a:effectRef>
+            <a:fontRef idx="minor">
+              <a:schemeClr val="lt1"/>
+            </a:fontRef>
+          </p:style>
+          <p:txBody>
+            <a:bodyPr rtlCol="0" anchor="ctr"/>
+            <a:lstStyle/>
+            <a:p>
+              <a:pPr algn="ctr"/>
+              <a:endParaRPr lang="ko-KR" altLang="en-US"/>
+            </a:p>
+          </p:txBody>
+        </p:sp>
+        <p:sp>
+          <p:nvSpPr>
+            <p:cNvPr id="19" name="TextBox 18">
+              <a:extLst>
+                <a:ext uri="{FF2B5EF4-FFF2-40B4-BE49-F238E27FC236}">
+                  <a16:creationId xmlns:a16="http://schemas.microsoft.com/office/drawing/2014/main" id="{D77259B0-F21A-40FB-8EBB-8168472C544F}"/>
+                </a:ext>
+              </a:extLst>
+            </p:cNvPr>
+            <p:cNvSpPr txBox="1"/>
+            <p:nvPr/>
+          </p:nvSpPr>
+          <p:spPr>
+            <a:xfrm>
+              <a:off x="764427" y="2924309"/>
+              <a:ext cx="677108" cy="2272417"/>
+            </a:xfrm>
+            <a:prstGeom prst="rect">
+              <a:avLst/>
+            </a:prstGeom>
+            <a:noFill/>
+          </p:spPr>
+          <p:txBody>
+            <a:bodyPr vert="eaVert" wrap="square" rtlCol="0">
+              <a:spAutoFit/>
+            </a:bodyPr>
+            <a:lstStyle/>
+            <a:p>
+              <a:r>
+                <a:rPr lang="ko-KR" altLang="en-US" sz="3200" b="1" dirty="0">
+                  <a:solidFill>
+                    <a:schemeClr val="tx1">
+                      <a:lumMod val="50000"/>
+                      <a:lumOff val="50000"/>
+                    </a:schemeClr>
+                  </a:solidFill>
+                </a:rPr>
+                <a:t>소비자가격</a:t>
+              </a:r>
+            </a:p>
+          </p:txBody>
+        </p:sp>
+        <p:sp>
+          <p:nvSpPr>
+            <p:cNvPr id="20" name="직사각형 19">
+              <a:extLst>
+                <a:ext uri="{FF2B5EF4-FFF2-40B4-BE49-F238E27FC236}">
+                  <a16:creationId xmlns:a16="http://schemas.microsoft.com/office/drawing/2014/main" id="{96FDACDE-230A-4F98-9A22-DA6F12FADF6D}"/>
+                </a:ext>
+              </a:extLst>
+            </p:cNvPr>
+            <p:cNvSpPr/>
+            <p:nvPr/>
+          </p:nvSpPr>
+          <p:spPr>
+            <a:xfrm>
+              <a:off x="2428378" y="2226007"/>
+              <a:ext cx="1636295" cy="1768343"/>
+            </a:xfrm>
+            <a:prstGeom prst="rect">
+              <a:avLst/>
+            </a:prstGeom>
+            <a:solidFill>
+              <a:srgbClr val="F33535"/>
+            </a:solidFill>
+            <a:ln>
+              <a:noFill/>
+            </a:ln>
+          </p:spPr>
+          <p:style>
+            <a:lnRef idx="2">
+              <a:schemeClr val="accent1">
+                <a:shade val="50000"/>
+              </a:schemeClr>
+            </a:lnRef>
+            <a:fillRef idx="1">
+              <a:schemeClr val="accent1"/>
+            </a:fillRef>
+            <a:effectRef idx="0">
+              <a:schemeClr val="accent1"/>
+            </a:effectRef>
+            <a:fontRef idx="minor">
+              <a:schemeClr val="lt1"/>
+            </a:fontRef>
+          </p:style>
+          <p:txBody>
+            <a:bodyPr rtlCol="0" anchor="ctr"/>
+            <a:lstStyle/>
+            <a:p>
+              <a:pPr algn="ctr"/>
+              <a:endParaRPr lang="ko-KR" altLang="en-US"/>
+            </a:p>
+          </p:txBody>
+        </p:sp>
+        <p:sp>
+          <p:nvSpPr>
+            <p:cNvPr id="21" name="직사각형 20">
+              <a:extLst>
+                <a:ext uri="{FF2B5EF4-FFF2-40B4-BE49-F238E27FC236}">
+                  <a16:creationId xmlns:a16="http://schemas.microsoft.com/office/drawing/2014/main" id="{0CD41C6F-358B-4DD9-9A0D-5526E28C8EC7}"/>
+                </a:ext>
+              </a:extLst>
+            </p:cNvPr>
+            <p:cNvSpPr/>
+            <p:nvPr/>
+          </p:nvSpPr>
+          <p:spPr>
+            <a:xfrm>
+              <a:off x="2428377" y="1555429"/>
+              <a:ext cx="1636295" cy="529390"/>
+            </a:xfrm>
+            <a:prstGeom prst="rect">
+              <a:avLst/>
+            </a:prstGeom>
+            <a:solidFill>
+              <a:srgbClr val="FFC000"/>
+            </a:solidFill>
+            <a:ln>
+              <a:noFill/>
+            </a:ln>
+          </p:spPr>
+          <p:style>
+            <a:lnRef idx="2">
+              <a:schemeClr val="accent1">
+                <a:shade val="50000"/>
+              </a:schemeClr>
+            </a:lnRef>
+            <a:fillRef idx="1">
+              <a:schemeClr val="accent1"/>
+            </a:fillRef>
+            <a:effectRef idx="0">
+              <a:schemeClr val="accent1"/>
+            </a:effectRef>
+            <a:fontRef idx="minor">
+              <a:schemeClr val="lt1"/>
+            </a:fontRef>
+          </p:style>
+          <p:txBody>
+            <a:bodyPr rtlCol="0" anchor="ctr"/>
+            <a:lstStyle/>
+            <a:p>
+              <a:pPr algn="ctr"/>
+              <a:endParaRPr lang="ko-KR" altLang="en-US"/>
+            </a:p>
+          </p:txBody>
+        </p:sp>
+        <p:sp>
+          <p:nvSpPr>
+            <p:cNvPr id="22" name="TextBox 21">
+              <a:extLst>
+                <a:ext uri="{FF2B5EF4-FFF2-40B4-BE49-F238E27FC236}">
+                  <a16:creationId xmlns:a16="http://schemas.microsoft.com/office/drawing/2014/main" id="{4392A042-925E-4B62-9B71-171DA395A259}"/>
+                </a:ext>
+              </a:extLst>
+            </p:cNvPr>
+            <p:cNvSpPr txBox="1"/>
+            <p:nvPr/>
+          </p:nvSpPr>
+          <p:spPr>
+            <a:xfrm>
+              <a:off x="1553399" y="3910438"/>
+              <a:ext cx="677108" cy="1007884"/>
+            </a:xfrm>
+            <a:prstGeom prst="rect">
+              <a:avLst/>
+            </a:prstGeom>
+            <a:solidFill>
+              <a:schemeClr val="bg1"/>
+            </a:solidFill>
+          </p:spPr>
+          <p:txBody>
+            <a:bodyPr vert="eaVert" wrap="square" rtlCol="0">
+              <a:spAutoFit/>
+            </a:bodyPr>
+            <a:lstStyle/>
+            <a:p>
+              <a:r>
+                <a:rPr lang="ko-KR" altLang="en-US" sz="3200" b="1" dirty="0">
+                  <a:solidFill>
+                    <a:schemeClr val="accent5"/>
+                  </a:solidFill>
+                </a:rPr>
+                <a:t>원가</a:t>
+              </a:r>
+            </a:p>
+          </p:txBody>
+        </p:sp>
+        <p:cxnSp>
+          <p:nvCxnSpPr>
+            <p:cNvPr id="23" name="직선 화살표 연결선 22">
+              <a:extLst>
+                <a:ext uri="{FF2B5EF4-FFF2-40B4-BE49-F238E27FC236}">
+                  <a16:creationId xmlns:a16="http://schemas.microsoft.com/office/drawing/2014/main" id="{B7B5C7F0-99E2-4117-9B20-60A47FC218C6}"/>
+                </a:ext>
+              </a:extLst>
+            </p:cNvPr>
+            <p:cNvCxnSpPr>
+              <a:cxnSpLocks/>
+            </p:cNvCxnSpPr>
+            <p:nvPr/>
+          </p:nvCxnSpPr>
+          <p:spPr>
+            <a:xfrm flipV="1">
+              <a:off x="1102981" y="1493005"/>
+              <a:ext cx="0" cy="1431304"/>
+            </a:xfrm>
+            <a:prstGeom prst="straightConnector1">
+              <a:avLst/>
+            </a:prstGeom>
+            <a:ln w="38100">
+              <a:solidFill>
+                <a:schemeClr val="tx1">
+                  <a:lumMod val="50000"/>
+                  <a:lumOff val="50000"/>
+                </a:schemeClr>
+              </a:solidFill>
+              <a:tailEnd type="triangle"/>
+            </a:ln>
+          </p:spPr>
+          <p:style>
+            <a:lnRef idx="1">
+              <a:schemeClr val="accent1"/>
+            </a:lnRef>
+            <a:fillRef idx="0">
+              <a:schemeClr val="accent1"/>
+            </a:fillRef>
+            <a:effectRef idx="0">
+              <a:schemeClr val="accent1"/>
+            </a:effectRef>
+            <a:fontRef idx="minor">
+              <a:schemeClr val="tx1"/>
+            </a:fontRef>
+          </p:style>
+        </p:cxnSp>
+        <p:cxnSp>
+          <p:nvCxnSpPr>
+            <p:cNvPr id="24" name="직선 화살표 연결선 23">
+              <a:extLst>
+                <a:ext uri="{FF2B5EF4-FFF2-40B4-BE49-F238E27FC236}">
+                  <a16:creationId xmlns:a16="http://schemas.microsoft.com/office/drawing/2014/main" id="{F74442AA-E7E5-45D2-9735-4A5EFB481D96}"/>
+                </a:ext>
+              </a:extLst>
+            </p:cNvPr>
+            <p:cNvCxnSpPr>
+              <a:cxnSpLocks/>
+            </p:cNvCxnSpPr>
+            <p:nvPr/>
+          </p:nvCxnSpPr>
+          <p:spPr>
+            <a:xfrm>
+              <a:off x="1102981" y="5196726"/>
+              <a:ext cx="0" cy="1431304"/>
+            </a:xfrm>
+            <a:prstGeom prst="straightConnector1">
+              <a:avLst/>
+            </a:prstGeom>
+            <a:ln w="38100">
+              <a:solidFill>
+                <a:schemeClr val="tx1">
+                  <a:lumMod val="50000"/>
+                  <a:lumOff val="50000"/>
+                </a:schemeClr>
+              </a:solidFill>
+              <a:tailEnd type="triangle"/>
+            </a:ln>
+          </p:spPr>
+          <p:style>
+            <a:lnRef idx="1">
+              <a:schemeClr val="accent1"/>
+            </a:lnRef>
+            <a:fillRef idx="0">
+              <a:schemeClr val="accent1"/>
+            </a:fillRef>
+            <a:effectRef idx="0">
+              <a:schemeClr val="accent1"/>
+            </a:effectRef>
+            <a:fontRef idx="minor">
+              <a:schemeClr val="tx1"/>
+            </a:fontRef>
+          </p:style>
+        </p:cxnSp>
+        <p:cxnSp>
+          <p:nvCxnSpPr>
+            <p:cNvPr id="25" name="직선 연결선 24">
+              <a:extLst>
+                <a:ext uri="{FF2B5EF4-FFF2-40B4-BE49-F238E27FC236}">
+                  <a16:creationId xmlns:a16="http://schemas.microsoft.com/office/drawing/2014/main" id="{A4FED487-6827-48A6-B548-219A626F7F28}"/>
+                </a:ext>
+              </a:extLst>
+            </p:cNvPr>
+            <p:cNvCxnSpPr>
+              <a:cxnSpLocks/>
+            </p:cNvCxnSpPr>
+            <p:nvPr/>
+          </p:nvCxnSpPr>
+          <p:spPr>
+            <a:xfrm>
+              <a:off x="764427" y="1493005"/>
+              <a:ext cx="677108" cy="0"/>
+            </a:xfrm>
+            <a:prstGeom prst="line">
+              <a:avLst/>
+            </a:prstGeom>
+            <a:ln w="38100">
+              <a:solidFill>
+                <a:schemeClr val="tx1">
+                  <a:lumMod val="50000"/>
+                  <a:lumOff val="50000"/>
+                </a:schemeClr>
+              </a:solidFill>
+            </a:ln>
+          </p:spPr>
+          <p:style>
+            <a:lnRef idx="1">
+              <a:schemeClr val="accent1"/>
+            </a:lnRef>
+            <a:fillRef idx="0">
+              <a:schemeClr val="accent1"/>
+            </a:fillRef>
+            <a:effectRef idx="0">
+              <a:schemeClr val="accent1"/>
+            </a:effectRef>
+            <a:fontRef idx="minor">
+              <a:schemeClr val="tx1"/>
+            </a:fontRef>
+          </p:style>
+        </p:cxnSp>
+        <p:cxnSp>
+          <p:nvCxnSpPr>
+            <p:cNvPr id="26" name="직선 연결선 25">
+              <a:extLst>
+                <a:ext uri="{FF2B5EF4-FFF2-40B4-BE49-F238E27FC236}">
+                  <a16:creationId xmlns:a16="http://schemas.microsoft.com/office/drawing/2014/main" id="{057FFB50-F2E0-411B-8C24-E0E3D31B8EE5}"/>
+                </a:ext>
+              </a:extLst>
+            </p:cNvPr>
+            <p:cNvCxnSpPr>
+              <a:cxnSpLocks/>
+            </p:cNvCxnSpPr>
+            <p:nvPr/>
+          </p:nvCxnSpPr>
+          <p:spPr>
+            <a:xfrm>
+              <a:off x="764427" y="6628030"/>
+              <a:ext cx="677108" cy="0"/>
+            </a:xfrm>
+            <a:prstGeom prst="line">
+              <a:avLst/>
+            </a:prstGeom>
+            <a:ln w="38100">
+              <a:solidFill>
+                <a:schemeClr val="tx1">
+                  <a:lumMod val="50000"/>
+                  <a:lumOff val="50000"/>
+                </a:schemeClr>
+              </a:solidFill>
+            </a:ln>
+          </p:spPr>
+          <p:style>
+            <a:lnRef idx="1">
+              <a:schemeClr val="accent1"/>
+            </a:lnRef>
+            <a:fillRef idx="0">
+              <a:schemeClr val="accent1"/>
+            </a:fillRef>
+            <a:effectRef idx="0">
+              <a:schemeClr val="accent1"/>
+            </a:effectRef>
+            <a:fontRef idx="minor">
+              <a:schemeClr val="tx1"/>
+            </a:fontRef>
+          </p:style>
+        </p:cxnSp>
+        <p:cxnSp>
+          <p:nvCxnSpPr>
+            <p:cNvPr id="27" name="직선 화살표 연결선 26">
+              <a:extLst>
+                <a:ext uri="{FF2B5EF4-FFF2-40B4-BE49-F238E27FC236}">
+                  <a16:creationId xmlns:a16="http://schemas.microsoft.com/office/drawing/2014/main" id="{83422D1B-0B48-4AFF-89A9-A28F002692B5}"/>
+                </a:ext>
+              </a:extLst>
+            </p:cNvPr>
+            <p:cNvCxnSpPr>
+              <a:cxnSpLocks/>
+            </p:cNvCxnSpPr>
+            <p:nvPr/>
+          </p:nvCxnSpPr>
+          <p:spPr>
+            <a:xfrm flipV="1">
+              <a:off x="1923599" y="2266727"/>
+              <a:ext cx="0" cy="1431304"/>
+            </a:xfrm>
+            <a:prstGeom prst="straightConnector1">
+              <a:avLst/>
+            </a:prstGeom>
+            <a:ln w="38100">
+              <a:solidFill>
+                <a:schemeClr val="accent5"/>
+              </a:solidFill>
+              <a:tailEnd type="triangle"/>
+            </a:ln>
+          </p:spPr>
+          <p:style>
+            <a:lnRef idx="1">
+              <a:schemeClr val="accent1"/>
+            </a:lnRef>
+            <a:fillRef idx="0">
+              <a:schemeClr val="accent1"/>
+            </a:fillRef>
+            <a:effectRef idx="0">
+              <a:schemeClr val="accent1"/>
+            </a:effectRef>
+            <a:fontRef idx="minor">
+              <a:schemeClr val="tx1"/>
+            </a:fontRef>
+          </p:style>
+        </p:cxnSp>
+        <p:cxnSp>
+          <p:nvCxnSpPr>
+            <p:cNvPr id="28" name="직선 화살표 연결선 27">
+              <a:extLst>
+                <a:ext uri="{FF2B5EF4-FFF2-40B4-BE49-F238E27FC236}">
+                  <a16:creationId xmlns:a16="http://schemas.microsoft.com/office/drawing/2014/main" id="{FC821A3F-871A-4504-8EF4-46EFB0435ABE}"/>
+                </a:ext>
+              </a:extLst>
+            </p:cNvPr>
+            <p:cNvCxnSpPr>
+              <a:cxnSpLocks/>
+            </p:cNvCxnSpPr>
+            <p:nvPr/>
+          </p:nvCxnSpPr>
+          <p:spPr>
+            <a:xfrm>
+              <a:off x="1923599" y="5196726"/>
+              <a:ext cx="0" cy="1431304"/>
+            </a:xfrm>
+            <a:prstGeom prst="straightConnector1">
+              <a:avLst/>
+            </a:prstGeom>
+            <a:ln w="38100">
+              <a:solidFill>
+                <a:schemeClr val="accent5"/>
+              </a:solidFill>
+              <a:tailEnd type="triangle"/>
+            </a:ln>
+          </p:spPr>
+          <p:style>
+            <a:lnRef idx="1">
+              <a:schemeClr val="accent1"/>
+            </a:lnRef>
+            <a:fillRef idx="0">
+              <a:schemeClr val="accent1"/>
+            </a:fillRef>
+            <a:effectRef idx="0">
+              <a:schemeClr val="accent1"/>
+            </a:effectRef>
+            <a:fontRef idx="minor">
+              <a:schemeClr val="tx1"/>
+            </a:fontRef>
+          </p:style>
+        </p:cxnSp>
+        <p:cxnSp>
+          <p:nvCxnSpPr>
+            <p:cNvPr id="29" name="직선 연결선 28">
+              <a:extLst>
+                <a:ext uri="{FF2B5EF4-FFF2-40B4-BE49-F238E27FC236}">
+                  <a16:creationId xmlns:a16="http://schemas.microsoft.com/office/drawing/2014/main" id="{5E0FF819-83A4-4ACF-94A8-0CAA2B5BCCF1}"/>
+                </a:ext>
+              </a:extLst>
+            </p:cNvPr>
+            <p:cNvCxnSpPr>
+              <a:cxnSpLocks/>
+            </p:cNvCxnSpPr>
+            <p:nvPr/>
+          </p:nvCxnSpPr>
+          <p:spPr>
+            <a:xfrm>
+              <a:off x="1576845" y="2260556"/>
+              <a:ext cx="677108" cy="0"/>
+            </a:xfrm>
+            <a:prstGeom prst="line">
+              <a:avLst/>
+            </a:prstGeom>
+            <a:ln w="38100">
+              <a:solidFill>
+                <a:schemeClr val="accent5"/>
+              </a:solidFill>
+            </a:ln>
+          </p:spPr>
+          <p:style>
+            <a:lnRef idx="1">
+              <a:schemeClr val="accent1"/>
+            </a:lnRef>
+            <a:fillRef idx="0">
+              <a:schemeClr val="accent1"/>
+            </a:fillRef>
+            <a:effectRef idx="0">
+              <a:schemeClr val="accent1"/>
+            </a:effectRef>
+            <a:fontRef idx="minor">
+              <a:schemeClr val="tx1"/>
+            </a:fontRef>
+          </p:style>
+        </p:cxnSp>
+        <p:cxnSp>
+          <p:nvCxnSpPr>
+            <p:cNvPr id="30" name="직선 연결선 29">
+              <a:extLst>
+                <a:ext uri="{FF2B5EF4-FFF2-40B4-BE49-F238E27FC236}">
+                  <a16:creationId xmlns:a16="http://schemas.microsoft.com/office/drawing/2014/main" id="{2F50D122-81B2-48A5-873B-508BF7CD403F}"/>
+                </a:ext>
+              </a:extLst>
+            </p:cNvPr>
+            <p:cNvCxnSpPr>
+              <a:cxnSpLocks/>
+            </p:cNvCxnSpPr>
+            <p:nvPr/>
+          </p:nvCxnSpPr>
+          <p:spPr>
+            <a:xfrm>
+              <a:off x="1576845" y="6628030"/>
+              <a:ext cx="677108" cy="0"/>
+            </a:xfrm>
+            <a:prstGeom prst="line">
+              <a:avLst/>
+            </a:prstGeom>
+            <a:ln w="38100">
+              <a:solidFill>
+                <a:schemeClr val="accent5"/>
+              </a:solidFill>
+            </a:ln>
+          </p:spPr>
+          <p:style>
+            <a:lnRef idx="1">
+              <a:schemeClr val="accent1"/>
+            </a:lnRef>
+            <a:fillRef idx="0">
+              <a:schemeClr val="accent1"/>
+            </a:fillRef>
+            <a:effectRef idx="0">
+              <a:schemeClr val="accent1"/>
+            </a:effectRef>
+            <a:fontRef idx="minor">
+              <a:schemeClr val="tx1"/>
+            </a:fontRef>
+          </p:style>
+        </p:cxnSp>
+        <p:sp>
+          <p:nvSpPr>
+            <p:cNvPr id="31" name="TextBox 30">
+              <a:extLst>
+                <a:ext uri="{FF2B5EF4-FFF2-40B4-BE49-F238E27FC236}">
+                  <a16:creationId xmlns:a16="http://schemas.microsoft.com/office/drawing/2014/main" id="{59D69E1D-4DA7-42EA-B035-2DD23D30144A}"/>
+                </a:ext>
+              </a:extLst>
+            </p:cNvPr>
+            <p:cNvSpPr txBox="1"/>
+            <p:nvPr/>
+          </p:nvSpPr>
+          <p:spPr>
+            <a:xfrm>
+              <a:off x="2444854" y="5150951"/>
+              <a:ext cx="1620957" cy="523220"/>
+            </a:xfrm>
+            <a:prstGeom prst="rect">
+              <a:avLst/>
+            </a:prstGeom>
+            <a:noFill/>
+          </p:spPr>
+          <p:txBody>
+            <a:bodyPr wrap="square" rtlCol="0">
+              <a:spAutoFit/>
+            </a:bodyPr>
+            <a:lstStyle/>
+            <a:p>
+              <a:r>
+                <a:rPr lang="ko-KR" altLang="en-US" sz="2800" b="1" dirty="0">
+                  <a:solidFill>
+                    <a:schemeClr val="bg1"/>
+                  </a:solidFill>
+                </a:rPr>
+                <a:t>제조원가</a:t>
+              </a:r>
+            </a:p>
+          </p:txBody>
+        </p:sp>
+        <p:sp>
+          <p:nvSpPr>
+            <p:cNvPr id="32" name="TextBox 31">
+              <a:extLst>
+                <a:ext uri="{FF2B5EF4-FFF2-40B4-BE49-F238E27FC236}">
+                  <a16:creationId xmlns:a16="http://schemas.microsoft.com/office/drawing/2014/main" id="{9FC3A03F-4D7B-41AA-ADBE-BA2BD5C02573}"/>
+                </a:ext>
+              </a:extLst>
+            </p:cNvPr>
+            <p:cNvSpPr txBox="1"/>
+            <p:nvPr/>
+          </p:nvSpPr>
+          <p:spPr>
+            <a:xfrm>
+              <a:off x="2622188" y="2879345"/>
+              <a:ext cx="1261884" cy="523220"/>
+            </a:xfrm>
+            <a:prstGeom prst="rect">
+              <a:avLst/>
+            </a:prstGeom>
+            <a:noFill/>
+          </p:spPr>
+          <p:txBody>
+            <a:bodyPr wrap="square" rtlCol="0">
+              <a:spAutoFit/>
+            </a:bodyPr>
+            <a:lstStyle/>
+            <a:p>
+              <a:r>
+                <a:rPr lang="ko-KR" altLang="en-US" sz="2800" b="1" dirty="0" err="1">
+                  <a:solidFill>
+                    <a:schemeClr val="bg1"/>
+                  </a:solidFill>
+                </a:rPr>
+                <a:t>유통비</a:t>
+              </a:r>
+              <a:endParaRPr lang="ko-KR" altLang="en-US" sz="2800" b="1" dirty="0">
+                <a:solidFill>
+                  <a:schemeClr val="bg1"/>
+                </a:solidFill>
+              </a:endParaRPr>
+            </a:p>
+          </p:txBody>
+        </p:sp>
+        <p:sp>
+          <p:nvSpPr>
+            <p:cNvPr id="33" name="TextBox 32">
+              <a:extLst>
+                <a:ext uri="{FF2B5EF4-FFF2-40B4-BE49-F238E27FC236}">
+                  <a16:creationId xmlns:a16="http://schemas.microsoft.com/office/drawing/2014/main" id="{E7FE4CAC-B0EF-48E6-9019-8E32CCB00B88}"/>
+                </a:ext>
+              </a:extLst>
+            </p:cNvPr>
+            <p:cNvSpPr txBox="1"/>
+            <p:nvPr/>
+          </p:nvSpPr>
+          <p:spPr>
+            <a:xfrm>
+              <a:off x="2799522" y="1589291"/>
+              <a:ext cx="902811" cy="523220"/>
+            </a:xfrm>
+            <a:prstGeom prst="rect">
+              <a:avLst/>
+            </a:prstGeom>
+            <a:noFill/>
+          </p:spPr>
+          <p:txBody>
+            <a:bodyPr wrap="square" rtlCol="0">
+              <a:spAutoFit/>
+            </a:bodyPr>
+            <a:lstStyle/>
+            <a:p>
+              <a:r>
+                <a:rPr lang="ko-KR" altLang="en-US" sz="2800" b="1" dirty="0">
+                  <a:solidFill>
+                    <a:schemeClr val="bg1"/>
+                  </a:solidFill>
+                </a:rPr>
+                <a:t>이윤</a:t>
+              </a:r>
+            </a:p>
+          </p:txBody>
+        </p:sp>
+      </p:grpSp>
     </p:spTree>
     <p:extLst>
       <p:ext uri="{BB962C8B-B14F-4D97-AF65-F5344CB8AC3E}">
-        <p14:creationId xmlns:p14="http://schemas.microsoft.com/office/powerpoint/2010/main" val="3693316627"/>
+        <p14:creationId xmlns:p14="http://schemas.microsoft.com/office/powerpoint/2010/main" val="1986467822"/>
       </p:ext>
     </p:extLst>
   </p:cSld>
@@ -14242,6 +15619,1561 @@
       </p:grpSpPr>
       <p:sp>
         <p:nvSpPr>
+          <p:cNvPr id="15" name="TextBox 14"/>
+          <p:cNvSpPr txBox="1"/>
+          <p:nvPr/>
+        </p:nvSpPr>
+        <p:spPr>
+          <a:xfrm>
+            <a:off x="10781242" y="76824"/>
+            <a:ext cx="1335622" cy="323165"/>
+          </a:xfrm>
+          <a:prstGeom prst="rect">
+            <a:avLst/>
+          </a:prstGeom>
+          <a:noFill/>
+        </p:spPr>
+        <p:txBody>
+          <a:bodyPr wrap="none" rtlCol="0">
+            <a:spAutoFit/>
+          </a:bodyPr>
+          <a:lstStyle/>
+          <a:p>
+            <a:pPr algn="ctr"/>
+            <a:r>
+              <a:rPr lang="en-US" altLang="ko-KR" sz="900" b="1" dirty="0">
+                <a:ln w="22225">
+                  <a:noFill/>
+                </a:ln>
+                <a:solidFill>
+                  <a:schemeClr val="bg1"/>
+                </a:solidFill>
+                <a:effectLst>
+                  <a:glow rad="88900">
+                    <a:srgbClr val="E3781F">
+                      <a:alpha val="7000"/>
+                    </a:srgbClr>
+                  </a:glow>
+                </a:effectLst>
+                <a:latin typeface="나눔스퀘어" panose="020B0600000101010101" pitchFamily="50" charset="-127"/>
+                <a:ea typeface="나눔스퀘어" panose="020B0600000101010101" pitchFamily="50" charset="-127"/>
+              </a:rPr>
+              <a:t>Power Point Template</a:t>
+            </a:r>
+          </a:p>
+          <a:p>
+            <a:pPr algn="ctr"/>
+            <a:r>
+              <a:rPr lang="en-US" altLang="ko-KR" sz="600" dirty="0" err="1">
+                <a:ln w="22225">
+                  <a:noFill/>
+                </a:ln>
+                <a:solidFill>
+                  <a:schemeClr val="bg1"/>
+                </a:solidFill>
+                <a:effectLst>
+                  <a:glow rad="88900">
+                    <a:srgbClr val="E3781F">
+                      <a:alpha val="7000"/>
+                    </a:srgbClr>
+                  </a:glow>
+                </a:effectLst>
+                <a:latin typeface="나눔스퀘어" panose="020B0600000101010101" pitchFamily="50" charset="-127"/>
+                <a:ea typeface="나눔스퀘어" panose="020B0600000101010101" pitchFamily="50" charset="-127"/>
+              </a:rPr>
+              <a:t>Ponybuhagom</a:t>
+            </a:r>
+            <a:endParaRPr lang="en-US" altLang="ko-KR" sz="600" dirty="0">
+              <a:ln w="22225">
+                <a:noFill/>
+              </a:ln>
+              <a:solidFill>
+                <a:schemeClr val="bg1"/>
+              </a:solidFill>
+              <a:effectLst>
+                <a:glow rad="88900">
+                  <a:srgbClr val="E3781F">
+                    <a:alpha val="7000"/>
+                  </a:srgbClr>
+                </a:glow>
+              </a:effectLst>
+              <a:latin typeface="나눔스퀘어" panose="020B0600000101010101" pitchFamily="50" charset="-127"/>
+              <a:ea typeface="나눔스퀘어" panose="020B0600000101010101" pitchFamily="50" charset="-127"/>
+            </a:endParaRPr>
+          </a:p>
+        </p:txBody>
+      </p:sp>
+      <p:sp>
+        <p:nvSpPr>
+          <p:cNvPr id="16" name="TextBox 15"/>
+          <p:cNvSpPr txBox="1"/>
+          <p:nvPr/>
+        </p:nvSpPr>
+        <p:spPr>
+          <a:xfrm>
+            <a:off x="725407" y="229970"/>
+            <a:ext cx="968535" cy="461665"/>
+          </a:xfrm>
+          <a:prstGeom prst="rect">
+            <a:avLst/>
+          </a:prstGeom>
+          <a:noFill/>
+        </p:spPr>
+        <p:txBody>
+          <a:bodyPr wrap="none" rtlCol="0">
+            <a:spAutoFit/>
+          </a:bodyPr>
+          <a:lstStyle/>
+          <a:p>
+            <a:pPr algn="ctr"/>
+            <a:r>
+              <a:rPr lang="ko-KR" altLang="en-US" sz="2400" spc="-150" dirty="0">
+                <a:solidFill>
+                  <a:srgbClr val="FFFFFF"/>
+                </a:solidFill>
+                <a:latin typeface="나눔스퀘어 Bold" panose="020B0600000101010101" pitchFamily="50" charset="-127"/>
+                <a:ea typeface="나눔스퀘어 Bold" panose="020B0600000101010101" pitchFamily="50" charset="-127"/>
+              </a:rPr>
+              <a:t>제안서</a:t>
+            </a:r>
+          </a:p>
+        </p:txBody>
+      </p:sp>
+      <p:cxnSp>
+        <p:nvCxnSpPr>
+          <p:cNvPr id="8" name="직선 연결선 7"/>
+          <p:cNvCxnSpPr/>
+          <p:nvPr/>
+        </p:nvCxnSpPr>
+        <p:spPr>
+          <a:xfrm>
+            <a:off x="10618885" y="6731183"/>
+            <a:ext cx="364528" cy="0"/>
+          </a:xfrm>
+          <a:prstGeom prst="line">
+            <a:avLst/>
+          </a:prstGeom>
+          <a:ln w="19050" cap="rnd">
+            <a:solidFill>
+              <a:schemeClr val="tx1"/>
+            </a:solidFill>
+          </a:ln>
+        </p:spPr>
+        <p:style>
+          <a:lnRef idx="1">
+            <a:schemeClr val="accent1"/>
+          </a:lnRef>
+          <a:fillRef idx="0">
+            <a:schemeClr val="accent1"/>
+          </a:fillRef>
+          <a:effectRef idx="0">
+            <a:schemeClr val="accent1"/>
+          </a:effectRef>
+          <a:fontRef idx="minor">
+            <a:schemeClr val="tx1"/>
+          </a:fontRef>
+        </p:style>
+      </p:cxnSp>
+      <p:cxnSp>
+        <p:nvCxnSpPr>
+          <p:cNvPr id="9" name="직선 연결선 8"/>
+          <p:cNvCxnSpPr/>
+          <p:nvPr/>
+        </p:nvCxnSpPr>
+        <p:spPr>
+          <a:xfrm>
+            <a:off x="10983413" y="6731183"/>
+            <a:ext cx="364528" cy="0"/>
+          </a:xfrm>
+          <a:prstGeom prst="line">
+            <a:avLst/>
+          </a:prstGeom>
+          <a:ln w="19050" cap="rnd">
+            <a:solidFill>
+              <a:schemeClr val="tx1"/>
+            </a:solidFill>
+          </a:ln>
+        </p:spPr>
+        <p:style>
+          <a:lnRef idx="1">
+            <a:schemeClr val="accent1"/>
+          </a:lnRef>
+          <a:fillRef idx="0">
+            <a:schemeClr val="accent1"/>
+          </a:fillRef>
+          <a:effectRef idx="0">
+            <a:schemeClr val="accent1"/>
+          </a:effectRef>
+          <a:fontRef idx="minor">
+            <a:schemeClr val="tx1"/>
+          </a:fontRef>
+        </p:style>
+      </p:cxnSp>
+      <p:cxnSp>
+        <p:nvCxnSpPr>
+          <p:cNvPr id="11" name="직선 연결선 10"/>
+          <p:cNvCxnSpPr/>
+          <p:nvPr/>
+        </p:nvCxnSpPr>
+        <p:spPr>
+          <a:xfrm>
+            <a:off x="11707294" y="6731183"/>
+            <a:ext cx="364528" cy="0"/>
+          </a:xfrm>
+          <a:prstGeom prst="line">
+            <a:avLst/>
+          </a:prstGeom>
+          <a:ln w="19050" cap="rnd">
+            <a:solidFill>
+              <a:schemeClr val="tx1"/>
+            </a:solidFill>
+          </a:ln>
+        </p:spPr>
+        <p:style>
+          <a:lnRef idx="1">
+            <a:schemeClr val="accent1"/>
+          </a:lnRef>
+          <a:fillRef idx="0">
+            <a:schemeClr val="accent1"/>
+          </a:fillRef>
+          <a:effectRef idx="0">
+            <a:schemeClr val="accent1"/>
+          </a:effectRef>
+          <a:fontRef idx="minor">
+            <a:schemeClr val="tx1"/>
+          </a:fontRef>
+        </p:style>
+      </p:cxnSp>
+      <p:cxnSp>
+        <p:nvCxnSpPr>
+          <p:cNvPr id="12" name="직선 연결선 11"/>
+          <p:cNvCxnSpPr/>
+          <p:nvPr/>
+        </p:nvCxnSpPr>
+        <p:spPr>
+          <a:xfrm>
+            <a:off x="10255493" y="6731183"/>
+            <a:ext cx="364528" cy="0"/>
+          </a:xfrm>
+          <a:prstGeom prst="line">
+            <a:avLst/>
+          </a:prstGeom>
+          <a:ln w="19050" cap="rnd">
+            <a:solidFill>
+              <a:schemeClr val="tx1"/>
+            </a:solidFill>
+          </a:ln>
+        </p:spPr>
+        <p:style>
+          <a:lnRef idx="1">
+            <a:schemeClr val="accent1"/>
+          </a:lnRef>
+          <a:fillRef idx="0">
+            <a:schemeClr val="accent1"/>
+          </a:fillRef>
+          <a:effectRef idx="0">
+            <a:schemeClr val="accent1"/>
+          </a:effectRef>
+          <a:fontRef idx="minor">
+            <a:schemeClr val="tx1"/>
+          </a:fontRef>
+        </p:style>
+      </p:cxnSp>
+      <p:cxnSp>
+        <p:nvCxnSpPr>
+          <p:cNvPr id="10" name="직선 연결선 9"/>
+          <p:cNvCxnSpPr/>
+          <p:nvPr/>
+        </p:nvCxnSpPr>
+        <p:spPr>
+          <a:xfrm>
+            <a:off x="11342766" y="6731183"/>
+            <a:ext cx="364528" cy="0"/>
+          </a:xfrm>
+          <a:prstGeom prst="line">
+            <a:avLst/>
+          </a:prstGeom>
+          <a:ln w="19050" cap="rnd">
+            <a:solidFill>
+              <a:srgbClr val="94C3BB"/>
+            </a:solidFill>
+          </a:ln>
+        </p:spPr>
+        <p:style>
+          <a:lnRef idx="1">
+            <a:schemeClr val="accent1"/>
+          </a:lnRef>
+          <a:fillRef idx="0">
+            <a:schemeClr val="accent1"/>
+          </a:fillRef>
+          <a:effectRef idx="0">
+            <a:schemeClr val="accent1"/>
+          </a:effectRef>
+          <a:fontRef idx="minor">
+            <a:schemeClr val="tx1"/>
+          </a:fontRef>
+        </p:style>
+      </p:cxnSp>
+      <p:sp>
+        <p:nvSpPr>
+          <p:cNvPr id="17" name="TextBox 29">
+            <a:extLst>
+              <a:ext uri="{FF2B5EF4-FFF2-40B4-BE49-F238E27FC236}">
+                <a16:creationId xmlns:a16="http://schemas.microsoft.com/office/drawing/2014/main" id="{8736F115-9034-423B-8A80-C3009E1F1457}"/>
+              </a:ext>
+            </a:extLst>
+          </p:cNvPr>
+          <p:cNvSpPr txBox="1"/>
+          <p:nvPr/>
+        </p:nvSpPr>
+        <p:spPr>
+          <a:xfrm>
+            <a:off x="764427" y="928240"/>
+            <a:ext cx="614271" cy="461665"/>
+          </a:xfrm>
+          <a:prstGeom prst="rect">
+            <a:avLst/>
+          </a:prstGeom>
+          <a:noFill/>
+        </p:spPr>
+        <p:txBody>
+          <a:bodyPr wrap="none">
+            <a:spAutoFit/>
+          </a:bodyPr>
+          <a:lstStyle/>
+          <a:p>
+            <a:pPr algn="ctr">
+              <a:defRPr/>
+            </a:pPr>
+            <a:r>
+              <a:rPr lang="en-US" altLang="ko-KR" sz="2400" spc="-150" dirty="0">
+                <a:solidFill>
+                  <a:srgbClr val="00002F"/>
+                </a:solidFill>
+                <a:latin typeface="나눔스퀘어 ExtraBold"/>
+                <a:ea typeface="나눔스퀘어 ExtraBold"/>
+              </a:rPr>
+              <a:t>04.</a:t>
+            </a:r>
+          </a:p>
+        </p:txBody>
+      </p:sp>
+      <p:sp>
+        <p:nvSpPr>
+          <p:cNvPr id="18" name="TextBox 30">
+            <a:extLst>
+              <a:ext uri="{FF2B5EF4-FFF2-40B4-BE49-F238E27FC236}">
+                <a16:creationId xmlns:a16="http://schemas.microsoft.com/office/drawing/2014/main" id="{6610A02F-A5E2-4A70-8388-EBFD5A3C9037}"/>
+              </a:ext>
+            </a:extLst>
+          </p:cNvPr>
+          <p:cNvSpPr txBox="1"/>
+          <p:nvPr/>
+        </p:nvSpPr>
+        <p:spPr>
+          <a:xfrm>
+            <a:off x="1378698" y="866684"/>
+            <a:ext cx="893193" cy="584775"/>
+          </a:xfrm>
+          <a:prstGeom prst="rect">
+            <a:avLst/>
+          </a:prstGeom>
+          <a:noFill/>
+        </p:spPr>
+        <p:txBody>
+          <a:bodyPr wrap="none">
+            <a:spAutoFit/>
+          </a:bodyPr>
+          <a:lstStyle/>
+          <a:p>
+            <a:pPr algn="ctr">
+              <a:defRPr/>
+            </a:pPr>
+            <a:r>
+              <a:rPr lang="ko-KR" altLang="en-US" sz="3200" spc="-150" dirty="0">
+                <a:solidFill>
+                  <a:srgbClr val="00002F"/>
+                </a:solidFill>
+                <a:latin typeface="나눔스퀘어 ExtraBold"/>
+                <a:ea typeface="나눔스퀘어 ExtraBold"/>
+              </a:rPr>
+              <a:t>제안</a:t>
+            </a:r>
+          </a:p>
+        </p:txBody>
+      </p:sp>
+      <p:grpSp>
+        <p:nvGrpSpPr>
+          <p:cNvPr id="41" name="그룹 40">
+            <a:extLst>
+              <a:ext uri="{FF2B5EF4-FFF2-40B4-BE49-F238E27FC236}">
+                <a16:creationId xmlns:a16="http://schemas.microsoft.com/office/drawing/2014/main" id="{64B19D63-8574-4454-8FAA-93374CCD38FA}"/>
+              </a:ext>
+            </a:extLst>
+          </p:cNvPr>
+          <p:cNvGrpSpPr/>
+          <p:nvPr/>
+        </p:nvGrpSpPr>
+        <p:grpSpPr>
+          <a:xfrm>
+            <a:off x="1557345" y="2321167"/>
+            <a:ext cx="8698148" cy="2984180"/>
+            <a:chOff x="609827" y="2798839"/>
+            <a:chExt cx="8698148" cy="2984180"/>
+          </a:xfrm>
+        </p:grpSpPr>
+        <p:sp>
+          <p:nvSpPr>
+            <p:cNvPr id="14" name="TextBox 7">
+              <a:extLst>
+                <a:ext uri="{FF2B5EF4-FFF2-40B4-BE49-F238E27FC236}">
+                  <a16:creationId xmlns:a16="http://schemas.microsoft.com/office/drawing/2014/main" id="{87386779-3048-429E-AD77-306C0F3CC7F5}"/>
+                </a:ext>
+              </a:extLst>
+            </p:cNvPr>
+            <p:cNvSpPr txBox="1"/>
+            <p:nvPr/>
+          </p:nvSpPr>
+          <p:spPr>
+            <a:xfrm>
+              <a:off x="897247" y="5321354"/>
+              <a:ext cx="8001094" cy="461665"/>
+            </a:xfrm>
+            <a:prstGeom prst="rect">
+              <a:avLst/>
+            </a:prstGeom>
+            <a:noFill/>
+          </p:spPr>
+          <p:txBody>
+            <a:bodyPr wrap="square">
+              <a:spAutoFit/>
+            </a:bodyPr>
+            <a:lstStyle/>
+            <a:p>
+              <a:pPr algn="ctr">
+                <a:defRPr/>
+              </a:pPr>
+              <a:r>
+                <a:rPr lang="ko-KR" altLang="en-US" sz="2400" spc="-150" dirty="0">
+                  <a:solidFill>
+                    <a:schemeClr val="dk1"/>
+                  </a:solidFill>
+                  <a:latin typeface="나눔스퀘어 Bold"/>
+                  <a:ea typeface="나눔스퀘어 Bold"/>
+                </a:rPr>
+                <a:t>이번 제안의 핵심은 </a:t>
+              </a:r>
+              <a:r>
+                <a:rPr lang="ko-KR" altLang="en-US" sz="2400" spc="-150" dirty="0" err="1">
+                  <a:solidFill>
+                    <a:schemeClr val="dk1"/>
+                  </a:solidFill>
+                  <a:latin typeface="나눔스퀘어 Bold"/>
+                  <a:ea typeface="나눔스퀘어 Bold"/>
+                </a:rPr>
+                <a:t>유통비</a:t>
+              </a:r>
+              <a:r>
+                <a:rPr lang="ko-KR" altLang="en-US" sz="2400" spc="-150" dirty="0">
+                  <a:solidFill>
+                    <a:schemeClr val="dk1"/>
+                  </a:solidFill>
+                  <a:latin typeface="나눔스퀘어 Bold"/>
+                  <a:ea typeface="나눔스퀘어 Bold"/>
+                </a:rPr>
+                <a:t> 안에 있는 운송비를 지원해주는 것 입니다</a:t>
+              </a:r>
+              <a:r>
+                <a:rPr lang="en-US" altLang="ko-KR" sz="2400" spc="-150" dirty="0">
+                  <a:solidFill>
+                    <a:schemeClr val="dk1"/>
+                  </a:solidFill>
+                  <a:latin typeface="나눔스퀘어 Bold"/>
+                  <a:ea typeface="나눔스퀘어 Bold"/>
+                </a:rPr>
+                <a:t>.</a:t>
+              </a:r>
+            </a:p>
+          </p:txBody>
+        </p:sp>
+        <p:sp>
+          <p:nvSpPr>
+            <p:cNvPr id="20" name="직사각형 19">
+              <a:extLst>
+                <a:ext uri="{FF2B5EF4-FFF2-40B4-BE49-F238E27FC236}">
+                  <a16:creationId xmlns:a16="http://schemas.microsoft.com/office/drawing/2014/main" id="{96FDACDE-230A-4F98-9A22-DA6F12FADF6D}"/>
+                </a:ext>
+              </a:extLst>
+            </p:cNvPr>
+            <p:cNvSpPr/>
+            <p:nvPr/>
+          </p:nvSpPr>
+          <p:spPr>
+            <a:xfrm>
+              <a:off x="609827" y="2803787"/>
+              <a:ext cx="1662064" cy="1753394"/>
+            </a:xfrm>
+            <a:prstGeom prst="rect">
+              <a:avLst/>
+            </a:prstGeom>
+            <a:solidFill>
+              <a:srgbClr val="F33535"/>
+            </a:solidFill>
+            <a:ln>
+              <a:noFill/>
+            </a:ln>
+          </p:spPr>
+          <p:style>
+            <a:lnRef idx="2">
+              <a:schemeClr val="accent1">
+                <a:shade val="50000"/>
+              </a:schemeClr>
+            </a:lnRef>
+            <a:fillRef idx="1">
+              <a:schemeClr val="accent1"/>
+            </a:fillRef>
+            <a:effectRef idx="0">
+              <a:schemeClr val="accent1"/>
+            </a:effectRef>
+            <a:fontRef idx="minor">
+              <a:schemeClr val="lt1"/>
+            </a:fontRef>
+          </p:style>
+          <p:txBody>
+            <a:bodyPr rtlCol="0" anchor="ctr"/>
+            <a:lstStyle/>
+            <a:p>
+              <a:pPr algn="ctr"/>
+              <a:endParaRPr lang="ko-KR" altLang="en-US"/>
+            </a:p>
+          </p:txBody>
+        </p:sp>
+        <p:sp>
+          <p:nvSpPr>
+            <p:cNvPr id="32" name="TextBox 31">
+              <a:extLst>
+                <a:ext uri="{FF2B5EF4-FFF2-40B4-BE49-F238E27FC236}">
+                  <a16:creationId xmlns:a16="http://schemas.microsoft.com/office/drawing/2014/main" id="{9FC3A03F-4D7B-41AA-ADBE-BA2BD5C02573}"/>
+                </a:ext>
+              </a:extLst>
+            </p:cNvPr>
+            <p:cNvSpPr txBox="1"/>
+            <p:nvPr/>
+          </p:nvSpPr>
+          <p:spPr>
+            <a:xfrm>
+              <a:off x="799980" y="3416138"/>
+              <a:ext cx="1281757" cy="518797"/>
+            </a:xfrm>
+            <a:prstGeom prst="rect">
+              <a:avLst/>
+            </a:prstGeom>
+            <a:noFill/>
+          </p:spPr>
+          <p:txBody>
+            <a:bodyPr wrap="square" rtlCol="0">
+              <a:spAutoFit/>
+            </a:bodyPr>
+            <a:lstStyle/>
+            <a:p>
+              <a:r>
+                <a:rPr lang="ko-KR" altLang="en-US" sz="2800" b="1" dirty="0" err="1">
+                  <a:solidFill>
+                    <a:schemeClr val="bg1"/>
+                  </a:solidFill>
+                </a:rPr>
+                <a:t>유통비</a:t>
+              </a:r>
+              <a:endParaRPr lang="ko-KR" altLang="en-US" sz="2800" b="1" dirty="0">
+                <a:solidFill>
+                  <a:schemeClr val="bg1"/>
+                </a:solidFill>
+              </a:endParaRPr>
+            </a:p>
+          </p:txBody>
+        </p:sp>
+        <p:sp>
+          <p:nvSpPr>
+            <p:cNvPr id="3" name="화살표: 오른쪽 2">
+              <a:extLst>
+                <a:ext uri="{FF2B5EF4-FFF2-40B4-BE49-F238E27FC236}">
+                  <a16:creationId xmlns:a16="http://schemas.microsoft.com/office/drawing/2014/main" id="{7A7D5DAF-9905-4E01-9F75-A378C8932734}"/>
+                </a:ext>
+              </a:extLst>
+            </p:cNvPr>
+            <p:cNvSpPr/>
+            <p:nvPr/>
+          </p:nvSpPr>
+          <p:spPr>
+            <a:xfrm>
+              <a:off x="2562903" y="3329430"/>
+              <a:ext cx="902811" cy="641196"/>
+            </a:xfrm>
+            <a:prstGeom prst="rightArrow">
+              <a:avLst/>
+            </a:prstGeom>
+            <a:solidFill>
+              <a:srgbClr val="92D050"/>
+            </a:solidFill>
+          </p:spPr>
+          <p:style>
+            <a:lnRef idx="2">
+              <a:schemeClr val="accent1">
+                <a:shade val="50000"/>
+              </a:schemeClr>
+            </a:lnRef>
+            <a:fillRef idx="1">
+              <a:schemeClr val="accent1"/>
+            </a:fillRef>
+            <a:effectRef idx="0">
+              <a:schemeClr val="accent1"/>
+            </a:effectRef>
+            <a:fontRef idx="minor">
+              <a:schemeClr val="lt1"/>
+            </a:fontRef>
+          </p:style>
+          <p:txBody>
+            <a:bodyPr rtlCol="0" anchor="ctr"/>
+            <a:lstStyle/>
+            <a:p>
+              <a:pPr algn="ctr"/>
+              <a:endParaRPr lang="ko-KR" altLang="en-US" dirty="0">
+                <a:solidFill>
+                  <a:srgbClr val="FF0000"/>
+                </a:solidFill>
+                <a:highlight>
+                  <a:srgbClr val="FF0000"/>
+                </a:highlight>
+              </a:endParaRPr>
+            </a:p>
+          </p:txBody>
+        </p:sp>
+        <p:sp>
+          <p:nvSpPr>
+            <p:cNvPr id="34" name="직사각형 33">
+              <a:extLst>
+                <a:ext uri="{FF2B5EF4-FFF2-40B4-BE49-F238E27FC236}">
+                  <a16:creationId xmlns:a16="http://schemas.microsoft.com/office/drawing/2014/main" id="{78619A4F-AA11-4A4F-B7AA-5525640E5A82}"/>
+                </a:ext>
+              </a:extLst>
+            </p:cNvPr>
+            <p:cNvSpPr/>
+            <p:nvPr/>
+          </p:nvSpPr>
+          <p:spPr>
+            <a:xfrm>
+              <a:off x="3683550" y="2798839"/>
+              <a:ext cx="1662064" cy="641196"/>
+            </a:xfrm>
+            <a:prstGeom prst="rect">
+              <a:avLst/>
+            </a:prstGeom>
+            <a:solidFill>
+              <a:srgbClr val="0070C0"/>
+            </a:solidFill>
+            <a:ln>
+              <a:noFill/>
+            </a:ln>
+          </p:spPr>
+          <p:style>
+            <a:lnRef idx="2">
+              <a:schemeClr val="accent1">
+                <a:shade val="50000"/>
+              </a:schemeClr>
+            </a:lnRef>
+            <a:fillRef idx="1">
+              <a:schemeClr val="accent1"/>
+            </a:fillRef>
+            <a:effectRef idx="0">
+              <a:schemeClr val="accent1"/>
+            </a:effectRef>
+            <a:fontRef idx="minor">
+              <a:schemeClr val="lt1"/>
+            </a:fontRef>
+          </p:style>
+          <p:txBody>
+            <a:bodyPr rtlCol="0" anchor="ctr"/>
+            <a:lstStyle/>
+            <a:p>
+              <a:pPr algn="ctr"/>
+              <a:r>
+                <a:rPr lang="ko-KR" altLang="en-US" dirty="0"/>
+                <a:t>운송비</a:t>
+              </a:r>
+            </a:p>
+          </p:txBody>
+        </p:sp>
+        <p:sp>
+          <p:nvSpPr>
+            <p:cNvPr id="35" name="직사각형 34">
+              <a:extLst>
+                <a:ext uri="{FF2B5EF4-FFF2-40B4-BE49-F238E27FC236}">
+                  <a16:creationId xmlns:a16="http://schemas.microsoft.com/office/drawing/2014/main" id="{694E1CDF-4AF5-4C9A-859E-1FABF1981923}"/>
+                </a:ext>
+              </a:extLst>
+            </p:cNvPr>
+            <p:cNvSpPr/>
+            <p:nvPr/>
+          </p:nvSpPr>
+          <p:spPr>
+            <a:xfrm>
+              <a:off x="3702333" y="3562066"/>
+              <a:ext cx="1662064" cy="985220"/>
+            </a:xfrm>
+            <a:prstGeom prst="rect">
+              <a:avLst/>
+            </a:prstGeom>
+            <a:solidFill>
+              <a:srgbClr val="F33535"/>
+            </a:solidFill>
+            <a:ln>
+              <a:noFill/>
+            </a:ln>
+          </p:spPr>
+          <p:style>
+            <a:lnRef idx="2">
+              <a:schemeClr val="accent1">
+                <a:shade val="50000"/>
+              </a:schemeClr>
+            </a:lnRef>
+            <a:fillRef idx="1">
+              <a:schemeClr val="accent1"/>
+            </a:fillRef>
+            <a:effectRef idx="0">
+              <a:schemeClr val="accent1"/>
+            </a:effectRef>
+            <a:fontRef idx="minor">
+              <a:schemeClr val="lt1"/>
+            </a:fontRef>
+          </p:style>
+          <p:txBody>
+            <a:bodyPr rtlCol="0" anchor="ctr"/>
+            <a:lstStyle/>
+            <a:p>
+              <a:pPr algn="ctr"/>
+              <a:r>
+                <a:rPr lang="ko-KR" altLang="en-US" dirty="0" err="1"/>
+                <a:t>유통비</a:t>
+              </a:r>
+              <a:endParaRPr lang="ko-KR" altLang="en-US" dirty="0"/>
+            </a:p>
+          </p:txBody>
+        </p:sp>
+        <p:cxnSp>
+          <p:nvCxnSpPr>
+            <p:cNvPr id="5" name="연결선: 꺾임 4">
+              <a:extLst>
+                <a:ext uri="{FF2B5EF4-FFF2-40B4-BE49-F238E27FC236}">
+                  <a16:creationId xmlns:a16="http://schemas.microsoft.com/office/drawing/2014/main" id="{A11F6876-BFD6-4C87-AD32-DA2BABABDFD5}"/>
+                </a:ext>
+              </a:extLst>
+            </p:cNvPr>
+            <p:cNvCxnSpPr>
+              <a:cxnSpLocks/>
+              <a:stCxn id="34" idx="3"/>
+              <a:endCxn id="36" idx="1"/>
+            </p:cNvCxnSpPr>
+            <p:nvPr/>
+          </p:nvCxnSpPr>
+          <p:spPr>
+            <a:xfrm>
+              <a:off x="5345614" y="3119437"/>
+              <a:ext cx="2300297" cy="550319"/>
+            </a:xfrm>
+            <a:prstGeom prst="bentConnector3">
+              <a:avLst/>
+            </a:prstGeom>
+            <a:ln>
+              <a:tailEnd type="triangle"/>
+            </a:ln>
+          </p:spPr>
+          <p:style>
+            <a:lnRef idx="1">
+              <a:schemeClr val="dk1"/>
+            </a:lnRef>
+            <a:fillRef idx="0">
+              <a:schemeClr val="dk1"/>
+            </a:fillRef>
+            <a:effectRef idx="0">
+              <a:schemeClr val="dk1"/>
+            </a:effectRef>
+            <a:fontRef idx="minor">
+              <a:schemeClr val="tx1"/>
+            </a:fontRef>
+          </p:style>
+        </p:cxnSp>
+        <p:sp>
+          <p:nvSpPr>
+            <p:cNvPr id="36" name="직사각형 35">
+              <a:extLst>
+                <a:ext uri="{FF2B5EF4-FFF2-40B4-BE49-F238E27FC236}">
+                  <a16:creationId xmlns:a16="http://schemas.microsoft.com/office/drawing/2014/main" id="{DBA4B18E-6308-409B-97C5-E1AF7B86EAA5}"/>
+                </a:ext>
+              </a:extLst>
+            </p:cNvPr>
+            <p:cNvSpPr/>
+            <p:nvPr/>
+          </p:nvSpPr>
+          <p:spPr>
+            <a:xfrm>
+              <a:off x="7645911" y="2798839"/>
+              <a:ext cx="1662064" cy="1741834"/>
+            </a:xfrm>
+            <a:prstGeom prst="rect">
+              <a:avLst/>
+            </a:prstGeom>
+            <a:solidFill>
+              <a:srgbClr val="0070C0"/>
+            </a:solidFill>
+            <a:ln>
+              <a:noFill/>
+            </a:ln>
+          </p:spPr>
+          <p:style>
+            <a:lnRef idx="2">
+              <a:schemeClr val="accent1">
+                <a:shade val="50000"/>
+              </a:schemeClr>
+            </a:lnRef>
+            <a:fillRef idx="1">
+              <a:schemeClr val="accent1"/>
+            </a:fillRef>
+            <a:effectRef idx="0">
+              <a:schemeClr val="accent1"/>
+            </a:effectRef>
+            <a:fontRef idx="minor">
+              <a:schemeClr val="lt1"/>
+            </a:fontRef>
+          </p:style>
+          <p:txBody>
+            <a:bodyPr rtlCol="0" anchor="ctr"/>
+            <a:lstStyle/>
+            <a:p>
+              <a:pPr algn="ctr"/>
+              <a:r>
+                <a:rPr lang="ko-KR" altLang="en-US" dirty="0"/>
+                <a:t>운송비</a:t>
+              </a:r>
+            </a:p>
+          </p:txBody>
+        </p:sp>
+      </p:grpSp>
+    </p:spTree>
+    <p:extLst>
+      <p:ext uri="{BB962C8B-B14F-4D97-AF65-F5344CB8AC3E}">
+        <p14:creationId xmlns:p14="http://schemas.microsoft.com/office/powerpoint/2010/main" val="3651762925"/>
+      </p:ext>
+    </p:extLst>
+  </p:cSld>
+  <p:clrMapOvr>
+    <a:masterClrMapping/>
+  </p:clrMapOvr>
+</p:sld>
+</file>
+
+<file path=ppt/slides/slide23.xml><?xml version="1.0" encoding="utf-8"?>
+<p:sld xmlns:a="http://schemas.openxmlformats.org/drawingml/2006/main" xmlns:r="http://schemas.openxmlformats.org/officeDocument/2006/relationships" xmlns:p="http://schemas.openxmlformats.org/presentationml/2006/main">
+  <p:cSld>
+    <p:spTree>
+      <p:nvGrpSpPr>
+        <p:cNvPr id="1" name=""/>
+        <p:cNvGrpSpPr/>
+        <p:nvPr/>
+      </p:nvGrpSpPr>
+      <p:grpSpPr>
+        <a:xfrm>
+          <a:off x="0" y="0"/>
+          <a:ext cx="0" cy="0"/>
+          <a:chOff x="0" y="0"/>
+          <a:chExt cx="0" cy="0"/>
+        </a:xfrm>
+      </p:grpSpPr>
+      <p:sp>
+        <p:nvSpPr>
+          <p:cNvPr id="13" name="TextBox 12"/>
+          <p:cNvSpPr txBox="1"/>
+          <p:nvPr/>
+        </p:nvSpPr>
+        <p:spPr>
+          <a:xfrm>
+            <a:off x="955384" y="1425148"/>
+            <a:ext cx="1774845" cy="584775"/>
+          </a:xfrm>
+          <a:prstGeom prst="rect">
+            <a:avLst/>
+          </a:prstGeom>
+          <a:noFill/>
+        </p:spPr>
+        <p:txBody>
+          <a:bodyPr wrap="none" rtlCol="0">
+            <a:spAutoFit/>
+          </a:bodyPr>
+          <a:lstStyle/>
+          <a:p>
+            <a:r>
+              <a:rPr lang="ko-KR" altLang="en-US" sz="1600" dirty="0">
+                <a:ln w="22225">
+                  <a:noFill/>
+                </a:ln>
+                <a:solidFill>
+                  <a:srgbClr val="30302A"/>
+                </a:solidFill>
+                <a:effectLst/>
+                <a:latin typeface="나눔스퀘어" panose="020B0600000101010101" pitchFamily="50" charset="-127"/>
+                <a:ea typeface="나눔스퀘어" panose="020B0600000101010101" pitchFamily="50" charset="-127"/>
+              </a:rPr>
+              <a:t>기본</a:t>
+            </a:r>
+            <a:r>
+              <a:rPr lang="en-US" altLang="ko-KR" sz="1600" dirty="0">
+                <a:ln w="22225">
+                  <a:noFill/>
+                </a:ln>
+                <a:solidFill>
+                  <a:srgbClr val="30302A"/>
+                </a:solidFill>
+                <a:effectLst/>
+                <a:latin typeface="나눔스퀘어" panose="020B0600000101010101" pitchFamily="50" charset="-127"/>
+                <a:ea typeface="나눔스퀘어" panose="020B0600000101010101" pitchFamily="50" charset="-127"/>
+              </a:rPr>
+              <a:t> </a:t>
+            </a:r>
+            <a:r>
+              <a:rPr lang="ko-KR" altLang="en-US" sz="1600" dirty="0">
+                <a:ln w="22225">
+                  <a:noFill/>
+                </a:ln>
+                <a:solidFill>
+                  <a:srgbClr val="30302A"/>
+                </a:solidFill>
+                <a:effectLst/>
+                <a:latin typeface="나눔스퀘어" panose="020B0600000101010101" pitchFamily="50" charset="-127"/>
+                <a:ea typeface="나눔스퀘어" panose="020B0600000101010101" pitchFamily="50" charset="-127"/>
+              </a:rPr>
+              <a:t>색상은 검은색</a:t>
+            </a:r>
+            <a:endParaRPr lang="en-US" altLang="ko-KR" sz="1600" dirty="0">
+              <a:ln w="22225">
+                <a:noFill/>
+              </a:ln>
+              <a:solidFill>
+                <a:srgbClr val="30302A"/>
+              </a:solidFill>
+              <a:effectLst/>
+              <a:latin typeface="나눔스퀘어" panose="020B0600000101010101" pitchFamily="50" charset="-127"/>
+              <a:ea typeface="나눔스퀘어" panose="020B0600000101010101" pitchFamily="50" charset="-127"/>
+            </a:endParaRPr>
+          </a:p>
+          <a:p>
+            <a:r>
+              <a:rPr lang="ko-KR" altLang="en-US" sz="1600" dirty="0">
+                <a:ln w="22225">
+                  <a:noFill/>
+                </a:ln>
+                <a:solidFill>
+                  <a:srgbClr val="94C3BB"/>
+                </a:solidFill>
+                <a:effectLst/>
+                <a:latin typeface="나눔스퀘어" panose="020B0600000101010101" pitchFamily="50" charset="-127"/>
+                <a:ea typeface="나눔스퀘어" panose="020B0600000101010101" pitchFamily="50" charset="-127"/>
+              </a:rPr>
+              <a:t>중요 색상은 </a:t>
+            </a:r>
+            <a:r>
+              <a:rPr lang="ko-KR" altLang="en-US" sz="1600" dirty="0" err="1">
+                <a:ln w="22225">
+                  <a:noFill/>
+                </a:ln>
+                <a:solidFill>
+                  <a:srgbClr val="94C3BB"/>
+                </a:solidFill>
+                <a:effectLst/>
+                <a:latin typeface="나눔스퀘어" panose="020B0600000101010101" pitchFamily="50" charset="-127"/>
+                <a:ea typeface="나눔스퀘어" panose="020B0600000101010101" pitchFamily="50" charset="-127"/>
+              </a:rPr>
+              <a:t>민트색</a:t>
+            </a:r>
+            <a:endParaRPr lang="en-US" altLang="ko-KR" sz="1600" dirty="0">
+              <a:ln w="22225">
+                <a:noFill/>
+              </a:ln>
+              <a:solidFill>
+                <a:srgbClr val="94C3BB"/>
+              </a:solidFill>
+              <a:effectLst/>
+              <a:latin typeface="나눔스퀘어" panose="020B0600000101010101" pitchFamily="50" charset="-127"/>
+              <a:ea typeface="나눔스퀘어" panose="020B0600000101010101" pitchFamily="50" charset="-127"/>
+            </a:endParaRPr>
+          </a:p>
+        </p:txBody>
+      </p:sp>
+      <p:sp>
+        <p:nvSpPr>
+          <p:cNvPr id="16" name="TextBox 15"/>
+          <p:cNvSpPr txBox="1"/>
+          <p:nvPr/>
+        </p:nvSpPr>
+        <p:spPr>
+          <a:xfrm>
+            <a:off x="464118" y="229970"/>
+            <a:ext cx="1491113" cy="461665"/>
+          </a:xfrm>
+          <a:prstGeom prst="rect">
+            <a:avLst/>
+          </a:prstGeom>
+          <a:noFill/>
+        </p:spPr>
+        <p:txBody>
+          <a:bodyPr wrap="none" rtlCol="0">
+            <a:spAutoFit/>
+          </a:bodyPr>
+          <a:lstStyle/>
+          <a:p>
+            <a:pPr algn="ctr"/>
+            <a:r>
+              <a:rPr lang="ko-KR" altLang="en-US" sz="2400" spc="-150" dirty="0" err="1">
+                <a:solidFill>
+                  <a:srgbClr val="FFFFFF"/>
+                </a:solidFill>
+                <a:latin typeface="나눔스퀘어 Bold" panose="020B0600000101010101" pitchFamily="50" charset="-127"/>
+                <a:ea typeface="나눔스퀘어 Bold" panose="020B0600000101010101" pitchFamily="50" charset="-127"/>
+              </a:rPr>
+              <a:t>포니부하곰</a:t>
+            </a:r>
+            <a:endParaRPr lang="ko-KR" altLang="en-US" sz="2400" spc="-150" dirty="0">
+              <a:solidFill>
+                <a:srgbClr val="FFFFFF"/>
+              </a:solidFill>
+              <a:latin typeface="나눔스퀘어 Bold" panose="020B0600000101010101" pitchFamily="50" charset="-127"/>
+              <a:ea typeface="나눔스퀘어 Bold" panose="020B0600000101010101" pitchFamily="50" charset="-127"/>
+            </a:endParaRPr>
+          </a:p>
+        </p:txBody>
+      </p:sp>
+      <p:cxnSp>
+        <p:nvCxnSpPr>
+          <p:cNvPr id="8" name="직선 연결선 7"/>
+          <p:cNvCxnSpPr/>
+          <p:nvPr/>
+        </p:nvCxnSpPr>
+        <p:spPr>
+          <a:xfrm>
+            <a:off x="10618885" y="6731183"/>
+            <a:ext cx="364528" cy="0"/>
+          </a:xfrm>
+          <a:prstGeom prst="line">
+            <a:avLst/>
+          </a:prstGeom>
+          <a:ln w="19050" cap="rnd">
+            <a:solidFill>
+              <a:schemeClr val="tx1"/>
+            </a:solidFill>
+          </a:ln>
+        </p:spPr>
+        <p:style>
+          <a:lnRef idx="1">
+            <a:schemeClr val="accent1"/>
+          </a:lnRef>
+          <a:fillRef idx="0">
+            <a:schemeClr val="accent1"/>
+          </a:fillRef>
+          <a:effectRef idx="0">
+            <a:schemeClr val="accent1"/>
+          </a:effectRef>
+          <a:fontRef idx="minor">
+            <a:schemeClr val="tx1"/>
+          </a:fontRef>
+        </p:style>
+      </p:cxnSp>
+      <p:cxnSp>
+        <p:nvCxnSpPr>
+          <p:cNvPr id="9" name="직선 연결선 8"/>
+          <p:cNvCxnSpPr/>
+          <p:nvPr/>
+        </p:nvCxnSpPr>
+        <p:spPr>
+          <a:xfrm>
+            <a:off x="10983413" y="6731183"/>
+            <a:ext cx="364528" cy="0"/>
+          </a:xfrm>
+          <a:prstGeom prst="line">
+            <a:avLst/>
+          </a:prstGeom>
+          <a:ln w="19050" cap="rnd">
+            <a:solidFill>
+              <a:schemeClr val="tx1"/>
+            </a:solidFill>
+          </a:ln>
+        </p:spPr>
+        <p:style>
+          <a:lnRef idx="1">
+            <a:schemeClr val="accent1"/>
+          </a:lnRef>
+          <a:fillRef idx="0">
+            <a:schemeClr val="accent1"/>
+          </a:fillRef>
+          <a:effectRef idx="0">
+            <a:schemeClr val="accent1"/>
+          </a:effectRef>
+          <a:fontRef idx="minor">
+            <a:schemeClr val="tx1"/>
+          </a:fontRef>
+        </p:style>
+      </p:cxnSp>
+      <p:cxnSp>
+        <p:nvCxnSpPr>
+          <p:cNvPr id="10" name="직선 연결선 9"/>
+          <p:cNvCxnSpPr/>
+          <p:nvPr/>
+        </p:nvCxnSpPr>
+        <p:spPr>
+          <a:xfrm>
+            <a:off x="11342766" y="6731183"/>
+            <a:ext cx="364528" cy="0"/>
+          </a:xfrm>
+          <a:prstGeom prst="line">
+            <a:avLst/>
+          </a:prstGeom>
+          <a:ln w="19050" cap="rnd">
+            <a:solidFill>
+              <a:schemeClr val="tx1"/>
+            </a:solidFill>
+          </a:ln>
+        </p:spPr>
+        <p:style>
+          <a:lnRef idx="1">
+            <a:schemeClr val="accent1"/>
+          </a:lnRef>
+          <a:fillRef idx="0">
+            <a:schemeClr val="accent1"/>
+          </a:fillRef>
+          <a:effectRef idx="0">
+            <a:schemeClr val="accent1"/>
+          </a:effectRef>
+          <a:fontRef idx="minor">
+            <a:schemeClr val="tx1"/>
+          </a:fontRef>
+        </p:style>
+      </p:cxnSp>
+      <p:cxnSp>
+        <p:nvCxnSpPr>
+          <p:cNvPr id="12" name="직선 연결선 11"/>
+          <p:cNvCxnSpPr/>
+          <p:nvPr/>
+        </p:nvCxnSpPr>
+        <p:spPr>
+          <a:xfrm>
+            <a:off x="10255493" y="6731183"/>
+            <a:ext cx="364528" cy="0"/>
+          </a:xfrm>
+          <a:prstGeom prst="line">
+            <a:avLst/>
+          </a:prstGeom>
+          <a:ln w="19050" cap="rnd">
+            <a:solidFill>
+              <a:schemeClr val="tx1"/>
+            </a:solidFill>
+          </a:ln>
+        </p:spPr>
+        <p:style>
+          <a:lnRef idx="1">
+            <a:schemeClr val="accent1"/>
+          </a:lnRef>
+          <a:fillRef idx="0">
+            <a:schemeClr val="accent1"/>
+          </a:fillRef>
+          <a:effectRef idx="0">
+            <a:schemeClr val="accent1"/>
+          </a:effectRef>
+          <a:fontRef idx="minor">
+            <a:schemeClr val="tx1"/>
+          </a:fontRef>
+        </p:style>
+      </p:cxnSp>
+      <p:cxnSp>
+        <p:nvCxnSpPr>
+          <p:cNvPr id="11" name="직선 연결선 10"/>
+          <p:cNvCxnSpPr/>
+          <p:nvPr/>
+        </p:nvCxnSpPr>
+        <p:spPr>
+          <a:xfrm>
+            <a:off x="11707294" y="6731183"/>
+            <a:ext cx="364528" cy="0"/>
+          </a:xfrm>
+          <a:prstGeom prst="line">
+            <a:avLst/>
+          </a:prstGeom>
+          <a:ln w="19050" cap="rnd">
+            <a:solidFill>
+              <a:srgbClr val="94C3BB"/>
+            </a:solidFill>
+          </a:ln>
+        </p:spPr>
+        <p:style>
+          <a:lnRef idx="1">
+            <a:schemeClr val="accent1"/>
+          </a:lnRef>
+          <a:fillRef idx="0">
+            <a:schemeClr val="accent1"/>
+          </a:fillRef>
+          <a:effectRef idx="0">
+            <a:schemeClr val="accent1"/>
+          </a:effectRef>
+          <a:fontRef idx="minor">
+            <a:schemeClr val="tx1"/>
+          </a:fontRef>
+        </p:style>
+      </p:cxnSp>
+    </p:spTree>
+    <p:extLst>
+      <p:ext uri="{BB962C8B-B14F-4D97-AF65-F5344CB8AC3E}">
+        <p14:creationId xmlns:p14="http://schemas.microsoft.com/office/powerpoint/2010/main" val="3721586884"/>
+      </p:ext>
+    </p:extLst>
+  </p:cSld>
+  <p:clrMapOvr>
+    <a:masterClrMapping/>
+  </p:clrMapOvr>
+</p:sld>
+</file>
+
+<file path=ppt/slides/slide24.xml><?xml version="1.0" encoding="utf-8"?>
+<p:sld xmlns:a="http://schemas.openxmlformats.org/drawingml/2006/main" xmlns:r="http://schemas.openxmlformats.org/officeDocument/2006/relationships" xmlns:p="http://schemas.openxmlformats.org/presentationml/2006/main">
+  <p:cSld>
+    <p:spTree>
+      <p:nvGrpSpPr>
+        <p:cNvPr id="1" name=""/>
+        <p:cNvGrpSpPr/>
+        <p:nvPr/>
+      </p:nvGrpSpPr>
+      <p:grpSpPr>
+        <a:xfrm>
+          <a:off x="0" y="0"/>
+          <a:ext cx="0" cy="0"/>
+          <a:chOff x="0" y="0"/>
+          <a:chExt cx="0" cy="0"/>
+        </a:xfrm>
+      </p:grpSpPr>
+      <p:sp>
+        <p:nvSpPr>
+          <p:cNvPr id="16" name="TextBox 15"/>
+          <p:cNvSpPr txBox="1"/>
+          <p:nvPr/>
+        </p:nvSpPr>
+        <p:spPr>
+          <a:xfrm>
+            <a:off x="464118" y="229970"/>
+            <a:ext cx="1491113" cy="461665"/>
+          </a:xfrm>
+          <a:prstGeom prst="rect">
+            <a:avLst/>
+          </a:prstGeom>
+          <a:noFill/>
+        </p:spPr>
+        <p:txBody>
+          <a:bodyPr wrap="none" rtlCol="0">
+            <a:spAutoFit/>
+          </a:bodyPr>
+          <a:lstStyle/>
+          <a:p>
+            <a:pPr algn="ctr"/>
+            <a:r>
+              <a:rPr lang="ko-KR" altLang="en-US" sz="2400" spc="-150" dirty="0" err="1">
+                <a:solidFill>
+                  <a:srgbClr val="FFFFFF"/>
+                </a:solidFill>
+                <a:latin typeface="나눔스퀘어 Bold" panose="020B0600000101010101" pitchFamily="50" charset="-127"/>
+                <a:ea typeface="나눔스퀘어 Bold" panose="020B0600000101010101" pitchFamily="50" charset="-127"/>
+              </a:rPr>
+              <a:t>포니부하곰</a:t>
+            </a:r>
+            <a:endParaRPr lang="ko-KR" altLang="en-US" sz="2400" spc="-150" dirty="0">
+              <a:solidFill>
+                <a:srgbClr val="FFFFFF"/>
+              </a:solidFill>
+              <a:latin typeface="나눔스퀘어 Bold" panose="020B0600000101010101" pitchFamily="50" charset="-127"/>
+              <a:ea typeface="나눔스퀘어 Bold" panose="020B0600000101010101" pitchFamily="50" charset="-127"/>
+            </a:endParaRPr>
+          </a:p>
+        </p:txBody>
+      </p:sp>
+      <p:cxnSp>
+        <p:nvCxnSpPr>
+          <p:cNvPr id="8" name="직선 연결선 7"/>
+          <p:cNvCxnSpPr/>
+          <p:nvPr/>
+        </p:nvCxnSpPr>
+        <p:spPr>
+          <a:xfrm>
+            <a:off x="10618885" y="6731183"/>
+            <a:ext cx="364528" cy="0"/>
+          </a:xfrm>
+          <a:prstGeom prst="line">
+            <a:avLst/>
+          </a:prstGeom>
+          <a:ln w="19050" cap="rnd">
+            <a:solidFill>
+              <a:schemeClr val="tx1"/>
+            </a:solidFill>
+          </a:ln>
+        </p:spPr>
+        <p:style>
+          <a:lnRef idx="1">
+            <a:schemeClr val="accent1"/>
+          </a:lnRef>
+          <a:fillRef idx="0">
+            <a:schemeClr val="accent1"/>
+          </a:fillRef>
+          <a:effectRef idx="0">
+            <a:schemeClr val="accent1"/>
+          </a:effectRef>
+          <a:fontRef idx="minor">
+            <a:schemeClr val="tx1"/>
+          </a:fontRef>
+        </p:style>
+      </p:cxnSp>
+      <p:cxnSp>
+        <p:nvCxnSpPr>
+          <p:cNvPr id="9" name="직선 연결선 8"/>
+          <p:cNvCxnSpPr/>
+          <p:nvPr/>
+        </p:nvCxnSpPr>
+        <p:spPr>
+          <a:xfrm>
+            <a:off x="10983413" y="6731183"/>
+            <a:ext cx="364528" cy="0"/>
+          </a:xfrm>
+          <a:prstGeom prst="line">
+            <a:avLst/>
+          </a:prstGeom>
+          <a:ln w="19050" cap="rnd">
+            <a:solidFill>
+              <a:schemeClr val="tx1"/>
+            </a:solidFill>
+          </a:ln>
+        </p:spPr>
+        <p:style>
+          <a:lnRef idx="1">
+            <a:schemeClr val="accent1"/>
+          </a:lnRef>
+          <a:fillRef idx="0">
+            <a:schemeClr val="accent1"/>
+          </a:fillRef>
+          <a:effectRef idx="0">
+            <a:schemeClr val="accent1"/>
+          </a:effectRef>
+          <a:fontRef idx="minor">
+            <a:schemeClr val="tx1"/>
+          </a:fontRef>
+        </p:style>
+      </p:cxnSp>
+      <p:cxnSp>
+        <p:nvCxnSpPr>
+          <p:cNvPr id="10" name="직선 연결선 9"/>
+          <p:cNvCxnSpPr/>
+          <p:nvPr/>
+        </p:nvCxnSpPr>
+        <p:spPr>
+          <a:xfrm>
+            <a:off x="11342766" y="6731183"/>
+            <a:ext cx="364528" cy="0"/>
+          </a:xfrm>
+          <a:prstGeom prst="line">
+            <a:avLst/>
+          </a:prstGeom>
+          <a:ln w="19050" cap="rnd">
+            <a:solidFill>
+              <a:schemeClr val="tx1"/>
+            </a:solidFill>
+          </a:ln>
+        </p:spPr>
+        <p:style>
+          <a:lnRef idx="1">
+            <a:schemeClr val="accent1"/>
+          </a:lnRef>
+          <a:fillRef idx="0">
+            <a:schemeClr val="accent1"/>
+          </a:fillRef>
+          <a:effectRef idx="0">
+            <a:schemeClr val="accent1"/>
+          </a:effectRef>
+          <a:fontRef idx="minor">
+            <a:schemeClr val="tx1"/>
+          </a:fontRef>
+        </p:style>
+      </p:cxnSp>
+      <p:cxnSp>
+        <p:nvCxnSpPr>
+          <p:cNvPr id="12" name="직선 연결선 11"/>
+          <p:cNvCxnSpPr/>
+          <p:nvPr/>
+        </p:nvCxnSpPr>
+        <p:spPr>
+          <a:xfrm>
+            <a:off x="10255493" y="6731183"/>
+            <a:ext cx="364528" cy="0"/>
+          </a:xfrm>
+          <a:prstGeom prst="line">
+            <a:avLst/>
+          </a:prstGeom>
+          <a:ln w="19050" cap="rnd">
+            <a:solidFill>
+              <a:schemeClr val="tx1"/>
+            </a:solidFill>
+          </a:ln>
+        </p:spPr>
+        <p:style>
+          <a:lnRef idx="1">
+            <a:schemeClr val="accent1"/>
+          </a:lnRef>
+          <a:fillRef idx="0">
+            <a:schemeClr val="accent1"/>
+          </a:fillRef>
+          <a:effectRef idx="0">
+            <a:schemeClr val="accent1"/>
+          </a:effectRef>
+          <a:fontRef idx="minor">
+            <a:schemeClr val="tx1"/>
+          </a:fontRef>
+        </p:style>
+      </p:cxnSp>
+      <p:cxnSp>
+        <p:nvCxnSpPr>
+          <p:cNvPr id="11" name="직선 연결선 10"/>
+          <p:cNvCxnSpPr/>
+          <p:nvPr/>
+        </p:nvCxnSpPr>
+        <p:spPr>
+          <a:xfrm>
+            <a:off x="11707294" y="6731183"/>
+            <a:ext cx="364528" cy="0"/>
+          </a:xfrm>
+          <a:prstGeom prst="line">
+            <a:avLst/>
+          </a:prstGeom>
+          <a:ln w="19050" cap="rnd">
+            <a:solidFill>
+              <a:srgbClr val="94C3BB"/>
+            </a:solidFill>
+          </a:ln>
+        </p:spPr>
+        <p:style>
+          <a:lnRef idx="1">
+            <a:schemeClr val="accent1"/>
+          </a:lnRef>
+          <a:fillRef idx="0">
+            <a:schemeClr val="accent1"/>
+          </a:fillRef>
+          <a:effectRef idx="0">
+            <a:schemeClr val="accent1"/>
+          </a:effectRef>
+          <a:fontRef idx="minor">
+            <a:schemeClr val="tx1"/>
+          </a:fontRef>
+        </p:style>
+      </p:cxnSp>
+      <p:sp>
+        <p:nvSpPr>
+          <p:cNvPr id="14" name="TextBox 13">
+            <a:extLst>
+              <a:ext uri="{FF2B5EF4-FFF2-40B4-BE49-F238E27FC236}">
+                <a16:creationId xmlns:a16="http://schemas.microsoft.com/office/drawing/2014/main" id="{8D550703-D2FB-4EFD-BBC6-7DA1F15BEFD9}"/>
+              </a:ext>
+            </a:extLst>
+          </p:cNvPr>
+          <p:cNvSpPr txBox="1"/>
+          <p:nvPr/>
+        </p:nvSpPr>
+        <p:spPr>
+          <a:xfrm>
+            <a:off x="5301552" y="2951947"/>
+            <a:ext cx="1588898" cy="830997"/>
+          </a:xfrm>
+          <a:prstGeom prst="rect">
+            <a:avLst/>
+          </a:prstGeom>
+          <a:noFill/>
+        </p:spPr>
+        <p:txBody>
+          <a:bodyPr wrap="none" rtlCol="0">
+            <a:spAutoFit/>
+          </a:bodyPr>
+          <a:lstStyle/>
+          <a:p>
+            <a:pPr algn="ctr"/>
+            <a:r>
+              <a:rPr lang="en-US" altLang="ko-KR" sz="4800" spc="300" dirty="0">
+                <a:ln w="104775" cmpd="tri">
+                  <a:noFill/>
+                </a:ln>
+                <a:solidFill>
+                  <a:srgbClr val="94C3BB"/>
+                </a:solidFill>
+                <a:effectLst>
+                  <a:outerShdw blurRad="38100" dist="38100" dir="2700000" algn="tl">
+                    <a:srgbClr val="000000">
+                      <a:alpha val="43137"/>
+                    </a:srgbClr>
+                  </a:outerShdw>
+                </a:effectLst>
+                <a:latin typeface="나눔스퀘어 ExtraBold" panose="020B0600000101010101" pitchFamily="50" charset="-127"/>
+                <a:ea typeface="나눔스퀘어 ExtraBold" panose="020B0600000101010101" pitchFamily="50" charset="-127"/>
+              </a:rPr>
+              <a:t>Q&amp;A</a:t>
+            </a:r>
+            <a:endParaRPr lang="ko-KR" altLang="en-US" sz="4800" spc="300" dirty="0">
+              <a:ln w="104775" cmpd="tri">
+                <a:noFill/>
+              </a:ln>
+              <a:solidFill>
+                <a:srgbClr val="94C3BB"/>
+              </a:solidFill>
+              <a:effectLst>
+                <a:outerShdw blurRad="38100" dist="38100" dir="2700000" algn="tl">
+                  <a:srgbClr val="000000">
+                    <a:alpha val="43137"/>
+                  </a:srgbClr>
+                </a:outerShdw>
+              </a:effectLst>
+              <a:latin typeface="나눔스퀘어 ExtraBold" panose="020B0600000101010101" pitchFamily="50" charset="-127"/>
+              <a:ea typeface="나눔스퀘어 ExtraBold" panose="020B0600000101010101" pitchFamily="50" charset="-127"/>
+            </a:endParaRPr>
+          </a:p>
+        </p:txBody>
+      </p:sp>
+    </p:spTree>
+    <p:extLst>
+      <p:ext uri="{BB962C8B-B14F-4D97-AF65-F5344CB8AC3E}">
+        <p14:creationId xmlns:p14="http://schemas.microsoft.com/office/powerpoint/2010/main" val="3693316627"/>
+      </p:ext>
+    </p:extLst>
+  </p:cSld>
+  <p:clrMapOvr>
+    <a:masterClrMapping/>
+  </p:clrMapOvr>
+</p:sld>
+</file>
+
+<file path=ppt/slides/slide25.xml><?xml version="1.0" encoding="utf-8"?>
+<p:sld xmlns:a="http://schemas.openxmlformats.org/drawingml/2006/main" xmlns:r="http://schemas.openxmlformats.org/officeDocument/2006/relationships" xmlns:p="http://schemas.openxmlformats.org/presentationml/2006/main">
+  <p:cSld>
+    <p:spTree>
+      <p:nvGrpSpPr>
+        <p:cNvPr id="1" name=""/>
+        <p:cNvGrpSpPr/>
+        <p:nvPr/>
+      </p:nvGrpSpPr>
+      <p:grpSpPr>
+        <a:xfrm>
+          <a:off x="0" y="0"/>
+          <a:ext cx="0" cy="0"/>
+          <a:chOff x="0" y="0"/>
+          <a:chExt cx="0" cy="0"/>
+        </a:xfrm>
+      </p:grpSpPr>
+      <p:sp>
+        <p:nvSpPr>
           <p:cNvPr id="16" name="TextBox 15"/>
           <p:cNvSpPr txBox="1"/>
           <p:nvPr/>
@@ -14544,7 +17476,7 @@
 </p:sld>
 </file>
 
-<file path=ppt/slides/slide23.xml><?xml version="1.0" encoding="utf-8"?>
+<file path=ppt/slides/slide26.xml><?xml version="1.0" encoding="utf-8"?>
 <p:sld xmlns:a="http://schemas.openxmlformats.org/drawingml/2006/main" xmlns:r="http://schemas.openxmlformats.org/officeDocument/2006/relationships" xmlns:p="http://schemas.openxmlformats.org/presentationml/2006/main">
   <p:cSld>
     <p:bg>
@@ -14645,7 +17577,7 @@
 </p:sld>
 </file>
 
-<file path=ppt/slides/slide24.xml><?xml version="1.0" encoding="utf-8"?>
+<file path=ppt/slides/slide27.xml><?xml version="1.0" encoding="utf-8"?>
 <p:sld xmlns:a="http://schemas.openxmlformats.org/drawingml/2006/main" xmlns:r="http://schemas.openxmlformats.org/officeDocument/2006/relationships" xmlns:p="http://schemas.openxmlformats.org/presentationml/2006/main">
   <p:cSld>
     <p:bg>
@@ -17634,7 +20566,7 @@
     <mc:Choice Requires="p14">
       <p:transition/>
     </mc:Choice>
-    <mc:Fallback xmlns:dsp="http://schemas.microsoft.com/office/drawing/2008/diagram" xmlns:dgm="http://schemas.openxmlformats.org/drawingml/2006/diagram" xmlns:c="http://schemas.openxmlformats.org/drawingml/2006/chart" xmlns="">
+    <mc:Fallback xmlns="" xmlns:c="http://schemas.openxmlformats.org/drawingml/2006/chart" xmlns:dgm="http://schemas.openxmlformats.org/drawingml/2006/diagram" xmlns:dsp="http://schemas.microsoft.com/office/drawing/2008/diagram">
       <p:transition/>
     </mc:Fallback>
   </mc:AlternateContent>
@@ -18722,7 +21654,7 @@
     <mc:Choice Requires="p14">
       <p:transition/>
     </mc:Choice>
-    <mc:Fallback xmlns:dsp="http://schemas.microsoft.com/office/drawing/2008/diagram" xmlns:dgm="http://schemas.openxmlformats.org/drawingml/2006/diagram" xmlns:c="http://schemas.openxmlformats.org/drawingml/2006/chart" xmlns="">
+    <mc:Fallback xmlns="" xmlns:c="http://schemas.openxmlformats.org/drawingml/2006/chart" xmlns:dgm="http://schemas.openxmlformats.org/drawingml/2006/diagram" xmlns:dsp="http://schemas.microsoft.com/office/drawing/2008/diagram">
       <p:transition/>
     </mc:Fallback>
   </mc:AlternateContent>
@@ -19398,7 +22330,7 @@
     <mc:Choice Requires="p14">
       <p:transition/>
     </mc:Choice>
-    <mc:Fallback xmlns:dsp="http://schemas.microsoft.com/office/drawing/2008/diagram" xmlns:dgm="http://schemas.openxmlformats.org/drawingml/2006/diagram" xmlns:c="http://schemas.openxmlformats.org/drawingml/2006/chart" xmlns="">
+    <mc:Fallback xmlns="" xmlns:c="http://schemas.openxmlformats.org/drawingml/2006/chart" xmlns:dgm="http://schemas.openxmlformats.org/drawingml/2006/diagram" xmlns:dsp="http://schemas.microsoft.com/office/drawing/2008/diagram">
       <p:transition/>
     </mc:Fallback>
   </mc:AlternateContent>
